--- a/Final_Project_Bigdata.pptx
+++ b/Final_Project_Bigdata.pptx
@@ -8359,8 +8359,8 @@
         </p:nvSpPr>
         <p:spPr>
           <a:xfrm>
-            <a:off x="311700" y="4507450"/>
-            <a:ext cx="4915500" cy="636000"/>
+            <a:off x="277100" y="4565125"/>
+            <a:ext cx="4915500" cy="421500"/>
           </a:xfrm>
           <a:prstGeom prst="rect">
             <a:avLst/>
@@ -8386,33 +8386,22 @@
               <a:buNone/>
             </a:pPr>
             <a:r>
-              <a:rPr lang="en" sz="1300">
+              <a:rPr lang="en" sz="1900">
                 <a:solidFill>
                   <a:srgbClr val="4285F4"/>
                 </a:solidFill>
               </a:rPr>
-              <a:t>Presentor By: Senghour Mey</a:t>
+              <a:t>Presentor By: Senghour Me</a:t>
             </a:r>
-            <a:endParaRPr sz="1300">
-              <a:solidFill>
-                <a:srgbClr val="4285F4"/>
-              </a:solidFill>
-            </a:endParaRPr>
-          </a:p>
-          <a:p>
-            <a:pPr indent="0" lvl="0" marL="0" rtl="0" algn="l">
-              <a:spcBef>
-                <a:spcPts val="0"/>
-              </a:spcBef>
-              <a:spcAft>
-                <a:spcPts val="0"/>
-              </a:spcAft>
-              <a:buNone/>
-            </a:pPr>
             <a:r>
-              <a:t/>
+              <a:rPr lang="en" sz="1900">
+                <a:solidFill>
+                  <a:srgbClr val="4285F4"/>
+                </a:solidFill>
+              </a:rPr>
+              <a:t>y</a:t>
             </a:r>
-            <a:endParaRPr sz="1300">
+            <a:endParaRPr sz="1900">
               <a:solidFill>
                 <a:srgbClr val="4285F4"/>
               </a:solidFill>

--- a/Final_Project_Bigdata.pptx
+++ b/Final_Project_Bigdata.pptx
@@ -1,48 +1,48 @@
 
 <file path=ppt/presentation.xml><?xml version="1.0" encoding="utf-8"?>
-<p:presentation xmlns:a="http://schemas.openxmlformats.org/drawingml/2006/main" xmlns:r="http://schemas.openxmlformats.org/officeDocument/2006/relationships" xmlns:mc="http://schemas.openxmlformats.org/markup-compatibility/2006" xmlns:mv="urn:schemas-microsoft-com:mac:vml" xmlns:p="http://schemas.openxmlformats.org/presentationml/2006/main" xmlns:c="http://schemas.openxmlformats.org/drawingml/2006/chart" xmlns:dgm="http://schemas.openxmlformats.org/drawingml/2006/diagram" xmlns:o="urn:schemas-microsoft-com:office:office" xmlns:v="urn:schemas-microsoft-com:vml" xmlns:pvml="urn:schemas-microsoft-com:office:powerpoint" xmlns:com="http://schemas.openxmlformats.org/drawingml/2006/compatibility" xmlns:p14="http://schemas.microsoft.com/office/powerpoint/2010/main" xmlns:p15="http://schemas.microsoft.com/office/powerpoint/2012/main" xmlns:ahyp="http://schemas.microsoft.com/office/drawing/2018/hyperlinkcolor" autoCompressPictures="0" strictFirstAndLastChars="0" saveSubsetFonts="1">
+<p:presentation xmlns:a="http://schemas.openxmlformats.org/drawingml/2006/main" xmlns:r="http://schemas.openxmlformats.org/officeDocument/2006/relationships" xmlns:p="http://schemas.openxmlformats.org/presentationml/2006/main" strictFirstAndLastChars="0" saveSubsetFonts="1" autoCompressPictures="0">
   <p:sldMasterIdLst>
-    <p:sldMasterId id="2147483659" r:id="rId4"/>
+    <p:sldMasterId id="2147483659" r:id="rId1"/>
   </p:sldMasterIdLst>
   <p:notesMasterIdLst>
-    <p:notesMasterId r:id="rId5"/>
+    <p:notesMasterId r:id="rId32"/>
   </p:notesMasterIdLst>
   <p:sldIdLst>
-    <p:sldId id="256" r:id="rId6"/>
-    <p:sldId id="257" r:id="rId7"/>
-    <p:sldId id="258" r:id="rId8"/>
-    <p:sldId id="259" r:id="rId9"/>
-    <p:sldId id="260" r:id="rId10"/>
-    <p:sldId id="261" r:id="rId11"/>
-    <p:sldId id="262" r:id="rId12"/>
-    <p:sldId id="263" r:id="rId13"/>
-    <p:sldId id="264" r:id="rId14"/>
-    <p:sldId id="265" r:id="rId15"/>
-    <p:sldId id="266" r:id="rId16"/>
-    <p:sldId id="267" r:id="rId17"/>
-    <p:sldId id="268" r:id="rId18"/>
-    <p:sldId id="269" r:id="rId19"/>
-    <p:sldId id="270" r:id="rId20"/>
-    <p:sldId id="271" r:id="rId21"/>
-    <p:sldId id="272" r:id="rId22"/>
-    <p:sldId id="273" r:id="rId23"/>
-    <p:sldId id="274" r:id="rId24"/>
-    <p:sldId id="275" r:id="rId25"/>
-    <p:sldId id="276" r:id="rId26"/>
-    <p:sldId id="277" r:id="rId27"/>
-    <p:sldId id="278" r:id="rId28"/>
-    <p:sldId id="279" r:id="rId29"/>
-    <p:sldId id="280" r:id="rId30"/>
-    <p:sldId id="281" r:id="rId31"/>
-    <p:sldId id="282" r:id="rId32"/>
-    <p:sldId id="283" r:id="rId33"/>
-    <p:sldId id="284" r:id="rId34"/>
-    <p:sldId id="285" r:id="rId35"/>
+    <p:sldId id="256" r:id="rId2"/>
+    <p:sldId id="257" r:id="rId3"/>
+    <p:sldId id="258" r:id="rId4"/>
+    <p:sldId id="259" r:id="rId5"/>
+    <p:sldId id="260" r:id="rId6"/>
+    <p:sldId id="261" r:id="rId7"/>
+    <p:sldId id="262" r:id="rId8"/>
+    <p:sldId id="263" r:id="rId9"/>
+    <p:sldId id="264" r:id="rId10"/>
+    <p:sldId id="265" r:id="rId11"/>
+    <p:sldId id="266" r:id="rId12"/>
+    <p:sldId id="267" r:id="rId13"/>
+    <p:sldId id="268" r:id="rId14"/>
+    <p:sldId id="269" r:id="rId15"/>
+    <p:sldId id="270" r:id="rId16"/>
+    <p:sldId id="271" r:id="rId17"/>
+    <p:sldId id="272" r:id="rId18"/>
+    <p:sldId id="273" r:id="rId19"/>
+    <p:sldId id="274" r:id="rId20"/>
+    <p:sldId id="275" r:id="rId21"/>
+    <p:sldId id="276" r:id="rId22"/>
+    <p:sldId id="277" r:id="rId23"/>
+    <p:sldId id="278" r:id="rId24"/>
+    <p:sldId id="279" r:id="rId25"/>
+    <p:sldId id="280" r:id="rId26"/>
+    <p:sldId id="281" r:id="rId27"/>
+    <p:sldId id="282" r:id="rId28"/>
+    <p:sldId id="283" r:id="rId29"/>
+    <p:sldId id="284" r:id="rId30"/>
+    <p:sldId id="285" r:id="rId31"/>
   </p:sldIdLst>
-  <p:sldSz cy="5143500" cx="9144000"/>
+  <p:sldSz cx="9144000" cy="5143500" type="screen16x9"/>
   <p:notesSz cx="6858000" cy="9144000"/>
   <p:defaultTextStyle>
-    <a:defPPr lvl="0" marR="0" rtl="0" algn="l">
+    <a:defPPr marR="0" lvl="0" algn="l" rtl="0">
       <a:lnSpc>
         <a:spcPct val="100000"/>
       </a:lnSpc>
@@ -53,7 +53,7 @@
         <a:spcPts val="0"/>
       </a:spcAft>
     </a:defPPr>
-    <a:lvl1pPr lvl="0" marR="0" rtl="0" algn="l">
+    <a:lvl1pPr marR="0" lvl="0" algn="l" rtl="0">
       <a:lnSpc>
         <a:spcPct val="100000"/>
       </a:lnSpc>
@@ -67,7 +67,7 @@
         <a:srgbClr val="000000"/>
       </a:buClr>
       <a:buFont typeface="Arial"/>
-      <a:defRPr b="0" i="0" sz="1400" u="none" cap="none" strike="noStrike">
+      <a:defRPr sz="1400" b="0" i="0" u="none" strike="noStrike" cap="none">
         <a:solidFill>
           <a:srgbClr val="000000"/>
         </a:solidFill>
@@ -77,7 +77,7 @@
         <a:sym typeface="Arial"/>
       </a:defRPr>
     </a:lvl1pPr>
-    <a:lvl2pPr lvl="1" marR="0" rtl="0" algn="l">
+    <a:lvl2pPr marR="0" lvl="1" algn="l" rtl="0">
       <a:lnSpc>
         <a:spcPct val="100000"/>
       </a:lnSpc>
@@ -91,7 +91,7 @@
         <a:srgbClr val="000000"/>
       </a:buClr>
       <a:buFont typeface="Arial"/>
-      <a:defRPr b="0" i="0" sz="1400" u="none" cap="none" strike="noStrike">
+      <a:defRPr sz="1400" b="0" i="0" u="none" strike="noStrike" cap="none">
         <a:solidFill>
           <a:srgbClr val="000000"/>
         </a:solidFill>
@@ -101,7 +101,7 @@
         <a:sym typeface="Arial"/>
       </a:defRPr>
     </a:lvl2pPr>
-    <a:lvl3pPr lvl="2" marR="0" rtl="0" algn="l">
+    <a:lvl3pPr marR="0" lvl="2" algn="l" rtl="0">
       <a:lnSpc>
         <a:spcPct val="100000"/>
       </a:lnSpc>
@@ -115,7 +115,7 @@
         <a:srgbClr val="000000"/>
       </a:buClr>
       <a:buFont typeface="Arial"/>
-      <a:defRPr b="0" i="0" sz="1400" u="none" cap="none" strike="noStrike">
+      <a:defRPr sz="1400" b="0" i="0" u="none" strike="noStrike" cap="none">
         <a:solidFill>
           <a:srgbClr val="000000"/>
         </a:solidFill>
@@ -125,7 +125,7 @@
         <a:sym typeface="Arial"/>
       </a:defRPr>
     </a:lvl3pPr>
-    <a:lvl4pPr lvl="3" marR="0" rtl="0" algn="l">
+    <a:lvl4pPr marR="0" lvl="3" algn="l" rtl="0">
       <a:lnSpc>
         <a:spcPct val="100000"/>
       </a:lnSpc>
@@ -139,7 +139,7 @@
         <a:srgbClr val="000000"/>
       </a:buClr>
       <a:buFont typeface="Arial"/>
-      <a:defRPr b="0" i="0" sz="1400" u="none" cap="none" strike="noStrike">
+      <a:defRPr sz="1400" b="0" i="0" u="none" strike="noStrike" cap="none">
         <a:solidFill>
           <a:srgbClr val="000000"/>
         </a:solidFill>
@@ -149,7 +149,7 @@
         <a:sym typeface="Arial"/>
       </a:defRPr>
     </a:lvl4pPr>
-    <a:lvl5pPr lvl="4" marR="0" rtl="0" algn="l">
+    <a:lvl5pPr marR="0" lvl="4" algn="l" rtl="0">
       <a:lnSpc>
         <a:spcPct val="100000"/>
       </a:lnSpc>
@@ -163,7 +163,7 @@
         <a:srgbClr val="000000"/>
       </a:buClr>
       <a:buFont typeface="Arial"/>
-      <a:defRPr b="0" i="0" sz="1400" u="none" cap="none" strike="noStrike">
+      <a:defRPr sz="1400" b="0" i="0" u="none" strike="noStrike" cap="none">
         <a:solidFill>
           <a:srgbClr val="000000"/>
         </a:solidFill>
@@ -173,7 +173,7 @@
         <a:sym typeface="Arial"/>
       </a:defRPr>
     </a:lvl5pPr>
-    <a:lvl6pPr lvl="5" marR="0" rtl="0" algn="l">
+    <a:lvl6pPr marR="0" lvl="5" algn="l" rtl="0">
       <a:lnSpc>
         <a:spcPct val="100000"/>
       </a:lnSpc>
@@ -187,7 +187,7 @@
         <a:srgbClr val="000000"/>
       </a:buClr>
       <a:buFont typeface="Arial"/>
-      <a:defRPr b="0" i="0" sz="1400" u="none" cap="none" strike="noStrike">
+      <a:defRPr sz="1400" b="0" i="0" u="none" strike="noStrike" cap="none">
         <a:solidFill>
           <a:srgbClr val="000000"/>
         </a:solidFill>
@@ -197,7 +197,7 @@
         <a:sym typeface="Arial"/>
       </a:defRPr>
     </a:lvl6pPr>
-    <a:lvl7pPr lvl="6" marR="0" rtl="0" algn="l">
+    <a:lvl7pPr marR="0" lvl="6" algn="l" rtl="0">
       <a:lnSpc>
         <a:spcPct val="100000"/>
       </a:lnSpc>
@@ -211,7 +211,7 @@
         <a:srgbClr val="000000"/>
       </a:buClr>
       <a:buFont typeface="Arial"/>
-      <a:defRPr b="0" i="0" sz="1400" u="none" cap="none" strike="noStrike">
+      <a:defRPr sz="1400" b="0" i="0" u="none" strike="noStrike" cap="none">
         <a:solidFill>
           <a:srgbClr val="000000"/>
         </a:solidFill>
@@ -221,7 +221,7 @@
         <a:sym typeface="Arial"/>
       </a:defRPr>
     </a:lvl7pPr>
-    <a:lvl8pPr lvl="7" marR="0" rtl="0" algn="l">
+    <a:lvl8pPr marR="0" lvl="7" algn="l" rtl="0">
       <a:lnSpc>
         <a:spcPct val="100000"/>
       </a:lnSpc>
@@ -235,7 +235,7 @@
         <a:srgbClr val="000000"/>
       </a:buClr>
       <a:buFont typeface="Arial"/>
-      <a:defRPr b="0" i="0" sz="1400" u="none" cap="none" strike="noStrike">
+      <a:defRPr sz="1400" b="0" i="0" u="none" strike="noStrike" cap="none">
         <a:solidFill>
           <a:srgbClr val="000000"/>
         </a:solidFill>
@@ -245,7 +245,7 @@
         <a:sym typeface="Arial"/>
       </a:defRPr>
     </a:lvl8pPr>
-    <a:lvl9pPr lvl="8" marR="0" rtl="0" algn="l">
+    <a:lvl9pPr marR="0" lvl="8" algn="l" rtl="0">
       <a:lnSpc>
         <a:spcPct val="100000"/>
       </a:lnSpc>
@@ -259,7 +259,7 @@
         <a:srgbClr val="000000"/>
       </a:buClr>
       <a:buFont typeface="Arial"/>
-      <a:defRPr b="0" i="0" sz="1400" u="none" cap="none" strike="noStrike">
+      <a:defRPr sz="1400" b="0" i="0" u="none" strike="noStrike" cap="none">
         <a:solidFill>
           <a:srgbClr val="000000"/>
         </a:solidFill>
@@ -272,7 +272,7 @@
   </p:defaultTextStyle>
   <p:extLst>
     <p:ext uri="{EFAFB233-063F-42B5-8137-9DF3F51BA10A}">
-      <p15:sldGuideLst>
+      <p15:sldGuideLst xmlns:p15="http://schemas.microsoft.com/office/powerpoint/2012/main">
         <p15:guide id="1" orient="horz" pos="1620">
           <p15:clr>
             <a:srgbClr val="747775"/>
@@ -290,11 +290,16 @@
 </file>
 
 <file path=ppt/notesMasters/notesMaster1.xml><?xml version="1.0" encoding="utf-8"?>
-<p:notesMaster xmlns:a="http://schemas.openxmlformats.org/drawingml/2006/main" xmlns:r="http://schemas.openxmlformats.org/officeDocument/2006/relationships" xmlns:mc="http://schemas.openxmlformats.org/markup-compatibility/2006" xmlns:mv="urn:schemas-microsoft-com:mac:vml" xmlns:p="http://schemas.openxmlformats.org/presentationml/2006/main" xmlns:c="http://schemas.openxmlformats.org/drawingml/2006/chart" xmlns:dgm="http://schemas.openxmlformats.org/drawingml/2006/diagram" xmlns:o="urn:schemas-microsoft-com:office:office" xmlns:v="urn:schemas-microsoft-com:vml" xmlns:pvml="urn:schemas-microsoft-com:office:powerpoint" xmlns:com="http://schemas.openxmlformats.org/drawingml/2006/compatibility" xmlns:p14="http://schemas.microsoft.com/office/powerpoint/2010/main" xmlns:p15="http://schemas.microsoft.com/office/powerpoint/2012/main" xmlns:ahyp="http://schemas.microsoft.com/office/drawing/2018/hyperlinkcolor">
+<p:notesMaster xmlns:a="http://schemas.openxmlformats.org/drawingml/2006/main" xmlns:r="http://schemas.openxmlformats.org/officeDocument/2006/relationships" xmlns:p="http://schemas.openxmlformats.org/presentationml/2006/main">
   <p:cSld>
+    <p:bg>
+      <p:bgRef idx="1001">
+        <a:schemeClr val="bg1"/>
+      </p:bgRef>
+    </p:bg>
     <p:spTree>
       <p:nvGrpSpPr>
-        <p:cNvPr id="2" name="Shape 2"/>
+        <p:cNvPr id="1" name="Shape 2"/>
         <p:cNvGrpSpPr/>
         <p:nvPr/>
       </p:nvGrpSpPr>
@@ -309,9 +314,11 @@
       <p:sp>
         <p:nvSpPr>
           <p:cNvPr id="3" name="Google Shape;3;n"/>
-          <p:cNvSpPr/>
+          <p:cNvSpPr>
+            <a:spLocks noGrp="1" noRot="1" noChangeAspect="1"/>
+          </p:cNvSpPr>
           <p:nvPr>
-            <p:ph idx="2" type="sldImg"/>
+            <p:ph type="sldImg" idx="2"/>
           </p:nvPr>
         </p:nvSpPr>
         <p:spPr>
@@ -320,9 +327,13 @@
             <a:ext cx="6096075" cy="3429000"/>
           </a:xfrm>
           <a:custGeom>
-            <a:rect b="b" l="l" r="r" t="t"/>
+            <a:avLst/>
+            <a:gdLst/>
+            <a:ahLst/>
+            <a:cxnLst/>
+            <a:rect l="l" t="t" r="r" b="b"/>
             <a:pathLst>
-              <a:path extrusionOk="0" h="120000" w="120000">
+              <a:path w="120000" h="120000" extrusionOk="0">
                 <a:moveTo>
                   <a:pt x="0" y="0"/>
                 </a:moveTo>
@@ -340,23 +351,25 @@
             </a:pathLst>
           </a:custGeom>
           <a:noFill/>
-          <a:ln cap="flat" cmpd="sng" w="9525">
+          <a:ln w="9525" cap="flat" cmpd="sng">
             <a:solidFill>
               <a:srgbClr val="000000"/>
             </a:solidFill>
             <a:prstDash val="solid"/>
             <a:round/>
-            <a:headEnd len="sm" w="sm" type="none"/>
-            <a:tailEnd len="sm" w="sm" type="none"/>
+            <a:headEnd type="none" w="sm" len="sm"/>
+            <a:tailEnd type="none" w="sm" len="sm"/>
           </a:ln>
         </p:spPr>
       </p:sp>
       <p:sp>
         <p:nvSpPr>
           <p:cNvPr id="4" name="Google Shape;4;n"/>
-          <p:cNvSpPr txBox="1"/>
+          <p:cNvSpPr txBox="1">
+            <a:spLocks noGrp="1"/>
+          </p:cNvSpPr>
           <p:nvPr>
-            <p:ph idx="1" type="body"/>
+            <p:ph type="body" idx="1"/>
           </p:nvPr>
         </p:nvSpPr>
         <p:spPr>
@@ -373,11 +386,11 @@
           </a:ln>
         </p:spPr>
         <p:txBody>
-          <a:bodyPr anchorCtr="0" anchor="t" bIns="91425" lIns="91425" spcFirstLastPara="1" rIns="91425" wrap="square" tIns="91425">
+          <a:bodyPr spcFirstLastPara="1" wrap="square" lIns="91425" tIns="91425" rIns="91425" bIns="91425" anchor="t" anchorCtr="0">
             <a:noAutofit/>
           </a:bodyPr>
           <a:lstStyle>
-            <a:lvl1pPr indent="-298450" lvl="0" marL="457200">
+            <a:lvl1pPr marL="457200" lvl="0" indent="-298450">
               <a:spcBef>
                 <a:spcPts val="0"/>
               </a:spcBef>
@@ -388,7 +401,7 @@
               <a:buChar char="●"/>
               <a:defRPr sz="1100"/>
             </a:lvl1pPr>
-            <a:lvl2pPr indent="-298450" lvl="1" marL="914400">
+            <a:lvl2pPr marL="914400" lvl="1" indent="-298450">
               <a:spcBef>
                 <a:spcPts val="0"/>
               </a:spcBef>
@@ -399,7 +412,7 @@
               <a:buChar char="○"/>
               <a:defRPr sz="1100"/>
             </a:lvl2pPr>
-            <a:lvl3pPr indent="-298450" lvl="2" marL="1371600">
+            <a:lvl3pPr marL="1371600" lvl="2" indent="-298450">
               <a:spcBef>
                 <a:spcPts val="0"/>
               </a:spcBef>
@@ -410,7 +423,7 @@
               <a:buChar char="■"/>
               <a:defRPr sz="1100"/>
             </a:lvl3pPr>
-            <a:lvl4pPr indent="-298450" lvl="3" marL="1828800">
+            <a:lvl4pPr marL="1828800" lvl="3" indent="-298450">
               <a:spcBef>
                 <a:spcPts val="0"/>
               </a:spcBef>
@@ -421,7 +434,7 @@
               <a:buChar char="●"/>
               <a:defRPr sz="1100"/>
             </a:lvl4pPr>
-            <a:lvl5pPr indent="-298450" lvl="4" marL="2286000">
+            <a:lvl5pPr marL="2286000" lvl="4" indent="-298450">
               <a:spcBef>
                 <a:spcPts val="0"/>
               </a:spcBef>
@@ -432,7 +445,7 @@
               <a:buChar char="○"/>
               <a:defRPr sz="1100"/>
             </a:lvl5pPr>
-            <a:lvl6pPr indent="-298450" lvl="5" marL="2743200">
+            <a:lvl6pPr marL="2743200" lvl="5" indent="-298450">
               <a:spcBef>
                 <a:spcPts val="0"/>
               </a:spcBef>
@@ -443,7 +456,7 @@
               <a:buChar char="■"/>
               <a:defRPr sz="1100"/>
             </a:lvl6pPr>
-            <a:lvl7pPr indent="-298450" lvl="6" marL="3200400">
+            <a:lvl7pPr marL="3200400" lvl="6" indent="-298450">
               <a:spcBef>
                 <a:spcPts val="0"/>
               </a:spcBef>
@@ -454,7 +467,7 @@
               <a:buChar char="●"/>
               <a:defRPr sz="1100"/>
             </a:lvl7pPr>
-            <a:lvl8pPr indent="-298450" lvl="7" marL="3657600">
+            <a:lvl8pPr marL="3657600" lvl="7" indent="-298450">
               <a:spcBef>
                 <a:spcPts val="0"/>
               </a:spcBef>
@@ -465,7 +478,7 @@
               <a:buChar char="○"/>
               <a:defRPr sz="1100"/>
             </a:lvl8pPr>
-            <a:lvl9pPr indent="-298450" lvl="8" marL="4114800">
+            <a:lvl9pPr marL="4114800" lvl="8" indent="-298450">
               <a:spcBef>
                 <a:spcPts val="0"/>
               </a:spcBef>
@@ -477,14 +490,16 @@
               <a:defRPr sz="1100"/>
             </a:lvl9pPr>
           </a:lstStyle>
-          <a:p/>
+          <a:p>
+            <a:endParaRPr/>
+          </a:p>
         </p:txBody>
       </p:sp>
     </p:spTree>
   </p:cSld>
-  <p:clrMap accent1="accent1" accent2="accent2" accent3="accent3" accent4="accent4" accent5="accent5" accent6="accent6" bg1="lt1" bg2="dk2" tx1="dk1" tx2="lt2" folHlink="folHlink" hlink="hlink"/>
+  <p:clrMap bg1="lt1" tx1="dk1" bg2="dk2" tx2="lt2" accent1="accent1" accent2="accent2" accent3="accent3" accent4="accent4" accent5="accent5" accent6="accent6" hlink="hlink" folHlink="folHlink"/>
   <p:notesStyle>
-    <a:defPPr lvl="0" marR="0" rtl="0" algn="l">
+    <a:defPPr marR="0" lvl="0" algn="l" rtl="0">
       <a:lnSpc>
         <a:spcPct val="100000"/>
       </a:lnSpc>
@@ -495,7 +510,7 @@
         <a:spcPts val="0"/>
       </a:spcAft>
     </a:defPPr>
-    <a:lvl1pPr lvl="0" marR="0" rtl="0" algn="l">
+    <a:lvl1pPr marR="0" lvl="0" algn="l" rtl="0">
       <a:lnSpc>
         <a:spcPct val="100000"/>
       </a:lnSpc>
@@ -509,7 +524,7 @@
         <a:srgbClr val="000000"/>
       </a:buClr>
       <a:buFont typeface="Arial"/>
-      <a:defRPr b="0" i="0" sz="1400" u="none" cap="none" strike="noStrike">
+      <a:defRPr sz="1400" b="0" i="0" u="none" strike="noStrike" cap="none">
         <a:solidFill>
           <a:srgbClr val="000000"/>
         </a:solidFill>
@@ -519,7 +534,7 @@
         <a:sym typeface="Arial"/>
       </a:defRPr>
     </a:lvl1pPr>
-    <a:lvl2pPr lvl="1" marR="0" rtl="0" algn="l">
+    <a:lvl2pPr marR="0" lvl="1" algn="l" rtl="0">
       <a:lnSpc>
         <a:spcPct val="100000"/>
       </a:lnSpc>
@@ -533,7 +548,7 @@
         <a:srgbClr val="000000"/>
       </a:buClr>
       <a:buFont typeface="Arial"/>
-      <a:defRPr b="0" i="0" sz="1400" u="none" cap="none" strike="noStrike">
+      <a:defRPr sz="1400" b="0" i="0" u="none" strike="noStrike" cap="none">
         <a:solidFill>
           <a:srgbClr val="000000"/>
         </a:solidFill>
@@ -543,7 +558,7 @@
         <a:sym typeface="Arial"/>
       </a:defRPr>
     </a:lvl2pPr>
-    <a:lvl3pPr lvl="2" marR="0" rtl="0" algn="l">
+    <a:lvl3pPr marR="0" lvl="2" algn="l" rtl="0">
       <a:lnSpc>
         <a:spcPct val="100000"/>
       </a:lnSpc>
@@ -557,7 +572,7 @@
         <a:srgbClr val="000000"/>
       </a:buClr>
       <a:buFont typeface="Arial"/>
-      <a:defRPr b="0" i="0" sz="1400" u="none" cap="none" strike="noStrike">
+      <a:defRPr sz="1400" b="0" i="0" u="none" strike="noStrike" cap="none">
         <a:solidFill>
           <a:srgbClr val="000000"/>
         </a:solidFill>
@@ -567,7 +582,7 @@
         <a:sym typeface="Arial"/>
       </a:defRPr>
     </a:lvl3pPr>
-    <a:lvl4pPr lvl="3" marR="0" rtl="0" algn="l">
+    <a:lvl4pPr marR="0" lvl="3" algn="l" rtl="0">
       <a:lnSpc>
         <a:spcPct val="100000"/>
       </a:lnSpc>
@@ -581,7 +596,7 @@
         <a:srgbClr val="000000"/>
       </a:buClr>
       <a:buFont typeface="Arial"/>
-      <a:defRPr b="0" i="0" sz="1400" u="none" cap="none" strike="noStrike">
+      <a:defRPr sz="1400" b="0" i="0" u="none" strike="noStrike" cap="none">
         <a:solidFill>
           <a:srgbClr val="000000"/>
         </a:solidFill>
@@ -591,7 +606,7 @@
         <a:sym typeface="Arial"/>
       </a:defRPr>
     </a:lvl4pPr>
-    <a:lvl5pPr lvl="4" marR="0" rtl="0" algn="l">
+    <a:lvl5pPr marR="0" lvl="4" algn="l" rtl="0">
       <a:lnSpc>
         <a:spcPct val="100000"/>
       </a:lnSpc>
@@ -605,7 +620,7 @@
         <a:srgbClr val="000000"/>
       </a:buClr>
       <a:buFont typeface="Arial"/>
-      <a:defRPr b="0" i="0" sz="1400" u="none" cap="none" strike="noStrike">
+      <a:defRPr sz="1400" b="0" i="0" u="none" strike="noStrike" cap="none">
         <a:solidFill>
           <a:srgbClr val="000000"/>
         </a:solidFill>
@@ -615,7 +630,7 @@
         <a:sym typeface="Arial"/>
       </a:defRPr>
     </a:lvl5pPr>
-    <a:lvl6pPr lvl="5" marR="0" rtl="0" algn="l">
+    <a:lvl6pPr marR="0" lvl="5" algn="l" rtl="0">
       <a:lnSpc>
         <a:spcPct val="100000"/>
       </a:lnSpc>
@@ -629,7 +644,7 @@
         <a:srgbClr val="000000"/>
       </a:buClr>
       <a:buFont typeface="Arial"/>
-      <a:defRPr b="0" i="0" sz="1400" u="none" cap="none" strike="noStrike">
+      <a:defRPr sz="1400" b="0" i="0" u="none" strike="noStrike" cap="none">
         <a:solidFill>
           <a:srgbClr val="000000"/>
         </a:solidFill>
@@ -639,7 +654,7 @@
         <a:sym typeface="Arial"/>
       </a:defRPr>
     </a:lvl6pPr>
-    <a:lvl7pPr lvl="6" marR="0" rtl="0" algn="l">
+    <a:lvl7pPr marR="0" lvl="6" algn="l" rtl="0">
       <a:lnSpc>
         <a:spcPct val="100000"/>
       </a:lnSpc>
@@ -653,7 +668,7 @@
         <a:srgbClr val="000000"/>
       </a:buClr>
       <a:buFont typeface="Arial"/>
-      <a:defRPr b="0" i="0" sz="1400" u="none" cap="none" strike="noStrike">
+      <a:defRPr sz="1400" b="0" i="0" u="none" strike="noStrike" cap="none">
         <a:solidFill>
           <a:srgbClr val="000000"/>
         </a:solidFill>
@@ -663,7 +678,7 @@
         <a:sym typeface="Arial"/>
       </a:defRPr>
     </a:lvl7pPr>
-    <a:lvl8pPr lvl="7" marR="0" rtl="0" algn="l">
+    <a:lvl8pPr marR="0" lvl="7" algn="l" rtl="0">
       <a:lnSpc>
         <a:spcPct val="100000"/>
       </a:lnSpc>
@@ -677,7 +692,7 @@
         <a:srgbClr val="000000"/>
       </a:buClr>
       <a:buFont typeface="Arial"/>
-      <a:defRPr b="0" i="0" sz="1400" u="none" cap="none" strike="noStrike">
+      <a:defRPr sz="1400" b="0" i="0" u="none" strike="noStrike" cap="none">
         <a:solidFill>
           <a:srgbClr val="000000"/>
         </a:solidFill>
@@ -687,7 +702,7 @@
         <a:sym typeface="Arial"/>
       </a:defRPr>
     </a:lvl8pPr>
-    <a:lvl9pPr lvl="8" marR="0" rtl="0" algn="l">
+    <a:lvl9pPr marR="0" lvl="8" algn="l" rtl="0">
       <a:lnSpc>
         <a:spcPct val="100000"/>
       </a:lnSpc>
@@ -701,7 +716,7 @@
         <a:srgbClr val="000000"/>
       </a:buClr>
       <a:buFont typeface="Arial"/>
-      <a:defRPr b="0" i="0" sz="1400" u="none" cap="none" strike="noStrike">
+      <a:defRPr sz="1400" b="0" i="0" u="none" strike="noStrike" cap="none">
         <a:solidFill>
           <a:srgbClr val="000000"/>
         </a:solidFill>
@@ -716,11 +731,11 @@
 </file>
 
 <file path=ppt/notesSlides/notesSlide1.xml><?xml version="1.0" encoding="utf-8"?>
-<p:notes xmlns:a="http://schemas.openxmlformats.org/drawingml/2006/main" xmlns:r="http://schemas.openxmlformats.org/officeDocument/2006/relationships" xmlns:mc="http://schemas.openxmlformats.org/markup-compatibility/2006" xmlns:mv="urn:schemas-microsoft-com:mac:vml" xmlns:p="http://schemas.openxmlformats.org/presentationml/2006/main" xmlns:c="http://schemas.openxmlformats.org/drawingml/2006/chart" xmlns:dgm="http://schemas.openxmlformats.org/drawingml/2006/diagram" xmlns:o="urn:schemas-microsoft-com:office:office" xmlns:v="urn:schemas-microsoft-com:vml" xmlns:pvml="urn:schemas-microsoft-com:office:powerpoint" xmlns:com="http://schemas.openxmlformats.org/drawingml/2006/compatibility" xmlns:p14="http://schemas.microsoft.com/office/powerpoint/2010/main" xmlns:p15="http://schemas.microsoft.com/office/powerpoint/2012/main" xmlns:ahyp="http://schemas.microsoft.com/office/drawing/2018/hyperlinkcolor" showMasterPhAnim="0" showMasterSp="0">
+<p:notes xmlns:a="http://schemas.openxmlformats.org/drawingml/2006/main" xmlns:r="http://schemas.openxmlformats.org/officeDocument/2006/relationships" xmlns:p="http://schemas.openxmlformats.org/presentationml/2006/main" showMasterSp="0" showMasterPhAnim="0">
   <p:cSld>
     <p:spTree>
       <p:nvGrpSpPr>
-        <p:cNvPr id="50" name="Shape 50"/>
+        <p:cNvPr id="1" name="Shape 50"/>
         <p:cNvGrpSpPr/>
         <p:nvPr/>
       </p:nvGrpSpPr>
@@ -735,20 +750,26 @@
       <p:sp>
         <p:nvSpPr>
           <p:cNvPr id="51" name="Google Shape;51;p:notes"/>
-          <p:cNvSpPr/>
+          <p:cNvSpPr>
+            <a:spLocks noGrp="1" noRot="1" noChangeAspect="1"/>
+          </p:cNvSpPr>
           <p:nvPr>
-            <p:ph idx="2" type="sldImg"/>
+            <p:ph type="sldImg" idx="2"/>
           </p:nvPr>
         </p:nvSpPr>
         <p:spPr>
           <a:xfrm>
-            <a:off x="381300" y="685800"/>
-            <a:ext cx="6096075" cy="3429000"/>
+            <a:off x="381000" y="685800"/>
+            <a:ext cx="6096000" cy="3429000"/>
           </a:xfrm>
           <a:custGeom>
-            <a:rect b="b" l="l" r="r" t="t"/>
+            <a:avLst/>
+            <a:gdLst/>
+            <a:ahLst/>
+            <a:cxnLst/>
+            <a:rect l="l" t="t" r="r" b="b"/>
             <a:pathLst>
-              <a:path extrusionOk="0" h="120000" w="120000">
+              <a:path w="120000" h="120000" extrusionOk="0">
                 <a:moveTo>
                   <a:pt x="0" y="0"/>
                 </a:moveTo>
@@ -770,9 +791,11 @@
       <p:sp>
         <p:nvSpPr>
           <p:cNvPr id="52" name="Google Shape;52;p:notes"/>
-          <p:cNvSpPr txBox="1"/>
+          <p:cNvSpPr txBox="1">
+            <a:spLocks noGrp="1"/>
+          </p:cNvSpPr>
           <p:nvPr>
-            <p:ph idx="1" type="body"/>
+            <p:ph type="body" idx="1"/>
           </p:nvPr>
         </p:nvSpPr>
         <p:spPr>
@@ -785,12 +808,12 @@
           </a:prstGeom>
         </p:spPr>
         <p:txBody>
-          <a:bodyPr anchorCtr="0" anchor="t" bIns="91425" lIns="91425" spcFirstLastPara="1" rIns="91425" wrap="square" tIns="91425">
+          <a:bodyPr spcFirstLastPara="1" wrap="square" lIns="91425" tIns="91425" rIns="91425" bIns="91425" anchor="t" anchorCtr="0">
             <a:noAutofit/>
           </a:bodyPr>
           <a:lstStyle/>
           <a:p>
-            <a:pPr indent="0" lvl="0" marL="0" rtl="0" algn="l">
+            <a:pPr marL="0" lvl="0" indent="0" algn="l" rtl="0">
               <a:spcBef>
                 <a:spcPts val="0"/>
               </a:spcBef>
@@ -799,9 +822,6 @@
               </a:spcAft>
               <a:buNone/>
             </a:pPr>
-            <a:r>
-              <a:t/>
-            </a:r>
             <a:endParaRPr/>
           </a:p>
         </p:txBody>
@@ -815,11 +835,11 @@
 </file>
 
 <file path=ppt/notesSlides/notesSlide10.xml><?xml version="1.0" encoding="utf-8"?>
-<p:notes xmlns:a="http://schemas.openxmlformats.org/drawingml/2006/main" xmlns:r="http://schemas.openxmlformats.org/officeDocument/2006/relationships" xmlns:mc="http://schemas.openxmlformats.org/markup-compatibility/2006" xmlns:mv="urn:schemas-microsoft-com:mac:vml" xmlns:p="http://schemas.openxmlformats.org/presentationml/2006/main" xmlns:c="http://schemas.openxmlformats.org/drawingml/2006/chart" xmlns:dgm="http://schemas.openxmlformats.org/drawingml/2006/diagram" xmlns:o="urn:schemas-microsoft-com:office:office" xmlns:v="urn:schemas-microsoft-com:vml" xmlns:pvml="urn:schemas-microsoft-com:office:powerpoint" xmlns:com="http://schemas.openxmlformats.org/drawingml/2006/compatibility" xmlns:p14="http://schemas.microsoft.com/office/powerpoint/2010/main" xmlns:p15="http://schemas.microsoft.com/office/powerpoint/2012/main" xmlns:ahyp="http://schemas.microsoft.com/office/drawing/2018/hyperlinkcolor" showMasterPhAnim="0" showMasterSp="0">
+<p:notes xmlns:a="http://schemas.openxmlformats.org/drawingml/2006/main" xmlns:r="http://schemas.openxmlformats.org/officeDocument/2006/relationships" xmlns:p="http://schemas.openxmlformats.org/presentationml/2006/main" showMasterSp="0" showMasterPhAnim="0">
   <p:cSld>
     <p:spTree>
       <p:nvGrpSpPr>
-        <p:cNvPr id="121" name="Shape 121"/>
+        <p:cNvPr id="1" name="Shape 121"/>
         <p:cNvGrpSpPr/>
         <p:nvPr/>
       </p:nvGrpSpPr>
@@ -834,9 +854,11 @@
       <p:sp>
         <p:nvSpPr>
           <p:cNvPr id="122" name="Google Shape;122;g2d12f41482f_0_292:notes"/>
-          <p:cNvSpPr/>
+          <p:cNvSpPr>
+            <a:spLocks noGrp="1" noRot="1" noChangeAspect="1"/>
+          </p:cNvSpPr>
           <p:nvPr>
-            <p:ph idx="2" type="sldImg"/>
+            <p:ph type="sldImg" idx="2"/>
           </p:nvPr>
         </p:nvSpPr>
         <p:spPr>
@@ -845,9 +867,13 @@
             <a:ext cx="6096000" cy="3429000"/>
           </a:xfrm>
           <a:custGeom>
-            <a:rect b="b" l="l" r="r" t="t"/>
+            <a:avLst/>
+            <a:gdLst/>
+            <a:ahLst/>
+            <a:cxnLst/>
+            <a:rect l="l" t="t" r="r" b="b"/>
             <a:pathLst>
-              <a:path extrusionOk="0" h="120000" w="120000">
+              <a:path w="120000" h="120000" extrusionOk="0">
                 <a:moveTo>
                   <a:pt x="0" y="0"/>
                 </a:moveTo>
@@ -869,9 +895,11 @@
       <p:sp>
         <p:nvSpPr>
           <p:cNvPr id="123" name="Google Shape;123;g2d12f41482f_0_292:notes"/>
-          <p:cNvSpPr txBox="1"/>
+          <p:cNvSpPr txBox="1">
+            <a:spLocks noGrp="1"/>
+          </p:cNvSpPr>
           <p:nvPr>
-            <p:ph idx="1" type="body"/>
+            <p:ph type="body" idx="1"/>
           </p:nvPr>
         </p:nvSpPr>
         <p:spPr>
@@ -884,12 +912,12 @@
           </a:prstGeom>
         </p:spPr>
         <p:txBody>
-          <a:bodyPr anchorCtr="0" anchor="t" bIns="91425" lIns="91425" spcFirstLastPara="1" rIns="91425" wrap="square" tIns="91425">
+          <a:bodyPr spcFirstLastPara="1" wrap="square" lIns="91425" tIns="91425" rIns="91425" bIns="91425" anchor="t" anchorCtr="0">
             <a:noAutofit/>
           </a:bodyPr>
           <a:lstStyle/>
           <a:p>
-            <a:pPr indent="0" lvl="0" marL="0" rtl="0" algn="l">
+            <a:pPr marL="0" lvl="0" indent="0" algn="l" rtl="0">
               <a:spcBef>
                 <a:spcPts val="0"/>
               </a:spcBef>
@@ -898,9 +926,6 @@
               </a:spcAft>
               <a:buNone/>
             </a:pPr>
-            <a:r>
-              <a:t/>
-            </a:r>
             <a:endParaRPr/>
           </a:p>
         </p:txBody>
@@ -914,11 +939,11 @@
 </file>
 
 <file path=ppt/notesSlides/notesSlide11.xml><?xml version="1.0" encoding="utf-8"?>
-<p:notes xmlns:a="http://schemas.openxmlformats.org/drawingml/2006/main" xmlns:r="http://schemas.openxmlformats.org/officeDocument/2006/relationships" xmlns:mc="http://schemas.openxmlformats.org/markup-compatibility/2006" xmlns:mv="urn:schemas-microsoft-com:mac:vml" xmlns:p="http://schemas.openxmlformats.org/presentationml/2006/main" xmlns:c="http://schemas.openxmlformats.org/drawingml/2006/chart" xmlns:dgm="http://schemas.openxmlformats.org/drawingml/2006/diagram" xmlns:o="urn:schemas-microsoft-com:office:office" xmlns:v="urn:schemas-microsoft-com:vml" xmlns:pvml="urn:schemas-microsoft-com:office:powerpoint" xmlns:com="http://schemas.openxmlformats.org/drawingml/2006/compatibility" xmlns:p14="http://schemas.microsoft.com/office/powerpoint/2010/main" xmlns:p15="http://schemas.microsoft.com/office/powerpoint/2012/main" xmlns:ahyp="http://schemas.microsoft.com/office/drawing/2018/hyperlinkcolor" showMasterPhAnim="0" showMasterSp="0">
+<p:notes xmlns:a="http://schemas.openxmlformats.org/drawingml/2006/main" xmlns:r="http://schemas.openxmlformats.org/officeDocument/2006/relationships" xmlns:p="http://schemas.openxmlformats.org/presentationml/2006/main" showMasterSp="0" showMasterPhAnim="0">
   <p:cSld>
     <p:spTree>
       <p:nvGrpSpPr>
-        <p:cNvPr id="127" name="Shape 127"/>
+        <p:cNvPr id="1" name="Shape 127"/>
         <p:cNvGrpSpPr/>
         <p:nvPr/>
       </p:nvGrpSpPr>
@@ -933,9 +958,11 @@
       <p:sp>
         <p:nvSpPr>
           <p:cNvPr id="128" name="Google Shape;128;g26fff560a16_0_6:notes"/>
-          <p:cNvSpPr/>
+          <p:cNvSpPr>
+            <a:spLocks noGrp="1" noRot="1" noChangeAspect="1"/>
+          </p:cNvSpPr>
           <p:nvPr>
-            <p:ph idx="2" type="sldImg"/>
+            <p:ph type="sldImg" idx="2"/>
           </p:nvPr>
         </p:nvSpPr>
         <p:spPr>
@@ -944,9 +971,13 @@
             <a:ext cx="6096000" cy="3429000"/>
           </a:xfrm>
           <a:custGeom>
-            <a:rect b="b" l="l" r="r" t="t"/>
+            <a:avLst/>
+            <a:gdLst/>
+            <a:ahLst/>
+            <a:cxnLst/>
+            <a:rect l="l" t="t" r="r" b="b"/>
             <a:pathLst>
-              <a:path extrusionOk="0" h="120000" w="120000">
+              <a:path w="120000" h="120000" extrusionOk="0">
                 <a:moveTo>
                   <a:pt x="0" y="0"/>
                 </a:moveTo>
@@ -968,9 +999,11 @@
       <p:sp>
         <p:nvSpPr>
           <p:cNvPr id="129" name="Google Shape;129;g26fff560a16_0_6:notes"/>
-          <p:cNvSpPr txBox="1"/>
+          <p:cNvSpPr txBox="1">
+            <a:spLocks noGrp="1"/>
+          </p:cNvSpPr>
           <p:nvPr>
-            <p:ph idx="1" type="body"/>
+            <p:ph type="body" idx="1"/>
           </p:nvPr>
         </p:nvSpPr>
         <p:spPr>
@@ -983,12 +1016,12 @@
           </a:prstGeom>
         </p:spPr>
         <p:txBody>
-          <a:bodyPr anchorCtr="0" anchor="t" bIns="91425" lIns="91425" spcFirstLastPara="1" rIns="91425" wrap="square" tIns="91425">
+          <a:bodyPr spcFirstLastPara="1" wrap="square" lIns="91425" tIns="91425" rIns="91425" bIns="91425" anchor="t" anchorCtr="0">
             <a:noAutofit/>
           </a:bodyPr>
           <a:lstStyle/>
           <a:p>
-            <a:pPr indent="0" lvl="0" marL="0" rtl="0" algn="l">
+            <a:pPr marL="0" lvl="0" indent="0" algn="l" rtl="0">
               <a:spcBef>
                 <a:spcPts val="0"/>
               </a:spcBef>
@@ -997,9 +1030,6 @@
               </a:spcAft>
               <a:buNone/>
             </a:pPr>
-            <a:r>
-              <a:t/>
-            </a:r>
             <a:endParaRPr/>
           </a:p>
         </p:txBody>
@@ -1013,11 +1043,11 @@
 </file>
 
 <file path=ppt/notesSlides/notesSlide12.xml><?xml version="1.0" encoding="utf-8"?>
-<p:notes xmlns:a="http://schemas.openxmlformats.org/drawingml/2006/main" xmlns:r="http://schemas.openxmlformats.org/officeDocument/2006/relationships" xmlns:mc="http://schemas.openxmlformats.org/markup-compatibility/2006" xmlns:mv="urn:schemas-microsoft-com:mac:vml" xmlns:p="http://schemas.openxmlformats.org/presentationml/2006/main" xmlns:c="http://schemas.openxmlformats.org/drawingml/2006/chart" xmlns:dgm="http://schemas.openxmlformats.org/drawingml/2006/diagram" xmlns:o="urn:schemas-microsoft-com:office:office" xmlns:v="urn:schemas-microsoft-com:vml" xmlns:pvml="urn:schemas-microsoft-com:office:powerpoint" xmlns:com="http://schemas.openxmlformats.org/drawingml/2006/compatibility" xmlns:p14="http://schemas.microsoft.com/office/powerpoint/2010/main" xmlns:p15="http://schemas.microsoft.com/office/powerpoint/2012/main" xmlns:ahyp="http://schemas.microsoft.com/office/drawing/2018/hyperlinkcolor" showMasterPhAnim="0" showMasterSp="0">
+<p:notes xmlns:a="http://schemas.openxmlformats.org/drawingml/2006/main" xmlns:r="http://schemas.openxmlformats.org/officeDocument/2006/relationships" xmlns:p="http://schemas.openxmlformats.org/presentationml/2006/main" showMasterSp="0" showMasterPhAnim="0">
   <p:cSld>
     <p:spTree>
       <p:nvGrpSpPr>
-        <p:cNvPr id="133" name="Shape 133"/>
+        <p:cNvPr id="1" name="Shape 133"/>
         <p:cNvGrpSpPr/>
         <p:nvPr/>
       </p:nvGrpSpPr>
@@ -1032,9 +1062,11 @@
       <p:sp>
         <p:nvSpPr>
           <p:cNvPr id="134" name="Google Shape;134;g26fff560a16_0_29:notes"/>
-          <p:cNvSpPr/>
+          <p:cNvSpPr>
+            <a:spLocks noGrp="1" noRot="1" noChangeAspect="1"/>
+          </p:cNvSpPr>
           <p:nvPr>
-            <p:ph idx="2" type="sldImg"/>
+            <p:ph type="sldImg" idx="2"/>
           </p:nvPr>
         </p:nvSpPr>
         <p:spPr>
@@ -1043,9 +1075,13 @@
             <a:ext cx="6096000" cy="3429000"/>
           </a:xfrm>
           <a:custGeom>
-            <a:rect b="b" l="l" r="r" t="t"/>
+            <a:avLst/>
+            <a:gdLst/>
+            <a:ahLst/>
+            <a:cxnLst/>
+            <a:rect l="l" t="t" r="r" b="b"/>
             <a:pathLst>
-              <a:path extrusionOk="0" h="120000" w="120000">
+              <a:path w="120000" h="120000" extrusionOk="0">
                 <a:moveTo>
                   <a:pt x="0" y="0"/>
                 </a:moveTo>
@@ -1067,9 +1103,11 @@
       <p:sp>
         <p:nvSpPr>
           <p:cNvPr id="135" name="Google Shape;135;g26fff560a16_0_29:notes"/>
-          <p:cNvSpPr txBox="1"/>
+          <p:cNvSpPr txBox="1">
+            <a:spLocks noGrp="1"/>
+          </p:cNvSpPr>
           <p:nvPr>
-            <p:ph idx="1" type="body"/>
+            <p:ph type="body" idx="1"/>
           </p:nvPr>
         </p:nvSpPr>
         <p:spPr>
@@ -1082,12 +1120,12 @@
           </a:prstGeom>
         </p:spPr>
         <p:txBody>
-          <a:bodyPr anchorCtr="0" anchor="t" bIns="91425" lIns="91425" spcFirstLastPara="1" rIns="91425" wrap="square" tIns="91425">
+          <a:bodyPr spcFirstLastPara="1" wrap="square" lIns="91425" tIns="91425" rIns="91425" bIns="91425" anchor="t" anchorCtr="0">
             <a:noAutofit/>
           </a:bodyPr>
           <a:lstStyle/>
           <a:p>
-            <a:pPr indent="0" lvl="0" marL="0" rtl="0" algn="l">
+            <a:pPr marL="0" lvl="0" indent="0" algn="l" rtl="0">
               <a:spcBef>
                 <a:spcPts val="0"/>
               </a:spcBef>
@@ -1096,9 +1134,6 @@
               </a:spcAft>
               <a:buNone/>
             </a:pPr>
-            <a:r>
-              <a:t/>
-            </a:r>
             <a:endParaRPr/>
           </a:p>
         </p:txBody>
@@ -1112,11 +1147,11 @@
 </file>
 
 <file path=ppt/notesSlides/notesSlide13.xml><?xml version="1.0" encoding="utf-8"?>
-<p:notes xmlns:a="http://schemas.openxmlformats.org/drawingml/2006/main" xmlns:r="http://schemas.openxmlformats.org/officeDocument/2006/relationships" xmlns:mc="http://schemas.openxmlformats.org/markup-compatibility/2006" xmlns:mv="urn:schemas-microsoft-com:mac:vml" xmlns:p="http://schemas.openxmlformats.org/presentationml/2006/main" xmlns:c="http://schemas.openxmlformats.org/drawingml/2006/chart" xmlns:dgm="http://schemas.openxmlformats.org/drawingml/2006/diagram" xmlns:o="urn:schemas-microsoft-com:office:office" xmlns:v="urn:schemas-microsoft-com:vml" xmlns:pvml="urn:schemas-microsoft-com:office:powerpoint" xmlns:com="http://schemas.openxmlformats.org/drawingml/2006/compatibility" xmlns:p14="http://schemas.microsoft.com/office/powerpoint/2010/main" xmlns:p15="http://schemas.microsoft.com/office/powerpoint/2012/main" xmlns:ahyp="http://schemas.microsoft.com/office/drawing/2018/hyperlinkcolor" showMasterPhAnim="0" showMasterSp="0">
+<p:notes xmlns:a="http://schemas.openxmlformats.org/drawingml/2006/main" xmlns:r="http://schemas.openxmlformats.org/officeDocument/2006/relationships" xmlns:p="http://schemas.openxmlformats.org/presentationml/2006/main" showMasterSp="0" showMasterPhAnim="0">
   <p:cSld>
     <p:spTree>
       <p:nvGrpSpPr>
-        <p:cNvPr id="139" name="Shape 139"/>
+        <p:cNvPr id="1" name="Shape 139"/>
         <p:cNvGrpSpPr/>
         <p:nvPr/>
       </p:nvGrpSpPr>
@@ -1131,9 +1166,11 @@
       <p:sp>
         <p:nvSpPr>
           <p:cNvPr id="140" name="Google Shape;140;g2d12f41482f_0_217:notes"/>
-          <p:cNvSpPr/>
+          <p:cNvSpPr>
+            <a:spLocks noGrp="1" noRot="1" noChangeAspect="1"/>
+          </p:cNvSpPr>
           <p:nvPr>
-            <p:ph idx="2" type="sldImg"/>
+            <p:ph type="sldImg" idx="2"/>
           </p:nvPr>
         </p:nvSpPr>
         <p:spPr>
@@ -1142,9 +1179,13 @@
             <a:ext cx="6096000" cy="3429000"/>
           </a:xfrm>
           <a:custGeom>
-            <a:rect b="b" l="l" r="r" t="t"/>
+            <a:avLst/>
+            <a:gdLst/>
+            <a:ahLst/>
+            <a:cxnLst/>
+            <a:rect l="l" t="t" r="r" b="b"/>
             <a:pathLst>
-              <a:path extrusionOk="0" h="120000" w="120000">
+              <a:path w="120000" h="120000" extrusionOk="0">
                 <a:moveTo>
                   <a:pt x="0" y="0"/>
                 </a:moveTo>
@@ -1166,9 +1207,11 @@
       <p:sp>
         <p:nvSpPr>
           <p:cNvPr id="141" name="Google Shape;141;g2d12f41482f_0_217:notes"/>
-          <p:cNvSpPr txBox="1"/>
+          <p:cNvSpPr txBox="1">
+            <a:spLocks noGrp="1"/>
+          </p:cNvSpPr>
           <p:nvPr>
-            <p:ph idx="1" type="body"/>
+            <p:ph type="body" idx="1"/>
           </p:nvPr>
         </p:nvSpPr>
         <p:spPr>
@@ -1181,12 +1224,12 @@
           </a:prstGeom>
         </p:spPr>
         <p:txBody>
-          <a:bodyPr anchorCtr="0" anchor="t" bIns="91425" lIns="91425" spcFirstLastPara="1" rIns="91425" wrap="square" tIns="91425">
+          <a:bodyPr spcFirstLastPara="1" wrap="square" lIns="91425" tIns="91425" rIns="91425" bIns="91425" anchor="t" anchorCtr="0">
             <a:noAutofit/>
           </a:bodyPr>
           <a:lstStyle/>
           <a:p>
-            <a:pPr indent="0" lvl="0" marL="0" rtl="0" algn="l">
+            <a:pPr marL="0" lvl="0" indent="0" algn="l" rtl="0">
               <a:spcBef>
                 <a:spcPts val="0"/>
               </a:spcBef>
@@ -1195,9 +1238,6 @@
               </a:spcAft>
               <a:buNone/>
             </a:pPr>
-            <a:r>
-              <a:t/>
-            </a:r>
             <a:endParaRPr/>
           </a:p>
         </p:txBody>
@@ -1211,11 +1251,11 @@
 </file>
 
 <file path=ppt/notesSlides/notesSlide14.xml><?xml version="1.0" encoding="utf-8"?>
-<p:notes xmlns:a="http://schemas.openxmlformats.org/drawingml/2006/main" xmlns:r="http://schemas.openxmlformats.org/officeDocument/2006/relationships" xmlns:mc="http://schemas.openxmlformats.org/markup-compatibility/2006" xmlns:mv="urn:schemas-microsoft-com:mac:vml" xmlns:p="http://schemas.openxmlformats.org/presentationml/2006/main" xmlns:c="http://schemas.openxmlformats.org/drawingml/2006/chart" xmlns:dgm="http://schemas.openxmlformats.org/drawingml/2006/diagram" xmlns:o="urn:schemas-microsoft-com:office:office" xmlns:v="urn:schemas-microsoft-com:vml" xmlns:pvml="urn:schemas-microsoft-com:office:powerpoint" xmlns:com="http://schemas.openxmlformats.org/drawingml/2006/compatibility" xmlns:p14="http://schemas.microsoft.com/office/powerpoint/2010/main" xmlns:p15="http://schemas.microsoft.com/office/powerpoint/2012/main" xmlns:ahyp="http://schemas.microsoft.com/office/drawing/2018/hyperlinkcolor" showMasterPhAnim="0" showMasterSp="0">
+<p:notes xmlns:a="http://schemas.openxmlformats.org/drawingml/2006/main" xmlns:r="http://schemas.openxmlformats.org/officeDocument/2006/relationships" xmlns:p="http://schemas.openxmlformats.org/presentationml/2006/main" showMasterSp="0" showMasterPhAnim="0">
   <p:cSld>
     <p:spTree>
       <p:nvGrpSpPr>
-        <p:cNvPr id="145" name="Shape 145"/>
+        <p:cNvPr id="1" name="Shape 145"/>
         <p:cNvGrpSpPr/>
         <p:nvPr/>
       </p:nvGrpSpPr>
@@ -1230,9 +1270,11 @@
       <p:sp>
         <p:nvSpPr>
           <p:cNvPr id="146" name="Google Shape;146;g26fff560a16_0_67:notes"/>
-          <p:cNvSpPr/>
+          <p:cNvSpPr>
+            <a:spLocks noGrp="1" noRot="1" noChangeAspect="1"/>
+          </p:cNvSpPr>
           <p:nvPr>
-            <p:ph idx="2" type="sldImg"/>
+            <p:ph type="sldImg" idx="2"/>
           </p:nvPr>
         </p:nvSpPr>
         <p:spPr>
@@ -1241,9 +1283,13 @@
             <a:ext cx="6096000" cy="3429000"/>
           </a:xfrm>
           <a:custGeom>
-            <a:rect b="b" l="l" r="r" t="t"/>
+            <a:avLst/>
+            <a:gdLst/>
+            <a:ahLst/>
+            <a:cxnLst/>
+            <a:rect l="l" t="t" r="r" b="b"/>
             <a:pathLst>
-              <a:path extrusionOk="0" h="120000" w="120000">
+              <a:path w="120000" h="120000" extrusionOk="0">
                 <a:moveTo>
                   <a:pt x="0" y="0"/>
                 </a:moveTo>
@@ -1265,9 +1311,11 @@
       <p:sp>
         <p:nvSpPr>
           <p:cNvPr id="147" name="Google Shape;147;g26fff560a16_0_67:notes"/>
-          <p:cNvSpPr txBox="1"/>
+          <p:cNvSpPr txBox="1">
+            <a:spLocks noGrp="1"/>
+          </p:cNvSpPr>
           <p:nvPr>
-            <p:ph idx="1" type="body"/>
+            <p:ph type="body" idx="1"/>
           </p:nvPr>
         </p:nvSpPr>
         <p:spPr>
@@ -1280,12 +1328,12 @@
           </a:prstGeom>
         </p:spPr>
         <p:txBody>
-          <a:bodyPr anchorCtr="0" anchor="t" bIns="91425" lIns="91425" spcFirstLastPara="1" rIns="91425" wrap="square" tIns="91425">
+          <a:bodyPr spcFirstLastPara="1" wrap="square" lIns="91425" tIns="91425" rIns="91425" bIns="91425" anchor="t" anchorCtr="0">
             <a:noAutofit/>
           </a:bodyPr>
           <a:lstStyle/>
           <a:p>
-            <a:pPr indent="0" lvl="0" marL="0" rtl="0" algn="l">
+            <a:pPr marL="0" lvl="0" indent="0" algn="l" rtl="0">
               <a:spcBef>
                 <a:spcPts val="0"/>
               </a:spcBef>
@@ -1294,9 +1342,6 @@
               </a:spcAft>
               <a:buNone/>
             </a:pPr>
-            <a:r>
-              <a:t/>
-            </a:r>
             <a:endParaRPr/>
           </a:p>
         </p:txBody>
@@ -1310,11 +1355,11 @@
 </file>
 
 <file path=ppt/notesSlides/notesSlide15.xml><?xml version="1.0" encoding="utf-8"?>
-<p:notes xmlns:a="http://schemas.openxmlformats.org/drawingml/2006/main" xmlns:r="http://schemas.openxmlformats.org/officeDocument/2006/relationships" xmlns:mc="http://schemas.openxmlformats.org/markup-compatibility/2006" xmlns:mv="urn:schemas-microsoft-com:mac:vml" xmlns:p="http://schemas.openxmlformats.org/presentationml/2006/main" xmlns:c="http://schemas.openxmlformats.org/drawingml/2006/chart" xmlns:dgm="http://schemas.openxmlformats.org/drawingml/2006/diagram" xmlns:o="urn:schemas-microsoft-com:office:office" xmlns:v="urn:schemas-microsoft-com:vml" xmlns:pvml="urn:schemas-microsoft-com:office:powerpoint" xmlns:com="http://schemas.openxmlformats.org/drawingml/2006/compatibility" xmlns:p14="http://schemas.microsoft.com/office/powerpoint/2010/main" xmlns:p15="http://schemas.microsoft.com/office/powerpoint/2012/main" xmlns:ahyp="http://schemas.microsoft.com/office/drawing/2018/hyperlinkcolor" showMasterPhAnim="0" showMasterSp="0">
+<p:notes xmlns:a="http://schemas.openxmlformats.org/drawingml/2006/main" xmlns:r="http://schemas.openxmlformats.org/officeDocument/2006/relationships" xmlns:p="http://schemas.openxmlformats.org/presentationml/2006/main" showMasterSp="0" showMasterPhAnim="0">
   <p:cSld>
     <p:spTree>
       <p:nvGrpSpPr>
-        <p:cNvPr id="151" name="Shape 151"/>
+        <p:cNvPr id="1" name="Shape 151"/>
         <p:cNvGrpSpPr/>
         <p:nvPr/>
       </p:nvGrpSpPr>
@@ -1329,9 +1374,11 @@
       <p:sp>
         <p:nvSpPr>
           <p:cNvPr id="152" name="Google Shape;152;g2d12f41482f_0_297:notes"/>
-          <p:cNvSpPr/>
+          <p:cNvSpPr>
+            <a:spLocks noGrp="1" noRot="1" noChangeAspect="1"/>
+          </p:cNvSpPr>
           <p:nvPr>
-            <p:ph idx="2" type="sldImg"/>
+            <p:ph type="sldImg" idx="2"/>
           </p:nvPr>
         </p:nvSpPr>
         <p:spPr>
@@ -1340,9 +1387,13 @@
             <a:ext cx="6096000" cy="3429000"/>
           </a:xfrm>
           <a:custGeom>
-            <a:rect b="b" l="l" r="r" t="t"/>
+            <a:avLst/>
+            <a:gdLst/>
+            <a:ahLst/>
+            <a:cxnLst/>
+            <a:rect l="l" t="t" r="r" b="b"/>
             <a:pathLst>
-              <a:path extrusionOk="0" h="120000" w="120000">
+              <a:path w="120000" h="120000" extrusionOk="0">
                 <a:moveTo>
                   <a:pt x="0" y="0"/>
                 </a:moveTo>
@@ -1364,9 +1415,11 @@
       <p:sp>
         <p:nvSpPr>
           <p:cNvPr id="153" name="Google Shape;153;g2d12f41482f_0_297:notes"/>
-          <p:cNvSpPr txBox="1"/>
+          <p:cNvSpPr txBox="1">
+            <a:spLocks noGrp="1"/>
+          </p:cNvSpPr>
           <p:nvPr>
-            <p:ph idx="1" type="body"/>
+            <p:ph type="body" idx="1"/>
           </p:nvPr>
         </p:nvSpPr>
         <p:spPr>
@@ -1379,12 +1432,12 @@
           </a:prstGeom>
         </p:spPr>
         <p:txBody>
-          <a:bodyPr anchorCtr="0" anchor="t" bIns="91425" lIns="91425" spcFirstLastPara="1" rIns="91425" wrap="square" tIns="91425">
+          <a:bodyPr spcFirstLastPara="1" wrap="square" lIns="91425" tIns="91425" rIns="91425" bIns="91425" anchor="t" anchorCtr="0">
             <a:noAutofit/>
           </a:bodyPr>
           <a:lstStyle/>
           <a:p>
-            <a:pPr indent="0" lvl="0" marL="0" rtl="0" algn="l">
+            <a:pPr marL="0" lvl="0" indent="0" algn="l" rtl="0">
               <a:spcBef>
                 <a:spcPts val="0"/>
               </a:spcBef>
@@ -1393,9 +1446,6 @@
               </a:spcAft>
               <a:buNone/>
             </a:pPr>
-            <a:r>
-              <a:t/>
-            </a:r>
             <a:endParaRPr/>
           </a:p>
         </p:txBody>
@@ -1409,11 +1459,11 @@
 </file>
 
 <file path=ppt/notesSlides/notesSlide16.xml><?xml version="1.0" encoding="utf-8"?>
-<p:notes xmlns:a="http://schemas.openxmlformats.org/drawingml/2006/main" xmlns:r="http://schemas.openxmlformats.org/officeDocument/2006/relationships" xmlns:mc="http://schemas.openxmlformats.org/markup-compatibility/2006" xmlns:mv="urn:schemas-microsoft-com:mac:vml" xmlns:p="http://schemas.openxmlformats.org/presentationml/2006/main" xmlns:c="http://schemas.openxmlformats.org/drawingml/2006/chart" xmlns:dgm="http://schemas.openxmlformats.org/drawingml/2006/diagram" xmlns:o="urn:schemas-microsoft-com:office:office" xmlns:v="urn:schemas-microsoft-com:vml" xmlns:pvml="urn:schemas-microsoft-com:office:powerpoint" xmlns:com="http://schemas.openxmlformats.org/drawingml/2006/compatibility" xmlns:p14="http://schemas.microsoft.com/office/powerpoint/2010/main" xmlns:p15="http://schemas.microsoft.com/office/powerpoint/2012/main" xmlns:ahyp="http://schemas.microsoft.com/office/drawing/2018/hyperlinkcolor" showMasterPhAnim="0" showMasterSp="0">
+<p:notes xmlns:a="http://schemas.openxmlformats.org/drawingml/2006/main" xmlns:r="http://schemas.openxmlformats.org/officeDocument/2006/relationships" xmlns:p="http://schemas.openxmlformats.org/presentationml/2006/main" showMasterSp="0" showMasterPhAnim="0">
   <p:cSld>
     <p:spTree>
       <p:nvGrpSpPr>
-        <p:cNvPr id="157" name="Shape 157"/>
+        <p:cNvPr id="1" name="Shape 157"/>
         <p:cNvGrpSpPr/>
         <p:nvPr/>
       </p:nvGrpSpPr>
@@ -1428,9 +1478,11 @@
       <p:sp>
         <p:nvSpPr>
           <p:cNvPr id="158" name="Google Shape;158;g26fff560a16_0_79:notes"/>
-          <p:cNvSpPr/>
+          <p:cNvSpPr>
+            <a:spLocks noGrp="1" noRot="1" noChangeAspect="1"/>
+          </p:cNvSpPr>
           <p:nvPr>
-            <p:ph idx="2" type="sldImg"/>
+            <p:ph type="sldImg" idx="2"/>
           </p:nvPr>
         </p:nvSpPr>
         <p:spPr>
@@ -1439,9 +1491,13 @@
             <a:ext cx="6096000" cy="3429000"/>
           </a:xfrm>
           <a:custGeom>
-            <a:rect b="b" l="l" r="r" t="t"/>
+            <a:avLst/>
+            <a:gdLst/>
+            <a:ahLst/>
+            <a:cxnLst/>
+            <a:rect l="l" t="t" r="r" b="b"/>
             <a:pathLst>
-              <a:path extrusionOk="0" h="120000" w="120000">
+              <a:path w="120000" h="120000" extrusionOk="0">
                 <a:moveTo>
                   <a:pt x="0" y="0"/>
                 </a:moveTo>
@@ -1463,9 +1519,11 @@
       <p:sp>
         <p:nvSpPr>
           <p:cNvPr id="159" name="Google Shape;159;g26fff560a16_0_79:notes"/>
-          <p:cNvSpPr txBox="1"/>
+          <p:cNvSpPr txBox="1">
+            <a:spLocks noGrp="1"/>
+          </p:cNvSpPr>
           <p:nvPr>
-            <p:ph idx="1" type="body"/>
+            <p:ph type="body" idx="1"/>
           </p:nvPr>
         </p:nvSpPr>
         <p:spPr>
@@ -1478,12 +1536,12 @@
           </a:prstGeom>
         </p:spPr>
         <p:txBody>
-          <a:bodyPr anchorCtr="0" anchor="t" bIns="91425" lIns="91425" spcFirstLastPara="1" rIns="91425" wrap="square" tIns="91425">
+          <a:bodyPr spcFirstLastPara="1" wrap="square" lIns="91425" tIns="91425" rIns="91425" bIns="91425" anchor="t" anchorCtr="0">
             <a:noAutofit/>
           </a:bodyPr>
           <a:lstStyle/>
           <a:p>
-            <a:pPr indent="0" lvl="0" marL="0" rtl="0" algn="l">
+            <a:pPr marL="0" lvl="0" indent="0" algn="l" rtl="0">
               <a:spcBef>
                 <a:spcPts val="0"/>
               </a:spcBef>
@@ -1492,9 +1550,6 @@
               </a:spcAft>
               <a:buNone/>
             </a:pPr>
-            <a:r>
-              <a:t/>
-            </a:r>
             <a:endParaRPr/>
           </a:p>
         </p:txBody>
@@ -1508,11 +1563,11 @@
 </file>
 
 <file path=ppt/notesSlides/notesSlide17.xml><?xml version="1.0" encoding="utf-8"?>
-<p:notes xmlns:a="http://schemas.openxmlformats.org/drawingml/2006/main" xmlns:r="http://schemas.openxmlformats.org/officeDocument/2006/relationships" xmlns:mc="http://schemas.openxmlformats.org/markup-compatibility/2006" xmlns:mv="urn:schemas-microsoft-com:mac:vml" xmlns:p="http://schemas.openxmlformats.org/presentationml/2006/main" xmlns:c="http://schemas.openxmlformats.org/drawingml/2006/chart" xmlns:dgm="http://schemas.openxmlformats.org/drawingml/2006/diagram" xmlns:o="urn:schemas-microsoft-com:office:office" xmlns:v="urn:schemas-microsoft-com:vml" xmlns:pvml="urn:schemas-microsoft-com:office:powerpoint" xmlns:com="http://schemas.openxmlformats.org/drawingml/2006/compatibility" xmlns:p14="http://schemas.microsoft.com/office/powerpoint/2010/main" xmlns:p15="http://schemas.microsoft.com/office/powerpoint/2012/main" xmlns:ahyp="http://schemas.microsoft.com/office/drawing/2018/hyperlinkcolor" showMasterPhAnim="0" showMasterSp="0">
+<p:notes xmlns:a="http://schemas.openxmlformats.org/drawingml/2006/main" xmlns:r="http://schemas.openxmlformats.org/officeDocument/2006/relationships" xmlns:p="http://schemas.openxmlformats.org/presentationml/2006/main" showMasterSp="0" showMasterPhAnim="0">
   <p:cSld>
     <p:spTree>
       <p:nvGrpSpPr>
-        <p:cNvPr id="163" name="Shape 163"/>
+        <p:cNvPr id="1" name="Shape 163"/>
         <p:cNvGrpSpPr/>
         <p:nvPr/>
       </p:nvGrpSpPr>
@@ -1527,9 +1582,11 @@
       <p:sp>
         <p:nvSpPr>
           <p:cNvPr id="164" name="Google Shape;164;g26fff560a16_0_146:notes"/>
-          <p:cNvSpPr/>
+          <p:cNvSpPr>
+            <a:spLocks noGrp="1" noRot="1" noChangeAspect="1"/>
+          </p:cNvSpPr>
           <p:nvPr>
-            <p:ph idx="2" type="sldImg"/>
+            <p:ph type="sldImg" idx="2"/>
           </p:nvPr>
         </p:nvSpPr>
         <p:spPr>
@@ -1538,9 +1595,13 @@
             <a:ext cx="6096000" cy="3429000"/>
           </a:xfrm>
           <a:custGeom>
-            <a:rect b="b" l="l" r="r" t="t"/>
+            <a:avLst/>
+            <a:gdLst/>
+            <a:ahLst/>
+            <a:cxnLst/>
+            <a:rect l="l" t="t" r="r" b="b"/>
             <a:pathLst>
-              <a:path extrusionOk="0" h="120000" w="120000">
+              <a:path w="120000" h="120000" extrusionOk="0">
                 <a:moveTo>
                   <a:pt x="0" y="0"/>
                 </a:moveTo>
@@ -1562,9 +1623,11 @@
       <p:sp>
         <p:nvSpPr>
           <p:cNvPr id="165" name="Google Shape;165;g26fff560a16_0_146:notes"/>
-          <p:cNvSpPr txBox="1"/>
+          <p:cNvSpPr txBox="1">
+            <a:spLocks noGrp="1"/>
+          </p:cNvSpPr>
           <p:nvPr>
-            <p:ph idx="1" type="body"/>
+            <p:ph type="body" idx="1"/>
           </p:nvPr>
         </p:nvSpPr>
         <p:spPr>
@@ -1577,12 +1640,12 @@
           </a:prstGeom>
         </p:spPr>
         <p:txBody>
-          <a:bodyPr anchorCtr="0" anchor="t" bIns="91425" lIns="91425" spcFirstLastPara="1" rIns="91425" wrap="square" tIns="91425">
+          <a:bodyPr spcFirstLastPara="1" wrap="square" lIns="91425" tIns="91425" rIns="91425" bIns="91425" anchor="t" anchorCtr="0">
             <a:noAutofit/>
           </a:bodyPr>
           <a:lstStyle/>
           <a:p>
-            <a:pPr indent="0" lvl="0" marL="0" rtl="0" algn="l">
+            <a:pPr marL="0" lvl="0" indent="0" algn="l" rtl="0">
               <a:spcBef>
                 <a:spcPts val="0"/>
               </a:spcBef>
@@ -1591,9 +1654,6 @@
               </a:spcAft>
               <a:buNone/>
             </a:pPr>
-            <a:r>
-              <a:t/>
-            </a:r>
             <a:endParaRPr/>
           </a:p>
         </p:txBody>
@@ -1607,11 +1667,11 @@
 </file>
 
 <file path=ppt/notesSlides/notesSlide18.xml><?xml version="1.0" encoding="utf-8"?>
-<p:notes xmlns:a="http://schemas.openxmlformats.org/drawingml/2006/main" xmlns:r="http://schemas.openxmlformats.org/officeDocument/2006/relationships" xmlns:mc="http://schemas.openxmlformats.org/markup-compatibility/2006" xmlns:mv="urn:schemas-microsoft-com:mac:vml" xmlns:p="http://schemas.openxmlformats.org/presentationml/2006/main" xmlns:c="http://schemas.openxmlformats.org/drawingml/2006/chart" xmlns:dgm="http://schemas.openxmlformats.org/drawingml/2006/diagram" xmlns:o="urn:schemas-microsoft-com:office:office" xmlns:v="urn:schemas-microsoft-com:vml" xmlns:pvml="urn:schemas-microsoft-com:office:powerpoint" xmlns:com="http://schemas.openxmlformats.org/drawingml/2006/compatibility" xmlns:p14="http://schemas.microsoft.com/office/powerpoint/2010/main" xmlns:p15="http://schemas.microsoft.com/office/powerpoint/2012/main" xmlns:ahyp="http://schemas.microsoft.com/office/drawing/2018/hyperlinkcolor" showMasterPhAnim="0" showMasterSp="0">
+<p:notes xmlns:a="http://schemas.openxmlformats.org/drawingml/2006/main" xmlns:r="http://schemas.openxmlformats.org/officeDocument/2006/relationships" xmlns:p="http://schemas.openxmlformats.org/presentationml/2006/main" showMasterSp="0" showMasterPhAnim="0">
   <p:cSld>
     <p:spTree>
       <p:nvGrpSpPr>
-        <p:cNvPr id="174" name="Shape 174"/>
+        <p:cNvPr id="1" name="Shape 174"/>
         <p:cNvGrpSpPr/>
         <p:nvPr/>
       </p:nvGrpSpPr>
@@ -1626,9 +1686,11 @@
       <p:sp>
         <p:nvSpPr>
           <p:cNvPr id="175" name="Google Shape;175;g26fff560a16_0_157:notes"/>
-          <p:cNvSpPr/>
+          <p:cNvSpPr>
+            <a:spLocks noGrp="1" noRot="1" noChangeAspect="1"/>
+          </p:cNvSpPr>
           <p:nvPr>
-            <p:ph idx="2" type="sldImg"/>
+            <p:ph type="sldImg" idx="2"/>
           </p:nvPr>
         </p:nvSpPr>
         <p:spPr>
@@ -1637,9 +1699,13 @@
             <a:ext cx="6096000" cy="3429000"/>
           </a:xfrm>
           <a:custGeom>
-            <a:rect b="b" l="l" r="r" t="t"/>
+            <a:avLst/>
+            <a:gdLst/>
+            <a:ahLst/>
+            <a:cxnLst/>
+            <a:rect l="l" t="t" r="r" b="b"/>
             <a:pathLst>
-              <a:path extrusionOk="0" h="120000" w="120000">
+              <a:path w="120000" h="120000" extrusionOk="0">
                 <a:moveTo>
                   <a:pt x="0" y="0"/>
                 </a:moveTo>
@@ -1661,9 +1727,11 @@
       <p:sp>
         <p:nvSpPr>
           <p:cNvPr id="176" name="Google Shape;176;g26fff560a16_0_157:notes"/>
-          <p:cNvSpPr txBox="1"/>
+          <p:cNvSpPr txBox="1">
+            <a:spLocks noGrp="1"/>
+          </p:cNvSpPr>
           <p:nvPr>
-            <p:ph idx="1" type="body"/>
+            <p:ph type="body" idx="1"/>
           </p:nvPr>
         </p:nvSpPr>
         <p:spPr>
@@ -1676,12 +1744,12 @@
           </a:prstGeom>
         </p:spPr>
         <p:txBody>
-          <a:bodyPr anchorCtr="0" anchor="t" bIns="91425" lIns="91425" spcFirstLastPara="1" rIns="91425" wrap="square" tIns="91425">
+          <a:bodyPr spcFirstLastPara="1" wrap="square" lIns="91425" tIns="91425" rIns="91425" bIns="91425" anchor="t" anchorCtr="0">
             <a:noAutofit/>
           </a:bodyPr>
           <a:lstStyle/>
           <a:p>
-            <a:pPr indent="0" lvl="0" marL="0" rtl="0" algn="l">
+            <a:pPr marL="0" lvl="0" indent="0" algn="l" rtl="0">
               <a:spcBef>
                 <a:spcPts val="0"/>
               </a:spcBef>
@@ -1690,9 +1758,6 @@
               </a:spcAft>
               <a:buNone/>
             </a:pPr>
-            <a:r>
-              <a:t/>
-            </a:r>
             <a:endParaRPr/>
           </a:p>
         </p:txBody>
@@ -1706,11 +1771,11 @@
 </file>
 
 <file path=ppt/notesSlides/notesSlide19.xml><?xml version="1.0" encoding="utf-8"?>
-<p:notes xmlns:a="http://schemas.openxmlformats.org/drawingml/2006/main" xmlns:r="http://schemas.openxmlformats.org/officeDocument/2006/relationships" xmlns:mc="http://schemas.openxmlformats.org/markup-compatibility/2006" xmlns:mv="urn:schemas-microsoft-com:mac:vml" xmlns:p="http://schemas.openxmlformats.org/presentationml/2006/main" xmlns:c="http://schemas.openxmlformats.org/drawingml/2006/chart" xmlns:dgm="http://schemas.openxmlformats.org/drawingml/2006/diagram" xmlns:o="urn:schemas-microsoft-com:office:office" xmlns:v="urn:schemas-microsoft-com:vml" xmlns:pvml="urn:schemas-microsoft-com:office:powerpoint" xmlns:com="http://schemas.openxmlformats.org/drawingml/2006/compatibility" xmlns:p14="http://schemas.microsoft.com/office/powerpoint/2010/main" xmlns:p15="http://schemas.microsoft.com/office/powerpoint/2012/main" xmlns:ahyp="http://schemas.microsoft.com/office/drawing/2018/hyperlinkcolor" showMasterPhAnim="0" showMasterSp="0">
+<p:notes xmlns:a="http://schemas.openxmlformats.org/drawingml/2006/main" xmlns:r="http://schemas.openxmlformats.org/officeDocument/2006/relationships" xmlns:p="http://schemas.openxmlformats.org/presentationml/2006/main" showMasterSp="0" showMasterPhAnim="0">
   <p:cSld>
     <p:spTree>
       <p:nvGrpSpPr>
-        <p:cNvPr id="182" name="Shape 182"/>
+        <p:cNvPr id="1" name="Shape 182"/>
         <p:cNvGrpSpPr/>
         <p:nvPr/>
       </p:nvGrpSpPr>
@@ -1725,9 +1790,11 @@
       <p:sp>
         <p:nvSpPr>
           <p:cNvPr id="183" name="Google Shape;183;g2d12f41482f_0_212:notes"/>
-          <p:cNvSpPr/>
+          <p:cNvSpPr>
+            <a:spLocks noGrp="1" noRot="1" noChangeAspect="1"/>
+          </p:cNvSpPr>
           <p:nvPr>
-            <p:ph idx="2" type="sldImg"/>
+            <p:ph type="sldImg" idx="2"/>
           </p:nvPr>
         </p:nvSpPr>
         <p:spPr>
@@ -1736,9 +1803,13 @@
             <a:ext cx="6096000" cy="3429000"/>
           </a:xfrm>
           <a:custGeom>
-            <a:rect b="b" l="l" r="r" t="t"/>
+            <a:avLst/>
+            <a:gdLst/>
+            <a:ahLst/>
+            <a:cxnLst/>
+            <a:rect l="l" t="t" r="r" b="b"/>
             <a:pathLst>
-              <a:path extrusionOk="0" h="120000" w="120000">
+              <a:path w="120000" h="120000" extrusionOk="0">
                 <a:moveTo>
                   <a:pt x="0" y="0"/>
                 </a:moveTo>
@@ -1760,9 +1831,11 @@
       <p:sp>
         <p:nvSpPr>
           <p:cNvPr id="184" name="Google Shape;184;g2d12f41482f_0_212:notes"/>
-          <p:cNvSpPr txBox="1"/>
+          <p:cNvSpPr txBox="1">
+            <a:spLocks noGrp="1"/>
+          </p:cNvSpPr>
           <p:nvPr>
-            <p:ph idx="1" type="body"/>
+            <p:ph type="body" idx="1"/>
           </p:nvPr>
         </p:nvSpPr>
         <p:spPr>
@@ -1775,12 +1848,12 @@
           </a:prstGeom>
         </p:spPr>
         <p:txBody>
-          <a:bodyPr anchorCtr="0" anchor="t" bIns="91425" lIns="91425" spcFirstLastPara="1" rIns="91425" wrap="square" tIns="91425">
+          <a:bodyPr spcFirstLastPara="1" wrap="square" lIns="91425" tIns="91425" rIns="91425" bIns="91425" anchor="t" anchorCtr="0">
             <a:noAutofit/>
           </a:bodyPr>
           <a:lstStyle/>
           <a:p>
-            <a:pPr indent="0" lvl="0" marL="0" rtl="0" algn="l">
+            <a:pPr marL="0" lvl="0" indent="0" algn="l" rtl="0">
               <a:spcBef>
                 <a:spcPts val="0"/>
               </a:spcBef>
@@ -1789,9 +1862,6 @@
               </a:spcAft>
               <a:buNone/>
             </a:pPr>
-            <a:r>
-              <a:t/>
-            </a:r>
             <a:endParaRPr/>
           </a:p>
         </p:txBody>
@@ -1805,11 +1875,11 @@
 </file>
 
 <file path=ppt/notesSlides/notesSlide2.xml><?xml version="1.0" encoding="utf-8"?>
-<p:notes xmlns:a="http://schemas.openxmlformats.org/drawingml/2006/main" xmlns:r="http://schemas.openxmlformats.org/officeDocument/2006/relationships" xmlns:mc="http://schemas.openxmlformats.org/markup-compatibility/2006" xmlns:mv="urn:schemas-microsoft-com:mac:vml" xmlns:p="http://schemas.openxmlformats.org/presentationml/2006/main" xmlns:c="http://schemas.openxmlformats.org/drawingml/2006/chart" xmlns:dgm="http://schemas.openxmlformats.org/drawingml/2006/diagram" xmlns:o="urn:schemas-microsoft-com:office:office" xmlns:v="urn:schemas-microsoft-com:vml" xmlns:pvml="urn:schemas-microsoft-com:office:powerpoint" xmlns:com="http://schemas.openxmlformats.org/drawingml/2006/compatibility" xmlns:p14="http://schemas.microsoft.com/office/powerpoint/2010/main" xmlns:p15="http://schemas.microsoft.com/office/powerpoint/2012/main" xmlns:ahyp="http://schemas.microsoft.com/office/drawing/2018/hyperlinkcolor" showMasterPhAnim="0" showMasterSp="0">
+<p:notes xmlns:a="http://schemas.openxmlformats.org/drawingml/2006/main" xmlns:r="http://schemas.openxmlformats.org/officeDocument/2006/relationships" xmlns:p="http://schemas.openxmlformats.org/presentationml/2006/main" showMasterSp="0" showMasterPhAnim="0">
   <p:cSld>
     <p:spTree>
       <p:nvGrpSpPr>
-        <p:cNvPr id="57" name="Shape 57"/>
+        <p:cNvPr id="1" name="Shape 57"/>
         <p:cNvGrpSpPr/>
         <p:nvPr/>
       </p:nvGrpSpPr>
@@ -1824,9 +1894,11 @@
       <p:sp>
         <p:nvSpPr>
           <p:cNvPr id="58" name="Google Shape;58;g26fff560a16_0_0:notes"/>
-          <p:cNvSpPr/>
+          <p:cNvSpPr>
+            <a:spLocks noGrp="1" noRot="1" noChangeAspect="1"/>
+          </p:cNvSpPr>
           <p:nvPr>
-            <p:ph idx="2" type="sldImg"/>
+            <p:ph type="sldImg" idx="2"/>
           </p:nvPr>
         </p:nvSpPr>
         <p:spPr>
@@ -1835,9 +1907,13 @@
             <a:ext cx="6096000" cy="3429000"/>
           </a:xfrm>
           <a:custGeom>
-            <a:rect b="b" l="l" r="r" t="t"/>
+            <a:avLst/>
+            <a:gdLst/>
+            <a:ahLst/>
+            <a:cxnLst/>
+            <a:rect l="l" t="t" r="r" b="b"/>
             <a:pathLst>
-              <a:path extrusionOk="0" h="120000" w="120000">
+              <a:path w="120000" h="120000" extrusionOk="0">
                 <a:moveTo>
                   <a:pt x="0" y="0"/>
                 </a:moveTo>
@@ -1859,9 +1935,11 @@
       <p:sp>
         <p:nvSpPr>
           <p:cNvPr id="59" name="Google Shape;59;g26fff560a16_0_0:notes"/>
-          <p:cNvSpPr txBox="1"/>
+          <p:cNvSpPr txBox="1">
+            <a:spLocks noGrp="1"/>
+          </p:cNvSpPr>
           <p:nvPr>
-            <p:ph idx="1" type="body"/>
+            <p:ph type="body" idx="1"/>
           </p:nvPr>
         </p:nvSpPr>
         <p:spPr>
@@ -1874,12 +1952,12 @@
           </a:prstGeom>
         </p:spPr>
         <p:txBody>
-          <a:bodyPr anchorCtr="0" anchor="t" bIns="91425" lIns="91425" spcFirstLastPara="1" rIns="91425" wrap="square" tIns="91425">
+          <a:bodyPr spcFirstLastPara="1" wrap="square" lIns="91425" tIns="91425" rIns="91425" bIns="91425" anchor="t" anchorCtr="0">
             <a:noAutofit/>
           </a:bodyPr>
           <a:lstStyle/>
           <a:p>
-            <a:pPr indent="0" lvl="0" marL="0" rtl="0" algn="l">
+            <a:pPr marL="0" lvl="0" indent="0" algn="l" rtl="0">
               <a:spcBef>
                 <a:spcPts val="0"/>
               </a:spcBef>
@@ -1888,9 +1966,6 @@
               </a:spcAft>
               <a:buNone/>
             </a:pPr>
-            <a:r>
-              <a:t/>
-            </a:r>
             <a:endParaRPr/>
           </a:p>
         </p:txBody>
@@ -1904,11 +1979,11 @@
 </file>
 
 <file path=ppt/notesSlides/notesSlide20.xml><?xml version="1.0" encoding="utf-8"?>
-<p:notes xmlns:a="http://schemas.openxmlformats.org/drawingml/2006/main" xmlns:r="http://schemas.openxmlformats.org/officeDocument/2006/relationships" xmlns:mc="http://schemas.openxmlformats.org/markup-compatibility/2006" xmlns:mv="urn:schemas-microsoft-com:mac:vml" xmlns:p="http://schemas.openxmlformats.org/presentationml/2006/main" xmlns:c="http://schemas.openxmlformats.org/drawingml/2006/chart" xmlns:dgm="http://schemas.openxmlformats.org/drawingml/2006/diagram" xmlns:o="urn:schemas-microsoft-com:office:office" xmlns:v="urn:schemas-microsoft-com:vml" xmlns:pvml="urn:schemas-microsoft-com:office:powerpoint" xmlns:com="http://schemas.openxmlformats.org/drawingml/2006/compatibility" xmlns:p14="http://schemas.microsoft.com/office/powerpoint/2010/main" xmlns:p15="http://schemas.microsoft.com/office/powerpoint/2012/main" xmlns:ahyp="http://schemas.microsoft.com/office/drawing/2018/hyperlinkcolor" showMasterPhAnim="0" showMasterSp="0">
+<p:notes xmlns:a="http://schemas.openxmlformats.org/drawingml/2006/main" xmlns:r="http://schemas.openxmlformats.org/officeDocument/2006/relationships" xmlns:p="http://schemas.openxmlformats.org/presentationml/2006/main" showMasterSp="0" showMasterPhAnim="0">
   <p:cSld>
     <p:spTree>
       <p:nvGrpSpPr>
-        <p:cNvPr id="188" name="Shape 188"/>
+        <p:cNvPr id="1" name="Shape 188"/>
         <p:cNvGrpSpPr/>
         <p:nvPr/>
       </p:nvGrpSpPr>
@@ -1923,9 +1998,11 @@
       <p:sp>
         <p:nvSpPr>
           <p:cNvPr id="189" name="Google Shape;189;g2d12f41482f_0_222:notes"/>
-          <p:cNvSpPr/>
+          <p:cNvSpPr>
+            <a:spLocks noGrp="1" noRot="1" noChangeAspect="1"/>
+          </p:cNvSpPr>
           <p:nvPr>
-            <p:ph idx="2" type="sldImg"/>
+            <p:ph type="sldImg" idx="2"/>
           </p:nvPr>
         </p:nvSpPr>
         <p:spPr>
@@ -1934,9 +2011,13 @@
             <a:ext cx="6096000" cy="3429000"/>
           </a:xfrm>
           <a:custGeom>
-            <a:rect b="b" l="l" r="r" t="t"/>
+            <a:avLst/>
+            <a:gdLst/>
+            <a:ahLst/>
+            <a:cxnLst/>
+            <a:rect l="l" t="t" r="r" b="b"/>
             <a:pathLst>
-              <a:path extrusionOk="0" h="120000" w="120000">
+              <a:path w="120000" h="120000" extrusionOk="0">
                 <a:moveTo>
                   <a:pt x="0" y="0"/>
                 </a:moveTo>
@@ -1958,9 +2039,11 @@
       <p:sp>
         <p:nvSpPr>
           <p:cNvPr id="190" name="Google Shape;190;g2d12f41482f_0_222:notes"/>
-          <p:cNvSpPr txBox="1"/>
+          <p:cNvSpPr txBox="1">
+            <a:spLocks noGrp="1"/>
+          </p:cNvSpPr>
           <p:nvPr>
-            <p:ph idx="1" type="body"/>
+            <p:ph type="body" idx="1"/>
           </p:nvPr>
         </p:nvSpPr>
         <p:spPr>
@@ -1973,12 +2056,12 @@
           </a:prstGeom>
         </p:spPr>
         <p:txBody>
-          <a:bodyPr anchorCtr="0" anchor="t" bIns="91425" lIns="91425" spcFirstLastPara="1" rIns="91425" wrap="square" tIns="91425">
+          <a:bodyPr spcFirstLastPara="1" wrap="square" lIns="91425" tIns="91425" rIns="91425" bIns="91425" anchor="t" anchorCtr="0">
             <a:noAutofit/>
           </a:bodyPr>
           <a:lstStyle/>
           <a:p>
-            <a:pPr indent="0" lvl="0" marL="0" rtl="0" algn="l">
+            <a:pPr marL="0" lvl="0" indent="0" algn="l" rtl="0">
               <a:spcBef>
                 <a:spcPts val="0"/>
               </a:spcBef>
@@ -1987,9 +2070,6 @@
               </a:spcAft>
               <a:buNone/>
             </a:pPr>
-            <a:r>
-              <a:t/>
-            </a:r>
             <a:endParaRPr/>
           </a:p>
         </p:txBody>
@@ -2003,11 +2083,11 @@
 </file>
 
 <file path=ppt/notesSlides/notesSlide21.xml><?xml version="1.0" encoding="utf-8"?>
-<p:notes xmlns:a="http://schemas.openxmlformats.org/drawingml/2006/main" xmlns:r="http://schemas.openxmlformats.org/officeDocument/2006/relationships" xmlns:mc="http://schemas.openxmlformats.org/markup-compatibility/2006" xmlns:mv="urn:schemas-microsoft-com:mac:vml" xmlns:p="http://schemas.openxmlformats.org/presentationml/2006/main" xmlns:c="http://schemas.openxmlformats.org/drawingml/2006/chart" xmlns:dgm="http://schemas.openxmlformats.org/drawingml/2006/diagram" xmlns:o="urn:schemas-microsoft-com:office:office" xmlns:v="urn:schemas-microsoft-com:vml" xmlns:pvml="urn:schemas-microsoft-com:office:powerpoint" xmlns:com="http://schemas.openxmlformats.org/drawingml/2006/compatibility" xmlns:p14="http://schemas.microsoft.com/office/powerpoint/2010/main" xmlns:p15="http://schemas.microsoft.com/office/powerpoint/2012/main" xmlns:ahyp="http://schemas.microsoft.com/office/drawing/2018/hyperlinkcolor" showMasterPhAnim="0" showMasterSp="0">
+<p:notes xmlns:a="http://schemas.openxmlformats.org/drawingml/2006/main" xmlns:r="http://schemas.openxmlformats.org/officeDocument/2006/relationships" xmlns:p="http://schemas.openxmlformats.org/presentationml/2006/main" showMasterSp="0" showMasterPhAnim="0">
   <p:cSld>
     <p:spTree>
       <p:nvGrpSpPr>
-        <p:cNvPr id="194" name="Shape 194"/>
+        <p:cNvPr id="1" name="Shape 194"/>
         <p:cNvGrpSpPr/>
         <p:nvPr/>
       </p:nvGrpSpPr>
@@ -2022,9 +2102,11 @@
       <p:sp>
         <p:nvSpPr>
           <p:cNvPr id="195" name="Google Shape;195;g2d12f41482f_0_287:notes"/>
-          <p:cNvSpPr/>
+          <p:cNvSpPr>
+            <a:spLocks noGrp="1" noRot="1" noChangeAspect="1"/>
+          </p:cNvSpPr>
           <p:nvPr>
-            <p:ph idx="2" type="sldImg"/>
+            <p:ph type="sldImg" idx="2"/>
           </p:nvPr>
         </p:nvSpPr>
         <p:spPr>
@@ -2033,9 +2115,13 @@
             <a:ext cx="6096000" cy="3429000"/>
           </a:xfrm>
           <a:custGeom>
-            <a:rect b="b" l="l" r="r" t="t"/>
+            <a:avLst/>
+            <a:gdLst/>
+            <a:ahLst/>
+            <a:cxnLst/>
+            <a:rect l="l" t="t" r="r" b="b"/>
             <a:pathLst>
-              <a:path extrusionOk="0" h="120000" w="120000">
+              <a:path w="120000" h="120000" extrusionOk="0">
                 <a:moveTo>
                   <a:pt x="0" y="0"/>
                 </a:moveTo>
@@ -2057,9 +2143,11 @@
       <p:sp>
         <p:nvSpPr>
           <p:cNvPr id="196" name="Google Shape;196;g2d12f41482f_0_287:notes"/>
-          <p:cNvSpPr txBox="1"/>
+          <p:cNvSpPr txBox="1">
+            <a:spLocks noGrp="1"/>
+          </p:cNvSpPr>
           <p:nvPr>
-            <p:ph idx="1" type="body"/>
+            <p:ph type="body" idx="1"/>
           </p:nvPr>
         </p:nvSpPr>
         <p:spPr>
@@ -2072,12 +2160,12 @@
           </a:prstGeom>
         </p:spPr>
         <p:txBody>
-          <a:bodyPr anchorCtr="0" anchor="t" bIns="91425" lIns="91425" spcFirstLastPara="1" rIns="91425" wrap="square" tIns="91425">
+          <a:bodyPr spcFirstLastPara="1" wrap="square" lIns="91425" tIns="91425" rIns="91425" bIns="91425" anchor="t" anchorCtr="0">
             <a:noAutofit/>
           </a:bodyPr>
           <a:lstStyle/>
           <a:p>
-            <a:pPr indent="0" lvl="0" marL="0" rtl="0" algn="l">
+            <a:pPr marL="0" lvl="0" indent="0" algn="l" rtl="0">
               <a:spcBef>
                 <a:spcPts val="0"/>
               </a:spcBef>
@@ -2086,9 +2174,6 @@
               </a:spcAft>
               <a:buNone/>
             </a:pPr>
-            <a:r>
-              <a:t/>
-            </a:r>
             <a:endParaRPr/>
           </a:p>
         </p:txBody>
@@ -2102,11 +2187,11 @@
 </file>
 
 <file path=ppt/notesSlides/notesSlide22.xml><?xml version="1.0" encoding="utf-8"?>
-<p:notes xmlns:a="http://schemas.openxmlformats.org/drawingml/2006/main" xmlns:r="http://schemas.openxmlformats.org/officeDocument/2006/relationships" xmlns:mc="http://schemas.openxmlformats.org/markup-compatibility/2006" xmlns:mv="urn:schemas-microsoft-com:mac:vml" xmlns:p="http://schemas.openxmlformats.org/presentationml/2006/main" xmlns:c="http://schemas.openxmlformats.org/drawingml/2006/chart" xmlns:dgm="http://schemas.openxmlformats.org/drawingml/2006/diagram" xmlns:o="urn:schemas-microsoft-com:office:office" xmlns:v="urn:schemas-microsoft-com:vml" xmlns:pvml="urn:schemas-microsoft-com:office:powerpoint" xmlns:com="http://schemas.openxmlformats.org/drawingml/2006/compatibility" xmlns:p14="http://schemas.microsoft.com/office/powerpoint/2010/main" xmlns:p15="http://schemas.microsoft.com/office/powerpoint/2012/main" xmlns:ahyp="http://schemas.microsoft.com/office/drawing/2018/hyperlinkcolor" showMasterPhAnim="0" showMasterSp="0">
+<p:notes xmlns:a="http://schemas.openxmlformats.org/drawingml/2006/main" xmlns:r="http://schemas.openxmlformats.org/officeDocument/2006/relationships" xmlns:p="http://schemas.openxmlformats.org/presentationml/2006/main" showMasterSp="0" showMasterPhAnim="0">
   <p:cSld>
     <p:spTree>
       <p:nvGrpSpPr>
-        <p:cNvPr id="200" name="Shape 200"/>
+        <p:cNvPr id="1" name="Shape 200"/>
         <p:cNvGrpSpPr/>
         <p:nvPr/>
       </p:nvGrpSpPr>
@@ -2121,9 +2206,11 @@
       <p:sp>
         <p:nvSpPr>
           <p:cNvPr id="201" name="Google Shape;201;g2d12f41482f_0_312:notes"/>
-          <p:cNvSpPr/>
+          <p:cNvSpPr>
+            <a:spLocks noGrp="1" noRot="1" noChangeAspect="1"/>
+          </p:cNvSpPr>
           <p:nvPr>
-            <p:ph idx="2" type="sldImg"/>
+            <p:ph type="sldImg" idx="2"/>
           </p:nvPr>
         </p:nvSpPr>
         <p:spPr>
@@ -2132,9 +2219,13 @@
             <a:ext cx="6096000" cy="3429000"/>
           </a:xfrm>
           <a:custGeom>
-            <a:rect b="b" l="l" r="r" t="t"/>
+            <a:avLst/>
+            <a:gdLst/>
+            <a:ahLst/>
+            <a:cxnLst/>
+            <a:rect l="l" t="t" r="r" b="b"/>
             <a:pathLst>
-              <a:path extrusionOk="0" h="120000" w="120000">
+              <a:path w="120000" h="120000" extrusionOk="0">
                 <a:moveTo>
                   <a:pt x="0" y="0"/>
                 </a:moveTo>
@@ -2156,9 +2247,11 @@
       <p:sp>
         <p:nvSpPr>
           <p:cNvPr id="202" name="Google Shape;202;g2d12f41482f_0_312:notes"/>
-          <p:cNvSpPr txBox="1"/>
+          <p:cNvSpPr txBox="1">
+            <a:spLocks noGrp="1"/>
+          </p:cNvSpPr>
           <p:nvPr>
-            <p:ph idx="1" type="body"/>
+            <p:ph type="body" idx="1"/>
           </p:nvPr>
         </p:nvSpPr>
         <p:spPr>
@@ -2171,12 +2264,12 @@
           </a:prstGeom>
         </p:spPr>
         <p:txBody>
-          <a:bodyPr anchorCtr="0" anchor="t" bIns="91425" lIns="91425" spcFirstLastPara="1" rIns="91425" wrap="square" tIns="91425">
+          <a:bodyPr spcFirstLastPara="1" wrap="square" lIns="91425" tIns="91425" rIns="91425" bIns="91425" anchor="t" anchorCtr="0">
             <a:noAutofit/>
           </a:bodyPr>
           <a:lstStyle/>
           <a:p>
-            <a:pPr indent="0" lvl="0" marL="0" rtl="0" algn="l">
+            <a:pPr marL="0" lvl="0" indent="0" algn="l" rtl="0">
               <a:spcBef>
                 <a:spcPts val="0"/>
               </a:spcBef>
@@ -2185,9 +2278,6 @@
               </a:spcAft>
               <a:buNone/>
             </a:pPr>
-            <a:r>
-              <a:t/>
-            </a:r>
             <a:endParaRPr/>
           </a:p>
         </p:txBody>
@@ -2201,11 +2291,11 @@
 </file>
 
 <file path=ppt/notesSlides/notesSlide23.xml><?xml version="1.0" encoding="utf-8"?>
-<p:notes xmlns:a="http://schemas.openxmlformats.org/drawingml/2006/main" xmlns:r="http://schemas.openxmlformats.org/officeDocument/2006/relationships" xmlns:mc="http://schemas.openxmlformats.org/markup-compatibility/2006" xmlns:mv="urn:schemas-microsoft-com:mac:vml" xmlns:p="http://schemas.openxmlformats.org/presentationml/2006/main" xmlns:c="http://schemas.openxmlformats.org/drawingml/2006/chart" xmlns:dgm="http://schemas.openxmlformats.org/drawingml/2006/diagram" xmlns:o="urn:schemas-microsoft-com:office:office" xmlns:v="urn:schemas-microsoft-com:vml" xmlns:pvml="urn:schemas-microsoft-com:office:powerpoint" xmlns:com="http://schemas.openxmlformats.org/drawingml/2006/compatibility" xmlns:p14="http://schemas.microsoft.com/office/powerpoint/2010/main" xmlns:p15="http://schemas.microsoft.com/office/powerpoint/2012/main" xmlns:ahyp="http://schemas.microsoft.com/office/drawing/2018/hyperlinkcolor" showMasterPhAnim="0" showMasterSp="0">
+<p:notes xmlns:a="http://schemas.openxmlformats.org/drawingml/2006/main" xmlns:r="http://schemas.openxmlformats.org/officeDocument/2006/relationships" xmlns:p="http://schemas.openxmlformats.org/presentationml/2006/main" showMasterSp="0" showMasterPhAnim="0">
   <p:cSld>
     <p:spTree>
       <p:nvGrpSpPr>
-        <p:cNvPr id="207" name="Shape 207"/>
+        <p:cNvPr id="1" name="Shape 207"/>
         <p:cNvGrpSpPr/>
         <p:nvPr/>
       </p:nvGrpSpPr>
@@ -2220,9 +2310,11 @@
       <p:sp>
         <p:nvSpPr>
           <p:cNvPr id="208" name="Google Shape;208;g26fff560a16_0_86:notes"/>
-          <p:cNvSpPr/>
+          <p:cNvSpPr>
+            <a:spLocks noGrp="1" noRot="1" noChangeAspect="1"/>
+          </p:cNvSpPr>
           <p:nvPr>
-            <p:ph idx="2" type="sldImg"/>
+            <p:ph type="sldImg" idx="2"/>
           </p:nvPr>
         </p:nvSpPr>
         <p:spPr>
@@ -2231,9 +2323,13 @@
             <a:ext cx="6096000" cy="3429000"/>
           </a:xfrm>
           <a:custGeom>
-            <a:rect b="b" l="l" r="r" t="t"/>
+            <a:avLst/>
+            <a:gdLst/>
+            <a:ahLst/>
+            <a:cxnLst/>
+            <a:rect l="l" t="t" r="r" b="b"/>
             <a:pathLst>
-              <a:path extrusionOk="0" h="120000" w="120000">
+              <a:path w="120000" h="120000" extrusionOk="0">
                 <a:moveTo>
                   <a:pt x="0" y="0"/>
                 </a:moveTo>
@@ -2255,9 +2351,11 @@
       <p:sp>
         <p:nvSpPr>
           <p:cNvPr id="209" name="Google Shape;209;g26fff560a16_0_86:notes"/>
-          <p:cNvSpPr txBox="1"/>
+          <p:cNvSpPr txBox="1">
+            <a:spLocks noGrp="1"/>
+          </p:cNvSpPr>
           <p:nvPr>
-            <p:ph idx="1" type="body"/>
+            <p:ph type="body" idx="1"/>
           </p:nvPr>
         </p:nvSpPr>
         <p:spPr>
@@ -2270,12 +2368,12 @@
           </a:prstGeom>
         </p:spPr>
         <p:txBody>
-          <a:bodyPr anchorCtr="0" anchor="t" bIns="91425" lIns="91425" spcFirstLastPara="1" rIns="91425" wrap="square" tIns="91425">
+          <a:bodyPr spcFirstLastPara="1" wrap="square" lIns="91425" tIns="91425" rIns="91425" bIns="91425" anchor="t" anchorCtr="0">
             <a:noAutofit/>
           </a:bodyPr>
           <a:lstStyle/>
           <a:p>
-            <a:pPr indent="0" lvl="0" marL="0" rtl="0" algn="l">
+            <a:pPr marL="0" lvl="0" indent="0" algn="l" rtl="0">
               <a:spcBef>
                 <a:spcPts val="0"/>
               </a:spcBef>
@@ -2284,9 +2382,6 @@
               </a:spcAft>
               <a:buNone/>
             </a:pPr>
-            <a:r>
-              <a:t/>
-            </a:r>
             <a:endParaRPr/>
           </a:p>
         </p:txBody>
@@ -2300,11 +2395,11 @@
 </file>
 
 <file path=ppt/notesSlides/notesSlide24.xml><?xml version="1.0" encoding="utf-8"?>
-<p:notes xmlns:a="http://schemas.openxmlformats.org/drawingml/2006/main" xmlns:r="http://schemas.openxmlformats.org/officeDocument/2006/relationships" xmlns:mc="http://schemas.openxmlformats.org/markup-compatibility/2006" xmlns:mv="urn:schemas-microsoft-com:mac:vml" xmlns:p="http://schemas.openxmlformats.org/presentationml/2006/main" xmlns:c="http://schemas.openxmlformats.org/drawingml/2006/chart" xmlns:dgm="http://schemas.openxmlformats.org/drawingml/2006/diagram" xmlns:o="urn:schemas-microsoft-com:office:office" xmlns:v="urn:schemas-microsoft-com:vml" xmlns:pvml="urn:schemas-microsoft-com:office:powerpoint" xmlns:com="http://schemas.openxmlformats.org/drawingml/2006/compatibility" xmlns:p14="http://schemas.microsoft.com/office/powerpoint/2010/main" xmlns:p15="http://schemas.microsoft.com/office/powerpoint/2012/main" xmlns:ahyp="http://schemas.microsoft.com/office/drawing/2018/hyperlinkcolor" showMasterPhAnim="0" showMasterSp="0">
+<p:notes xmlns:a="http://schemas.openxmlformats.org/drawingml/2006/main" xmlns:r="http://schemas.openxmlformats.org/officeDocument/2006/relationships" xmlns:p="http://schemas.openxmlformats.org/presentationml/2006/main" showMasterSp="0" showMasterPhAnim="0">
   <p:cSld>
     <p:spTree>
       <p:nvGrpSpPr>
-        <p:cNvPr id="214" name="Shape 214"/>
+        <p:cNvPr id="1" name="Shape 214"/>
         <p:cNvGrpSpPr/>
         <p:nvPr/>
       </p:nvGrpSpPr>
@@ -2319,9 +2414,11 @@
       <p:sp>
         <p:nvSpPr>
           <p:cNvPr id="215" name="Google Shape;215;g2d12f41482f_0_230:notes"/>
-          <p:cNvSpPr/>
+          <p:cNvSpPr>
+            <a:spLocks noGrp="1" noRot="1" noChangeAspect="1"/>
+          </p:cNvSpPr>
           <p:nvPr>
-            <p:ph idx="2" type="sldImg"/>
+            <p:ph type="sldImg" idx="2"/>
           </p:nvPr>
         </p:nvSpPr>
         <p:spPr>
@@ -2330,9 +2427,13 @@
             <a:ext cx="6096000" cy="3429000"/>
           </a:xfrm>
           <a:custGeom>
-            <a:rect b="b" l="l" r="r" t="t"/>
+            <a:avLst/>
+            <a:gdLst/>
+            <a:ahLst/>
+            <a:cxnLst/>
+            <a:rect l="l" t="t" r="r" b="b"/>
             <a:pathLst>
-              <a:path extrusionOk="0" h="120000" w="120000">
+              <a:path w="120000" h="120000" extrusionOk="0">
                 <a:moveTo>
                   <a:pt x="0" y="0"/>
                 </a:moveTo>
@@ -2354,9 +2455,11 @@
       <p:sp>
         <p:nvSpPr>
           <p:cNvPr id="216" name="Google Shape;216;g2d12f41482f_0_230:notes"/>
-          <p:cNvSpPr txBox="1"/>
+          <p:cNvSpPr txBox="1">
+            <a:spLocks noGrp="1"/>
+          </p:cNvSpPr>
           <p:nvPr>
-            <p:ph idx="1" type="body"/>
+            <p:ph type="body" idx="1"/>
           </p:nvPr>
         </p:nvSpPr>
         <p:spPr>
@@ -2369,12 +2472,12 @@
           </a:prstGeom>
         </p:spPr>
         <p:txBody>
-          <a:bodyPr anchorCtr="0" anchor="t" bIns="91425" lIns="91425" spcFirstLastPara="1" rIns="91425" wrap="square" tIns="91425">
+          <a:bodyPr spcFirstLastPara="1" wrap="square" lIns="91425" tIns="91425" rIns="91425" bIns="91425" anchor="t" anchorCtr="0">
             <a:noAutofit/>
           </a:bodyPr>
           <a:lstStyle/>
           <a:p>
-            <a:pPr indent="0" lvl="0" marL="0" rtl="0" algn="l">
+            <a:pPr marL="0" lvl="0" indent="0" algn="l" rtl="0">
               <a:spcBef>
                 <a:spcPts val="0"/>
               </a:spcBef>
@@ -2383,9 +2486,6 @@
               </a:spcAft>
               <a:buNone/>
             </a:pPr>
-            <a:r>
-              <a:t/>
-            </a:r>
             <a:endParaRPr/>
           </a:p>
         </p:txBody>
@@ -2399,11 +2499,11 @@
 </file>
 
 <file path=ppt/notesSlides/notesSlide25.xml><?xml version="1.0" encoding="utf-8"?>
-<p:notes xmlns:a="http://schemas.openxmlformats.org/drawingml/2006/main" xmlns:r="http://schemas.openxmlformats.org/officeDocument/2006/relationships" xmlns:mc="http://schemas.openxmlformats.org/markup-compatibility/2006" xmlns:mv="urn:schemas-microsoft-com:mac:vml" xmlns:p="http://schemas.openxmlformats.org/presentationml/2006/main" xmlns:c="http://schemas.openxmlformats.org/drawingml/2006/chart" xmlns:dgm="http://schemas.openxmlformats.org/drawingml/2006/diagram" xmlns:o="urn:schemas-microsoft-com:office:office" xmlns:v="urn:schemas-microsoft-com:vml" xmlns:pvml="urn:schemas-microsoft-com:office:powerpoint" xmlns:com="http://schemas.openxmlformats.org/drawingml/2006/compatibility" xmlns:p14="http://schemas.microsoft.com/office/powerpoint/2010/main" xmlns:p15="http://schemas.microsoft.com/office/powerpoint/2012/main" xmlns:ahyp="http://schemas.microsoft.com/office/drawing/2018/hyperlinkcolor" showMasterPhAnim="0" showMasterSp="0">
+<p:notes xmlns:a="http://schemas.openxmlformats.org/drawingml/2006/main" xmlns:r="http://schemas.openxmlformats.org/officeDocument/2006/relationships" xmlns:p="http://schemas.openxmlformats.org/presentationml/2006/main" showMasterSp="0" showMasterPhAnim="0">
   <p:cSld>
     <p:spTree>
       <p:nvGrpSpPr>
-        <p:cNvPr id="222" name="Shape 222"/>
+        <p:cNvPr id="1" name="Shape 222"/>
         <p:cNvGrpSpPr/>
         <p:nvPr/>
       </p:nvGrpSpPr>
@@ -2418,9 +2518,11 @@
       <p:sp>
         <p:nvSpPr>
           <p:cNvPr id="223" name="Google Shape;223;g26fff560a16_0_132:notes"/>
-          <p:cNvSpPr/>
+          <p:cNvSpPr>
+            <a:spLocks noGrp="1" noRot="1" noChangeAspect="1"/>
+          </p:cNvSpPr>
           <p:nvPr>
-            <p:ph idx="2" type="sldImg"/>
+            <p:ph type="sldImg" idx="2"/>
           </p:nvPr>
         </p:nvSpPr>
         <p:spPr>
@@ -2429,9 +2531,13 @@
             <a:ext cx="6096000" cy="3429000"/>
           </a:xfrm>
           <a:custGeom>
-            <a:rect b="b" l="l" r="r" t="t"/>
+            <a:avLst/>
+            <a:gdLst/>
+            <a:ahLst/>
+            <a:cxnLst/>
+            <a:rect l="l" t="t" r="r" b="b"/>
             <a:pathLst>
-              <a:path extrusionOk="0" h="120000" w="120000">
+              <a:path w="120000" h="120000" extrusionOk="0">
                 <a:moveTo>
                   <a:pt x="0" y="0"/>
                 </a:moveTo>
@@ -2453,9 +2559,11 @@
       <p:sp>
         <p:nvSpPr>
           <p:cNvPr id="224" name="Google Shape;224;g26fff560a16_0_132:notes"/>
-          <p:cNvSpPr txBox="1"/>
+          <p:cNvSpPr txBox="1">
+            <a:spLocks noGrp="1"/>
+          </p:cNvSpPr>
           <p:nvPr>
-            <p:ph idx="1" type="body"/>
+            <p:ph type="body" idx="1"/>
           </p:nvPr>
         </p:nvSpPr>
         <p:spPr>
@@ -2468,12 +2576,12 @@
           </a:prstGeom>
         </p:spPr>
         <p:txBody>
-          <a:bodyPr anchorCtr="0" anchor="t" bIns="91425" lIns="91425" spcFirstLastPara="1" rIns="91425" wrap="square" tIns="91425">
+          <a:bodyPr spcFirstLastPara="1" wrap="square" lIns="91425" tIns="91425" rIns="91425" bIns="91425" anchor="t" anchorCtr="0">
             <a:noAutofit/>
           </a:bodyPr>
           <a:lstStyle/>
           <a:p>
-            <a:pPr indent="0" lvl="0" marL="0" rtl="0" algn="l">
+            <a:pPr marL="0" lvl="0" indent="0" algn="l" rtl="0">
               <a:spcBef>
                 <a:spcPts val="0"/>
               </a:spcBef>
@@ -2482,9 +2590,6 @@
               </a:spcAft>
               <a:buNone/>
             </a:pPr>
-            <a:r>
-              <a:t/>
-            </a:r>
             <a:endParaRPr/>
           </a:p>
         </p:txBody>
@@ -2498,11 +2603,11 @@
 </file>
 
 <file path=ppt/notesSlides/notesSlide26.xml><?xml version="1.0" encoding="utf-8"?>
-<p:notes xmlns:a="http://schemas.openxmlformats.org/drawingml/2006/main" xmlns:r="http://schemas.openxmlformats.org/officeDocument/2006/relationships" xmlns:mc="http://schemas.openxmlformats.org/markup-compatibility/2006" xmlns:mv="urn:schemas-microsoft-com:mac:vml" xmlns:p="http://schemas.openxmlformats.org/presentationml/2006/main" xmlns:c="http://schemas.openxmlformats.org/drawingml/2006/chart" xmlns:dgm="http://schemas.openxmlformats.org/drawingml/2006/diagram" xmlns:o="urn:schemas-microsoft-com:office:office" xmlns:v="urn:schemas-microsoft-com:vml" xmlns:pvml="urn:schemas-microsoft-com:office:powerpoint" xmlns:com="http://schemas.openxmlformats.org/drawingml/2006/compatibility" xmlns:p14="http://schemas.microsoft.com/office/powerpoint/2010/main" xmlns:p15="http://schemas.microsoft.com/office/powerpoint/2012/main" xmlns:ahyp="http://schemas.microsoft.com/office/drawing/2018/hyperlinkcolor" showMasterPhAnim="0" showMasterSp="0">
+<p:notes xmlns:a="http://schemas.openxmlformats.org/drawingml/2006/main" xmlns:r="http://schemas.openxmlformats.org/officeDocument/2006/relationships" xmlns:p="http://schemas.openxmlformats.org/presentationml/2006/main" showMasterSp="0" showMasterPhAnim="0">
   <p:cSld>
     <p:spTree>
       <p:nvGrpSpPr>
-        <p:cNvPr id="229" name="Shape 229"/>
+        <p:cNvPr id="1" name="Shape 229"/>
         <p:cNvGrpSpPr/>
         <p:nvPr/>
       </p:nvGrpSpPr>
@@ -2517,9 +2622,11 @@
       <p:sp>
         <p:nvSpPr>
           <p:cNvPr id="230" name="Google Shape;230;g26fff560a16_0_178:notes"/>
-          <p:cNvSpPr/>
+          <p:cNvSpPr>
+            <a:spLocks noGrp="1" noRot="1" noChangeAspect="1"/>
+          </p:cNvSpPr>
           <p:nvPr>
-            <p:ph idx="2" type="sldImg"/>
+            <p:ph type="sldImg" idx="2"/>
           </p:nvPr>
         </p:nvSpPr>
         <p:spPr>
@@ -2528,9 +2635,13 @@
             <a:ext cx="6096000" cy="3429000"/>
           </a:xfrm>
           <a:custGeom>
-            <a:rect b="b" l="l" r="r" t="t"/>
+            <a:avLst/>
+            <a:gdLst/>
+            <a:ahLst/>
+            <a:cxnLst/>
+            <a:rect l="l" t="t" r="r" b="b"/>
             <a:pathLst>
-              <a:path extrusionOk="0" h="120000" w="120000">
+              <a:path w="120000" h="120000" extrusionOk="0">
                 <a:moveTo>
                   <a:pt x="0" y="0"/>
                 </a:moveTo>
@@ -2552,9 +2663,11 @@
       <p:sp>
         <p:nvSpPr>
           <p:cNvPr id="231" name="Google Shape;231;g26fff560a16_0_178:notes"/>
-          <p:cNvSpPr txBox="1"/>
+          <p:cNvSpPr txBox="1">
+            <a:spLocks noGrp="1"/>
+          </p:cNvSpPr>
           <p:nvPr>
-            <p:ph idx="1" type="body"/>
+            <p:ph type="body" idx="1"/>
           </p:nvPr>
         </p:nvSpPr>
         <p:spPr>
@@ -2567,12 +2680,12 @@
           </a:prstGeom>
         </p:spPr>
         <p:txBody>
-          <a:bodyPr anchorCtr="0" anchor="t" bIns="91425" lIns="91425" spcFirstLastPara="1" rIns="91425" wrap="square" tIns="91425">
+          <a:bodyPr spcFirstLastPara="1" wrap="square" lIns="91425" tIns="91425" rIns="91425" bIns="91425" anchor="t" anchorCtr="0">
             <a:noAutofit/>
           </a:bodyPr>
           <a:lstStyle/>
           <a:p>
-            <a:pPr indent="0" lvl="0" marL="0" rtl="0" algn="l">
+            <a:pPr marL="0" lvl="0" indent="0" algn="l" rtl="0">
               <a:spcBef>
                 <a:spcPts val="0"/>
               </a:spcBef>
@@ -2581,9 +2694,6 @@
               </a:spcAft>
               <a:buNone/>
             </a:pPr>
-            <a:r>
-              <a:t/>
-            </a:r>
             <a:endParaRPr/>
           </a:p>
         </p:txBody>
@@ -2597,11 +2707,11 @@
 </file>
 
 <file path=ppt/notesSlides/notesSlide27.xml><?xml version="1.0" encoding="utf-8"?>
-<p:notes xmlns:a="http://schemas.openxmlformats.org/drawingml/2006/main" xmlns:r="http://schemas.openxmlformats.org/officeDocument/2006/relationships" xmlns:mc="http://schemas.openxmlformats.org/markup-compatibility/2006" xmlns:mv="urn:schemas-microsoft-com:mac:vml" xmlns:p="http://schemas.openxmlformats.org/presentationml/2006/main" xmlns:c="http://schemas.openxmlformats.org/drawingml/2006/chart" xmlns:dgm="http://schemas.openxmlformats.org/drawingml/2006/diagram" xmlns:o="urn:schemas-microsoft-com:office:office" xmlns:v="urn:schemas-microsoft-com:vml" xmlns:pvml="urn:schemas-microsoft-com:office:powerpoint" xmlns:com="http://schemas.openxmlformats.org/drawingml/2006/compatibility" xmlns:p14="http://schemas.microsoft.com/office/powerpoint/2010/main" xmlns:p15="http://schemas.microsoft.com/office/powerpoint/2012/main" xmlns:ahyp="http://schemas.microsoft.com/office/drawing/2018/hyperlinkcolor" showMasterPhAnim="0" showMasterSp="0">
+<p:notes xmlns:a="http://schemas.openxmlformats.org/drawingml/2006/main" xmlns:r="http://schemas.openxmlformats.org/officeDocument/2006/relationships" xmlns:p="http://schemas.openxmlformats.org/presentationml/2006/main" showMasterSp="0" showMasterPhAnim="0">
   <p:cSld>
     <p:spTree>
       <p:nvGrpSpPr>
-        <p:cNvPr id="236" name="Shape 236"/>
+        <p:cNvPr id="1" name="Shape 236"/>
         <p:cNvGrpSpPr/>
         <p:nvPr/>
       </p:nvGrpSpPr>
@@ -2616,9 +2726,11 @@
       <p:sp>
         <p:nvSpPr>
           <p:cNvPr id="237" name="Google Shape;237;g26fff560a16_0_140:notes"/>
-          <p:cNvSpPr/>
+          <p:cNvSpPr>
+            <a:spLocks noGrp="1" noRot="1" noChangeAspect="1"/>
+          </p:cNvSpPr>
           <p:nvPr>
-            <p:ph idx="2" type="sldImg"/>
+            <p:ph type="sldImg" idx="2"/>
           </p:nvPr>
         </p:nvSpPr>
         <p:spPr>
@@ -2627,9 +2739,13 @@
             <a:ext cx="6096000" cy="3429000"/>
           </a:xfrm>
           <a:custGeom>
-            <a:rect b="b" l="l" r="r" t="t"/>
+            <a:avLst/>
+            <a:gdLst/>
+            <a:ahLst/>
+            <a:cxnLst/>
+            <a:rect l="l" t="t" r="r" b="b"/>
             <a:pathLst>
-              <a:path extrusionOk="0" h="120000" w="120000">
+              <a:path w="120000" h="120000" extrusionOk="0">
                 <a:moveTo>
                   <a:pt x="0" y="0"/>
                 </a:moveTo>
@@ -2651,9 +2767,11 @@
       <p:sp>
         <p:nvSpPr>
           <p:cNvPr id="238" name="Google Shape;238;g26fff560a16_0_140:notes"/>
-          <p:cNvSpPr txBox="1"/>
+          <p:cNvSpPr txBox="1">
+            <a:spLocks noGrp="1"/>
+          </p:cNvSpPr>
           <p:nvPr>
-            <p:ph idx="1" type="body"/>
+            <p:ph type="body" idx="1"/>
           </p:nvPr>
         </p:nvSpPr>
         <p:spPr>
@@ -2666,12 +2784,12 @@
           </a:prstGeom>
         </p:spPr>
         <p:txBody>
-          <a:bodyPr anchorCtr="0" anchor="t" bIns="91425" lIns="91425" spcFirstLastPara="1" rIns="91425" wrap="square" tIns="91425">
+          <a:bodyPr spcFirstLastPara="1" wrap="square" lIns="91425" tIns="91425" rIns="91425" bIns="91425" anchor="t" anchorCtr="0">
             <a:noAutofit/>
           </a:bodyPr>
           <a:lstStyle/>
           <a:p>
-            <a:pPr indent="0" lvl="0" marL="0" rtl="0" algn="l">
+            <a:pPr marL="0" lvl="0" indent="0" algn="l" rtl="0">
               <a:spcBef>
                 <a:spcPts val="0"/>
               </a:spcBef>
@@ -2680,9 +2798,6 @@
               </a:spcAft>
               <a:buNone/>
             </a:pPr>
-            <a:r>
-              <a:t/>
-            </a:r>
             <a:endParaRPr/>
           </a:p>
         </p:txBody>
@@ -2696,11 +2811,11 @@
 </file>
 
 <file path=ppt/notesSlides/notesSlide28.xml><?xml version="1.0" encoding="utf-8"?>
-<p:notes xmlns:a="http://schemas.openxmlformats.org/drawingml/2006/main" xmlns:r="http://schemas.openxmlformats.org/officeDocument/2006/relationships" xmlns:mc="http://schemas.openxmlformats.org/markup-compatibility/2006" xmlns:mv="urn:schemas-microsoft-com:mac:vml" xmlns:p="http://schemas.openxmlformats.org/presentationml/2006/main" xmlns:c="http://schemas.openxmlformats.org/drawingml/2006/chart" xmlns:dgm="http://schemas.openxmlformats.org/drawingml/2006/diagram" xmlns:o="urn:schemas-microsoft-com:office:office" xmlns:v="urn:schemas-microsoft-com:vml" xmlns:pvml="urn:schemas-microsoft-com:office:powerpoint" xmlns:com="http://schemas.openxmlformats.org/drawingml/2006/compatibility" xmlns:p14="http://schemas.microsoft.com/office/powerpoint/2010/main" xmlns:p15="http://schemas.microsoft.com/office/powerpoint/2012/main" xmlns:ahyp="http://schemas.microsoft.com/office/drawing/2018/hyperlinkcolor" showMasterPhAnim="0" showMasterSp="0">
+<p:notes xmlns:a="http://schemas.openxmlformats.org/drawingml/2006/main" xmlns:r="http://schemas.openxmlformats.org/officeDocument/2006/relationships" xmlns:p="http://schemas.openxmlformats.org/presentationml/2006/main" showMasterSp="0" showMasterPhAnim="0">
   <p:cSld>
     <p:spTree>
       <p:nvGrpSpPr>
-        <p:cNvPr id="243" name="Shape 243"/>
+        <p:cNvPr id="1" name="Shape 243"/>
         <p:cNvGrpSpPr/>
         <p:nvPr/>
       </p:nvGrpSpPr>
@@ -2715,9 +2830,11 @@
       <p:sp>
         <p:nvSpPr>
           <p:cNvPr id="244" name="Google Shape;244;g26fff560a16_0_50:notes"/>
-          <p:cNvSpPr/>
+          <p:cNvSpPr>
+            <a:spLocks noGrp="1" noRot="1" noChangeAspect="1"/>
+          </p:cNvSpPr>
           <p:nvPr>
-            <p:ph idx="2" type="sldImg"/>
+            <p:ph type="sldImg" idx="2"/>
           </p:nvPr>
         </p:nvSpPr>
         <p:spPr>
@@ -2726,9 +2843,13 @@
             <a:ext cx="6096000" cy="3429000"/>
           </a:xfrm>
           <a:custGeom>
-            <a:rect b="b" l="l" r="r" t="t"/>
+            <a:avLst/>
+            <a:gdLst/>
+            <a:ahLst/>
+            <a:cxnLst/>
+            <a:rect l="l" t="t" r="r" b="b"/>
             <a:pathLst>
-              <a:path extrusionOk="0" h="120000" w="120000">
+              <a:path w="120000" h="120000" extrusionOk="0">
                 <a:moveTo>
                   <a:pt x="0" y="0"/>
                 </a:moveTo>
@@ -2750,9 +2871,11 @@
       <p:sp>
         <p:nvSpPr>
           <p:cNvPr id="245" name="Google Shape;245;g26fff560a16_0_50:notes"/>
-          <p:cNvSpPr txBox="1"/>
+          <p:cNvSpPr txBox="1">
+            <a:spLocks noGrp="1"/>
+          </p:cNvSpPr>
           <p:nvPr>
-            <p:ph idx="1" type="body"/>
+            <p:ph type="body" idx="1"/>
           </p:nvPr>
         </p:nvSpPr>
         <p:spPr>
@@ -2765,12 +2888,12 @@
           </a:prstGeom>
         </p:spPr>
         <p:txBody>
-          <a:bodyPr anchorCtr="0" anchor="t" bIns="91425" lIns="91425" spcFirstLastPara="1" rIns="91425" wrap="square" tIns="91425">
+          <a:bodyPr spcFirstLastPara="1" wrap="square" lIns="91425" tIns="91425" rIns="91425" bIns="91425" anchor="t" anchorCtr="0">
             <a:noAutofit/>
           </a:bodyPr>
           <a:lstStyle/>
           <a:p>
-            <a:pPr indent="0" lvl="0" marL="0" rtl="0" algn="l">
+            <a:pPr marL="0" lvl="0" indent="0" algn="l" rtl="0">
               <a:spcBef>
                 <a:spcPts val="0"/>
               </a:spcBef>
@@ -2779,9 +2902,6 @@
               </a:spcAft>
               <a:buNone/>
             </a:pPr>
-            <a:r>
-              <a:t/>
-            </a:r>
             <a:endParaRPr/>
           </a:p>
         </p:txBody>
@@ -2795,11 +2915,11 @@
 </file>
 
 <file path=ppt/notesSlides/notesSlide29.xml><?xml version="1.0" encoding="utf-8"?>
-<p:notes xmlns:a="http://schemas.openxmlformats.org/drawingml/2006/main" xmlns:r="http://schemas.openxmlformats.org/officeDocument/2006/relationships" xmlns:mc="http://schemas.openxmlformats.org/markup-compatibility/2006" xmlns:mv="urn:schemas-microsoft-com:mac:vml" xmlns:p="http://schemas.openxmlformats.org/presentationml/2006/main" xmlns:c="http://schemas.openxmlformats.org/drawingml/2006/chart" xmlns:dgm="http://schemas.openxmlformats.org/drawingml/2006/diagram" xmlns:o="urn:schemas-microsoft-com:office:office" xmlns:v="urn:schemas-microsoft-com:vml" xmlns:pvml="urn:schemas-microsoft-com:office:powerpoint" xmlns:com="http://schemas.openxmlformats.org/drawingml/2006/compatibility" xmlns:p14="http://schemas.microsoft.com/office/powerpoint/2010/main" xmlns:p15="http://schemas.microsoft.com/office/powerpoint/2012/main" xmlns:ahyp="http://schemas.microsoft.com/office/drawing/2018/hyperlinkcolor" showMasterPhAnim="0" showMasterSp="0">
+<p:notes xmlns:a="http://schemas.openxmlformats.org/drawingml/2006/main" xmlns:r="http://schemas.openxmlformats.org/officeDocument/2006/relationships" xmlns:p="http://schemas.openxmlformats.org/presentationml/2006/main" showMasterSp="0" showMasterPhAnim="0">
   <p:cSld>
     <p:spTree>
       <p:nvGrpSpPr>
-        <p:cNvPr id="249" name="Shape 249"/>
+        <p:cNvPr id="1" name="Shape 249"/>
         <p:cNvGrpSpPr/>
         <p:nvPr/>
       </p:nvGrpSpPr>
@@ -2814,9 +2934,11 @@
       <p:sp>
         <p:nvSpPr>
           <p:cNvPr id="250" name="Google Shape;250;g26fff560a16_0_55:notes"/>
-          <p:cNvSpPr/>
+          <p:cNvSpPr>
+            <a:spLocks noGrp="1" noRot="1" noChangeAspect="1"/>
+          </p:cNvSpPr>
           <p:nvPr>
-            <p:ph idx="2" type="sldImg"/>
+            <p:ph type="sldImg" idx="2"/>
           </p:nvPr>
         </p:nvSpPr>
         <p:spPr>
@@ -2825,9 +2947,13 @@
             <a:ext cx="6096000" cy="3429000"/>
           </a:xfrm>
           <a:custGeom>
-            <a:rect b="b" l="l" r="r" t="t"/>
+            <a:avLst/>
+            <a:gdLst/>
+            <a:ahLst/>
+            <a:cxnLst/>
+            <a:rect l="l" t="t" r="r" b="b"/>
             <a:pathLst>
-              <a:path extrusionOk="0" h="120000" w="120000">
+              <a:path w="120000" h="120000" extrusionOk="0">
                 <a:moveTo>
                   <a:pt x="0" y="0"/>
                 </a:moveTo>
@@ -2849,9 +2975,11 @@
       <p:sp>
         <p:nvSpPr>
           <p:cNvPr id="251" name="Google Shape;251;g26fff560a16_0_55:notes"/>
-          <p:cNvSpPr txBox="1"/>
+          <p:cNvSpPr txBox="1">
+            <a:spLocks noGrp="1"/>
+          </p:cNvSpPr>
           <p:nvPr>
-            <p:ph idx="1" type="body"/>
+            <p:ph type="body" idx="1"/>
           </p:nvPr>
         </p:nvSpPr>
         <p:spPr>
@@ -2864,12 +2992,12 @@
           </a:prstGeom>
         </p:spPr>
         <p:txBody>
-          <a:bodyPr anchorCtr="0" anchor="t" bIns="91425" lIns="91425" spcFirstLastPara="1" rIns="91425" wrap="square" tIns="91425">
+          <a:bodyPr spcFirstLastPara="1" wrap="square" lIns="91425" tIns="91425" rIns="91425" bIns="91425" anchor="t" anchorCtr="0">
             <a:noAutofit/>
           </a:bodyPr>
           <a:lstStyle/>
           <a:p>
-            <a:pPr indent="0" lvl="0" marL="0" rtl="0" algn="l">
+            <a:pPr marL="0" lvl="0" indent="0" algn="l" rtl="0">
               <a:spcBef>
                 <a:spcPts val="0"/>
               </a:spcBef>
@@ -2878,9 +3006,6 @@
               </a:spcAft>
               <a:buNone/>
             </a:pPr>
-            <a:r>
-              <a:t/>
-            </a:r>
             <a:endParaRPr/>
           </a:p>
         </p:txBody>
@@ -2894,11 +3019,11 @@
 </file>
 
 <file path=ppt/notesSlides/notesSlide3.xml><?xml version="1.0" encoding="utf-8"?>
-<p:notes xmlns:a="http://schemas.openxmlformats.org/drawingml/2006/main" xmlns:r="http://schemas.openxmlformats.org/officeDocument/2006/relationships" xmlns:mc="http://schemas.openxmlformats.org/markup-compatibility/2006" xmlns:mv="urn:schemas-microsoft-com:mac:vml" xmlns:p="http://schemas.openxmlformats.org/presentationml/2006/main" xmlns:c="http://schemas.openxmlformats.org/drawingml/2006/chart" xmlns:dgm="http://schemas.openxmlformats.org/drawingml/2006/diagram" xmlns:o="urn:schemas-microsoft-com:office:office" xmlns:v="urn:schemas-microsoft-com:vml" xmlns:pvml="urn:schemas-microsoft-com:office:powerpoint" xmlns:com="http://schemas.openxmlformats.org/drawingml/2006/compatibility" xmlns:p14="http://schemas.microsoft.com/office/powerpoint/2010/main" xmlns:p15="http://schemas.microsoft.com/office/powerpoint/2012/main" xmlns:ahyp="http://schemas.microsoft.com/office/drawing/2018/hyperlinkcolor" showMasterPhAnim="0" showMasterSp="0">
+<p:notes xmlns:a="http://schemas.openxmlformats.org/drawingml/2006/main" xmlns:r="http://schemas.openxmlformats.org/officeDocument/2006/relationships" xmlns:p="http://schemas.openxmlformats.org/presentationml/2006/main" showMasterSp="0" showMasterPhAnim="0">
   <p:cSld>
     <p:spTree>
       <p:nvGrpSpPr>
-        <p:cNvPr id="64" name="Shape 64"/>
+        <p:cNvPr id="1" name="Shape 64"/>
         <p:cNvGrpSpPr/>
         <p:nvPr/>
       </p:nvGrpSpPr>
@@ -2913,9 +3038,11 @@
       <p:sp>
         <p:nvSpPr>
           <p:cNvPr id="65" name="Google Shape;65;g26fff560a16_0_119:notes"/>
-          <p:cNvSpPr/>
+          <p:cNvSpPr>
+            <a:spLocks noGrp="1" noRot="1" noChangeAspect="1"/>
+          </p:cNvSpPr>
           <p:nvPr>
-            <p:ph idx="2" type="sldImg"/>
+            <p:ph type="sldImg" idx="2"/>
           </p:nvPr>
         </p:nvSpPr>
         <p:spPr>
@@ -2924,9 +3051,13 @@
             <a:ext cx="6096000" cy="3429000"/>
           </a:xfrm>
           <a:custGeom>
-            <a:rect b="b" l="l" r="r" t="t"/>
+            <a:avLst/>
+            <a:gdLst/>
+            <a:ahLst/>
+            <a:cxnLst/>
+            <a:rect l="l" t="t" r="r" b="b"/>
             <a:pathLst>
-              <a:path extrusionOk="0" h="120000" w="120000">
+              <a:path w="120000" h="120000" extrusionOk="0">
                 <a:moveTo>
                   <a:pt x="0" y="0"/>
                 </a:moveTo>
@@ -2948,9 +3079,11 @@
       <p:sp>
         <p:nvSpPr>
           <p:cNvPr id="66" name="Google Shape;66;g26fff560a16_0_119:notes"/>
-          <p:cNvSpPr txBox="1"/>
+          <p:cNvSpPr txBox="1">
+            <a:spLocks noGrp="1"/>
+          </p:cNvSpPr>
           <p:nvPr>
-            <p:ph idx="1" type="body"/>
+            <p:ph type="body" idx="1"/>
           </p:nvPr>
         </p:nvSpPr>
         <p:spPr>
@@ -2963,12 +3096,12 @@
           </a:prstGeom>
         </p:spPr>
         <p:txBody>
-          <a:bodyPr anchorCtr="0" anchor="t" bIns="91425" lIns="91425" spcFirstLastPara="1" rIns="91425" wrap="square" tIns="91425">
+          <a:bodyPr spcFirstLastPara="1" wrap="square" lIns="91425" tIns="91425" rIns="91425" bIns="91425" anchor="t" anchorCtr="0">
             <a:noAutofit/>
           </a:bodyPr>
           <a:lstStyle/>
           <a:p>
-            <a:pPr indent="0" lvl="0" marL="0" rtl="0" algn="l">
+            <a:pPr marL="0" lvl="0" indent="0" algn="l" rtl="0">
               <a:spcBef>
                 <a:spcPts val="0"/>
               </a:spcBef>
@@ -2977,9 +3110,6 @@
               </a:spcAft>
               <a:buNone/>
             </a:pPr>
-            <a:r>
-              <a:t/>
-            </a:r>
             <a:endParaRPr/>
           </a:p>
         </p:txBody>
@@ -2993,11 +3123,11 @@
 </file>
 
 <file path=ppt/notesSlides/notesSlide30.xml><?xml version="1.0" encoding="utf-8"?>
-<p:notes xmlns:a="http://schemas.openxmlformats.org/drawingml/2006/main" xmlns:r="http://schemas.openxmlformats.org/officeDocument/2006/relationships" xmlns:mc="http://schemas.openxmlformats.org/markup-compatibility/2006" xmlns:mv="urn:schemas-microsoft-com:mac:vml" xmlns:p="http://schemas.openxmlformats.org/presentationml/2006/main" xmlns:c="http://schemas.openxmlformats.org/drawingml/2006/chart" xmlns:dgm="http://schemas.openxmlformats.org/drawingml/2006/diagram" xmlns:o="urn:schemas-microsoft-com:office:office" xmlns:v="urn:schemas-microsoft-com:vml" xmlns:pvml="urn:schemas-microsoft-com:office:powerpoint" xmlns:com="http://schemas.openxmlformats.org/drawingml/2006/compatibility" xmlns:p14="http://schemas.microsoft.com/office/powerpoint/2010/main" xmlns:p15="http://schemas.microsoft.com/office/powerpoint/2012/main" xmlns:ahyp="http://schemas.microsoft.com/office/drawing/2018/hyperlinkcolor" showMasterPhAnim="0" showMasterSp="0">
+<p:notes xmlns:a="http://schemas.openxmlformats.org/drawingml/2006/main" xmlns:r="http://schemas.openxmlformats.org/officeDocument/2006/relationships" xmlns:p="http://schemas.openxmlformats.org/presentationml/2006/main" showMasterSp="0" showMasterPhAnim="0">
   <p:cSld>
     <p:spTree>
       <p:nvGrpSpPr>
-        <p:cNvPr id="255" name="Shape 255"/>
+        <p:cNvPr id="1" name="Shape 255"/>
         <p:cNvGrpSpPr/>
         <p:nvPr/>
       </p:nvGrpSpPr>
@@ -3012,9 +3142,11 @@
       <p:sp>
         <p:nvSpPr>
           <p:cNvPr id="256" name="Google Shape;256;g26fff560a16_0_95:notes"/>
-          <p:cNvSpPr/>
+          <p:cNvSpPr>
+            <a:spLocks noGrp="1" noRot="1" noChangeAspect="1"/>
+          </p:cNvSpPr>
           <p:nvPr>
-            <p:ph idx="2" type="sldImg"/>
+            <p:ph type="sldImg" idx="2"/>
           </p:nvPr>
         </p:nvSpPr>
         <p:spPr>
@@ -3023,9 +3155,13 @@
             <a:ext cx="6096000" cy="3429000"/>
           </a:xfrm>
           <a:custGeom>
-            <a:rect b="b" l="l" r="r" t="t"/>
+            <a:avLst/>
+            <a:gdLst/>
+            <a:ahLst/>
+            <a:cxnLst/>
+            <a:rect l="l" t="t" r="r" b="b"/>
             <a:pathLst>
-              <a:path extrusionOk="0" h="120000" w="120000">
+              <a:path w="120000" h="120000" extrusionOk="0">
                 <a:moveTo>
                   <a:pt x="0" y="0"/>
                 </a:moveTo>
@@ -3047,9 +3183,11 @@
       <p:sp>
         <p:nvSpPr>
           <p:cNvPr id="257" name="Google Shape;257;g26fff560a16_0_95:notes"/>
-          <p:cNvSpPr txBox="1"/>
+          <p:cNvSpPr txBox="1">
+            <a:spLocks noGrp="1"/>
+          </p:cNvSpPr>
           <p:nvPr>
-            <p:ph idx="1" type="body"/>
+            <p:ph type="body" idx="1"/>
           </p:nvPr>
         </p:nvSpPr>
         <p:spPr>
@@ -3062,12 +3200,12 @@
           </a:prstGeom>
         </p:spPr>
         <p:txBody>
-          <a:bodyPr anchorCtr="0" anchor="t" bIns="91425" lIns="91425" spcFirstLastPara="1" rIns="91425" wrap="square" tIns="91425">
+          <a:bodyPr spcFirstLastPara="1" wrap="square" lIns="91425" tIns="91425" rIns="91425" bIns="91425" anchor="t" anchorCtr="0">
             <a:noAutofit/>
           </a:bodyPr>
           <a:lstStyle/>
           <a:p>
-            <a:pPr indent="0" lvl="0" marL="0" rtl="0" algn="l">
+            <a:pPr marL="0" lvl="0" indent="0" algn="l" rtl="0">
               <a:spcBef>
                 <a:spcPts val="0"/>
               </a:spcBef>
@@ -3076,9 +3214,6 @@
               </a:spcAft>
               <a:buNone/>
             </a:pPr>
-            <a:r>
-              <a:t/>
-            </a:r>
             <a:endParaRPr/>
           </a:p>
         </p:txBody>
@@ -3092,11 +3227,11 @@
 </file>
 
 <file path=ppt/notesSlides/notesSlide4.xml><?xml version="1.0" encoding="utf-8"?>
-<p:notes xmlns:a="http://schemas.openxmlformats.org/drawingml/2006/main" xmlns:r="http://schemas.openxmlformats.org/officeDocument/2006/relationships" xmlns:mc="http://schemas.openxmlformats.org/markup-compatibility/2006" xmlns:mv="urn:schemas-microsoft-com:mac:vml" xmlns:p="http://schemas.openxmlformats.org/presentationml/2006/main" xmlns:c="http://schemas.openxmlformats.org/drawingml/2006/chart" xmlns:dgm="http://schemas.openxmlformats.org/drawingml/2006/diagram" xmlns:o="urn:schemas-microsoft-com:office:office" xmlns:v="urn:schemas-microsoft-com:vml" xmlns:pvml="urn:schemas-microsoft-com:office:powerpoint" xmlns:com="http://schemas.openxmlformats.org/drawingml/2006/compatibility" xmlns:p14="http://schemas.microsoft.com/office/powerpoint/2010/main" xmlns:p15="http://schemas.microsoft.com/office/powerpoint/2012/main" xmlns:ahyp="http://schemas.microsoft.com/office/drawing/2018/hyperlinkcolor" showMasterPhAnim="0" showMasterSp="0">
+<p:notes xmlns:a="http://schemas.openxmlformats.org/drawingml/2006/main" xmlns:r="http://schemas.openxmlformats.org/officeDocument/2006/relationships" xmlns:p="http://schemas.openxmlformats.org/presentationml/2006/main" showMasterSp="0" showMasterPhAnim="0">
   <p:cSld>
     <p:spTree>
       <p:nvGrpSpPr>
-        <p:cNvPr id="70" name="Shape 70"/>
+        <p:cNvPr id="1" name="Shape 70"/>
         <p:cNvGrpSpPr/>
         <p:nvPr/>
       </p:nvGrpSpPr>
@@ -3111,20 +3246,26 @@
       <p:sp>
         <p:nvSpPr>
           <p:cNvPr id="71" name="Google Shape;71;g2d12f41482f_0_179:notes"/>
-          <p:cNvSpPr/>
+          <p:cNvSpPr>
+            <a:spLocks noGrp="1" noRot="1" noChangeAspect="1"/>
+          </p:cNvSpPr>
           <p:nvPr>
-            <p:ph idx="2" type="sldImg"/>
+            <p:ph type="sldImg" idx="2"/>
           </p:nvPr>
         </p:nvSpPr>
         <p:spPr>
           <a:xfrm>
-            <a:off x="381300" y="685800"/>
+            <a:off x="381000" y="685800"/>
             <a:ext cx="6096000" cy="3429000"/>
           </a:xfrm>
           <a:custGeom>
-            <a:rect b="b" l="l" r="r" t="t"/>
+            <a:avLst/>
+            <a:gdLst/>
+            <a:ahLst/>
+            <a:cxnLst/>
+            <a:rect l="l" t="t" r="r" b="b"/>
             <a:pathLst>
-              <a:path extrusionOk="0" h="120000" w="120000">
+              <a:path w="120000" h="120000" extrusionOk="0">
                 <a:moveTo>
                   <a:pt x="0" y="0"/>
                 </a:moveTo>
@@ -3146,9 +3287,11 @@
       <p:sp>
         <p:nvSpPr>
           <p:cNvPr id="72" name="Google Shape;72;g2d12f41482f_0_179:notes"/>
-          <p:cNvSpPr txBox="1"/>
+          <p:cNvSpPr txBox="1">
+            <a:spLocks noGrp="1"/>
+          </p:cNvSpPr>
           <p:nvPr>
-            <p:ph idx="1" type="body"/>
+            <p:ph type="body" idx="1"/>
           </p:nvPr>
         </p:nvSpPr>
         <p:spPr>
@@ -3161,12 +3304,12 @@
           </a:prstGeom>
         </p:spPr>
         <p:txBody>
-          <a:bodyPr anchorCtr="0" anchor="t" bIns="91425" lIns="91425" spcFirstLastPara="1" rIns="91425" wrap="square" tIns="91425">
+          <a:bodyPr spcFirstLastPara="1" wrap="square" lIns="91425" tIns="91425" rIns="91425" bIns="91425" anchor="t" anchorCtr="0">
             <a:noAutofit/>
           </a:bodyPr>
           <a:lstStyle/>
           <a:p>
-            <a:pPr indent="0" lvl="0" marL="0" rtl="0" algn="l">
+            <a:pPr marL="0" lvl="0" indent="0" algn="l" rtl="0">
               <a:spcBef>
                 <a:spcPts val="0"/>
               </a:spcBef>
@@ -3175,9 +3318,6 @@
               </a:spcAft>
               <a:buNone/>
             </a:pPr>
-            <a:r>
-              <a:t/>
-            </a:r>
             <a:endParaRPr/>
           </a:p>
         </p:txBody>
@@ -3191,11 +3331,11 @@
 </file>
 
 <file path=ppt/notesSlides/notesSlide5.xml><?xml version="1.0" encoding="utf-8"?>
-<p:notes xmlns:a="http://schemas.openxmlformats.org/drawingml/2006/main" xmlns:r="http://schemas.openxmlformats.org/officeDocument/2006/relationships" xmlns:mc="http://schemas.openxmlformats.org/markup-compatibility/2006" xmlns:mv="urn:schemas-microsoft-com:mac:vml" xmlns:p="http://schemas.openxmlformats.org/presentationml/2006/main" xmlns:c="http://schemas.openxmlformats.org/drawingml/2006/chart" xmlns:dgm="http://schemas.openxmlformats.org/drawingml/2006/diagram" xmlns:o="urn:schemas-microsoft-com:office:office" xmlns:v="urn:schemas-microsoft-com:vml" xmlns:pvml="urn:schemas-microsoft-com:office:powerpoint" xmlns:com="http://schemas.openxmlformats.org/drawingml/2006/compatibility" xmlns:p14="http://schemas.microsoft.com/office/powerpoint/2010/main" xmlns:p15="http://schemas.microsoft.com/office/powerpoint/2012/main" xmlns:ahyp="http://schemas.microsoft.com/office/drawing/2018/hyperlinkcolor" showMasterPhAnim="0" showMasterSp="0">
+<p:notes xmlns:a="http://schemas.openxmlformats.org/drawingml/2006/main" xmlns:r="http://schemas.openxmlformats.org/officeDocument/2006/relationships" xmlns:p="http://schemas.openxmlformats.org/presentationml/2006/main" showMasterSp="0" showMasterPhAnim="0">
   <p:cSld>
     <p:spTree>
       <p:nvGrpSpPr>
-        <p:cNvPr id="88" name="Shape 88"/>
+        <p:cNvPr id="1" name="Shape 88"/>
         <p:cNvGrpSpPr/>
         <p:nvPr/>
       </p:nvGrpSpPr>
@@ -3210,9 +3350,11 @@
       <p:sp>
         <p:nvSpPr>
           <p:cNvPr id="89" name="Google Shape;89;g2d12f41482f_0_207:notes"/>
-          <p:cNvSpPr/>
+          <p:cNvSpPr>
+            <a:spLocks noGrp="1" noRot="1" noChangeAspect="1"/>
+          </p:cNvSpPr>
           <p:nvPr>
-            <p:ph idx="2" type="sldImg"/>
+            <p:ph type="sldImg" idx="2"/>
           </p:nvPr>
         </p:nvSpPr>
         <p:spPr>
@@ -3221,9 +3363,13 @@
             <a:ext cx="6096000" cy="3429000"/>
           </a:xfrm>
           <a:custGeom>
-            <a:rect b="b" l="l" r="r" t="t"/>
+            <a:avLst/>
+            <a:gdLst/>
+            <a:ahLst/>
+            <a:cxnLst/>
+            <a:rect l="l" t="t" r="r" b="b"/>
             <a:pathLst>
-              <a:path extrusionOk="0" h="120000" w="120000">
+              <a:path w="120000" h="120000" extrusionOk="0">
                 <a:moveTo>
                   <a:pt x="0" y="0"/>
                 </a:moveTo>
@@ -3245,9 +3391,11 @@
       <p:sp>
         <p:nvSpPr>
           <p:cNvPr id="90" name="Google Shape;90;g2d12f41482f_0_207:notes"/>
-          <p:cNvSpPr txBox="1"/>
+          <p:cNvSpPr txBox="1">
+            <a:spLocks noGrp="1"/>
+          </p:cNvSpPr>
           <p:nvPr>
-            <p:ph idx="1" type="body"/>
+            <p:ph type="body" idx="1"/>
           </p:nvPr>
         </p:nvSpPr>
         <p:spPr>
@@ -3260,12 +3408,12 @@
           </a:prstGeom>
         </p:spPr>
         <p:txBody>
-          <a:bodyPr anchorCtr="0" anchor="t" bIns="91425" lIns="91425" spcFirstLastPara="1" rIns="91425" wrap="square" tIns="91425">
+          <a:bodyPr spcFirstLastPara="1" wrap="square" lIns="91425" tIns="91425" rIns="91425" bIns="91425" anchor="t" anchorCtr="0">
             <a:noAutofit/>
           </a:bodyPr>
           <a:lstStyle/>
           <a:p>
-            <a:pPr indent="0" lvl="0" marL="0" rtl="0" algn="l">
+            <a:pPr marL="0" lvl="0" indent="0" algn="l" rtl="0">
               <a:spcBef>
                 <a:spcPts val="0"/>
               </a:spcBef>
@@ -3274,9 +3422,6 @@
               </a:spcAft>
               <a:buNone/>
             </a:pPr>
-            <a:r>
-              <a:t/>
-            </a:r>
             <a:endParaRPr/>
           </a:p>
         </p:txBody>
@@ -3290,11 +3435,11 @@
 </file>
 
 <file path=ppt/notesSlides/notesSlide6.xml><?xml version="1.0" encoding="utf-8"?>
-<p:notes xmlns:a="http://schemas.openxmlformats.org/drawingml/2006/main" xmlns:r="http://schemas.openxmlformats.org/officeDocument/2006/relationships" xmlns:mc="http://schemas.openxmlformats.org/markup-compatibility/2006" xmlns:mv="urn:schemas-microsoft-com:mac:vml" xmlns:p="http://schemas.openxmlformats.org/presentationml/2006/main" xmlns:c="http://schemas.openxmlformats.org/drawingml/2006/chart" xmlns:dgm="http://schemas.openxmlformats.org/drawingml/2006/diagram" xmlns:o="urn:schemas-microsoft-com:office:office" xmlns:v="urn:schemas-microsoft-com:vml" xmlns:pvml="urn:schemas-microsoft-com:office:powerpoint" xmlns:com="http://schemas.openxmlformats.org/drawingml/2006/compatibility" xmlns:p14="http://schemas.microsoft.com/office/powerpoint/2010/main" xmlns:p15="http://schemas.microsoft.com/office/powerpoint/2012/main" xmlns:ahyp="http://schemas.microsoft.com/office/drawing/2018/hyperlinkcolor" showMasterPhAnim="0" showMasterSp="0">
+<p:notes xmlns:a="http://schemas.openxmlformats.org/drawingml/2006/main" xmlns:r="http://schemas.openxmlformats.org/officeDocument/2006/relationships" xmlns:p="http://schemas.openxmlformats.org/presentationml/2006/main" showMasterSp="0" showMasterPhAnim="0">
   <p:cSld>
     <p:spTree>
       <p:nvGrpSpPr>
-        <p:cNvPr id="94" name="Shape 94"/>
+        <p:cNvPr id="1" name="Shape 94"/>
         <p:cNvGrpSpPr/>
         <p:nvPr/>
       </p:nvGrpSpPr>
@@ -3309,9 +3454,11 @@
       <p:sp>
         <p:nvSpPr>
           <p:cNvPr id="95" name="Google Shape;95;g2d12f41482f_0_236:notes"/>
-          <p:cNvSpPr/>
+          <p:cNvSpPr>
+            <a:spLocks noGrp="1" noRot="1" noChangeAspect="1"/>
+          </p:cNvSpPr>
           <p:nvPr>
-            <p:ph idx="2" type="sldImg"/>
+            <p:ph type="sldImg" idx="2"/>
           </p:nvPr>
         </p:nvSpPr>
         <p:spPr>
@@ -3320,9 +3467,13 @@
             <a:ext cx="6096000" cy="3429000"/>
           </a:xfrm>
           <a:custGeom>
-            <a:rect b="b" l="l" r="r" t="t"/>
+            <a:avLst/>
+            <a:gdLst/>
+            <a:ahLst/>
+            <a:cxnLst/>
+            <a:rect l="l" t="t" r="r" b="b"/>
             <a:pathLst>
-              <a:path extrusionOk="0" h="120000" w="120000">
+              <a:path w="120000" h="120000" extrusionOk="0">
                 <a:moveTo>
                   <a:pt x="0" y="0"/>
                 </a:moveTo>
@@ -3344,9 +3495,11 @@
       <p:sp>
         <p:nvSpPr>
           <p:cNvPr id="96" name="Google Shape;96;g2d12f41482f_0_236:notes"/>
-          <p:cNvSpPr txBox="1"/>
+          <p:cNvSpPr txBox="1">
+            <a:spLocks noGrp="1"/>
+          </p:cNvSpPr>
           <p:nvPr>
-            <p:ph idx="1" type="body"/>
+            <p:ph type="body" idx="1"/>
           </p:nvPr>
         </p:nvSpPr>
         <p:spPr>
@@ -3359,12 +3512,12 @@
           </a:prstGeom>
         </p:spPr>
         <p:txBody>
-          <a:bodyPr anchorCtr="0" anchor="t" bIns="91425" lIns="91425" spcFirstLastPara="1" rIns="91425" wrap="square" tIns="91425">
+          <a:bodyPr spcFirstLastPara="1" wrap="square" lIns="91425" tIns="91425" rIns="91425" bIns="91425" anchor="t" anchorCtr="0">
             <a:noAutofit/>
           </a:bodyPr>
           <a:lstStyle/>
           <a:p>
-            <a:pPr indent="0" lvl="0" marL="0" rtl="0" algn="l">
+            <a:pPr marL="0" lvl="0" indent="0" algn="l" rtl="0">
               <a:spcBef>
                 <a:spcPts val="0"/>
               </a:spcBef>
@@ -3373,9 +3526,6 @@
               </a:spcAft>
               <a:buNone/>
             </a:pPr>
-            <a:r>
-              <a:t/>
-            </a:r>
             <a:endParaRPr/>
           </a:p>
         </p:txBody>
@@ -3389,11 +3539,11 @@
 </file>
 
 <file path=ppt/notesSlides/notesSlide7.xml><?xml version="1.0" encoding="utf-8"?>
-<p:notes xmlns:a="http://schemas.openxmlformats.org/drawingml/2006/main" xmlns:r="http://schemas.openxmlformats.org/officeDocument/2006/relationships" xmlns:mc="http://schemas.openxmlformats.org/markup-compatibility/2006" xmlns:mv="urn:schemas-microsoft-com:mac:vml" xmlns:p="http://schemas.openxmlformats.org/presentationml/2006/main" xmlns:c="http://schemas.openxmlformats.org/drawingml/2006/chart" xmlns:dgm="http://schemas.openxmlformats.org/drawingml/2006/diagram" xmlns:o="urn:schemas-microsoft-com:office:office" xmlns:v="urn:schemas-microsoft-com:vml" xmlns:pvml="urn:schemas-microsoft-com:office:powerpoint" xmlns:com="http://schemas.openxmlformats.org/drawingml/2006/compatibility" xmlns:p14="http://schemas.microsoft.com/office/powerpoint/2010/main" xmlns:p15="http://schemas.microsoft.com/office/powerpoint/2012/main" xmlns:ahyp="http://schemas.microsoft.com/office/drawing/2018/hyperlinkcolor" showMasterPhAnim="0" showMasterSp="0">
+<p:notes xmlns:a="http://schemas.openxmlformats.org/drawingml/2006/main" xmlns:r="http://schemas.openxmlformats.org/officeDocument/2006/relationships" xmlns:p="http://schemas.openxmlformats.org/presentationml/2006/main" showMasterSp="0" showMasterPhAnim="0">
   <p:cSld>
     <p:spTree>
       <p:nvGrpSpPr>
-        <p:cNvPr id="100" name="Shape 100"/>
+        <p:cNvPr id="1" name="Shape 100"/>
         <p:cNvGrpSpPr/>
         <p:nvPr/>
       </p:nvGrpSpPr>
@@ -3408,20 +3558,26 @@
       <p:sp>
         <p:nvSpPr>
           <p:cNvPr id="101" name="Google Shape;101;g2d12f41482f_0_252:notes"/>
-          <p:cNvSpPr/>
+          <p:cNvSpPr>
+            <a:spLocks noGrp="1" noRot="1" noChangeAspect="1"/>
+          </p:cNvSpPr>
           <p:nvPr>
-            <p:ph idx="2" type="sldImg"/>
+            <p:ph type="sldImg" idx="2"/>
           </p:nvPr>
         </p:nvSpPr>
         <p:spPr>
           <a:xfrm>
-            <a:off x="381300" y="685800"/>
+            <a:off x="381000" y="685800"/>
             <a:ext cx="6096000" cy="3429000"/>
           </a:xfrm>
           <a:custGeom>
-            <a:rect b="b" l="l" r="r" t="t"/>
+            <a:avLst/>
+            <a:gdLst/>
+            <a:ahLst/>
+            <a:cxnLst/>
+            <a:rect l="l" t="t" r="r" b="b"/>
             <a:pathLst>
-              <a:path extrusionOk="0" h="120000" w="120000">
+              <a:path w="120000" h="120000" extrusionOk="0">
                 <a:moveTo>
                   <a:pt x="0" y="0"/>
                 </a:moveTo>
@@ -3443,9 +3599,11 @@
       <p:sp>
         <p:nvSpPr>
           <p:cNvPr id="102" name="Google Shape;102;g2d12f41482f_0_252:notes"/>
-          <p:cNvSpPr txBox="1"/>
+          <p:cNvSpPr txBox="1">
+            <a:spLocks noGrp="1"/>
+          </p:cNvSpPr>
           <p:nvPr>
-            <p:ph idx="1" type="body"/>
+            <p:ph type="body" idx="1"/>
           </p:nvPr>
         </p:nvSpPr>
         <p:spPr>
@@ -3458,12 +3616,12 @@
           </a:prstGeom>
         </p:spPr>
         <p:txBody>
-          <a:bodyPr anchorCtr="0" anchor="t" bIns="91425" lIns="91425" spcFirstLastPara="1" rIns="91425" wrap="square" tIns="91425">
+          <a:bodyPr spcFirstLastPara="1" wrap="square" lIns="91425" tIns="91425" rIns="91425" bIns="91425" anchor="t" anchorCtr="0">
             <a:noAutofit/>
           </a:bodyPr>
           <a:lstStyle/>
           <a:p>
-            <a:pPr indent="0" lvl="0" marL="0" rtl="0" algn="l">
+            <a:pPr marL="0" lvl="0" indent="0" algn="l" rtl="0">
               <a:spcBef>
                 <a:spcPts val="0"/>
               </a:spcBef>
@@ -3472,9 +3630,6 @@
               </a:spcAft>
               <a:buNone/>
             </a:pPr>
-            <a:r>
-              <a:t/>
-            </a:r>
             <a:endParaRPr/>
           </a:p>
         </p:txBody>
@@ -3488,11 +3643,11 @@
 </file>
 
 <file path=ppt/notesSlides/notesSlide8.xml><?xml version="1.0" encoding="utf-8"?>
-<p:notes xmlns:a="http://schemas.openxmlformats.org/drawingml/2006/main" xmlns:r="http://schemas.openxmlformats.org/officeDocument/2006/relationships" xmlns:mc="http://schemas.openxmlformats.org/markup-compatibility/2006" xmlns:mv="urn:schemas-microsoft-com:mac:vml" xmlns:p="http://schemas.openxmlformats.org/presentationml/2006/main" xmlns:c="http://schemas.openxmlformats.org/drawingml/2006/chart" xmlns:dgm="http://schemas.openxmlformats.org/drawingml/2006/diagram" xmlns:o="urn:schemas-microsoft-com:office:office" xmlns:v="urn:schemas-microsoft-com:vml" xmlns:pvml="urn:schemas-microsoft-com:office:powerpoint" xmlns:com="http://schemas.openxmlformats.org/drawingml/2006/compatibility" xmlns:p14="http://schemas.microsoft.com/office/powerpoint/2010/main" xmlns:p15="http://schemas.microsoft.com/office/powerpoint/2012/main" xmlns:ahyp="http://schemas.microsoft.com/office/drawing/2018/hyperlinkcolor" showMasterPhAnim="0" showMasterSp="0">
+<p:notes xmlns:a="http://schemas.openxmlformats.org/drawingml/2006/main" xmlns:r="http://schemas.openxmlformats.org/officeDocument/2006/relationships" xmlns:p="http://schemas.openxmlformats.org/presentationml/2006/main" showMasterSp="0" showMasterPhAnim="0">
   <p:cSld>
     <p:spTree>
       <p:nvGrpSpPr>
-        <p:cNvPr id="106" name="Shape 106"/>
+        <p:cNvPr id="1" name="Shape 106"/>
         <p:cNvGrpSpPr/>
         <p:nvPr/>
       </p:nvGrpSpPr>
@@ -3507,9 +3662,11 @@
       <p:sp>
         <p:nvSpPr>
           <p:cNvPr id="107" name="Google Shape;107;g26fff560a16_0_107:notes"/>
-          <p:cNvSpPr/>
+          <p:cNvSpPr>
+            <a:spLocks noGrp="1" noRot="1" noChangeAspect="1"/>
+          </p:cNvSpPr>
           <p:nvPr>
-            <p:ph idx="2" type="sldImg"/>
+            <p:ph type="sldImg" idx="2"/>
           </p:nvPr>
         </p:nvSpPr>
         <p:spPr>
@@ -3518,9 +3675,13 @@
             <a:ext cx="6096000" cy="3429000"/>
           </a:xfrm>
           <a:custGeom>
-            <a:rect b="b" l="l" r="r" t="t"/>
+            <a:avLst/>
+            <a:gdLst/>
+            <a:ahLst/>
+            <a:cxnLst/>
+            <a:rect l="l" t="t" r="r" b="b"/>
             <a:pathLst>
-              <a:path extrusionOk="0" h="120000" w="120000">
+              <a:path w="120000" h="120000" extrusionOk="0">
                 <a:moveTo>
                   <a:pt x="0" y="0"/>
                 </a:moveTo>
@@ -3542,9 +3703,11 @@
       <p:sp>
         <p:nvSpPr>
           <p:cNvPr id="108" name="Google Shape;108;g26fff560a16_0_107:notes"/>
-          <p:cNvSpPr txBox="1"/>
+          <p:cNvSpPr txBox="1">
+            <a:spLocks noGrp="1"/>
+          </p:cNvSpPr>
           <p:nvPr>
-            <p:ph idx="1" type="body"/>
+            <p:ph type="body" idx="1"/>
           </p:nvPr>
         </p:nvSpPr>
         <p:spPr>
@@ -3557,12 +3720,12 @@
           </a:prstGeom>
         </p:spPr>
         <p:txBody>
-          <a:bodyPr anchorCtr="0" anchor="t" bIns="91425" lIns="91425" spcFirstLastPara="1" rIns="91425" wrap="square" tIns="91425">
+          <a:bodyPr spcFirstLastPara="1" wrap="square" lIns="91425" tIns="91425" rIns="91425" bIns="91425" anchor="t" anchorCtr="0">
             <a:noAutofit/>
           </a:bodyPr>
           <a:lstStyle/>
           <a:p>
-            <a:pPr indent="0" lvl="0" marL="0" rtl="0" algn="l">
+            <a:pPr marL="0" lvl="0" indent="0" algn="l" rtl="0">
               <a:spcBef>
                 <a:spcPts val="0"/>
               </a:spcBef>
@@ -3571,9 +3734,6 @@
               </a:spcAft>
               <a:buNone/>
             </a:pPr>
-            <a:r>
-              <a:t/>
-            </a:r>
             <a:endParaRPr/>
           </a:p>
         </p:txBody>
@@ -3587,11 +3747,11 @@
 </file>
 
 <file path=ppt/notesSlides/notesSlide9.xml><?xml version="1.0" encoding="utf-8"?>
-<p:notes xmlns:a="http://schemas.openxmlformats.org/drawingml/2006/main" xmlns:r="http://schemas.openxmlformats.org/officeDocument/2006/relationships" xmlns:mc="http://schemas.openxmlformats.org/markup-compatibility/2006" xmlns:mv="urn:schemas-microsoft-com:mac:vml" xmlns:p="http://schemas.openxmlformats.org/presentationml/2006/main" xmlns:c="http://schemas.openxmlformats.org/drawingml/2006/chart" xmlns:dgm="http://schemas.openxmlformats.org/drawingml/2006/diagram" xmlns:o="urn:schemas-microsoft-com:office:office" xmlns:v="urn:schemas-microsoft-com:vml" xmlns:pvml="urn:schemas-microsoft-com:office:powerpoint" xmlns:com="http://schemas.openxmlformats.org/drawingml/2006/compatibility" xmlns:p14="http://schemas.microsoft.com/office/powerpoint/2010/main" xmlns:p15="http://schemas.microsoft.com/office/powerpoint/2012/main" xmlns:ahyp="http://schemas.microsoft.com/office/drawing/2018/hyperlinkcolor" showMasterPhAnim="0" showMasterSp="0">
+<p:notes xmlns:a="http://schemas.openxmlformats.org/drawingml/2006/main" xmlns:r="http://schemas.openxmlformats.org/officeDocument/2006/relationships" xmlns:p="http://schemas.openxmlformats.org/presentationml/2006/main" showMasterSp="0" showMasterPhAnim="0">
   <p:cSld>
     <p:spTree>
       <p:nvGrpSpPr>
-        <p:cNvPr id="113" name="Shape 113"/>
+        <p:cNvPr id="1" name="Shape 113"/>
         <p:cNvGrpSpPr/>
         <p:nvPr/>
       </p:nvGrpSpPr>
@@ -3606,9 +3766,11 @@
       <p:sp>
         <p:nvSpPr>
           <p:cNvPr id="114" name="Google Shape;114;g26fff560a16_0_124:notes"/>
-          <p:cNvSpPr/>
+          <p:cNvSpPr>
+            <a:spLocks noGrp="1" noRot="1" noChangeAspect="1"/>
+          </p:cNvSpPr>
           <p:nvPr>
-            <p:ph idx="2" type="sldImg"/>
+            <p:ph type="sldImg" idx="2"/>
           </p:nvPr>
         </p:nvSpPr>
         <p:spPr>
@@ -3617,9 +3779,13 @@
             <a:ext cx="6096000" cy="3429000"/>
           </a:xfrm>
           <a:custGeom>
-            <a:rect b="b" l="l" r="r" t="t"/>
+            <a:avLst/>
+            <a:gdLst/>
+            <a:ahLst/>
+            <a:cxnLst/>
+            <a:rect l="l" t="t" r="r" b="b"/>
             <a:pathLst>
-              <a:path extrusionOk="0" h="120000" w="120000">
+              <a:path w="120000" h="120000" extrusionOk="0">
                 <a:moveTo>
                   <a:pt x="0" y="0"/>
                 </a:moveTo>
@@ -3641,9 +3807,11 @@
       <p:sp>
         <p:nvSpPr>
           <p:cNvPr id="115" name="Google Shape;115;g26fff560a16_0_124:notes"/>
-          <p:cNvSpPr txBox="1"/>
+          <p:cNvSpPr txBox="1">
+            <a:spLocks noGrp="1"/>
+          </p:cNvSpPr>
           <p:nvPr>
-            <p:ph idx="1" type="body"/>
+            <p:ph type="body" idx="1"/>
           </p:nvPr>
         </p:nvSpPr>
         <p:spPr>
@@ -3656,12 +3824,12 @@
           </a:prstGeom>
         </p:spPr>
         <p:txBody>
-          <a:bodyPr anchorCtr="0" anchor="t" bIns="91425" lIns="91425" spcFirstLastPara="1" rIns="91425" wrap="square" tIns="91425">
+          <a:bodyPr spcFirstLastPara="1" wrap="square" lIns="91425" tIns="91425" rIns="91425" bIns="91425" anchor="t" anchorCtr="0">
             <a:noAutofit/>
           </a:bodyPr>
           <a:lstStyle/>
           <a:p>
-            <a:pPr indent="0" lvl="0" marL="0" rtl="0" algn="l">
+            <a:pPr marL="0" lvl="0" indent="0" algn="l" rtl="0">
               <a:spcBef>
                 <a:spcPts val="0"/>
               </a:spcBef>
@@ -3670,9 +3838,6 @@
               </a:spcAft>
               <a:buNone/>
             </a:pPr>
-            <a:r>
-              <a:t/>
-            </a:r>
             <a:endParaRPr/>
           </a:p>
         </p:txBody>
@@ -3686,11 +3851,11 @@
 </file>
 
 <file path=ppt/slideLayouts/slideLayout1.xml><?xml version="1.0" encoding="utf-8"?>
-<p:sldLayout xmlns:a="http://schemas.openxmlformats.org/drawingml/2006/main" xmlns:r="http://schemas.openxmlformats.org/officeDocument/2006/relationships" xmlns:mc="http://schemas.openxmlformats.org/markup-compatibility/2006" xmlns:mv="urn:schemas-microsoft-com:mac:vml" xmlns:p="http://schemas.openxmlformats.org/presentationml/2006/main" xmlns:c="http://schemas.openxmlformats.org/drawingml/2006/chart" xmlns:dgm="http://schemas.openxmlformats.org/drawingml/2006/diagram" xmlns:o="urn:schemas-microsoft-com:office:office" xmlns:v="urn:schemas-microsoft-com:vml" xmlns:pvml="urn:schemas-microsoft-com:office:powerpoint" xmlns:com="http://schemas.openxmlformats.org/drawingml/2006/compatibility" xmlns:p14="http://schemas.microsoft.com/office/powerpoint/2010/main" xmlns:p15="http://schemas.microsoft.com/office/powerpoint/2012/main" xmlns:ahyp="http://schemas.microsoft.com/office/drawing/2018/hyperlinkcolor" matchingName="Title slide" type="title">
+<p:sldLayout xmlns:a="http://schemas.openxmlformats.org/drawingml/2006/main" xmlns:r="http://schemas.openxmlformats.org/officeDocument/2006/relationships" xmlns:p="http://schemas.openxmlformats.org/presentationml/2006/main" matchingName="Title slide" type="title">
   <p:cSld name="TITLE">
     <p:spTree>
       <p:nvGrpSpPr>
-        <p:cNvPr id="9" name="Shape 9"/>
+        <p:cNvPr id="1" name="Shape 9"/>
         <p:cNvGrpSpPr/>
         <p:nvPr/>
       </p:nvGrpSpPr>
@@ -3705,7 +3870,9 @@
       <p:sp>
         <p:nvSpPr>
           <p:cNvPr id="10" name="Google Shape;10;p2"/>
-          <p:cNvSpPr txBox="1"/>
+          <p:cNvSpPr txBox="1">
+            <a:spLocks noGrp="1"/>
+          </p:cNvSpPr>
           <p:nvPr>
             <p:ph type="ctrTitle"/>
           </p:nvPr>
@@ -3720,7 +3887,7 @@
           </a:prstGeom>
         </p:spPr>
         <p:txBody>
-          <a:bodyPr anchorCtr="0" anchor="b" bIns="91425" lIns="91425" spcFirstLastPara="1" rIns="91425" wrap="square" tIns="91425">
+          <a:bodyPr spcFirstLastPara="1" wrap="square" lIns="91425" tIns="91425" rIns="91425" bIns="91425" anchor="b" anchorCtr="0">
             <a:normAutofit/>
           </a:bodyPr>
           <a:lstStyle>
@@ -3824,15 +3991,19 @@
               <a:defRPr sz="5200"/>
             </a:lvl9pPr>
           </a:lstStyle>
-          <a:p/>
+          <a:p>
+            <a:endParaRPr/>
+          </a:p>
         </p:txBody>
       </p:sp>
       <p:sp>
         <p:nvSpPr>
           <p:cNvPr id="11" name="Google Shape;11;p2"/>
-          <p:cNvSpPr txBox="1"/>
+          <p:cNvSpPr txBox="1">
+            <a:spLocks noGrp="1"/>
+          </p:cNvSpPr>
           <p:nvPr>
-            <p:ph idx="1" type="subTitle"/>
+            <p:ph type="subTitle" idx="1"/>
           </p:nvPr>
         </p:nvSpPr>
         <p:spPr>
@@ -3845,7 +4016,7 @@
           </a:prstGeom>
         </p:spPr>
         <p:txBody>
-          <a:bodyPr anchorCtr="0" anchor="t" bIns="91425" lIns="91425" spcFirstLastPara="1" rIns="91425" wrap="square" tIns="91425">
+          <a:bodyPr spcFirstLastPara="1" wrap="square" lIns="91425" tIns="91425" rIns="91425" bIns="91425" anchor="t" anchorCtr="0">
             <a:normAutofit/>
           </a:bodyPr>
           <a:lstStyle>
@@ -3976,15 +4147,19 @@
               <a:defRPr sz="2800"/>
             </a:lvl9pPr>
           </a:lstStyle>
-          <a:p/>
+          <a:p>
+            <a:endParaRPr/>
+          </a:p>
         </p:txBody>
       </p:sp>
       <p:sp>
         <p:nvSpPr>
           <p:cNvPr id="12" name="Google Shape;12;p2"/>
-          <p:cNvSpPr txBox="1"/>
+          <p:cNvSpPr txBox="1">
+            <a:spLocks noGrp="1"/>
+          </p:cNvSpPr>
           <p:nvPr>
-            <p:ph idx="12" type="sldNum"/>
+            <p:ph type="sldNum" idx="12"/>
           </p:nvPr>
         </p:nvSpPr>
         <p:spPr>
@@ -3997,7 +4172,7 @@
           </a:prstGeom>
         </p:spPr>
         <p:txBody>
-          <a:bodyPr anchorCtr="0" anchor="ctr" bIns="91425" lIns="91425" spcFirstLastPara="1" rIns="91425" wrap="square" tIns="91425">
+          <a:bodyPr spcFirstLastPara="1" wrap="square" lIns="91425" tIns="91425" rIns="91425" bIns="91425" anchor="ctr" anchorCtr="0">
             <a:normAutofit/>
           </a:bodyPr>
           <a:lstStyle>
@@ -4039,7 +4214,7 @@
             </a:lvl9pPr>
           </a:lstStyle>
           <a:p>
-            <a:pPr indent="0" lvl="0" marL="0" rtl="0" algn="r">
+            <a:pPr marL="0" lvl="0" indent="0" algn="r" rtl="0">
               <a:spcBef>
                 <a:spcPts val="0"/>
               </a:spcBef>
@@ -4065,11 +4240,11 @@
 </file>
 
 <file path=ppt/slideLayouts/slideLayout10.xml><?xml version="1.0" encoding="utf-8"?>
-<p:sldLayout xmlns:a="http://schemas.openxmlformats.org/drawingml/2006/main" xmlns:r="http://schemas.openxmlformats.org/officeDocument/2006/relationships" xmlns:mc="http://schemas.openxmlformats.org/markup-compatibility/2006" xmlns:mv="urn:schemas-microsoft-com:mac:vml" xmlns:p="http://schemas.openxmlformats.org/presentationml/2006/main" xmlns:c="http://schemas.openxmlformats.org/drawingml/2006/chart" xmlns:dgm="http://schemas.openxmlformats.org/drawingml/2006/diagram" xmlns:o="urn:schemas-microsoft-com:office:office" xmlns:v="urn:schemas-microsoft-com:vml" xmlns:pvml="urn:schemas-microsoft-com:office:powerpoint" xmlns:com="http://schemas.openxmlformats.org/drawingml/2006/compatibility" xmlns:p14="http://schemas.microsoft.com/office/powerpoint/2010/main" xmlns:p15="http://schemas.microsoft.com/office/powerpoint/2012/main" xmlns:ahyp="http://schemas.microsoft.com/office/drawing/2018/hyperlinkcolor" matchingName="Big number">
+<p:sldLayout xmlns:a="http://schemas.openxmlformats.org/drawingml/2006/main" xmlns:r="http://schemas.openxmlformats.org/officeDocument/2006/relationships" xmlns:p="http://schemas.openxmlformats.org/presentationml/2006/main" matchingName="Big number">
   <p:cSld name="BIG_NUMBER">
     <p:spTree>
       <p:nvGrpSpPr>
-        <p:cNvPr id="44" name="Shape 44"/>
+        <p:cNvPr id="1" name="Shape 44"/>
         <p:cNvGrpSpPr/>
         <p:nvPr/>
       </p:nvGrpSpPr>
@@ -4084,9 +4259,11 @@
       <p:sp>
         <p:nvSpPr>
           <p:cNvPr id="45" name="Google Shape;45;p11"/>
-          <p:cNvSpPr txBox="1"/>
+          <p:cNvSpPr txBox="1">
+            <a:spLocks noGrp="1"/>
+          </p:cNvSpPr>
           <p:nvPr>
-            <p:ph hasCustomPrompt="1" type="title"/>
+            <p:ph type="title" hasCustomPrompt="1"/>
           </p:nvPr>
         </p:nvSpPr>
         <p:spPr>
@@ -4099,7 +4276,7 @@
           </a:prstGeom>
         </p:spPr>
         <p:txBody>
-          <a:bodyPr anchorCtr="0" anchor="b" bIns="91425" lIns="91425" spcFirstLastPara="1" rIns="91425" wrap="square" tIns="91425">
+          <a:bodyPr spcFirstLastPara="1" wrap="square" lIns="91425" tIns="91425" rIns="91425" bIns="91425" anchor="b" anchorCtr="0">
             <a:normAutofit/>
           </a:bodyPr>
           <a:lstStyle>
@@ -4213,9 +4390,11 @@
       <p:sp>
         <p:nvSpPr>
           <p:cNvPr id="46" name="Google Shape;46;p11"/>
-          <p:cNvSpPr txBox="1"/>
+          <p:cNvSpPr txBox="1">
+            <a:spLocks noGrp="1"/>
+          </p:cNvSpPr>
           <p:nvPr>
-            <p:ph idx="1" type="body"/>
+            <p:ph type="body" idx="1"/>
           </p:nvPr>
         </p:nvSpPr>
         <p:spPr>
@@ -4228,11 +4407,11 @@
           </a:prstGeom>
         </p:spPr>
         <p:txBody>
-          <a:bodyPr anchorCtr="0" anchor="t" bIns="91425" lIns="91425" spcFirstLastPara="1" rIns="91425" wrap="square" tIns="91425">
+          <a:bodyPr spcFirstLastPara="1" wrap="square" lIns="91425" tIns="91425" rIns="91425" bIns="91425" anchor="t" anchorCtr="0">
             <a:normAutofit/>
           </a:bodyPr>
           <a:lstStyle>
-            <a:lvl1pPr indent="-342900" lvl="0" marL="457200" algn="ctr">
+            <a:lvl1pPr marL="457200" lvl="0" indent="-342900" algn="ctr">
               <a:spcBef>
                 <a:spcPts val="0"/>
               </a:spcBef>
@@ -4243,7 +4422,7 @@
               <a:buChar char="●"/>
               <a:defRPr/>
             </a:lvl1pPr>
-            <a:lvl2pPr indent="-317500" lvl="1" marL="914400" algn="ctr">
+            <a:lvl2pPr marL="914400" lvl="1" indent="-317500" algn="ctr">
               <a:spcBef>
                 <a:spcPts val="0"/>
               </a:spcBef>
@@ -4254,7 +4433,7 @@
               <a:buChar char="○"/>
               <a:defRPr/>
             </a:lvl2pPr>
-            <a:lvl3pPr indent="-317500" lvl="2" marL="1371600" algn="ctr">
+            <a:lvl3pPr marL="1371600" lvl="2" indent="-317500" algn="ctr">
               <a:spcBef>
                 <a:spcPts val="0"/>
               </a:spcBef>
@@ -4265,7 +4444,7 @@
               <a:buChar char="■"/>
               <a:defRPr/>
             </a:lvl3pPr>
-            <a:lvl4pPr indent="-317500" lvl="3" marL="1828800" algn="ctr">
+            <a:lvl4pPr marL="1828800" lvl="3" indent="-317500" algn="ctr">
               <a:spcBef>
                 <a:spcPts val="0"/>
               </a:spcBef>
@@ -4276,7 +4455,7 @@
               <a:buChar char="●"/>
               <a:defRPr/>
             </a:lvl4pPr>
-            <a:lvl5pPr indent="-317500" lvl="4" marL="2286000" algn="ctr">
+            <a:lvl5pPr marL="2286000" lvl="4" indent="-317500" algn="ctr">
               <a:spcBef>
                 <a:spcPts val="0"/>
               </a:spcBef>
@@ -4287,7 +4466,7 @@
               <a:buChar char="○"/>
               <a:defRPr/>
             </a:lvl5pPr>
-            <a:lvl6pPr indent="-317500" lvl="5" marL="2743200" algn="ctr">
+            <a:lvl6pPr marL="2743200" lvl="5" indent="-317500" algn="ctr">
               <a:spcBef>
                 <a:spcPts val="0"/>
               </a:spcBef>
@@ -4298,7 +4477,7 @@
               <a:buChar char="■"/>
               <a:defRPr/>
             </a:lvl6pPr>
-            <a:lvl7pPr indent="-317500" lvl="6" marL="3200400" algn="ctr">
+            <a:lvl7pPr marL="3200400" lvl="6" indent="-317500" algn="ctr">
               <a:spcBef>
                 <a:spcPts val="0"/>
               </a:spcBef>
@@ -4309,7 +4488,7 @@
               <a:buChar char="●"/>
               <a:defRPr/>
             </a:lvl7pPr>
-            <a:lvl8pPr indent="-317500" lvl="7" marL="3657600" algn="ctr">
+            <a:lvl8pPr marL="3657600" lvl="7" indent="-317500" algn="ctr">
               <a:spcBef>
                 <a:spcPts val="0"/>
               </a:spcBef>
@@ -4320,7 +4499,7 @@
               <a:buChar char="○"/>
               <a:defRPr/>
             </a:lvl8pPr>
-            <a:lvl9pPr indent="-317500" lvl="8" marL="4114800" algn="ctr">
+            <a:lvl9pPr marL="4114800" lvl="8" indent="-317500" algn="ctr">
               <a:spcBef>
                 <a:spcPts val="0"/>
               </a:spcBef>
@@ -4332,15 +4511,19 @@
               <a:defRPr/>
             </a:lvl9pPr>
           </a:lstStyle>
-          <a:p/>
+          <a:p>
+            <a:endParaRPr/>
+          </a:p>
         </p:txBody>
       </p:sp>
       <p:sp>
         <p:nvSpPr>
           <p:cNvPr id="47" name="Google Shape;47;p11"/>
-          <p:cNvSpPr txBox="1"/>
+          <p:cNvSpPr txBox="1">
+            <a:spLocks noGrp="1"/>
+          </p:cNvSpPr>
           <p:nvPr>
-            <p:ph idx="12" type="sldNum"/>
+            <p:ph type="sldNum" idx="12"/>
           </p:nvPr>
         </p:nvSpPr>
         <p:spPr>
@@ -4353,7 +4536,7 @@
           </a:prstGeom>
         </p:spPr>
         <p:txBody>
-          <a:bodyPr anchorCtr="0" anchor="ctr" bIns="91425" lIns="91425" spcFirstLastPara="1" rIns="91425" wrap="square" tIns="91425">
+          <a:bodyPr spcFirstLastPara="1" wrap="square" lIns="91425" tIns="91425" rIns="91425" bIns="91425" anchor="ctr" anchorCtr="0">
             <a:normAutofit/>
           </a:bodyPr>
           <a:lstStyle>
@@ -4395,7 +4578,7 @@
             </a:lvl9pPr>
           </a:lstStyle>
           <a:p>
-            <a:pPr indent="0" lvl="0" marL="0" rtl="0" algn="r">
+            <a:pPr marL="0" lvl="0" indent="0" algn="r" rtl="0">
               <a:spcBef>
                 <a:spcPts val="0"/>
               </a:spcBef>
@@ -4421,11 +4604,11 @@
 </file>
 
 <file path=ppt/slideLayouts/slideLayout11.xml><?xml version="1.0" encoding="utf-8"?>
-<p:sldLayout xmlns:a="http://schemas.openxmlformats.org/drawingml/2006/main" xmlns:r="http://schemas.openxmlformats.org/officeDocument/2006/relationships" xmlns:mc="http://schemas.openxmlformats.org/markup-compatibility/2006" xmlns:mv="urn:schemas-microsoft-com:mac:vml" xmlns:p="http://schemas.openxmlformats.org/presentationml/2006/main" xmlns:c="http://schemas.openxmlformats.org/drawingml/2006/chart" xmlns:dgm="http://schemas.openxmlformats.org/drawingml/2006/diagram" xmlns:o="urn:schemas-microsoft-com:office:office" xmlns:v="urn:schemas-microsoft-com:vml" xmlns:pvml="urn:schemas-microsoft-com:office:powerpoint" xmlns:com="http://schemas.openxmlformats.org/drawingml/2006/compatibility" xmlns:p14="http://schemas.microsoft.com/office/powerpoint/2010/main" xmlns:p15="http://schemas.microsoft.com/office/powerpoint/2012/main" xmlns:ahyp="http://schemas.microsoft.com/office/drawing/2018/hyperlinkcolor" matchingName="Blank" type="blank">
+<p:sldLayout xmlns:a="http://schemas.openxmlformats.org/drawingml/2006/main" xmlns:r="http://schemas.openxmlformats.org/officeDocument/2006/relationships" xmlns:p="http://schemas.openxmlformats.org/presentationml/2006/main" matchingName="Blank" type="blank">
   <p:cSld name="BLANK">
     <p:spTree>
       <p:nvGrpSpPr>
-        <p:cNvPr id="48" name="Shape 48"/>
+        <p:cNvPr id="1" name="Shape 48"/>
         <p:cNvGrpSpPr/>
         <p:nvPr/>
       </p:nvGrpSpPr>
@@ -4440,9 +4623,11 @@
       <p:sp>
         <p:nvSpPr>
           <p:cNvPr id="49" name="Google Shape;49;p12"/>
-          <p:cNvSpPr txBox="1"/>
+          <p:cNvSpPr txBox="1">
+            <a:spLocks noGrp="1"/>
+          </p:cNvSpPr>
           <p:nvPr>
-            <p:ph idx="12" type="sldNum"/>
+            <p:ph type="sldNum" idx="12"/>
           </p:nvPr>
         </p:nvSpPr>
         <p:spPr>
@@ -4455,7 +4640,7 @@
           </a:prstGeom>
         </p:spPr>
         <p:txBody>
-          <a:bodyPr anchorCtr="0" anchor="ctr" bIns="91425" lIns="91425" spcFirstLastPara="1" rIns="91425" wrap="square" tIns="91425">
+          <a:bodyPr spcFirstLastPara="1" wrap="square" lIns="91425" tIns="91425" rIns="91425" bIns="91425" anchor="ctr" anchorCtr="0">
             <a:normAutofit/>
           </a:bodyPr>
           <a:lstStyle>
@@ -4497,7 +4682,7 @@
             </a:lvl9pPr>
           </a:lstStyle>
           <a:p>
-            <a:pPr indent="0" lvl="0" marL="0" rtl="0" algn="r">
+            <a:pPr marL="0" lvl="0" indent="0" algn="r" rtl="0">
               <a:spcBef>
                 <a:spcPts val="0"/>
               </a:spcBef>
@@ -4523,11 +4708,11 @@
 </file>
 
 <file path=ppt/slideLayouts/slideLayout2.xml><?xml version="1.0" encoding="utf-8"?>
-<p:sldLayout xmlns:a="http://schemas.openxmlformats.org/drawingml/2006/main" xmlns:r="http://schemas.openxmlformats.org/officeDocument/2006/relationships" xmlns:mc="http://schemas.openxmlformats.org/markup-compatibility/2006" xmlns:mv="urn:schemas-microsoft-com:mac:vml" xmlns:p="http://schemas.openxmlformats.org/presentationml/2006/main" xmlns:c="http://schemas.openxmlformats.org/drawingml/2006/chart" xmlns:dgm="http://schemas.openxmlformats.org/drawingml/2006/diagram" xmlns:o="urn:schemas-microsoft-com:office:office" xmlns:v="urn:schemas-microsoft-com:vml" xmlns:pvml="urn:schemas-microsoft-com:office:powerpoint" xmlns:com="http://schemas.openxmlformats.org/drawingml/2006/compatibility" xmlns:p14="http://schemas.microsoft.com/office/powerpoint/2010/main" xmlns:p15="http://schemas.microsoft.com/office/powerpoint/2012/main" xmlns:ahyp="http://schemas.microsoft.com/office/drawing/2018/hyperlinkcolor" matchingName="Section header" type="secHead">
+<p:sldLayout xmlns:a="http://schemas.openxmlformats.org/drawingml/2006/main" xmlns:r="http://schemas.openxmlformats.org/officeDocument/2006/relationships" xmlns:p="http://schemas.openxmlformats.org/presentationml/2006/main" matchingName="Section header" type="secHead">
   <p:cSld name="SECTION_HEADER">
     <p:spTree>
       <p:nvGrpSpPr>
-        <p:cNvPr id="13" name="Shape 13"/>
+        <p:cNvPr id="1" name="Shape 13"/>
         <p:cNvGrpSpPr/>
         <p:nvPr/>
       </p:nvGrpSpPr>
@@ -4542,7 +4727,9 @@
       <p:sp>
         <p:nvSpPr>
           <p:cNvPr id="14" name="Google Shape;14;p3"/>
-          <p:cNvSpPr txBox="1"/>
+          <p:cNvSpPr txBox="1">
+            <a:spLocks noGrp="1"/>
+          </p:cNvSpPr>
           <p:nvPr>
             <p:ph type="title"/>
           </p:nvPr>
@@ -4557,7 +4744,7 @@
           </a:prstGeom>
         </p:spPr>
         <p:txBody>
-          <a:bodyPr anchorCtr="0" anchor="ctr" bIns="91425" lIns="91425" spcFirstLastPara="1" rIns="91425" wrap="square" tIns="91425">
+          <a:bodyPr spcFirstLastPara="1" wrap="square" lIns="91425" tIns="91425" rIns="91425" bIns="91425" anchor="ctr" anchorCtr="0">
             <a:normAutofit/>
           </a:bodyPr>
           <a:lstStyle>
@@ -4661,15 +4848,19 @@
               <a:defRPr sz="3600"/>
             </a:lvl9pPr>
           </a:lstStyle>
-          <a:p/>
+          <a:p>
+            <a:endParaRPr/>
+          </a:p>
         </p:txBody>
       </p:sp>
       <p:sp>
         <p:nvSpPr>
           <p:cNvPr id="15" name="Google Shape;15;p3"/>
-          <p:cNvSpPr txBox="1"/>
+          <p:cNvSpPr txBox="1">
+            <a:spLocks noGrp="1"/>
+          </p:cNvSpPr>
           <p:nvPr>
-            <p:ph idx="12" type="sldNum"/>
+            <p:ph type="sldNum" idx="12"/>
           </p:nvPr>
         </p:nvSpPr>
         <p:spPr>
@@ -4682,7 +4873,7 @@
           </a:prstGeom>
         </p:spPr>
         <p:txBody>
-          <a:bodyPr anchorCtr="0" anchor="ctr" bIns="91425" lIns="91425" spcFirstLastPara="1" rIns="91425" wrap="square" tIns="91425">
+          <a:bodyPr spcFirstLastPara="1" wrap="square" lIns="91425" tIns="91425" rIns="91425" bIns="91425" anchor="ctr" anchorCtr="0">
             <a:normAutofit/>
           </a:bodyPr>
           <a:lstStyle>
@@ -4724,7 +4915,7 @@
             </a:lvl9pPr>
           </a:lstStyle>
           <a:p>
-            <a:pPr indent="0" lvl="0" marL="0" rtl="0" algn="r">
+            <a:pPr marL="0" lvl="0" indent="0" algn="r" rtl="0">
               <a:spcBef>
                 <a:spcPts val="0"/>
               </a:spcBef>
@@ -4750,11 +4941,11 @@
 </file>
 
 <file path=ppt/slideLayouts/slideLayout3.xml><?xml version="1.0" encoding="utf-8"?>
-<p:sldLayout xmlns:a="http://schemas.openxmlformats.org/drawingml/2006/main" xmlns:r="http://schemas.openxmlformats.org/officeDocument/2006/relationships" xmlns:mc="http://schemas.openxmlformats.org/markup-compatibility/2006" xmlns:mv="urn:schemas-microsoft-com:mac:vml" xmlns:p="http://schemas.openxmlformats.org/presentationml/2006/main" xmlns:c="http://schemas.openxmlformats.org/drawingml/2006/chart" xmlns:dgm="http://schemas.openxmlformats.org/drawingml/2006/diagram" xmlns:o="urn:schemas-microsoft-com:office:office" xmlns:v="urn:schemas-microsoft-com:vml" xmlns:pvml="urn:schemas-microsoft-com:office:powerpoint" xmlns:com="http://schemas.openxmlformats.org/drawingml/2006/compatibility" xmlns:p14="http://schemas.microsoft.com/office/powerpoint/2010/main" xmlns:p15="http://schemas.microsoft.com/office/powerpoint/2012/main" xmlns:ahyp="http://schemas.microsoft.com/office/drawing/2018/hyperlinkcolor" matchingName="Title and body" type="tx">
+<p:sldLayout xmlns:a="http://schemas.openxmlformats.org/drawingml/2006/main" xmlns:r="http://schemas.openxmlformats.org/officeDocument/2006/relationships" xmlns:p="http://schemas.openxmlformats.org/presentationml/2006/main" matchingName="Title and body" type="tx">
   <p:cSld name="TITLE_AND_BODY">
     <p:spTree>
       <p:nvGrpSpPr>
-        <p:cNvPr id="16" name="Shape 16"/>
+        <p:cNvPr id="1" name="Shape 16"/>
         <p:cNvGrpSpPr/>
         <p:nvPr/>
       </p:nvGrpSpPr>
@@ -4769,7 +4960,9 @@
       <p:sp>
         <p:nvSpPr>
           <p:cNvPr id="17" name="Google Shape;17;p4"/>
-          <p:cNvSpPr txBox="1"/>
+          <p:cNvSpPr txBox="1">
+            <a:spLocks noGrp="1"/>
+          </p:cNvSpPr>
           <p:nvPr>
             <p:ph type="title"/>
           </p:nvPr>
@@ -4784,7 +4977,7 @@
           </a:prstGeom>
         </p:spPr>
         <p:txBody>
-          <a:bodyPr anchorCtr="0" anchor="t" bIns="91425" lIns="91425" spcFirstLastPara="1" rIns="91425" wrap="square" tIns="91425">
+          <a:bodyPr spcFirstLastPara="1" wrap="square" lIns="91425" tIns="91425" rIns="91425" bIns="91425" anchor="t" anchorCtr="0">
             <a:normAutofit/>
           </a:bodyPr>
           <a:lstStyle>
@@ -4888,15 +5081,19 @@
               <a:defRPr/>
             </a:lvl9pPr>
           </a:lstStyle>
-          <a:p/>
+          <a:p>
+            <a:endParaRPr/>
+          </a:p>
         </p:txBody>
       </p:sp>
       <p:sp>
         <p:nvSpPr>
           <p:cNvPr id="18" name="Google Shape;18;p4"/>
-          <p:cNvSpPr txBox="1"/>
+          <p:cNvSpPr txBox="1">
+            <a:spLocks noGrp="1"/>
+          </p:cNvSpPr>
           <p:nvPr>
-            <p:ph idx="1" type="body"/>
+            <p:ph type="body" idx="1"/>
           </p:nvPr>
         </p:nvSpPr>
         <p:spPr>
@@ -4909,11 +5106,11 @@
           </a:prstGeom>
         </p:spPr>
         <p:txBody>
-          <a:bodyPr anchorCtr="0" anchor="t" bIns="91425" lIns="91425" spcFirstLastPara="1" rIns="91425" wrap="square" tIns="91425">
+          <a:bodyPr spcFirstLastPara="1" wrap="square" lIns="91425" tIns="91425" rIns="91425" bIns="91425" anchor="t" anchorCtr="0">
             <a:normAutofit/>
           </a:bodyPr>
           <a:lstStyle>
-            <a:lvl1pPr indent="-342900" lvl="0" marL="457200">
+            <a:lvl1pPr marL="457200" lvl="0" indent="-342900">
               <a:spcBef>
                 <a:spcPts val="0"/>
               </a:spcBef>
@@ -4924,7 +5121,7 @@
               <a:buChar char="●"/>
               <a:defRPr/>
             </a:lvl1pPr>
-            <a:lvl2pPr indent="-317500" lvl="1" marL="914400">
+            <a:lvl2pPr marL="914400" lvl="1" indent="-317500">
               <a:spcBef>
                 <a:spcPts val="0"/>
               </a:spcBef>
@@ -4935,7 +5132,7 @@
               <a:buChar char="○"/>
               <a:defRPr/>
             </a:lvl2pPr>
-            <a:lvl3pPr indent="-317500" lvl="2" marL="1371600">
+            <a:lvl3pPr marL="1371600" lvl="2" indent="-317500">
               <a:spcBef>
                 <a:spcPts val="0"/>
               </a:spcBef>
@@ -4946,7 +5143,7 @@
               <a:buChar char="■"/>
               <a:defRPr/>
             </a:lvl3pPr>
-            <a:lvl4pPr indent="-317500" lvl="3" marL="1828800">
+            <a:lvl4pPr marL="1828800" lvl="3" indent="-317500">
               <a:spcBef>
                 <a:spcPts val="0"/>
               </a:spcBef>
@@ -4957,7 +5154,7 @@
               <a:buChar char="●"/>
               <a:defRPr/>
             </a:lvl4pPr>
-            <a:lvl5pPr indent="-317500" lvl="4" marL="2286000">
+            <a:lvl5pPr marL="2286000" lvl="4" indent="-317500">
               <a:spcBef>
                 <a:spcPts val="0"/>
               </a:spcBef>
@@ -4968,7 +5165,7 @@
               <a:buChar char="○"/>
               <a:defRPr/>
             </a:lvl5pPr>
-            <a:lvl6pPr indent="-317500" lvl="5" marL="2743200">
+            <a:lvl6pPr marL="2743200" lvl="5" indent="-317500">
               <a:spcBef>
                 <a:spcPts val="0"/>
               </a:spcBef>
@@ -4979,7 +5176,7 @@
               <a:buChar char="■"/>
               <a:defRPr/>
             </a:lvl6pPr>
-            <a:lvl7pPr indent="-317500" lvl="6" marL="3200400">
+            <a:lvl7pPr marL="3200400" lvl="6" indent="-317500">
               <a:spcBef>
                 <a:spcPts val="0"/>
               </a:spcBef>
@@ -4990,7 +5187,7 @@
               <a:buChar char="●"/>
               <a:defRPr/>
             </a:lvl7pPr>
-            <a:lvl8pPr indent="-317500" lvl="7" marL="3657600">
+            <a:lvl8pPr marL="3657600" lvl="7" indent="-317500">
               <a:spcBef>
                 <a:spcPts val="0"/>
               </a:spcBef>
@@ -5001,7 +5198,7 @@
               <a:buChar char="○"/>
               <a:defRPr/>
             </a:lvl8pPr>
-            <a:lvl9pPr indent="-317500" lvl="8" marL="4114800">
+            <a:lvl9pPr marL="4114800" lvl="8" indent="-317500">
               <a:spcBef>
                 <a:spcPts val="0"/>
               </a:spcBef>
@@ -5013,15 +5210,19 @@
               <a:defRPr/>
             </a:lvl9pPr>
           </a:lstStyle>
-          <a:p/>
+          <a:p>
+            <a:endParaRPr/>
+          </a:p>
         </p:txBody>
       </p:sp>
       <p:sp>
         <p:nvSpPr>
           <p:cNvPr id="19" name="Google Shape;19;p4"/>
-          <p:cNvSpPr txBox="1"/>
+          <p:cNvSpPr txBox="1">
+            <a:spLocks noGrp="1"/>
+          </p:cNvSpPr>
           <p:nvPr>
-            <p:ph idx="12" type="sldNum"/>
+            <p:ph type="sldNum" idx="12"/>
           </p:nvPr>
         </p:nvSpPr>
         <p:spPr>
@@ -5034,7 +5235,7 @@
           </a:prstGeom>
         </p:spPr>
         <p:txBody>
-          <a:bodyPr anchorCtr="0" anchor="ctr" bIns="91425" lIns="91425" spcFirstLastPara="1" rIns="91425" wrap="square" tIns="91425">
+          <a:bodyPr spcFirstLastPara="1" wrap="square" lIns="91425" tIns="91425" rIns="91425" bIns="91425" anchor="ctr" anchorCtr="0">
             <a:normAutofit/>
           </a:bodyPr>
           <a:lstStyle>
@@ -5076,7 +5277,7 @@
             </a:lvl9pPr>
           </a:lstStyle>
           <a:p>
-            <a:pPr indent="0" lvl="0" marL="0" rtl="0" algn="r">
+            <a:pPr marL="0" lvl="0" indent="0" algn="r" rtl="0">
               <a:spcBef>
                 <a:spcPts val="0"/>
               </a:spcBef>
@@ -5102,11 +5303,11 @@
 </file>
 
 <file path=ppt/slideLayouts/slideLayout4.xml><?xml version="1.0" encoding="utf-8"?>
-<p:sldLayout xmlns:a="http://schemas.openxmlformats.org/drawingml/2006/main" xmlns:r="http://schemas.openxmlformats.org/officeDocument/2006/relationships" xmlns:mc="http://schemas.openxmlformats.org/markup-compatibility/2006" xmlns:mv="urn:schemas-microsoft-com:mac:vml" xmlns:p="http://schemas.openxmlformats.org/presentationml/2006/main" xmlns:c="http://schemas.openxmlformats.org/drawingml/2006/chart" xmlns:dgm="http://schemas.openxmlformats.org/drawingml/2006/diagram" xmlns:o="urn:schemas-microsoft-com:office:office" xmlns:v="urn:schemas-microsoft-com:vml" xmlns:pvml="urn:schemas-microsoft-com:office:powerpoint" xmlns:com="http://schemas.openxmlformats.org/drawingml/2006/compatibility" xmlns:p14="http://schemas.microsoft.com/office/powerpoint/2010/main" xmlns:p15="http://schemas.microsoft.com/office/powerpoint/2012/main" xmlns:ahyp="http://schemas.microsoft.com/office/drawing/2018/hyperlinkcolor" matchingName="Title and two columns" type="twoColTx">
+<p:sldLayout xmlns:a="http://schemas.openxmlformats.org/drawingml/2006/main" xmlns:r="http://schemas.openxmlformats.org/officeDocument/2006/relationships" xmlns:p="http://schemas.openxmlformats.org/presentationml/2006/main" matchingName="Title and two columns" type="twoColTx">
   <p:cSld name="TITLE_AND_TWO_COLUMNS">
     <p:spTree>
       <p:nvGrpSpPr>
-        <p:cNvPr id="20" name="Shape 20"/>
+        <p:cNvPr id="1" name="Shape 20"/>
         <p:cNvGrpSpPr/>
         <p:nvPr/>
       </p:nvGrpSpPr>
@@ -5121,7 +5322,9 @@
       <p:sp>
         <p:nvSpPr>
           <p:cNvPr id="21" name="Google Shape;21;p5"/>
-          <p:cNvSpPr txBox="1"/>
+          <p:cNvSpPr txBox="1">
+            <a:spLocks noGrp="1"/>
+          </p:cNvSpPr>
           <p:nvPr>
             <p:ph type="title"/>
           </p:nvPr>
@@ -5136,7 +5339,7 @@
           </a:prstGeom>
         </p:spPr>
         <p:txBody>
-          <a:bodyPr anchorCtr="0" anchor="t" bIns="91425" lIns="91425" spcFirstLastPara="1" rIns="91425" wrap="square" tIns="91425">
+          <a:bodyPr spcFirstLastPara="1" wrap="square" lIns="91425" tIns="91425" rIns="91425" bIns="91425" anchor="t" anchorCtr="0">
             <a:normAutofit/>
           </a:bodyPr>
           <a:lstStyle>
@@ -5240,15 +5443,19 @@
               <a:defRPr/>
             </a:lvl9pPr>
           </a:lstStyle>
-          <a:p/>
+          <a:p>
+            <a:endParaRPr/>
+          </a:p>
         </p:txBody>
       </p:sp>
       <p:sp>
         <p:nvSpPr>
           <p:cNvPr id="22" name="Google Shape;22;p5"/>
-          <p:cNvSpPr txBox="1"/>
+          <p:cNvSpPr txBox="1">
+            <a:spLocks noGrp="1"/>
+          </p:cNvSpPr>
           <p:nvPr>
-            <p:ph idx="1" type="body"/>
+            <p:ph type="body" idx="1"/>
           </p:nvPr>
         </p:nvSpPr>
         <p:spPr>
@@ -5261,11 +5468,11 @@
           </a:prstGeom>
         </p:spPr>
         <p:txBody>
-          <a:bodyPr anchorCtr="0" anchor="t" bIns="91425" lIns="91425" spcFirstLastPara="1" rIns="91425" wrap="square" tIns="91425">
+          <a:bodyPr spcFirstLastPara="1" wrap="square" lIns="91425" tIns="91425" rIns="91425" bIns="91425" anchor="t" anchorCtr="0">
             <a:normAutofit/>
           </a:bodyPr>
           <a:lstStyle>
-            <a:lvl1pPr indent="-317500" lvl="0" marL="457200">
+            <a:lvl1pPr marL="457200" lvl="0" indent="-317500">
               <a:spcBef>
                 <a:spcPts val="0"/>
               </a:spcBef>
@@ -5276,7 +5483,7 @@
               <a:buChar char="●"/>
               <a:defRPr sz="1400"/>
             </a:lvl1pPr>
-            <a:lvl2pPr indent="-304800" lvl="1" marL="914400">
+            <a:lvl2pPr marL="914400" lvl="1" indent="-304800">
               <a:spcBef>
                 <a:spcPts val="0"/>
               </a:spcBef>
@@ -5287,7 +5494,7 @@
               <a:buChar char="○"/>
               <a:defRPr sz="1200"/>
             </a:lvl2pPr>
-            <a:lvl3pPr indent="-304800" lvl="2" marL="1371600">
+            <a:lvl3pPr marL="1371600" lvl="2" indent="-304800">
               <a:spcBef>
                 <a:spcPts val="0"/>
               </a:spcBef>
@@ -5298,7 +5505,7 @@
               <a:buChar char="■"/>
               <a:defRPr sz="1200"/>
             </a:lvl3pPr>
-            <a:lvl4pPr indent="-304800" lvl="3" marL="1828800">
+            <a:lvl4pPr marL="1828800" lvl="3" indent="-304800">
               <a:spcBef>
                 <a:spcPts val="0"/>
               </a:spcBef>
@@ -5309,7 +5516,7 @@
               <a:buChar char="●"/>
               <a:defRPr sz="1200"/>
             </a:lvl4pPr>
-            <a:lvl5pPr indent="-304800" lvl="4" marL="2286000">
+            <a:lvl5pPr marL="2286000" lvl="4" indent="-304800">
               <a:spcBef>
                 <a:spcPts val="0"/>
               </a:spcBef>
@@ -5320,7 +5527,7 @@
               <a:buChar char="○"/>
               <a:defRPr sz="1200"/>
             </a:lvl5pPr>
-            <a:lvl6pPr indent="-304800" lvl="5" marL="2743200">
+            <a:lvl6pPr marL="2743200" lvl="5" indent="-304800">
               <a:spcBef>
                 <a:spcPts val="0"/>
               </a:spcBef>
@@ -5331,7 +5538,7 @@
               <a:buChar char="■"/>
               <a:defRPr sz="1200"/>
             </a:lvl6pPr>
-            <a:lvl7pPr indent="-304800" lvl="6" marL="3200400">
+            <a:lvl7pPr marL="3200400" lvl="6" indent="-304800">
               <a:spcBef>
                 <a:spcPts val="0"/>
               </a:spcBef>
@@ -5342,7 +5549,7 @@
               <a:buChar char="●"/>
               <a:defRPr sz="1200"/>
             </a:lvl7pPr>
-            <a:lvl8pPr indent="-304800" lvl="7" marL="3657600">
+            <a:lvl8pPr marL="3657600" lvl="7" indent="-304800">
               <a:spcBef>
                 <a:spcPts val="0"/>
               </a:spcBef>
@@ -5353,7 +5560,7 @@
               <a:buChar char="○"/>
               <a:defRPr sz="1200"/>
             </a:lvl8pPr>
-            <a:lvl9pPr indent="-304800" lvl="8" marL="4114800">
+            <a:lvl9pPr marL="4114800" lvl="8" indent="-304800">
               <a:spcBef>
                 <a:spcPts val="0"/>
               </a:spcBef>
@@ -5365,15 +5572,19 @@
               <a:defRPr sz="1200"/>
             </a:lvl9pPr>
           </a:lstStyle>
-          <a:p/>
+          <a:p>
+            <a:endParaRPr/>
+          </a:p>
         </p:txBody>
       </p:sp>
       <p:sp>
         <p:nvSpPr>
           <p:cNvPr id="23" name="Google Shape;23;p5"/>
-          <p:cNvSpPr txBox="1"/>
+          <p:cNvSpPr txBox="1">
+            <a:spLocks noGrp="1"/>
+          </p:cNvSpPr>
           <p:nvPr>
-            <p:ph idx="2" type="body"/>
+            <p:ph type="body" idx="2"/>
           </p:nvPr>
         </p:nvSpPr>
         <p:spPr>
@@ -5386,11 +5597,11 @@
           </a:prstGeom>
         </p:spPr>
         <p:txBody>
-          <a:bodyPr anchorCtr="0" anchor="t" bIns="91425" lIns="91425" spcFirstLastPara="1" rIns="91425" wrap="square" tIns="91425">
+          <a:bodyPr spcFirstLastPara="1" wrap="square" lIns="91425" tIns="91425" rIns="91425" bIns="91425" anchor="t" anchorCtr="0">
             <a:normAutofit/>
           </a:bodyPr>
           <a:lstStyle>
-            <a:lvl1pPr indent="-317500" lvl="0" marL="457200">
+            <a:lvl1pPr marL="457200" lvl="0" indent="-317500">
               <a:spcBef>
                 <a:spcPts val="0"/>
               </a:spcBef>
@@ -5401,7 +5612,7 @@
               <a:buChar char="●"/>
               <a:defRPr sz="1400"/>
             </a:lvl1pPr>
-            <a:lvl2pPr indent="-304800" lvl="1" marL="914400">
+            <a:lvl2pPr marL="914400" lvl="1" indent="-304800">
               <a:spcBef>
                 <a:spcPts val="0"/>
               </a:spcBef>
@@ -5412,7 +5623,7 @@
               <a:buChar char="○"/>
               <a:defRPr sz="1200"/>
             </a:lvl2pPr>
-            <a:lvl3pPr indent="-304800" lvl="2" marL="1371600">
+            <a:lvl3pPr marL="1371600" lvl="2" indent="-304800">
               <a:spcBef>
                 <a:spcPts val="0"/>
               </a:spcBef>
@@ -5423,7 +5634,7 @@
               <a:buChar char="■"/>
               <a:defRPr sz="1200"/>
             </a:lvl3pPr>
-            <a:lvl4pPr indent="-304800" lvl="3" marL="1828800">
+            <a:lvl4pPr marL="1828800" lvl="3" indent="-304800">
               <a:spcBef>
                 <a:spcPts val="0"/>
               </a:spcBef>
@@ -5434,7 +5645,7 @@
               <a:buChar char="●"/>
               <a:defRPr sz="1200"/>
             </a:lvl4pPr>
-            <a:lvl5pPr indent="-304800" lvl="4" marL="2286000">
+            <a:lvl5pPr marL="2286000" lvl="4" indent="-304800">
               <a:spcBef>
                 <a:spcPts val="0"/>
               </a:spcBef>
@@ -5445,7 +5656,7 @@
               <a:buChar char="○"/>
               <a:defRPr sz="1200"/>
             </a:lvl5pPr>
-            <a:lvl6pPr indent="-304800" lvl="5" marL="2743200">
+            <a:lvl6pPr marL="2743200" lvl="5" indent="-304800">
               <a:spcBef>
                 <a:spcPts val="0"/>
               </a:spcBef>
@@ -5456,7 +5667,7 @@
               <a:buChar char="■"/>
               <a:defRPr sz="1200"/>
             </a:lvl6pPr>
-            <a:lvl7pPr indent="-304800" lvl="6" marL="3200400">
+            <a:lvl7pPr marL="3200400" lvl="6" indent="-304800">
               <a:spcBef>
                 <a:spcPts val="0"/>
               </a:spcBef>
@@ -5467,7 +5678,7 @@
               <a:buChar char="●"/>
               <a:defRPr sz="1200"/>
             </a:lvl7pPr>
-            <a:lvl8pPr indent="-304800" lvl="7" marL="3657600">
+            <a:lvl8pPr marL="3657600" lvl="7" indent="-304800">
               <a:spcBef>
                 <a:spcPts val="0"/>
               </a:spcBef>
@@ -5478,7 +5689,7 @@
               <a:buChar char="○"/>
               <a:defRPr sz="1200"/>
             </a:lvl8pPr>
-            <a:lvl9pPr indent="-304800" lvl="8" marL="4114800">
+            <a:lvl9pPr marL="4114800" lvl="8" indent="-304800">
               <a:spcBef>
                 <a:spcPts val="0"/>
               </a:spcBef>
@@ -5490,15 +5701,19 @@
               <a:defRPr sz="1200"/>
             </a:lvl9pPr>
           </a:lstStyle>
-          <a:p/>
+          <a:p>
+            <a:endParaRPr/>
+          </a:p>
         </p:txBody>
       </p:sp>
       <p:sp>
         <p:nvSpPr>
           <p:cNvPr id="24" name="Google Shape;24;p5"/>
-          <p:cNvSpPr txBox="1"/>
+          <p:cNvSpPr txBox="1">
+            <a:spLocks noGrp="1"/>
+          </p:cNvSpPr>
           <p:nvPr>
-            <p:ph idx="12" type="sldNum"/>
+            <p:ph type="sldNum" idx="12"/>
           </p:nvPr>
         </p:nvSpPr>
         <p:spPr>
@@ -5511,7 +5726,7 @@
           </a:prstGeom>
         </p:spPr>
         <p:txBody>
-          <a:bodyPr anchorCtr="0" anchor="ctr" bIns="91425" lIns="91425" spcFirstLastPara="1" rIns="91425" wrap="square" tIns="91425">
+          <a:bodyPr spcFirstLastPara="1" wrap="square" lIns="91425" tIns="91425" rIns="91425" bIns="91425" anchor="ctr" anchorCtr="0">
             <a:normAutofit/>
           </a:bodyPr>
           <a:lstStyle>
@@ -5553,7 +5768,7 @@
             </a:lvl9pPr>
           </a:lstStyle>
           <a:p>
-            <a:pPr indent="0" lvl="0" marL="0" rtl="0" algn="r">
+            <a:pPr marL="0" lvl="0" indent="0" algn="r" rtl="0">
               <a:spcBef>
                 <a:spcPts val="0"/>
               </a:spcBef>
@@ -5579,11 +5794,11 @@
 </file>
 
 <file path=ppt/slideLayouts/slideLayout5.xml><?xml version="1.0" encoding="utf-8"?>
-<p:sldLayout xmlns:a="http://schemas.openxmlformats.org/drawingml/2006/main" xmlns:r="http://schemas.openxmlformats.org/officeDocument/2006/relationships" xmlns:mc="http://schemas.openxmlformats.org/markup-compatibility/2006" xmlns:mv="urn:schemas-microsoft-com:mac:vml" xmlns:p="http://schemas.openxmlformats.org/presentationml/2006/main" xmlns:c="http://schemas.openxmlformats.org/drawingml/2006/chart" xmlns:dgm="http://schemas.openxmlformats.org/drawingml/2006/diagram" xmlns:o="urn:schemas-microsoft-com:office:office" xmlns:v="urn:schemas-microsoft-com:vml" xmlns:pvml="urn:schemas-microsoft-com:office:powerpoint" xmlns:com="http://schemas.openxmlformats.org/drawingml/2006/compatibility" xmlns:p14="http://schemas.microsoft.com/office/powerpoint/2010/main" xmlns:p15="http://schemas.microsoft.com/office/powerpoint/2012/main" xmlns:ahyp="http://schemas.microsoft.com/office/drawing/2018/hyperlinkcolor" matchingName="Title only" type="titleOnly">
+<p:sldLayout xmlns:a="http://schemas.openxmlformats.org/drawingml/2006/main" xmlns:r="http://schemas.openxmlformats.org/officeDocument/2006/relationships" xmlns:p="http://schemas.openxmlformats.org/presentationml/2006/main" matchingName="Title only" type="titleOnly">
   <p:cSld name="TITLE_ONLY">
     <p:spTree>
       <p:nvGrpSpPr>
-        <p:cNvPr id="25" name="Shape 25"/>
+        <p:cNvPr id="1" name="Shape 25"/>
         <p:cNvGrpSpPr/>
         <p:nvPr/>
       </p:nvGrpSpPr>
@@ -5598,7 +5813,9 @@
       <p:sp>
         <p:nvSpPr>
           <p:cNvPr id="26" name="Google Shape;26;p6"/>
-          <p:cNvSpPr txBox="1"/>
+          <p:cNvSpPr txBox="1">
+            <a:spLocks noGrp="1"/>
+          </p:cNvSpPr>
           <p:nvPr>
             <p:ph type="title"/>
           </p:nvPr>
@@ -5613,7 +5830,7 @@
           </a:prstGeom>
         </p:spPr>
         <p:txBody>
-          <a:bodyPr anchorCtr="0" anchor="t" bIns="91425" lIns="91425" spcFirstLastPara="1" rIns="91425" wrap="square" tIns="91425">
+          <a:bodyPr spcFirstLastPara="1" wrap="square" lIns="91425" tIns="91425" rIns="91425" bIns="91425" anchor="t" anchorCtr="0">
             <a:normAutofit/>
           </a:bodyPr>
           <a:lstStyle>
@@ -5717,15 +5934,19 @@
               <a:defRPr/>
             </a:lvl9pPr>
           </a:lstStyle>
-          <a:p/>
+          <a:p>
+            <a:endParaRPr/>
+          </a:p>
         </p:txBody>
       </p:sp>
       <p:sp>
         <p:nvSpPr>
           <p:cNvPr id="27" name="Google Shape;27;p6"/>
-          <p:cNvSpPr txBox="1"/>
+          <p:cNvSpPr txBox="1">
+            <a:spLocks noGrp="1"/>
+          </p:cNvSpPr>
           <p:nvPr>
-            <p:ph idx="12" type="sldNum"/>
+            <p:ph type="sldNum" idx="12"/>
           </p:nvPr>
         </p:nvSpPr>
         <p:spPr>
@@ -5738,7 +5959,7 @@
           </a:prstGeom>
         </p:spPr>
         <p:txBody>
-          <a:bodyPr anchorCtr="0" anchor="ctr" bIns="91425" lIns="91425" spcFirstLastPara="1" rIns="91425" wrap="square" tIns="91425">
+          <a:bodyPr spcFirstLastPara="1" wrap="square" lIns="91425" tIns="91425" rIns="91425" bIns="91425" anchor="ctr" anchorCtr="0">
             <a:normAutofit/>
           </a:bodyPr>
           <a:lstStyle>
@@ -5780,7 +6001,7 @@
             </a:lvl9pPr>
           </a:lstStyle>
           <a:p>
-            <a:pPr indent="0" lvl="0" marL="0" rtl="0" algn="r">
+            <a:pPr marL="0" lvl="0" indent="0" algn="r" rtl="0">
               <a:spcBef>
                 <a:spcPts val="0"/>
               </a:spcBef>
@@ -5806,11 +6027,11 @@
 </file>
 
 <file path=ppt/slideLayouts/slideLayout6.xml><?xml version="1.0" encoding="utf-8"?>
-<p:sldLayout xmlns:a="http://schemas.openxmlformats.org/drawingml/2006/main" xmlns:r="http://schemas.openxmlformats.org/officeDocument/2006/relationships" xmlns:mc="http://schemas.openxmlformats.org/markup-compatibility/2006" xmlns:mv="urn:schemas-microsoft-com:mac:vml" xmlns:p="http://schemas.openxmlformats.org/presentationml/2006/main" xmlns:c="http://schemas.openxmlformats.org/drawingml/2006/chart" xmlns:dgm="http://schemas.openxmlformats.org/drawingml/2006/diagram" xmlns:o="urn:schemas-microsoft-com:office:office" xmlns:v="urn:schemas-microsoft-com:vml" xmlns:pvml="urn:schemas-microsoft-com:office:powerpoint" xmlns:com="http://schemas.openxmlformats.org/drawingml/2006/compatibility" xmlns:p14="http://schemas.microsoft.com/office/powerpoint/2010/main" xmlns:p15="http://schemas.microsoft.com/office/powerpoint/2012/main" xmlns:ahyp="http://schemas.microsoft.com/office/drawing/2018/hyperlinkcolor" matchingName="One column text">
+<p:sldLayout xmlns:a="http://schemas.openxmlformats.org/drawingml/2006/main" xmlns:r="http://schemas.openxmlformats.org/officeDocument/2006/relationships" xmlns:p="http://schemas.openxmlformats.org/presentationml/2006/main" matchingName="One column text">
   <p:cSld name="ONE_COLUMN_TEXT">
     <p:spTree>
       <p:nvGrpSpPr>
-        <p:cNvPr id="28" name="Shape 28"/>
+        <p:cNvPr id="1" name="Shape 28"/>
         <p:cNvGrpSpPr/>
         <p:nvPr/>
       </p:nvGrpSpPr>
@@ -5825,7 +6046,9 @@
       <p:sp>
         <p:nvSpPr>
           <p:cNvPr id="29" name="Google Shape;29;p7"/>
-          <p:cNvSpPr txBox="1"/>
+          <p:cNvSpPr txBox="1">
+            <a:spLocks noGrp="1"/>
+          </p:cNvSpPr>
           <p:nvPr>
             <p:ph type="title"/>
           </p:nvPr>
@@ -5840,7 +6063,7 @@
           </a:prstGeom>
         </p:spPr>
         <p:txBody>
-          <a:bodyPr anchorCtr="0" anchor="b" bIns="91425" lIns="91425" spcFirstLastPara="1" rIns="91425" wrap="square" tIns="91425">
+          <a:bodyPr spcFirstLastPara="1" wrap="square" lIns="91425" tIns="91425" rIns="91425" bIns="91425" anchor="b" anchorCtr="0">
             <a:normAutofit/>
           </a:bodyPr>
           <a:lstStyle>
@@ -5944,15 +6167,19 @@
               <a:defRPr sz="2400"/>
             </a:lvl9pPr>
           </a:lstStyle>
-          <a:p/>
+          <a:p>
+            <a:endParaRPr/>
+          </a:p>
         </p:txBody>
       </p:sp>
       <p:sp>
         <p:nvSpPr>
           <p:cNvPr id="30" name="Google Shape;30;p7"/>
-          <p:cNvSpPr txBox="1"/>
+          <p:cNvSpPr txBox="1">
+            <a:spLocks noGrp="1"/>
+          </p:cNvSpPr>
           <p:nvPr>
-            <p:ph idx="1" type="body"/>
+            <p:ph type="body" idx="1"/>
           </p:nvPr>
         </p:nvSpPr>
         <p:spPr>
@@ -5965,11 +6192,11 @@
           </a:prstGeom>
         </p:spPr>
         <p:txBody>
-          <a:bodyPr anchorCtr="0" anchor="t" bIns="91425" lIns="91425" spcFirstLastPara="1" rIns="91425" wrap="square" tIns="91425">
+          <a:bodyPr spcFirstLastPara="1" wrap="square" lIns="91425" tIns="91425" rIns="91425" bIns="91425" anchor="t" anchorCtr="0">
             <a:normAutofit/>
           </a:bodyPr>
           <a:lstStyle>
-            <a:lvl1pPr indent="-304800" lvl="0" marL="457200">
+            <a:lvl1pPr marL="457200" lvl="0" indent="-304800">
               <a:spcBef>
                 <a:spcPts val="0"/>
               </a:spcBef>
@@ -5980,7 +6207,7 @@
               <a:buChar char="●"/>
               <a:defRPr sz="1200"/>
             </a:lvl1pPr>
-            <a:lvl2pPr indent="-304800" lvl="1" marL="914400">
+            <a:lvl2pPr marL="914400" lvl="1" indent="-304800">
               <a:spcBef>
                 <a:spcPts val="0"/>
               </a:spcBef>
@@ -5991,7 +6218,7 @@
               <a:buChar char="○"/>
               <a:defRPr sz="1200"/>
             </a:lvl2pPr>
-            <a:lvl3pPr indent="-304800" lvl="2" marL="1371600">
+            <a:lvl3pPr marL="1371600" lvl="2" indent="-304800">
               <a:spcBef>
                 <a:spcPts val="0"/>
               </a:spcBef>
@@ -6002,7 +6229,7 @@
               <a:buChar char="■"/>
               <a:defRPr sz="1200"/>
             </a:lvl3pPr>
-            <a:lvl4pPr indent="-304800" lvl="3" marL="1828800">
+            <a:lvl4pPr marL="1828800" lvl="3" indent="-304800">
               <a:spcBef>
                 <a:spcPts val="0"/>
               </a:spcBef>
@@ -6013,7 +6240,7 @@
               <a:buChar char="●"/>
               <a:defRPr sz="1200"/>
             </a:lvl4pPr>
-            <a:lvl5pPr indent="-304800" lvl="4" marL="2286000">
+            <a:lvl5pPr marL="2286000" lvl="4" indent="-304800">
               <a:spcBef>
                 <a:spcPts val="0"/>
               </a:spcBef>
@@ -6024,7 +6251,7 @@
               <a:buChar char="○"/>
               <a:defRPr sz="1200"/>
             </a:lvl5pPr>
-            <a:lvl6pPr indent="-304800" lvl="5" marL="2743200">
+            <a:lvl6pPr marL="2743200" lvl="5" indent="-304800">
               <a:spcBef>
                 <a:spcPts val="0"/>
               </a:spcBef>
@@ -6035,7 +6262,7 @@
               <a:buChar char="■"/>
               <a:defRPr sz="1200"/>
             </a:lvl6pPr>
-            <a:lvl7pPr indent="-304800" lvl="6" marL="3200400">
+            <a:lvl7pPr marL="3200400" lvl="6" indent="-304800">
               <a:spcBef>
                 <a:spcPts val="0"/>
               </a:spcBef>
@@ -6046,7 +6273,7 @@
               <a:buChar char="●"/>
               <a:defRPr sz="1200"/>
             </a:lvl7pPr>
-            <a:lvl8pPr indent="-304800" lvl="7" marL="3657600">
+            <a:lvl8pPr marL="3657600" lvl="7" indent="-304800">
               <a:spcBef>
                 <a:spcPts val="0"/>
               </a:spcBef>
@@ -6057,7 +6284,7 @@
               <a:buChar char="○"/>
               <a:defRPr sz="1200"/>
             </a:lvl8pPr>
-            <a:lvl9pPr indent="-304800" lvl="8" marL="4114800">
+            <a:lvl9pPr marL="4114800" lvl="8" indent="-304800">
               <a:spcBef>
                 <a:spcPts val="0"/>
               </a:spcBef>
@@ -6069,15 +6296,19 @@
               <a:defRPr sz="1200"/>
             </a:lvl9pPr>
           </a:lstStyle>
-          <a:p/>
+          <a:p>
+            <a:endParaRPr/>
+          </a:p>
         </p:txBody>
       </p:sp>
       <p:sp>
         <p:nvSpPr>
           <p:cNvPr id="31" name="Google Shape;31;p7"/>
-          <p:cNvSpPr txBox="1"/>
+          <p:cNvSpPr txBox="1">
+            <a:spLocks noGrp="1"/>
+          </p:cNvSpPr>
           <p:nvPr>
-            <p:ph idx="12" type="sldNum"/>
+            <p:ph type="sldNum" idx="12"/>
           </p:nvPr>
         </p:nvSpPr>
         <p:spPr>
@@ -6090,7 +6321,7 @@
           </a:prstGeom>
         </p:spPr>
         <p:txBody>
-          <a:bodyPr anchorCtr="0" anchor="ctr" bIns="91425" lIns="91425" spcFirstLastPara="1" rIns="91425" wrap="square" tIns="91425">
+          <a:bodyPr spcFirstLastPara="1" wrap="square" lIns="91425" tIns="91425" rIns="91425" bIns="91425" anchor="ctr" anchorCtr="0">
             <a:normAutofit/>
           </a:bodyPr>
           <a:lstStyle>
@@ -6132,7 +6363,7 @@
             </a:lvl9pPr>
           </a:lstStyle>
           <a:p>
-            <a:pPr indent="0" lvl="0" marL="0" rtl="0" algn="r">
+            <a:pPr marL="0" lvl="0" indent="0" algn="r" rtl="0">
               <a:spcBef>
                 <a:spcPts val="0"/>
               </a:spcBef>
@@ -6158,11 +6389,11 @@
 </file>
 
 <file path=ppt/slideLayouts/slideLayout7.xml><?xml version="1.0" encoding="utf-8"?>
-<p:sldLayout xmlns:a="http://schemas.openxmlformats.org/drawingml/2006/main" xmlns:r="http://schemas.openxmlformats.org/officeDocument/2006/relationships" xmlns:mc="http://schemas.openxmlformats.org/markup-compatibility/2006" xmlns:mv="urn:schemas-microsoft-com:mac:vml" xmlns:p="http://schemas.openxmlformats.org/presentationml/2006/main" xmlns:c="http://schemas.openxmlformats.org/drawingml/2006/chart" xmlns:dgm="http://schemas.openxmlformats.org/drawingml/2006/diagram" xmlns:o="urn:schemas-microsoft-com:office:office" xmlns:v="urn:schemas-microsoft-com:vml" xmlns:pvml="urn:schemas-microsoft-com:office:powerpoint" xmlns:com="http://schemas.openxmlformats.org/drawingml/2006/compatibility" xmlns:p14="http://schemas.microsoft.com/office/powerpoint/2010/main" xmlns:p15="http://schemas.microsoft.com/office/powerpoint/2012/main" xmlns:ahyp="http://schemas.microsoft.com/office/drawing/2018/hyperlinkcolor" matchingName="Main point">
+<p:sldLayout xmlns:a="http://schemas.openxmlformats.org/drawingml/2006/main" xmlns:r="http://schemas.openxmlformats.org/officeDocument/2006/relationships" xmlns:p="http://schemas.openxmlformats.org/presentationml/2006/main" matchingName="Main point">
   <p:cSld name="MAIN_POINT">
     <p:spTree>
       <p:nvGrpSpPr>
-        <p:cNvPr id="32" name="Shape 32"/>
+        <p:cNvPr id="1" name="Shape 32"/>
         <p:cNvGrpSpPr/>
         <p:nvPr/>
       </p:nvGrpSpPr>
@@ -6177,7 +6408,9 @@
       <p:sp>
         <p:nvSpPr>
           <p:cNvPr id="33" name="Google Shape;33;p8"/>
-          <p:cNvSpPr txBox="1"/>
+          <p:cNvSpPr txBox="1">
+            <a:spLocks noGrp="1"/>
+          </p:cNvSpPr>
           <p:nvPr>
             <p:ph type="title"/>
           </p:nvPr>
@@ -6192,7 +6425,7 @@
           </a:prstGeom>
         </p:spPr>
         <p:txBody>
-          <a:bodyPr anchorCtr="0" anchor="ctr" bIns="91425" lIns="91425" spcFirstLastPara="1" rIns="91425" wrap="square" tIns="91425">
+          <a:bodyPr spcFirstLastPara="1" wrap="square" lIns="91425" tIns="91425" rIns="91425" bIns="91425" anchor="ctr" anchorCtr="0">
             <a:normAutofit/>
           </a:bodyPr>
           <a:lstStyle>
@@ -6296,15 +6529,19 @@
               <a:defRPr sz="4800"/>
             </a:lvl9pPr>
           </a:lstStyle>
-          <a:p/>
+          <a:p>
+            <a:endParaRPr/>
+          </a:p>
         </p:txBody>
       </p:sp>
       <p:sp>
         <p:nvSpPr>
           <p:cNvPr id="34" name="Google Shape;34;p8"/>
-          <p:cNvSpPr txBox="1"/>
+          <p:cNvSpPr txBox="1">
+            <a:spLocks noGrp="1"/>
+          </p:cNvSpPr>
           <p:nvPr>
-            <p:ph idx="12" type="sldNum"/>
+            <p:ph type="sldNum" idx="12"/>
           </p:nvPr>
         </p:nvSpPr>
         <p:spPr>
@@ -6317,7 +6554,7 @@
           </a:prstGeom>
         </p:spPr>
         <p:txBody>
-          <a:bodyPr anchorCtr="0" anchor="ctr" bIns="91425" lIns="91425" spcFirstLastPara="1" rIns="91425" wrap="square" tIns="91425">
+          <a:bodyPr spcFirstLastPara="1" wrap="square" lIns="91425" tIns="91425" rIns="91425" bIns="91425" anchor="ctr" anchorCtr="0">
             <a:normAutofit/>
           </a:bodyPr>
           <a:lstStyle>
@@ -6359,7 +6596,7 @@
             </a:lvl9pPr>
           </a:lstStyle>
           <a:p>
-            <a:pPr indent="0" lvl="0" marL="0" rtl="0" algn="r">
+            <a:pPr marL="0" lvl="0" indent="0" algn="r" rtl="0">
               <a:spcBef>
                 <a:spcPts val="0"/>
               </a:spcBef>
@@ -6385,11 +6622,11 @@
 </file>
 
 <file path=ppt/slideLayouts/slideLayout8.xml><?xml version="1.0" encoding="utf-8"?>
-<p:sldLayout xmlns:a="http://schemas.openxmlformats.org/drawingml/2006/main" xmlns:r="http://schemas.openxmlformats.org/officeDocument/2006/relationships" xmlns:mc="http://schemas.openxmlformats.org/markup-compatibility/2006" xmlns:mv="urn:schemas-microsoft-com:mac:vml" xmlns:p="http://schemas.openxmlformats.org/presentationml/2006/main" xmlns:c="http://schemas.openxmlformats.org/drawingml/2006/chart" xmlns:dgm="http://schemas.openxmlformats.org/drawingml/2006/diagram" xmlns:o="urn:schemas-microsoft-com:office:office" xmlns:v="urn:schemas-microsoft-com:vml" xmlns:pvml="urn:schemas-microsoft-com:office:powerpoint" xmlns:com="http://schemas.openxmlformats.org/drawingml/2006/compatibility" xmlns:p14="http://schemas.microsoft.com/office/powerpoint/2010/main" xmlns:p15="http://schemas.microsoft.com/office/powerpoint/2012/main" xmlns:ahyp="http://schemas.microsoft.com/office/drawing/2018/hyperlinkcolor" matchingName="Section title and description">
+<p:sldLayout xmlns:a="http://schemas.openxmlformats.org/drawingml/2006/main" xmlns:r="http://schemas.openxmlformats.org/officeDocument/2006/relationships" xmlns:p="http://schemas.openxmlformats.org/presentationml/2006/main" matchingName="Section title and description">
   <p:cSld name="SECTION_TITLE_AND_DESCRIPTION">
     <p:spTree>
       <p:nvGrpSpPr>
-        <p:cNvPr id="35" name="Shape 35"/>
+        <p:cNvPr id="1" name="Shape 35"/>
         <p:cNvGrpSpPr/>
         <p:nvPr/>
       </p:nvGrpSpPr>
@@ -6423,12 +6660,12 @@
           </a:ln>
         </p:spPr>
         <p:txBody>
-          <a:bodyPr anchorCtr="0" anchor="ctr" bIns="91425" lIns="91425" spcFirstLastPara="1" rIns="91425" wrap="square" tIns="91425">
+          <a:bodyPr spcFirstLastPara="1" wrap="square" lIns="91425" tIns="91425" rIns="91425" bIns="91425" anchor="ctr" anchorCtr="0">
             <a:noAutofit/>
           </a:bodyPr>
           <a:lstStyle/>
           <a:p>
-            <a:pPr indent="0" lvl="0" marL="0" rtl="0" algn="l">
+            <a:pPr marL="0" lvl="0" indent="0" algn="l" rtl="0">
               <a:spcBef>
                 <a:spcPts val="0"/>
               </a:spcBef>
@@ -6437,9 +6674,6 @@
               </a:spcAft>
               <a:buNone/>
             </a:pPr>
-            <a:r>
-              <a:t/>
-            </a:r>
             <a:endParaRPr/>
           </a:p>
         </p:txBody>
@@ -6447,7 +6681,9 @@
       <p:sp>
         <p:nvSpPr>
           <p:cNvPr id="37" name="Google Shape;37;p9"/>
-          <p:cNvSpPr txBox="1"/>
+          <p:cNvSpPr txBox="1">
+            <a:spLocks noGrp="1"/>
+          </p:cNvSpPr>
           <p:nvPr>
             <p:ph type="title"/>
           </p:nvPr>
@@ -6462,7 +6698,7 @@
           </a:prstGeom>
         </p:spPr>
         <p:txBody>
-          <a:bodyPr anchorCtr="0" anchor="b" bIns="91425" lIns="91425" spcFirstLastPara="1" rIns="91425" wrap="square" tIns="91425">
+          <a:bodyPr spcFirstLastPara="1" wrap="square" lIns="91425" tIns="91425" rIns="91425" bIns="91425" anchor="b" anchorCtr="0">
             <a:normAutofit/>
           </a:bodyPr>
           <a:lstStyle>
@@ -6566,15 +6802,19 @@
               <a:defRPr sz="4200"/>
             </a:lvl9pPr>
           </a:lstStyle>
-          <a:p/>
+          <a:p>
+            <a:endParaRPr/>
+          </a:p>
         </p:txBody>
       </p:sp>
       <p:sp>
         <p:nvSpPr>
           <p:cNvPr id="38" name="Google Shape;38;p9"/>
-          <p:cNvSpPr txBox="1"/>
+          <p:cNvSpPr txBox="1">
+            <a:spLocks noGrp="1"/>
+          </p:cNvSpPr>
           <p:nvPr>
-            <p:ph idx="1" type="subTitle"/>
+            <p:ph type="subTitle" idx="1"/>
           </p:nvPr>
         </p:nvSpPr>
         <p:spPr>
@@ -6587,7 +6827,7 @@
           </a:prstGeom>
         </p:spPr>
         <p:txBody>
-          <a:bodyPr anchorCtr="0" anchor="t" bIns="91425" lIns="91425" spcFirstLastPara="1" rIns="91425" wrap="square" tIns="91425">
+          <a:bodyPr spcFirstLastPara="1" wrap="square" lIns="91425" tIns="91425" rIns="91425" bIns="91425" anchor="t" anchorCtr="0">
             <a:normAutofit/>
           </a:bodyPr>
           <a:lstStyle>
@@ -6718,15 +6958,19 @@
               <a:defRPr sz="2100"/>
             </a:lvl9pPr>
           </a:lstStyle>
-          <a:p/>
+          <a:p>
+            <a:endParaRPr/>
+          </a:p>
         </p:txBody>
       </p:sp>
       <p:sp>
         <p:nvSpPr>
           <p:cNvPr id="39" name="Google Shape;39;p9"/>
-          <p:cNvSpPr txBox="1"/>
+          <p:cNvSpPr txBox="1">
+            <a:spLocks noGrp="1"/>
+          </p:cNvSpPr>
           <p:nvPr>
-            <p:ph idx="2" type="body"/>
+            <p:ph type="body" idx="2"/>
           </p:nvPr>
         </p:nvSpPr>
         <p:spPr>
@@ -6739,11 +6983,11 @@
           </a:prstGeom>
         </p:spPr>
         <p:txBody>
-          <a:bodyPr anchorCtr="0" anchor="ctr" bIns="91425" lIns="91425" spcFirstLastPara="1" rIns="91425" wrap="square" tIns="91425">
+          <a:bodyPr spcFirstLastPara="1" wrap="square" lIns="91425" tIns="91425" rIns="91425" bIns="91425" anchor="ctr" anchorCtr="0">
             <a:normAutofit/>
           </a:bodyPr>
           <a:lstStyle>
-            <a:lvl1pPr indent="-342900" lvl="0" marL="457200">
+            <a:lvl1pPr marL="457200" lvl="0" indent="-342900">
               <a:spcBef>
                 <a:spcPts val="0"/>
               </a:spcBef>
@@ -6754,7 +6998,7 @@
               <a:buChar char="●"/>
               <a:defRPr/>
             </a:lvl1pPr>
-            <a:lvl2pPr indent="-317500" lvl="1" marL="914400">
+            <a:lvl2pPr marL="914400" lvl="1" indent="-317500">
               <a:spcBef>
                 <a:spcPts val="0"/>
               </a:spcBef>
@@ -6765,7 +7009,7 @@
               <a:buChar char="○"/>
               <a:defRPr/>
             </a:lvl2pPr>
-            <a:lvl3pPr indent="-317500" lvl="2" marL="1371600">
+            <a:lvl3pPr marL="1371600" lvl="2" indent="-317500">
               <a:spcBef>
                 <a:spcPts val="0"/>
               </a:spcBef>
@@ -6776,7 +7020,7 @@
               <a:buChar char="■"/>
               <a:defRPr/>
             </a:lvl3pPr>
-            <a:lvl4pPr indent="-317500" lvl="3" marL="1828800">
+            <a:lvl4pPr marL="1828800" lvl="3" indent="-317500">
               <a:spcBef>
                 <a:spcPts val="0"/>
               </a:spcBef>
@@ -6787,7 +7031,7 @@
               <a:buChar char="●"/>
               <a:defRPr/>
             </a:lvl4pPr>
-            <a:lvl5pPr indent="-317500" lvl="4" marL="2286000">
+            <a:lvl5pPr marL="2286000" lvl="4" indent="-317500">
               <a:spcBef>
                 <a:spcPts val="0"/>
               </a:spcBef>
@@ -6798,7 +7042,7 @@
               <a:buChar char="○"/>
               <a:defRPr/>
             </a:lvl5pPr>
-            <a:lvl6pPr indent="-317500" lvl="5" marL="2743200">
+            <a:lvl6pPr marL="2743200" lvl="5" indent="-317500">
               <a:spcBef>
                 <a:spcPts val="0"/>
               </a:spcBef>
@@ -6809,7 +7053,7 @@
               <a:buChar char="■"/>
               <a:defRPr/>
             </a:lvl6pPr>
-            <a:lvl7pPr indent="-317500" lvl="6" marL="3200400">
+            <a:lvl7pPr marL="3200400" lvl="6" indent="-317500">
               <a:spcBef>
                 <a:spcPts val="0"/>
               </a:spcBef>
@@ -6820,7 +7064,7 @@
               <a:buChar char="●"/>
               <a:defRPr/>
             </a:lvl7pPr>
-            <a:lvl8pPr indent="-317500" lvl="7" marL="3657600">
+            <a:lvl8pPr marL="3657600" lvl="7" indent="-317500">
               <a:spcBef>
                 <a:spcPts val="0"/>
               </a:spcBef>
@@ -6831,7 +7075,7 @@
               <a:buChar char="○"/>
               <a:defRPr/>
             </a:lvl8pPr>
-            <a:lvl9pPr indent="-317500" lvl="8" marL="4114800">
+            <a:lvl9pPr marL="4114800" lvl="8" indent="-317500">
               <a:spcBef>
                 <a:spcPts val="0"/>
               </a:spcBef>
@@ -6843,15 +7087,19 @@
               <a:defRPr/>
             </a:lvl9pPr>
           </a:lstStyle>
-          <a:p/>
+          <a:p>
+            <a:endParaRPr/>
+          </a:p>
         </p:txBody>
       </p:sp>
       <p:sp>
         <p:nvSpPr>
           <p:cNvPr id="40" name="Google Shape;40;p9"/>
-          <p:cNvSpPr txBox="1"/>
+          <p:cNvSpPr txBox="1">
+            <a:spLocks noGrp="1"/>
+          </p:cNvSpPr>
           <p:nvPr>
-            <p:ph idx="12" type="sldNum"/>
+            <p:ph type="sldNum" idx="12"/>
           </p:nvPr>
         </p:nvSpPr>
         <p:spPr>
@@ -6864,7 +7112,7 @@
           </a:prstGeom>
         </p:spPr>
         <p:txBody>
-          <a:bodyPr anchorCtr="0" anchor="ctr" bIns="91425" lIns="91425" spcFirstLastPara="1" rIns="91425" wrap="square" tIns="91425">
+          <a:bodyPr spcFirstLastPara="1" wrap="square" lIns="91425" tIns="91425" rIns="91425" bIns="91425" anchor="ctr" anchorCtr="0">
             <a:normAutofit/>
           </a:bodyPr>
           <a:lstStyle>
@@ -6906,7 +7154,7 @@
             </a:lvl9pPr>
           </a:lstStyle>
           <a:p>
-            <a:pPr indent="0" lvl="0" marL="0" rtl="0" algn="r">
+            <a:pPr marL="0" lvl="0" indent="0" algn="r" rtl="0">
               <a:spcBef>
                 <a:spcPts val="0"/>
               </a:spcBef>
@@ -6932,11 +7180,11 @@
 </file>
 
 <file path=ppt/slideLayouts/slideLayout9.xml><?xml version="1.0" encoding="utf-8"?>
-<p:sldLayout xmlns:a="http://schemas.openxmlformats.org/drawingml/2006/main" xmlns:r="http://schemas.openxmlformats.org/officeDocument/2006/relationships" xmlns:mc="http://schemas.openxmlformats.org/markup-compatibility/2006" xmlns:mv="urn:schemas-microsoft-com:mac:vml" xmlns:p="http://schemas.openxmlformats.org/presentationml/2006/main" xmlns:c="http://schemas.openxmlformats.org/drawingml/2006/chart" xmlns:dgm="http://schemas.openxmlformats.org/drawingml/2006/diagram" xmlns:o="urn:schemas-microsoft-com:office:office" xmlns:v="urn:schemas-microsoft-com:vml" xmlns:pvml="urn:schemas-microsoft-com:office:powerpoint" xmlns:com="http://schemas.openxmlformats.org/drawingml/2006/compatibility" xmlns:p14="http://schemas.microsoft.com/office/powerpoint/2010/main" xmlns:p15="http://schemas.microsoft.com/office/powerpoint/2012/main" xmlns:ahyp="http://schemas.microsoft.com/office/drawing/2018/hyperlinkcolor" matchingName="Caption">
+<p:sldLayout xmlns:a="http://schemas.openxmlformats.org/drawingml/2006/main" xmlns:r="http://schemas.openxmlformats.org/officeDocument/2006/relationships" xmlns:p="http://schemas.openxmlformats.org/presentationml/2006/main" matchingName="Caption">
   <p:cSld name="CAPTION_ONLY">
     <p:spTree>
       <p:nvGrpSpPr>
-        <p:cNvPr id="41" name="Shape 41"/>
+        <p:cNvPr id="1" name="Shape 41"/>
         <p:cNvGrpSpPr/>
         <p:nvPr/>
       </p:nvGrpSpPr>
@@ -6951,9 +7199,11 @@
       <p:sp>
         <p:nvSpPr>
           <p:cNvPr id="42" name="Google Shape;42;p10"/>
-          <p:cNvSpPr txBox="1"/>
+          <p:cNvSpPr txBox="1">
+            <a:spLocks noGrp="1"/>
+          </p:cNvSpPr>
           <p:nvPr>
-            <p:ph idx="1" type="body"/>
+            <p:ph type="body" idx="1"/>
           </p:nvPr>
         </p:nvSpPr>
         <p:spPr>
@@ -6966,11 +7216,11 @@
           </a:prstGeom>
         </p:spPr>
         <p:txBody>
-          <a:bodyPr anchorCtr="0" anchor="ctr" bIns="91425" lIns="91425" spcFirstLastPara="1" rIns="91425" wrap="square" tIns="91425">
+          <a:bodyPr spcFirstLastPara="1" wrap="square" lIns="91425" tIns="91425" rIns="91425" bIns="91425" anchor="ctr" anchorCtr="0">
             <a:normAutofit/>
           </a:bodyPr>
           <a:lstStyle>
-            <a:lvl1pPr indent="-228600" lvl="0" marL="457200">
+            <a:lvl1pPr marL="457200" lvl="0" indent="-228600">
               <a:lnSpc>
                 <a:spcPct val="100000"/>
               </a:lnSpc>
@@ -6985,15 +7235,19 @@
               <a:defRPr/>
             </a:lvl1pPr>
           </a:lstStyle>
-          <a:p/>
+          <a:p>
+            <a:endParaRPr/>
+          </a:p>
         </p:txBody>
       </p:sp>
       <p:sp>
         <p:nvSpPr>
           <p:cNvPr id="43" name="Google Shape;43;p10"/>
-          <p:cNvSpPr txBox="1"/>
+          <p:cNvSpPr txBox="1">
+            <a:spLocks noGrp="1"/>
+          </p:cNvSpPr>
           <p:nvPr>
-            <p:ph idx="12" type="sldNum"/>
+            <p:ph type="sldNum" idx="12"/>
           </p:nvPr>
         </p:nvSpPr>
         <p:spPr>
@@ -7006,7 +7260,7 @@
           </a:prstGeom>
         </p:spPr>
         <p:txBody>
-          <a:bodyPr anchorCtr="0" anchor="ctr" bIns="91425" lIns="91425" spcFirstLastPara="1" rIns="91425" wrap="square" tIns="91425">
+          <a:bodyPr spcFirstLastPara="1" wrap="square" lIns="91425" tIns="91425" rIns="91425" bIns="91425" anchor="ctr" anchorCtr="0">
             <a:normAutofit/>
           </a:bodyPr>
           <a:lstStyle>
@@ -7048,7 +7302,7 @@
             </a:lvl9pPr>
           </a:lstStyle>
           <a:p>
-            <a:pPr indent="0" lvl="0" marL="0" rtl="0" algn="r">
+            <a:pPr marL="0" lvl="0" indent="0" algn="r" rtl="0">
               <a:spcBef>
                 <a:spcPts val="0"/>
               </a:spcBef>
@@ -7074,18 +7328,19 @@
 </file>
 
 <file path=ppt/slideMasters/slideMaster1.xml><?xml version="1.0" encoding="utf-8"?>
-<p:sldMaster xmlns:a="http://schemas.openxmlformats.org/drawingml/2006/main" xmlns:r="http://schemas.openxmlformats.org/officeDocument/2006/relationships" xmlns:mc="http://schemas.openxmlformats.org/markup-compatibility/2006" xmlns:mv="urn:schemas-microsoft-com:mac:vml" xmlns:p="http://schemas.openxmlformats.org/presentationml/2006/main" xmlns:c="http://schemas.openxmlformats.org/drawingml/2006/chart" xmlns:dgm="http://schemas.openxmlformats.org/drawingml/2006/diagram" xmlns:o="urn:schemas-microsoft-com:office:office" xmlns:v="urn:schemas-microsoft-com:vml" xmlns:pvml="urn:schemas-microsoft-com:office:powerpoint" xmlns:com="http://schemas.openxmlformats.org/drawingml/2006/compatibility" xmlns:p14="http://schemas.microsoft.com/office/powerpoint/2010/main" xmlns:p15="http://schemas.microsoft.com/office/powerpoint/2012/main" xmlns:ahyp="http://schemas.microsoft.com/office/drawing/2018/hyperlinkcolor">
+<p:sldMaster xmlns:a="http://schemas.openxmlformats.org/drawingml/2006/main" xmlns:r="http://schemas.openxmlformats.org/officeDocument/2006/relationships" xmlns:p="http://schemas.openxmlformats.org/presentationml/2006/main">
   <p:cSld name="simple-light-2">
     <p:bg>
       <p:bgPr>
         <a:solidFill>
           <a:schemeClr val="lt1"/>
         </a:solidFill>
+        <a:effectLst/>
       </p:bgPr>
     </p:bg>
     <p:spTree>
       <p:nvGrpSpPr>
-        <p:cNvPr id="5" name="Shape 5"/>
+        <p:cNvPr id="1" name="Shape 5"/>
         <p:cNvGrpSpPr/>
         <p:nvPr/>
       </p:nvGrpSpPr>
@@ -7100,7 +7355,9 @@
       <p:sp>
         <p:nvSpPr>
           <p:cNvPr id="6" name="Google Shape;6;p1"/>
-          <p:cNvSpPr txBox="1"/>
+          <p:cNvSpPr txBox="1">
+            <a:spLocks noGrp="1"/>
+          </p:cNvSpPr>
           <p:nvPr>
             <p:ph type="title"/>
           </p:nvPr>
@@ -7119,7 +7376,7 @@
           </a:ln>
         </p:spPr>
         <p:txBody>
-          <a:bodyPr anchorCtr="0" anchor="t" bIns="91425" lIns="91425" spcFirstLastPara="1" rIns="91425" wrap="square" tIns="91425">
+          <a:bodyPr spcFirstLastPara="1" wrap="square" lIns="91425" tIns="91425" rIns="91425" bIns="91425" anchor="t" anchorCtr="0">
             <a:normAutofit/>
           </a:bodyPr>
           <a:lstStyle>
@@ -7286,15 +7543,19 @@
               </a:defRPr>
             </a:lvl9pPr>
           </a:lstStyle>
-          <a:p/>
+          <a:p>
+            <a:endParaRPr/>
+          </a:p>
         </p:txBody>
       </p:sp>
       <p:sp>
         <p:nvSpPr>
           <p:cNvPr id="7" name="Google Shape;7;p1"/>
-          <p:cNvSpPr txBox="1"/>
+          <p:cNvSpPr txBox="1">
+            <a:spLocks noGrp="1"/>
+          </p:cNvSpPr>
           <p:nvPr>
-            <p:ph idx="1" type="body"/>
+            <p:ph type="body" idx="1"/>
           </p:nvPr>
         </p:nvSpPr>
         <p:spPr>
@@ -7311,11 +7572,11 @@
           </a:ln>
         </p:spPr>
         <p:txBody>
-          <a:bodyPr anchorCtr="0" anchor="t" bIns="91425" lIns="91425" spcFirstLastPara="1" rIns="91425" wrap="square" tIns="91425">
+          <a:bodyPr spcFirstLastPara="1" wrap="square" lIns="91425" tIns="91425" rIns="91425" bIns="91425" anchor="t" anchorCtr="0">
             <a:normAutofit/>
           </a:bodyPr>
           <a:lstStyle>
-            <a:lvl1pPr indent="-342900" lvl="0" marL="457200">
+            <a:lvl1pPr marL="457200" lvl="0" indent="-342900">
               <a:lnSpc>
                 <a:spcPct val="115000"/>
               </a:lnSpc>
@@ -7336,7 +7597,7 @@
                 </a:solidFill>
               </a:defRPr>
             </a:lvl1pPr>
-            <a:lvl2pPr indent="-317500" lvl="1" marL="914400">
+            <a:lvl2pPr marL="914400" lvl="1" indent="-317500">
               <a:lnSpc>
                 <a:spcPct val="115000"/>
               </a:lnSpc>
@@ -7357,7 +7618,7 @@
                 </a:solidFill>
               </a:defRPr>
             </a:lvl2pPr>
-            <a:lvl3pPr indent="-317500" lvl="2" marL="1371600">
+            <a:lvl3pPr marL="1371600" lvl="2" indent="-317500">
               <a:lnSpc>
                 <a:spcPct val="115000"/>
               </a:lnSpc>
@@ -7378,7 +7639,7 @@
                 </a:solidFill>
               </a:defRPr>
             </a:lvl3pPr>
-            <a:lvl4pPr indent="-317500" lvl="3" marL="1828800">
+            <a:lvl4pPr marL="1828800" lvl="3" indent="-317500">
               <a:lnSpc>
                 <a:spcPct val="115000"/>
               </a:lnSpc>
@@ -7399,7 +7660,7 @@
                 </a:solidFill>
               </a:defRPr>
             </a:lvl4pPr>
-            <a:lvl5pPr indent="-317500" lvl="4" marL="2286000">
+            <a:lvl5pPr marL="2286000" lvl="4" indent="-317500">
               <a:lnSpc>
                 <a:spcPct val="115000"/>
               </a:lnSpc>
@@ -7420,7 +7681,7 @@
                 </a:solidFill>
               </a:defRPr>
             </a:lvl5pPr>
-            <a:lvl6pPr indent="-317500" lvl="5" marL="2743200">
+            <a:lvl6pPr marL="2743200" lvl="5" indent="-317500">
               <a:lnSpc>
                 <a:spcPct val="115000"/>
               </a:lnSpc>
@@ -7441,7 +7702,7 @@
                 </a:solidFill>
               </a:defRPr>
             </a:lvl6pPr>
-            <a:lvl7pPr indent="-317500" lvl="6" marL="3200400">
+            <a:lvl7pPr marL="3200400" lvl="6" indent="-317500">
               <a:lnSpc>
                 <a:spcPct val="115000"/>
               </a:lnSpc>
@@ -7462,7 +7723,7 @@
                 </a:solidFill>
               </a:defRPr>
             </a:lvl7pPr>
-            <a:lvl8pPr indent="-317500" lvl="7" marL="3657600">
+            <a:lvl8pPr marL="3657600" lvl="7" indent="-317500">
               <a:lnSpc>
                 <a:spcPct val="115000"/>
               </a:lnSpc>
@@ -7483,7 +7744,7 @@
                 </a:solidFill>
               </a:defRPr>
             </a:lvl8pPr>
-            <a:lvl9pPr indent="-317500" lvl="8" marL="4114800">
+            <a:lvl9pPr marL="4114800" lvl="8" indent="-317500">
               <a:lnSpc>
                 <a:spcPct val="115000"/>
               </a:lnSpc>
@@ -7505,15 +7766,19 @@
               </a:defRPr>
             </a:lvl9pPr>
           </a:lstStyle>
-          <a:p/>
+          <a:p>
+            <a:endParaRPr/>
+          </a:p>
         </p:txBody>
       </p:sp>
       <p:sp>
         <p:nvSpPr>
           <p:cNvPr id="8" name="Google Shape;8;p1"/>
-          <p:cNvSpPr txBox="1"/>
+          <p:cNvSpPr txBox="1">
+            <a:spLocks noGrp="1"/>
+          </p:cNvSpPr>
           <p:nvPr>
-            <p:ph idx="12" type="sldNum"/>
+            <p:ph type="sldNum" idx="12"/>
           </p:nvPr>
         </p:nvSpPr>
         <p:spPr>
@@ -7530,7 +7795,7 @@
           </a:ln>
         </p:spPr>
         <p:txBody>
-          <a:bodyPr anchorCtr="0" anchor="ctr" bIns="91425" lIns="91425" spcFirstLastPara="1" rIns="91425" wrap="square" tIns="91425">
+          <a:bodyPr spcFirstLastPara="1" wrap="square" lIns="91425" tIns="91425" rIns="91425" bIns="91425" anchor="ctr" anchorCtr="0">
             <a:normAutofit/>
           </a:bodyPr>
           <a:lstStyle>
@@ -7608,7 +7873,7 @@
             </a:lvl9pPr>
           </a:lstStyle>
           <a:p>
-            <a:pPr indent="0" lvl="0" marL="0" rtl="0" algn="r">
+            <a:pPr marL="0" lvl="0" indent="0" algn="r" rtl="0">
               <a:spcBef>
                 <a:spcPts val="0"/>
               </a:spcBef>
@@ -7627,7 +7892,7 @@
       </p:sp>
     </p:spTree>
   </p:cSld>
-  <p:clrMap accent1="accent1" accent2="accent2" accent3="accent3" accent4="accent4" accent5="accent5" accent6="accent6" bg1="lt1" bg2="dk2" tx1="dk1" tx2="lt2" folHlink="folHlink" hlink="hlink"/>
+  <p:clrMap bg1="lt1" tx1="dk1" bg2="dk2" tx2="lt2" accent1="accent1" accent2="accent2" accent3="accent3" accent4="accent4" accent5="accent5" accent6="accent6" hlink="hlink" folHlink="folHlink"/>
   <p:sldLayoutIdLst>
     <p:sldLayoutId id="2147483648" r:id="rId1"/>
     <p:sldLayoutId id="2147483649" r:id="rId2"/>
@@ -7641,10 +7906,10 @@
     <p:sldLayoutId id="2147483657" r:id="rId10"/>
     <p:sldLayoutId id="2147483658" r:id="rId11"/>
   </p:sldLayoutIdLst>
-  <p:hf dt="0" ftr="0" hdr="0" sldNum="0"/>
+  <p:hf sldNum="0" hdr="0" ftr="0" dt="0"/>
   <p:txStyles>
     <p:titleStyle>
-      <a:defPPr lvl="0" marR="0" rtl="0" algn="l">
+      <a:defPPr marR="0" lvl="0" algn="l" rtl="0">
         <a:lnSpc>
           <a:spcPct val="100000"/>
         </a:lnSpc>
@@ -7655,7 +7920,7 @@
           <a:spcPts val="0"/>
         </a:spcAft>
       </a:defPPr>
-      <a:lvl1pPr lvl="0" marR="0" rtl="0" algn="l">
+      <a:lvl1pPr marR="0" lvl="0" algn="l" rtl="0">
         <a:lnSpc>
           <a:spcPct val="100000"/>
         </a:lnSpc>
@@ -7669,7 +7934,7 @@
           <a:srgbClr val="000000"/>
         </a:buClr>
         <a:buFont typeface="Arial"/>
-        <a:defRPr b="0" i="0" sz="1400" u="none" cap="none" strike="noStrike">
+        <a:defRPr sz="1400" b="0" i="0" u="none" strike="noStrike" cap="none">
           <a:solidFill>
             <a:srgbClr val="000000"/>
           </a:solidFill>
@@ -7679,7 +7944,7 @@
           <a:sym typeface="Arial"/>
         </a:defRPr>
       </a:lvl1pPr>
-      <a:lvl2pPr lvl="1" marR="0" rtl="0" algn="l">
+      <a:lvl2pPr marR="0" lvl="1" algn="l" rtl="0">
         <a:lnSpc>
           <a:spcPct val="100000"/>
         </a:lnSpc>
@@ -7693,7 +7958,7 @@
           <a:srgbClr val="000000"/>
         </a:buClr>
         <a:buFont typeface="Arial"/>
-        <a:defRPr b="0" i="0" sz="1400" u="none" cap="none" strike="noStrike">
+        <a:defRPr sz="1400" b="0" i="0" u="none" strike="noStrike" cap="none">
           <a:solidFill>
             <a:srgbClr val="000000"/>
           </a:solidFill>
@@ -7703,7 +7968,7 @@
           <a:sym typeface="Arial"/>
         </a:defRPr>
       </a:lvl2pPr>
-      <a:lvl3pPr lvl="2" marR="0" rtl="0" algn="l">
+      <a:lvl3pPr marR="0" lvl="2" algn="l" rtl="0">
         <a:lnSpc>
           <a:spcPct val="100000"/>
         </a:lnSpc>
@@ -7717,7 +7982,7 @@
           <a:srgbClr val="000000"/>
         </a:buClr>
         <a:buFont typeface="Arial"/>
-        <a:defRPr b="0" i="0" sz="1400" u="none" cap="none" strike="noStrike">
+        <a:defRPr sz="1400" b="0" i="0" u="none" strike="noStrike" cap="none">
           <a:solidFill>
             <a:srgbClr val="000000"/>
           </a:solidFill>
@@ -7727,7 +7992,7 @@
           <a:sym typeface="Arial"/>
         </a:defRPr>
       </a:lvl3pPr>
-      <a:lvl4pPr lvl="3" marR="0" rtl="0" algn="l">
+      <a:lvl4pPr marR="0" lvl="3" algn="l" rtl="0">
         <a:lnSpc>
           <a:spcPct val="100000"/>
         </a:lnSpc>
@@ -7741,7 +8006,7 @@
           <a:srgbClr val="000000"/>
         </a:buClr>
         <a:buFont typeface="Arial"/>
-        <a:defRPr b="0" i="0" sz="1400" u="none" cap="none" strike="noStrike">
+        <a:defRPr sz="1400" b="0" i="0" u="none" strike="noStrike" cap="none">
           <a:solidFill>
             <a:srgbClr val="000000"/>
           </a:solidFill>
@@ -7751,7 +8016,7 @@
           <a:sym typeface="Arial"/>
         </a:defRPr>
       </a:lvl4pPr>
-      <a:lvl5pPr lvl="4" marR="0" rtl="0" algn="l">
+      <a:lvl5pPr marR="0" lvl="4" algn="l" rtl="0">
         <a:lnSpc>
           <a:spcPct val="100000"/>
         </a:lnSpc>
@@ -7765,7 +8030,7 @@
           <a:srgbClr val="000000"/>
         </a:buClr>
         <a:buFont typeface="Arial"/>
-        <a:defRPr b="0" i="0" sz="1400" u="none" cap="none" strike="noStrike">
+        <a:defRPr sz="1400" b="0" i="0" u="none" strike="noStrike" cap="none">
           <a:solidFill>
             <a:srgbClr val="000000"/>
           </a:solidFill>
@@ -7775,7 +8040,7 @@
           <a:sym typeface="Arial"/>
         </a:defRPr>
       </a:lvl5pPr>
-      <a:lvl6pPr lvl="5" marR="0" rtl="0" algn="l">
+      <a:lvl6pPr marR="0" lvl="5" algn="l" rtl="0">
         <a:lnSpc>
           <a:spcPct val="100000"/>
         </a:lnSpc>
@@ -7789,7 +8054,7 @@
           <a:srgbClr val="000000"/>
         </a:buClr>
         <a:buFont typeface="Arial"/>
-        <a:defRPr b="0" i="0" sz="1400" u="none" cap="none" strike="noStrike">
+        <a:defRPr sz="1400" b="0" i="0" u="none" strike="noStrike" cap="none">
           <a:solidFill>
             <a:srgbClr val="000000"/>
           </a:solidFill>
@@ -7799,7 +8064,7 @@
           <a:sym typeface="Arial"/>
         </a:defRPr>
       </a:lvl6pPr>
-      <a:lvl7pPr lvl="6" marR="0" rtl="0" algn="l">
+      <a:lvl7pPr marR="0" lvl="6" algn="l" rtl="0">
         <a:lnSpc>
           <a:spcPct val="100000"/>
         </a:lnSpc>
@@ -7813,7 +8078,7 @@
           <a:srgbClr val="000000"/>
         </a:buClr>
         <a:buFont typeface="Arial"/>
-        <a:defRPr b="0" i="0" sz="1400" u="none" cap="none" strike="noStrike">
+        <a:defRPr sz="1400" b="0" i="0" u="none" strike="noStrike" cap="none">
           <a:solidFill>
             <a:srgbClr val="000000"/>
           </a:solidFill>
@@ -7823,7 +8088,7 @@
           <a:sym typeface="Arial"/>
         </a:defRPr>
       </a:lvl7pPr>
-      <a:lvl8pPr lvl="7" marR="0" rtl="0" algn="l">
+      <a:lvl8pPr marR="0" lvl="7" algn="l" rtl="0">
         <a:lnSpc>
           <a:spcPct val="100000"/>
         </a:lnSpc>
@@ -7837,7 +8102,7 @@
           <a:srgbClr val="000000"/>
         </a:buClr>
         <a:buFont typeface="Arial"/>
-        <a:defRPr b="0" i="0" sz="1400" u="none" cap="none" strike="noStrike">
+        <a:defRPr sz="1400" b="0" i="0" u="none" strike="noStrike" cap="none">
           <a:solidFill>
             <a:srgbClr val="000000"/>
           </a:solidFill>
@@ -7847,7 +8112,7 @@
           <a:sym typeface="Arial"/>
         </a:defRPr>
       </a:lvl8pPr>
-      <a:lvl9pPr lvl="8" marR="0" rtl="0" algn="l">
+      <a:lvl9pPr marR="0" lvl="8" algn="l" rtl="0">
         <a:lnSpc>
           <a:spcPct val="100000"/>
         </a:lnSpc>
@@ -7861,7 +8126,7 @@
           <a:srgbClr val="000000"/>
         </a:buClr>
         <a:buFont typeface="Arial"/>
-        <a:defRPr b="0" i="0" sz="1400" u="none" cap="none" strike="noStrike">
+        <a:defRPr sz="1400" b="0" i="0" u="none" strike="noStrike" cap="none">
           <a:solidFill>
             <a:srgbClr val="000000"/>
           </a:solidFill>
@@ -7873,7 +8138,7 @@
       </a:lvl9pPr>
     </p:titleStyle>
     <p:bodyStyle>
-      <a:defPPr lvl="0" marR="0" rtl="0" algn="l">
+      <a:defPPr marR="0" lvl="0" algn="l" rtl="0">
         <a:lnSpc>
           <a:spcPct val="100000"/>
         </a:lnSpc>
@@ -7884,7 +8149,7 @@
           <a:spcPts val="0"/>
         </a:spcAft>
       </a:defPPr>
-      <a:lvl1pPr lvl="0" marR="0" rtl="0" algn="l">
+      <a:lvl1pPr marR="0" lvl="0" algn="l" rtl="0">
         <a:lnSpc>
           <a:spcPct val="100000"/>
         </a:lnSpc>
@@ -7898,7 +8163,7 @@
           <a:srgbClr val="000000"/>
         </a:buClr>
         <a:buFont typeface="Arial"/>
-        <a:defRPr b="0" i="0" sz="1400" u="none" cap="none" strike="noStrike">
+        <a:defRPr sz="1400" b="0" i="0" u="none" strike="noStrike" cap="none">
           <a:solidFill>
             <a:srgbClr val="000000"/>
           </a:solidFill>
@@ -7908,7 +8173,7 @@
           <a:sym typeface="Arial"/>
         </a:defRPr>
       </a:lvl1pPr>
-      <a:lvl2pPr lvl="1" marR="0" rtl="0" algn="l">
+      <a:lvl2pPr marR="0" lvl="1" algn="l" rtl="0">
         <a:lnSpc>
           <a:spcPct val="100000"/>
         </a:lnSpc>
@@ -7922,7 +8187,7 @@
           <a:srgbClr val="000000"/>
         </a:buClr>
         <a:buFont typeface="Arial"/>
-        <a:defRPr b="0" i="0" sz="1400" u="none" cap="none" strike="noStrike">
+        <a:defRPr sz="1400" b="0" i="0" u="none" strike="noStrike" cap="none">
           <a:solidFill>
             <a:srgbClr val="000000"/>
           </a:solidFill>
@@ -7932,7 +8197,7 @@
           <a:sym typeface="Arial"/>
         </a:defRPr>
       </a:lvl2pPr>
-      <a:lvl3pPr lvl="2" marR="0" rtl="0" algn="l">
+      <a:lvl3pPr marR="0" lvl="2" algn="l" rtl="0">
         <a:lnSpc>
           <a:spcPct val="100000"/>
         </a:lnSpc>
@@ -7946,7 +8211,7 @@
           <a:srgbClr val="000000"/>
         </a:buClr>
         <a:buFont typeface="Arial"/>
-        <a:defRPr b="0" i="0" sz="1400" u="none" cap="none" strike="noStrike">
+        <a:defRPr sz="1400" b="0" i="0" u="none" strike="noStrike" cap="none">
           <a:solidFill>
             <a:srgbClr val="000000"/>
           </a:solidFill>
@@ -7956,7 +8221,7 @@
           <a:sym typeface="Arial"/>
         </a:defRPr>
       </a:lvl3pPr>
-      <a:lvl4pPr lvl="3" marR="0" rtl="0" algn="l">
+      <a:lvl4pPr marR="0" lvl="3" algn="l" rtl="0">
         <a:lnSpc>
           <a:spcPct val="100000"/>
         </a:lnSpc>
@@ -7970,7 +8235,7 @@
           <a:srgbClr val="000000"/>
         </a:buClr>
         <a:buFont typeface="Arial"/>
-        <a:defRPr b="0" i="0" sz="1400" u="none" cap="none" strike="noStrike">
+        <a:defRPr sz="1400" b="0" i="0" u="none" strike="noStrike" cap="none">
           <a:solidFill>
             <a:srgbClr val="000000"/>
           </a:solidFill>
@@ -7980,7 +8245,7 @@
           <a:sym typeface="Arial"/>
         </a:defRPr>
       </a:lvl4pPr>
-      <a:lvl5pPr lvl="4" marR="0" rtl="0" algn="l">
+      <a:lvl5pPr marR="0" lvl="4" algn="l" rtl="0">
         <a:lnSpc>
           <a:spcPct val="100000"/>
         </a:lnSpc>
@@ -7994,7 +8259,7 @@
           <a:srgbClr val="000000"/>
         </a:buClr>
         <a:buFont typeface="Arial"/>
-        <a:defRPr b="0" i="0" sz="1400" u="none" cap="none" strike="noStrike">
+        <a:defRPr sz="1400" b="0" i="0" u="none" strike="noStrike" cap="none">
           <a:solidFill>
             <a:srgbClr val="000000"/>
           </a:solidFill>
@@ -8004,7 +8269,7 @@
           <a:sym typeface="Arial"/>
         </a:defRPr>
       </a:lvl5pPr>
-      <a:lvl6pPr lvl="5" marR="0" rtl="0" algn="l">
+      <a:lvl6pPr marR="0" lvl="5" algn="l" rtl="0">
         <a:lnSpc>
           <a:spcPct val="100000"/>
         </a:lnSpc>
@@ -8018,7 +8283,7 @@
           <a:srgbClr val="000000"/>
         </a:buClr>
         <a:buFont typeface="Arial"/>
-        <a:defRPr b="0" i="0" sz="1400" u="none" cap="none" strike="noStrike">
+        <a:defRPr sz="1400" b="0" i="0" u="none" strike="noStrike" cap="none">
           <a:solidFill>
             <a:srgbClr val="000000"/>
           </a:solidFill>
@@ -8028,7 +8293,7 @@
           <a:sym typeface="Arial"/>
         </a:defRPr>
       </a:lvl6pPr>
-      <a:lvl7pPr lvl="6" marR="0" rtl="0" algn="l">
+      <a:lvl7pPr marR="0" lvl="6" algn="l" rtl="0">
         <a:lnSpc>
           <a:spcPct val="100000"/>
         </a:lnSpc>
@@ -8042,7 +8307,7 @@
           <a:srgbClr val="000000"/>
         </a:buClr>
         <a:buFont typeface="Arial"/>
-        <a:defRPr b="0" i="0" sz="1400" u="none" cap="none" strike="noStrike">
+        <a:defRPr sz="1400" b="0" i="0" u="none" strike="noStrike" cap="none">
           <a:solidFill>
             <a:srgbClr val="000000"/>
           </a:solidFill>
@@ -8052,7 +8317,7 @@
           <a:sym typeface="Arial"/>
         </a:defRPr>
       </a:lvl7pPr>
-      <a:lvl8pPr lvl="7" marR="0" rtl="0" algn="l">
+      <a:lvl8pPr marR="0" lvl="7" algn="l" rtl="0">
         <a:lnSpc>
           <a:spcPct val="100000"/>
         </a:lnSpc>
@@ -8066,7 +8331,7 @@
           <a:srgbClr val="000000"/>
         </a:buClr>
         <a:buFont typeface="Arial"/>
-        <a:defRPr b="0" i="0" sz="1400" u="none" cap="none" strike="noStrike">
+        <a:defRPr sz="1400" b="0" i="0" u="none" strike="noStrike" cap="none">
           <a:solidFill>
             <a:srgbClr val="000000"/>
           </a:solidFill>
@@ -8076,7 +8341,7 @@
           <a:sym typeface="Arial"/>
         </a:defRPr>
       </a:lvl8pPr>
-      <a:lvl9pPr lvl="8" marR="0" rtl="0" algn="l">
+      <a:lvl9pPr marR="0" lvl="8" algn="l" rtl="0">
         <a:lnSpc>
           <a:spcPct val="100000"/>
         </a:lnSpc>
@@ -8090,7 +8355,7 @@
           <a:srgbClr val="000000"/>
         </a:buClr>
         <a:buFont typeface="Arial"/>
-        <a:defRPr b="0" i="0" sz="1400" u="none" cap="none" strike="noStrike">
+        <a:defRPr sz="1400" b="0" i="0" u="none" strike="noStrike" cap="none">
           <a:solidFill>
             <a:srgbClr val="000000"/>
           </a:solidFill>
@@ -8102,7 +8367,7 @@
       </a:lvl9pPr>
     </p:bodyStyle>
     <p:otherStyle>
-      <a:defPPr lvl="0" marR="0" rtl="0" algn="l">
+      <a:defPPr marR="0" lvl="0" algn="l" rtl="0">
         <a:lnSpc>
           <a:spcPct val="100000"/>
         </a:lnSpc>
@@ -8113,7 +8378,7 @@
           <a:spcPts val="0"/>
         </a:spcAft>
       </a:defPPr>
-      <a:lvl1pPr lvl="0" marR="0" rtl="0" algn="l">
+      <a:lvl1pPr marR="0" lvl="0" algn="l" rtl="0">
         <a:lnSpc>
           <a:spcPct val="100000"/>
         </a:lnSpc>
@@ -8127,7 +8392,7 @@
           <a:srgbClr val="000000"/>
         </a:buClr>
         <a:buFont typeface="Arial"/>
-        <a:defRPr b="0" i="0" sz="1400" u="none" cap="none" strike="noStrike">
+        <a:defRPr sz="1400" b="0" i="0" u="none" strike="noStrike" cap="none">
           <a:solidFill>
             <a:srgbClr val="000000"/>
           </a:solidFill>
@@ -8137,7 +8402,7 @@
           <a:sym typeface="Arial"/>
         </a:defRPr>
       </a:lvl1pPr>
-      <a:lvl2pPr lvl="1" marR="0" rtl="0" algn="l">
+      <a:lvl2pPr marR="0" lvl="1" algn="l" rtl="0">
         <a:lnSpc>
           <a:spcPct val="100000"/>
         </a:lnSpc>
@@ -8151,7 +8416,7 @@
           <a:srgbClr val="000000"/>
         </a:buClr>
         <a:buFont typeface="Arial"/>
-        <a:defRPr b="0" i="0" sz="1400" u="none" cap="none" strike="noStrike">
+        <a:defRPr sz="1400" b="0" i="0" u="none" strike="noStrike" cap="none">
           <a:solidFill>
             <a:srgbClr val="000000"/>
           </a:solidFill>
@@ -8161,7 +8426,7 @@
           <a:sym typeface="Arial"/>
         </a:defRPr>
       </a:lvl2pPr>
-      <a:lvl3pPr lvl="2" marR="0" rtl="0" algn="l">
+      <a:lvl3pPr marR="0" lvl="2" algn="l" rtl="0">
         <a:lnSpc>
           <a:spcPct val="100000"/>
         </a:lnSpc>
@@ -8175,7 +8440,7 @@
           <a:srgbClr val="000000"/>
         </a:buClr>
         <a:buFont typeface="Arial"/>
-        <a:defRPr b="0" i="0" sz="1400" u="none" cap="none" strike="noStrike">
+        <a:defRPr sz="1400" b="0" i="0" u="none" strike="noStrike" cap="none">
           <a:solidFill>
             <a:srgbClr val="000000"/>
           </a:solidFill>
@@ -8185,7 +8450,7 @@
           <a:sym typeface="Arial"/>
         </a:defRPr>
       </a:lvl3pPr>
-      <a:lvl4pPr lvl="3" marR="0" rtl="0" algn="l">
+      <a:lvl4pPr marR="0" lvl="3" algn="l" rtl="0">
         <a:lnSpc>
           <a:spcPct val="100000"/>
         </a:lnSpc>
@@ -8199,7 +8464,7 @@
           <a:srgbClr val="000000"/>
         </a:buClr>
         <a:buFont typeface="Arial"/>
-        <a:defRPr b="0" i="0" sz="1400" u="none" cap="none" strike="noStrike">
+        <a:defRPr sz="1400" b="0" i="0" u="none" strike="noStrike" cap="none">
           <a:solidFill>
             <a:srgbClr val="000000"/>
           </a:solidFill>
@@ -8209,7 +8474,7 @@
           <a:sym typeface="Arial"/>
         </a:defRPr>
       </a:lvl4pPr>
-      <a:lvl5pPr lvl="4" marR="0" rtl="0" algn="l">
+      <a:lvl5pPr marR="0" lvl="4" algn="l" rtl="0">
         <a:lnSpc>
           <a:spcPct val="100000"/>
         </a:lnSpc>
@@ -8223,7 +8488,7 @@
           <a:srgbClr val="000000"/>
         </a:buClr>
         <a:buFont typeface="Arial"/>
-        <a:defRPr b="0" i="0" sz="1400" u="none" cap="none" strike="noStrike">
+        <a:defRPr sz="1400" b="0" i="0" u="none" strike="noStrike" cap="none">
           <a:solidFill>
             <a:srgbClr val="000000"/>
           </a:solidFill>
@@ -8233,7 +8498,7 @@
           <a:sym typeface="Arial"/>
         </a:defRPr>
       </a:lvl5pPr>
-      <a:lvl6pPr lvl="5" marR="0" rtl="0" algn="l">
+      <a:lvl6pPr marR="0" lvl="5" algn="l" rtl="0">
         <a:lnSpc>
           <a:spcPct val="100000"/>
         </a:lnSpc>
@@ -8247,7 +8512,7 @@
           <a:srgbClr val="000000"/>
         </a:buClr>
         <a:buFont typeface="Arial"/>
-        <a:defRPr b="0" i="0" sz="1400" u="none" cap="none" strike="noStrike">
+        <a:defRPr sz="1400" b="0" i="0" u="none" strike="noStrike" cap="none">
           <a:solidFill>
             <a:srgbClr val="000000"/>
           </a:solidFill>
@@ -8257,7 +8522,7 @@
           <a:sym typeface="Arial"/>
         </a:defRPr>
       </a:lvl6pPr>
-      <a:lvl7pPr lvl="6" marR="0" rtl="0" algn="l">
+      <a:lvl7pPr marR="0" lvl="6" algn="l" rtl="0">
         <a:lnSpc>
           <a:spcPct val="100000"/>
         </a:lnSpc>
@@ -8271,7 +8536,7 @@
           <a:srgbClr val="000000"/>
         </a:buClr>
         <a:buFont typeface="Arial"/>
-        <a:defRPr b="0" i="0" sz="1400" u="none" cap="none" strike="noStrike">
+        <a:defRPr sz="1400" b="0" i="0" u="none" strike="noStrike" cap="none">
           <a:solidFill>
             <a:srgbClr val="000000"/>
           </a:solidFill>
@@ -8281,7 +8546,7 @@
           <a:sym typeface="Arial"/>
         </a:defRPr>
       </a:lvl7pPr>
-      <a:lvl8pPr lvl="7" marR="0" rtl="0" algn="l">
+      <a:lvl8pPr marR="0" lvl="7" algn="l" rtl="0">
         <a:lnSpc>
           <a:spcPct val="100000"/>
         </a:lnSpc>
@@ -8295,7 +8560,7 @@
           <a:srgbClr val="000000"/>
         </a:buClr>
         <a:buFont typeface="Arial"/>
-        <a:defRPr b="0" i="0" sz="1400" u="none" cap="none" strike="noStrike">
+        <a:defRPr sz="1400" b="0" i="0" u="none" strike="noStrike" cap="none">
           <a:solidFill>
             <a:srgbClr val="000000"/>
           </a:solidFill>
@@ -8305,7 +8570,7 @@
           <a:sym typeface="Arial"/>
         </a:defRPr>
       </a:lvl8pPr>
-      <a:lvl9pPr lvl="8" marR="0" rtl="0" algn="l">
+      <a:lvl9pPr marR="0" lvl="8" algn="l" rtl="0">
         <a:lnSpc>
           <a:spcPct val="100000"/>
         </a:lnSpc>
@@ -8319,7 +8584,7 @@
           <a:srgbClr val="000000"/>
         </a:buClr>
         <a:buFont typeface="Arial"/>
-        <a:defRPr b="0" i="0" sz="1400" u="none" cap="none" strike="noStrike">
+        <a:defRPr sz="1400" b="0" i="0" u="none" strike="noStrike" cap="none">
           <a:solidFill>
             <a:srgbClr val="000000"/>
           </a:solidFill>
@@ -8335,11 +8600,11 @@
 </file>
 
 <file path=ppt/slides/slide1.xml><?xml version="1.0" encoding="utf-8"?>
-<p:sld xmlns:a="http://schemas.openxmlformats.org/drawingml/2006/main" xmlns:r="http://schemas.openxmlformats.org/officeDocument/2006/relationships" xmlns:mc="http://schemas.openxmlformats.org/markup-compatibility/2006" xmlns:mv="urn:schemas-microsoft-com:mac:vml" xmlns:p="http://schemas.openxmlformats.org/presentationml/2006/main" xmlns:c="http://schemas.openxmlformats.org/drawingml/2006/chart" xmlns:dgm="http://schemas.openxmlformats.org/drawingml/2006/diagram" xmlns:o="urn:schemas-microsoft-com:office:office" xmlns:v="urn:schemas-microsoft-com:vml" xmlns:pvml="urn:schemas-microsoft-com:office:powerpoint" xmlns:com="http://schemas.openxmlformats.org/drawingml/2006/compatibility" xmlns:p14="http://schemas.microsoft.com/office/powerpoint/2010/main" xmlns:p15="http://schemas.microsoft.com/office/powerpoint/2012/main" xmlns:ahyp="http://schemas.microsoft.com/office/drawing/2018/hyperlinkcolor">
+<p:sld xmlns:a="http://schemas.openxmlformats.org/drawingml/2006/main" xmlns:r="http://schemas.openxmlformats.org/officeDocument/2006/relationships" xmlns:p="http://schemas.openxmlformats.org/presentationml/2006/main">
   <p:cSld>
     <p:spTree>
       <p:nvGrpSpPr>
-        <p:cNvPr id="53" name="Shape 53"/>
+        <p:cNvPr id="1" name="Shape 53"/>
         <p:cNvGrpSpPr/>
         <p:nvPr/>
       </p:nvGrpSpPr>
@@ -8371,12 +8636,12 @@
           </a:ln>
         </p:spPr>
         <p:txBody>
-          <a:bodyPr anchorCtr="0" anchor="t" bIns="91425" lIns="91425" spcFirstLastPara="1" rIns="91425" wrap="square" tIns="91425">
+          <a:bodyPr spcFirstLastPara="1" wrap="square" lIns="91425" tIns="91425" rIns="91425" bIns="91425" anchor="t" anchorCtr="0">
             <a:noAutofit/>
           </a:bodyPr>
           <a:lstStyle/>
           <a:p>
-            <a:pPr indent="0" lvl="0" marL="0" rtl="0" algn="l">
+            <a:pPr marL="0" lvl="0" indent="0" algn="l" rtl="0">
               <a:spcBef>
                 <a:spcPts val="0"/>
               </a:spcBef>
@@ -8391,15 +8656,7 @@
                   <a:srgbClr val="4285F4"/>
                 </a:solidFill>
               </a:rPr>
-              <a:t>Presentor By: Senghour Me</a:t>
-            </a:r>
-            <a:r>
-              <a:rPr lang="en" sz="1900">
-                <a:solidFill>
-                  <a:srgbClr val="4285F4"/>
-                </a:solidFill>
-              </a:rPr>
-              <a:t>y</a:t>
+              <a:t>Presentor By: Senghour Mey</a:t>
             </a:r>
             <a:endParaRPr sz="1900">
               <a:solidFill>
@@ -8429,12 +8686,12 @@
           </a:ln>
         </p:spPr>
         <p:txBody>
-          <a:bodyPr anchorCtr="0" anchor="b" bIns="91425" lIns="91425" spcFirstLastPara="1" rIns="91425" wrap="square" tIns="91425">
+          <a:bodyPr spcFirstLastPara="1" wrap="square" lIns="91425" tIns="91425" rIns="91425" bIns="91425" anchor="b" anchorCtr="0">
             <a:noAutofit/>
           </a:bodyPr>
           <a:lstStyle/>
           <a:p>
-            <a:pPr indent="0" lvl="0" marL="0" rtl="0" algn="ctr">
+            <a:pPr marL="0" lvl="0" indent="0" algn="ctr" rtl="0">
               <a:spcBef>
                 <a:spcPts val="0"/>
               </a:spcBef>
@@ -8444,14 +8701,14 @@
               <a:buNone/>
             </a:pPr>
             <a:r>
-              <a:rPr b="1" lang="en" sz="3080">
+              <a:rPr lang="en" sz="3080" b="1" dirty="0">
                 <a:solidFill>
                   <a:srgbClr val="0000FF"/>
                 </a:solidFill>
               </a:rPr>
-              <a:t>Explore Data Analysis Car sale</a:t>
+              <a:t>Explore Data Analysis Car Price Prediction</a:t>
             </a:r>
-            <a:endParaRPr b="1" sz="3080">
+            <a:endParaRPr sz="3080" b="1" dirty="0">
               <a:solidFill>
                 <a:srgbClr val="0000FF"/>
               </a:solidFill>
@@ -8461,30 +8718,49 @@
       </p:sp>
       <p:pic>
         <p:nvPicPr>
-          <p:cNvPr id="56" name="Google Shape;56;p13"/>
-          <p:cNvPicPr preferRelativeResize="0"/>
+          <p:cNvPr id="1026" name="Picture 2" descr="car-price-prediction · GitHub Topics · GitHub">
+            <a:extLst>
+              <a:ext uri="{FF2B5EF4-FFF2-40B4-BE49-F238E27FC236}">
+                <a16:creationId xmlns:a16="http://schemas.microsoft.com/office/drawing/2014/main" id="{F45DE0C8-C88B-03B1-D832-A6CFEE3503FF}"/>
+              </a:ext>
+            </a:extLst>
+          </p:cNvPr>
+          <p:cNvPicPr>
+            <a:picLocks noChangeAspect="1" noChangeArrowheads="1"/>
+          </p:cNvPicPr>
           <p:nvPr/>
         </p:nvPicPr>
         <p:blipFill>
           <a:blip r:embed="rId3">
-            <a:alphaModFix/>
+            <a:extLst>
+              <a:ext uri="{28A0092B-C50C-407E-A947-70E740481C1C}">
+                <a14:useLocalDpi xmlns:a14="http://schemas.microsoft.com/office/drawing/2010/main" val="0"/>
+              </a:ext>
+            </a:extLst>
           </a:blip>
+          <a:srcRect/>
           <a:stretch>
             <a:fillRect/>
           </a:stretch>
         </p:blipFill>
-        <p:spPr>
-          <a:xfrm>
-            <a:off x="2408150" y="1805975"/>
-            <a:ext cx="4327686" cy="2435526"/>
+        <p:spPr bwMode="auto">
+          <a:xfrm>
+            <a:off x="1547924" y="1112151"/>
+            <a:ext cx="6454848" cy="3227424"/>
           </a:xfrm>
           <a:prstGeom prst="rect">
             <a:avLst/>
           </a:prstGeom>
           <a:noFill/>
-          <a:ln>
-            <a:noFill/>
-          </a:ln>
+          <a:extLst>
+            <a:ext uri="{909E8E84-426E-40DD-AFC4-6F175D3DCCD1}">
+              <a14:hiddenFill xmlns:a14="http://schemas.microsoft.com/office/drawing/2010/main">
+                <a:solidFill>
+                  <a:srgbClr val="FFFFFF"/>
+                </a:solidFill>
+              </a14:hiddenFill>
+            </a:ext>
+          </a:extLst>
         </p:spPr>
       </p:pic>
     </p:spTree>
@@ -8496,11 +8772,11 @@
 </file>
 
 <file path=ppt/slides/slide10.xml><?xml version="1.0" encoding="utf-8"?>
-<p:sld xmlns:a="http://schemas.openxmlformats.org/drawingml/2006/main" xmlns:r="http://schemas.openxmlformats.org/officeDocument/2006/relationships" xmlns:mc="http://schemas.openxmlformats.org/markup-compatibility/2006" xmlns:mv="urn:schemas-microsoft-com:mac:vml" xmlns:p="http://schemas.openxmlformats.org/presentationml/2006/main" xmlns:c="http://schemas.openxmlformats.org/drawingml/2006/chart" xmlns:dgm="http://schemas.openxmlformats.org/drawingml/2006/diagram" xmlns:o="urn:schemas-microsoft-com:office:office" xmlns:v="urn:schemas-microsoft-com:vml" xmlns:pvml="urn:schemas-microsoft-com:office:powerpoint" xmlns:com="http://schemas.openxmlformats.org/drawingml/2006/compatibility" xmlns:p14="http://schemas.microsoft.com/office/powerpoint/2010/main" xmlns:p15="http://schemas.microsoft.com/office/powerpoint/2012/main" xmlns:ahyp="http://schemas.microsoft.com/office/drawing/2018/hyperlinkcolor">
+<p:sld xmlns:a="http://schemas.openxmlformats.org/drawingml/2006/main" xmlns:r="http://schemas.openxmlformats.org/officeDocument/2006/relationships" xmlns:p="http://schemas.openxmlformats.org/presentationml/2006/main">
   <p:cSld>
     <p:spTree>
       <p:nvGrpSpPr>
-        <p:cNvPr id="124" name="Shape 124"/>
+        <p:cNvPr id="1" name="Shape 124"/>
         <p:cNvGrpSpPr/>
         <p:nvPr/>
       </p:nvGrpSpPr>
@@ -8515,7 +8791,9 @@
       <p:sp>
         <p:nvSpPr>
           <p:cNvPr id="125" name="Google Shape;125;p22"/>
-          <p:cNvSpPr txBox="1"/>
+          <p:cNvSpPr txBox="1">
+            <a:spLocks noGrp="1"/>
+          </p:cNvSpPr>
           <p:nvPr>
             <p:ph type="title"/>
           </p:nvPr>
@@ -8530,12 +8808,12 @@
           </a:prstGeom>
         </p:spPr>
         <p:txBody>
-          <a:bodyPr anchorCtr="0" anchor="t" bIns="91425" lIns="91425" spcFirstLastPara="1" rIns="91425" wrap="square" tIns="91425">
+          <a:bodyPr spcFirstLastPara="1" wrap="square" lIns="91425" tIns="91425" rIns="91425" bIns="91425" anchor="t" anchorCtr="0">
             <a:normAutofit fontScale="90000"/>
           </a:bodyPr>
           <a:lstStyle/>
           <a:p>
-            <a:pPr indent="0" lvl="0" marL="0" rtl="0" algn="l">
+            <a:pPr marL="0" lvl="0" indent="0" algn="l" rtl="0">
               <a:spcBef>
                 <a:spcPts val="0"/>
               </a:spcBef>
@@ -8545,7 +8823,7 @@
               <a:buNone/>
             </a:pPr>
             <a:r>
-              <a:rPr b="1" lang="en">
+              <a:rPr lang="en" b="1">
                 <a:solidFill>
                   <a:srgbClr val="0000FF"/>
                 </a:solidFill>
@@ -8597,11 +8875,11 @@
 </file>
 
 <file path=ppt/slides/slide11.xml><?xml version="1.0" encoding="utf-8"?>
-<p:sld xmlns:a="http://schemas.openxmlformats.org/drawingml/2006/main" xmlns:r="http://schemas.openxmlformats.org/officeDocument/2006/relationships" xmlns:mc="http://schemas.openxmlformats.org/markup-compatibility/2006" xmlns:mv="urn:schemas-microsoft-com:mac:vml" xmlns:p="http://schemas.openxmlformats.org/presentationml/2006/main" xmlns:c="http://schemas.openxmlformats.org/drawingml/2006/chart" xmlns:dgm="http://schemas.openxmlformats.org/drawingml/2006/diagram" xmlns:o="urn:schemas-microsoft-com:office:office" xmlns:v="urn:schemas-microsoft-com:vml" xmlns:pvml="urn:schemas-microsoft-com:office:powerpoint" xmlns:com="http://schemas.openxmlformats.org/drawingml/2006/compatibility" xmlns:p14="http://schemas.microsoft.com/office/powerpoint/2010/main" xmlns:p15="http://schemas.microsoft.com/office/powerpoint/2012/main" xmlns:ahyp="http://schemas.microsoft.com/office/drawing/2018/hyperlinkcolor">
+<p:sld xmlns:a="http://schemas.openxmlformats.org/drawingml/2006/main" xmlns:r="http://schemas.openxmlformats.org/officeDocument/2006/relationships" xmlns:p="http://schemas.openxmlformats.org/presentationml/2006/main">
   <p:cSld>
     <p:spTree>
       <p:nvGrpSpPr>
-        <p:cNvPr id="130" name="Shape 130"/>
+        <p:cNvPr id="1" name="Shape 130"/>
         <p:cNvGrpSpPr/>
         <p:nvPr/>
       </p:nvGrpSpPr>
@@ -8616,7 +8894,9 @@
       <p:sp>
         <p:nvSpPr>
           <p:cNvPr id="131" name="Google Shape;131;p23"/>
-          <p:cNvSpPr txBox="1"/>
+          <p:cNvSpPr txBox="1">
+            <a:spLocks noGrp="1"/>
+          </p:cNvSpPr>
           <p:nvPr>
             <p:ph type="title"/>
           </p:nvPr>
@@ -8631,12 +8911,12 @@
           </a:prstGeom>
         </p:spPr>
         <p:txBody>
-          <a:bodyPr anchorCtr="0" anchor="t" bIns="91425" lIns="91425" spcFirstLastPara="1" rIns="91425" wrap="square" tIns="91425">
+          <a:bodyPr spcFirstLastPara="1" wrap="square" lIns="91425" tIns="91425" rIns="91425" bIns="91425" anchor="t" anchorCtr="0">
             <a:normAutofit fontScale="90000"/>
           </a:bodyPr>
           <a:lstStyle/>
           <a:p>
-            <a:pPr indent="0" lvl="0" marL="0" rtl="0" algn="l">
+            <a:pPr marL="0" lvl="0" indent="0" algn="l" rtl="0">
               <a:spcBef>
                 <a:spcPts val="0"/>
               </a:spcBef>
@@ -8646,7 +8926,7 @@
               <a:buNone/>
             </a:pPr>
             <a:r>
-              <a:rPr b="1" lang="en">
+              <a:rPr lang="en" b="1">
                 <a:solidFill>
                   <a:srgbClr val="0000FF"/>
                 </a:solidFill>
@@ -8698,11 +8978,11 @@
 </file>
 
 <file path=ppt/slides/slide12.xml><?xml version="1.0" encoding="utf-8"?>
-<p:sld xmlns:a="http://schemas.openxmlformats.org/drawingml/2006/main" xmlns:r="http://schemas.openxmlformats.org/officeDocument/2006/relationships" xmlns:mc="http://schemas.openxmlformats.org/markup-compatibility/2006" xmlns:mv="urn:schemas-microsoft-com:mac:vml" xmlns:p="http://schemas.openxmlformats.org/presentationml/2006/main" xmlns:c="http://schemas.openxmlformats.org/drawingml/2006/chart" xmlns:dgm="http://schemas.openxmlformats.org/drawingml/2006/diagram" xmlns:o="urn:schemas-microsoft-com:office:office" xmlns:v="urn:schemas-microsoft-com:vml" xmlns:pvml="urn:schemas-microsoft-com:office:powerpoint" xmlns:com="http://schemas.openxmlformats.org/drawingml/2006/compatibility" xmlns:p14="http://schemas.microsoft.com/office/powerpoint/2010/main" xmlns:p15="http://schemas.microsoft.com/office/powerpoint/2012/main" xmlns:ahyp="http://schemas.microsoft.com/office/drawing/2018/hyperlinkcolor">
+<p:sld xmlns:a="http://schemas.openxmlformats.org/drawingml/2006/main" xmlns:r="http://schemas.openxmlformats.org/officeDocument/2006/relationships" xmlns:p="http://schemas.openxmlformats.org/presentationml/2006/main">
   <p:cSld>
     <p:spTree>
       <p:nvGrpSpPr>
-        <p:cNvPr id="136" name="Shape 136"/>
+        <p:cNvPr id="1" name="Shape 136"/>
         <p:cNvGrpSpPr/>
         <p:nvPr/>
       </p:nvGrpSpPr>
@@ -8745,9 +9025,11 @@
       <p:sp>
         <p:nvSpPr>
           <p:cNvPr id="138" name="Google Shape;138;p24"/>
-          <p:cNvSpPr txBox="1"/>
+          <p:cNvSpPr txBox="1">
+            <a:spLocks noGrp="1"/>
+          </p:cNvSpPr>
           <p:nvPr>
-            <p:ph idx="4294967295" type="title"/>
+            <p:ph type="title" idx="4294967295"/>
           </p:nvPr>
         </p:nvSpPr>
         <p:spPr>
@@ -8760,12 +9042,12 @@
           </a:prstGeom>
         </p:spPr>
         <p:txBody>
-          <a:bodyPr anchorCtr="0" anchor="t" bIns="91425" lIns="91425" spcFirstLastPara="1" rIns="91425" wrap="square" tIns="91425">
+          <a:bodyPr spcFirstLastPara="1" wrap="square" lIns="91425" tIns="91425" rIns="91425" bIns="91425" anchor="t" anchorCtr="0">
             <a:normAutofit fontScale="90000"/>
           </a:bodyPr>
           <a:lstStyle/>
           <a:p>
-            <a:pPr indent="0" lvl="0" marL="0" rtl="0" algn="l">
+            <a:pPr marL="0" lvl="0" indent="0" algn="l" rtl="0">
               <a:spcBef>
                 <a:spcPts val="0"/>
               </a:spcBef>
@@ -8775,7 +9057,7 @@
               <a:buNone/>
             </a:pPr>
             <a:r>
-              <a:rPr b="1" lang="en">
+              <a:rPr lang="en" b="1">
                 <a:solidFill>
                   <a:srgbClr val="0000FF"/>
                 </a:solidFill>
@@ -8799,11 +9081,11 @@
 </file>
 
 <file path=ppt/slides/slide13.xml><?xml version="1.0" encoding="utf-8"?>
-<p:sld xmlns:a="http://schemas.openxmlformats.org/drawingml/2006/main" xmlns:r="http://schemas.openxmlformats.org/officeDocument/2006/relationships" xmlns:mc="http://schemas.openxmlformats.org/markup-compatibility/2006" xmlns:mv="urn:schemas-microsoft-com:mac:vml" xmlns:p="http://schemas.openxmlformats.org/presentationml/2006/main" xmlns:c="http://schemas.openxmlformats.org/drawingml/2006/chart" xmlns:dgm="http://schemas.openxmlformats.org/drawingml/2006/diagram" xmlns:o="urn:schemas-microsoft-com:office:office" xmlns:v="urn:schemas-microsoft-com:vml" xmlns:pvml="urn:schemas-microsoft-com:office:powerpoint" xmlns:com="http://schemas.openxmlformats.org/drawingml/2006/compatibility" xmlns:p14="http://schemas.microsoft.com/office/powerpoint/2010/main" xmlns:p15="http://schemas.microsoft.com/office/powerpoint/2012/main" xmlns:ahyp="http://schemas.microsoft.com/office/drawing/2018/hyperlinkcolor">
+<p:sld xmlns:a="http://schemas.openxmlformats.org/drawingml/2006/main" xmlns:r="http://schemas.openxmlformats.org/officeDocument/2006/relationships" xmlns:p="http://schemas.openxmlformats.org/presentationml/2006/main">
   <p:cSld>
     <p:spTree>
       <p:nvGrpSpPr>
-        <p:cNvPr id="142" name="Shape 142"/>
+        <p:cNvPr id="1" name="Shape 142"/>
         <p:cNvGrpSpPr/>
         <p:nvPr/>
       </p:nvGrpSpPr>
@@ -8818,7 +9100,9 @@
       <p:sp>
         <p:nvSpPr>
           <p:cNvPr id="143" name="Google Shape;143;p25"/>
-          <p:cNvSpPr txBox="1"/>
+          <p:cNvSpPr txBox="1">
+            <a:spLocks noGrp="1"/>
+          </p:cNvSpPr>
           <p:nvPr>
             <p:ph type="title"/>
           </p:nvPr>
@@ -8833,12 +9117,12 @@
           </a:prstGeom>
         </p:spPr>
         <p:txBody>
-          <a:bodyPr anchorCtr="0" anchor="t" bIns="91425" lIns="91425" spcFirstLastPara="1" rIns="91425" wrap="square" tIns="91425">
+          <a:bodyPr spcFirstLastPara="1" wrap="square" lIns="91425" tIns="91425" rIns="91425" bIns="91425" anchor="t" anchorCtr="0">
             <a:normAutofit fontScale="90000"/>
           </a:bodyPr>
           <a:lstStyle/>
           <a:p>
-            <a:pPr indent="0" lvl="0" marL="0" rtl="0" algn="l">
+            <a:pPr marL="0" lvl="0" indent="0" algn="l" rtl="0">
               <a:spcBef>
                 <a:spcPts val="0"/>
               </a:spcBef>
@@ -8848,7 +9132,7 @@
               <a:buNone/>
             </a:pPr>
             <a:r>
-              <a:rPr b="1" lang="en">
+              <a:rPr lang="en" b="1">
                 <a:solidFill>
                   <a:srgbClr val="0000FF"/>
                 </a:solidFill>
@@ -8900,11 +9184,11 @@
 </file>
 
 <file path=ppt/slides/slide14.xml><?xml version="1.0" encoding="utf-8"?>
-<p:sld xmlns:a="http://schemas.openxmlformats.org/drawingml/2006/main" xmlns:r="http://schemas.openxmlformats.org/officeDocument/2006/relationships" xmlns:mc="http://schemas.openxmlformats.org/markup-compatibility/2006" xmlns:mv="urn:schemas-microsoft-com:mac:vml" xmlns:p="http://schemas.openxmlformats.org/presentationml/2006/main" xmlns:c="http://schemas.openxmlformats.org/drawingml/2006/chart" xmlns:dgm="http://schemas.openxmlformats.org/drawingml/2006/diagram" xmlns:o="urn:schemas-microsoft-com:office:office" xmlns:v="urn:schemas-microsoft-com:vml" xmlns:pvml="urn:schemas-microsoft-com:office:powerpoint" xmlns:com="http://schemas.openxmlformats.org/drawingml/2006/compatibility" xmlns:p14="http://schemas.microsoft.com/office/powerpoint/2010/main" xmlns:p15="http://schemas.microsoft.com/office/powerpoint/2012/main" xmlns:ahyp="http://schemas.microsoft.com/office/drawing/2018/hyperlinkcolor">
+<p:sld xmlns:a="http://schemas.openxmlformats.org/drawingml/2006/main" xmlns:r="http://schemas.openxmlformats.org/officeDocument/2006/relationships" xmlns:p="http://schemas.openxmlformats.org/presentationml/2006/main">
   <p:cSld>
     <p:spTree>
       <p:nvGrpSpPr>
-        <p:cNvPr id="148" name="Shape 148"/>
+        <p:cNvPr id="1" name="Shape 148"/>
         <p:cNvGrpSpPr/>
         <p:nvPr/>
       </p:nvGrpSpPr>
@@ -8919,9 +9203,11 @@
       <p:sp>
         <p:nvSpPr>
           <p:cNvPr id="149" name="Google Shape;149;p26"/>
-          <p:cNvSpPr txBox="1"/>
+          <p:cNvSpPr txBox="1">
+            <a:spLocks noGrp="1"/>
+          </p:cNvSpPr>
           <p:nvPr>
-            <p:ph idx="4294967295" type="title"/>
+            <p:ph type="title" idx="4294967295"/>
           </p:nvPr>
         </p:nvSpPr>
         <p:spPr>
@@ -8934,12 +9220,12 @@
           </a:prstGeom>
         </p:spPr>
         <p:txBody>
-          <a:bodyPr anchorCtr="0" anchor="t" bIns="91425" lIns="91425" spcFirstLastPara="1" rIns="91425" wrap="square" tIns="91425">
+          <a:bodyPr spcFirstLastPara="1" wrap="square" lIns="91425" tIns="91425" rIns="91425" bIns="91425" anchor="t" anchorCtr="0">
             <a:normAutofit fontScale="90000"/>
           </a:bodyPr>
           <a:lstStyle/>
           <a:p>
-            <a:pPr indent="0" lvl="0" marL="0" rtl="0" algn="l">
+            <a:pPr marL="0" lvl="0" indent="0" algn="l" rtl="0">
               <a:spcBef>
                 <a:spcPts val="0"/>
               </a:spcBef>
@@ -8949,7 +9235,7 @@
               <a:buNone/>
             </a:pPr>
             <a:r>
-              <a:rPr b="1" lang="en">
+              <a:rPr lang="en" b="1">
                 <a:solidFill>
                   <a:srgbClr val="0000FF"/>
                 </a:solidFill>
@@ -9001,11 +9287,11 @@
 </file>
 
 <file path=ppt/slides/slide15.xml><?xml version="1.0" encoding="utf-8"?>
-<p:sld xmlns:a="http://schemas.openxmlformats.org/drawingml/2006/main" xmlns:r="http://schemas.openxmlformats.org/officeDocument/2006/relationships" xmlns:mc="http://schemas.openxmlformats.org/markup-compatibility/2006" xmlns:mv="urn:schemas-microsoft-com:mac:vml" xmlns:p="http://schemas.openxmlformats.org/presentationml/2006/main" xmlns:c="http://schemas.openxmlformats.org/drawingml/2006/chart" xmlns:dgm="http://schemas.openxmlformats.org/drawingml/2006/diagram" xmlns:o="urn:schemas-microsoft-com:office:office" xmlns:v="urn:schemas-microsoft-com:vml" xmlns:pvml="urn:schemas-microsoft-com:office:powerpoint" xmlns:com="http://schemas.openxmlformats.org/drawingml/2006/compatibility" xmlns:p14="http://schemas.microsoft.com/office/powerpoint/2010/main" xmlns:p15="http://schemas.microsoft.com/office/powerpoint/2012/main" xmlns:ahyp="http://schemas.microsoft.com/office/drawing/2018/hyperlinkcolor">
+<p:sld xmlns:a="http://schemas.openxmlformats.org/drawingml/2006/main" xmlns:r="http://schemas.openxmlformats.org/officeDocument/2006/relationships" xmlns:p="http://schemas.openxmlformats.org/presentationml/2006/main">
   <p:cSld>
     <p:spTree>
       <p:nvGrpSpPr>
-        <p:cNvPr id="154" name="Shape 154"/>
+        <p:cNvPr id="1" name="Shape 154"/>
         <p:cNvGrpSpPr/>
         <p:nvPr/>
       </p:nvGrpSpPr>
@@ -9020,7 +9306,9 @@
       <p:sp>
         <p:nvSpPr>
           <p:cNvPr id="155" name="Google Shape;155;p27"/>
-          <p:cNvSpPr txBox="1"/>
+          <p:cNvSpPr txBox="1">
+            <a:spLocks noGrp="1"/>
+          </p:cNvSpPr>
           <p:nvPr>
             <p:ph type="title"/>
           </p:nvPr>
@@ -9035,12 +9323,12 @@
           </a:prstGeom>
         </p:spPr>
         <p:txBody>
-          <a:bodyPr anchorCtr="0" anchor="t" bIns="91425" lIns="91425" spcFirstLastPara="1" rIns="91425" wrap="square" tIns="91425">
+          <a:bodyPr spcFirstLastPara="1" wrap="square" lIns="91425" tIns="91425" rIns="91425" bIns="91425" anchor="t" anchorCtr="0">
             <a:normAutofit fontScale="90000"/>
           </a:bodyPr>
           <a:lstStyle/>
           <a:p>
-            <a:pPr indent="0" lvl="0" marL="0" rtl="0" algn="l">
+            <a:pPr marL="0" lvl="0" indent="0" algn="l" rtl="0">
               <a:spcBef>
                 <a:spcPts val="0"/>
               </a:spcBef>
@@ -9050,7 +9338,7 @@
               <a:buNone/>
             </a:pPr>
             <a:r>
-              <a:rPr b="1" lang="en">
+              <a:rPr lang="en" b="1">
                 <a:solidFill>
                   <a:srgbClr val="0000FF"/>
                 </a:solidFill>
@@ -9102,11 +9390,11 @@
 </file>
 
 <file path=ppt/slides/slide16.xml><?xml version="1.0" encoding="utf-8"?>
-<p:sld xmlns:a="http://schemas.openxmlformats.org/drawingml/2006/main" xmlns:r="http://schemas.openxmlformats.org/officeDocument/2006/relationships" xmlns:mc="http://schemas.openxmlformats.org/markup-compatibility/2006" xmlns:mv="urn:schemas-microsoft-com:mac:vml" xmlns:p="http://schemas.openxmlformats.org/presentationml/2006/main" xmlns:c="http://schemas.openxmlformats.org/drawingml/2006/chart" xmlns:dgm="http://schemas.openxmlformats.org/drawingml/2006/diagram" xmlns:o="urn:schemas-microsoft-com:office:office" xmlns:v="urn:schemas-microsoft-com:vml" xmlns:pvml="urn:schemas-microsoft-com:office:powerpoint" xmlns:com="http://schemas.openxmlformats.org/drawingml/2006/compatibility" xmlns:p14="http://schemas.microsoft.com/office/powerpoint/2010/main" xmlns:p15="http://schemas.microsoft.com/office/powerpoint/2012/main" xmlns:ahyp="http://schemas.microsoft.com/office/drawing/2018/hyperlinkcolor">
+<p:sld xmlns:a="http://schemas.openxmlformats.org/drawingml/2006/main" xmlns:r="http://schemas.openxmlformats.org/officeDocument/2006/relationships" xmlns:p="http://schemas.openxmlformats.org/presentationml/2006/main">
   <p:cSld>
     <p:spTree>
       <p:nvGrpSpPr>
-        <p:cNvPr id="160" name="Shape 160"/>
+        <p:cNvPr id="1" name="Shape 160"/>
         <p:cNvGrpSpPr/>
         <p:nvPr/>
       </p:nvGrpSpPr>
@@ -9121,7 +9409,9 @@
       <p:sp>
         <p:nvSpPr>
           <p:cNvPr id="161" name="Google Shape;161;p28"/>
-          <p:cNvSpPr txBox="1"/>
+          <p:cNvSpPr txBox="1">
+            <a:spLocks noGrp="1"/>
+          </p:cNvSpPr>
           <p:nvPr>
             <p:ph type="title"/>
           </p:nvPr>
@@ -9136,12 +9426,12 @@
           </a:prstGeom>
         </p:spPr>
         <p:txBody>
-          <a:bodyPr anchorCtr="0" anchor="t" bIns="91425" lIns="91425" spcFirstLastPara="1" rIns="91425" wrap="square" tIns="91425">
+          <a:bodyPr spcFirstLastPara="1" wrap="square" lIns="91425" tIns="91425" rIns="91425" bIns="91425" anchor="t" anchorCtr="0">
             <a:normAutofit fontScale="90000"/>
           </a:bodyPr>
           <a:lstStyle/>
           <a:p>
-            <a:pPr indent="0" lvl="0" marL="0" rtl="0" algn="l">
+            <a:pPr marL="0" lvl="0" indent="0" algn="l" rtl="0">
               <a:spcBef>
                 <a:spcPts val="0"/>
               </a:spcBef>
@@ -9151,7 +9441,7 @@
               <a:buNone/>
             </a:pPr>
             <a:r>
-              <a:rPr b="1" lang="en">
+              <a:rPr lang="en" b="1">
                 <a:solidFill>
                   <a:srgbClr val="0000FF"/>
                 </a:solidFill>
@@ -9203,11 +9493,11 @@
 </file>
 
 <file path=ppt/slides/slide17.xml><?xml version="1.0" encoding="utf-8"?>
-<p:sld xmlns:a="http://schemas.openxmlformats.org/drawingml/2006/main" xmlns:r="http://schemas.openxmlformats.org/officeDocument/2006/relationships" xmlns:mc="http://schemas.openxmlformats.org/markup-compatibility/2006" xmlns:mv="urn:schemas-microsoft-com:mac:vml" xmlns:p="http://schemas.openxmlformats.org/presentationml/2006/main" xmlns:c="http://schemas.openxmlformats.org/drawingml/2006/chart" xmlns:dgm="http://schemas.openxmlformats.org/drawingml/2006/diagram" xmlns:o="urn:schemas-microsoft-com:office:office" xmlns:v="urn:schemas-microsoft-com:vml" xmlns:pvml="urn:schemas-microsoft-com:office:powerpoint" xmlns:com="http://schemas.openxmlformats.org/drawingml/2006/compatibility" xmlns:p14="http://schemas.microsoft.com/office/powerpoint/2010/main" xmlns:p15="http://schemas.microsoft.com/office/powerpoint/2012/main" xmlns:ahyp="http://schemas.microsoft.com/office/drawing/2018/hyperlinkcolor">
+<p:sld xmlns:a="http://schemas.openxmlformats.org/drawingml/2006/main" xmlns:r="http://schemas.openxmlformats.org/officeDocument/2006/relationships" xmlns:p="http://schemas.openxmlformats.org/presentationml/2006/main">
   <p:cSld>
     <p:spTree>
       <p:nvGrpSpPr>
-        <p:cNvPr id="166" name="Shape 166"/>
+        <p:cNvPr id="1" name="Shape 166"/>
         <p:cNvGrpSpPr/>
         <p:nvPr/>
       </p:nvGrpSpPr>
@@ -9390,7 +9680,9 @@
       <p:sp>
         <p:nvSpPr>
           <p:cNvPr id="173" name="Google Shape;173;p29"/>
-          <p:cNvSpPr txBox="1"/>
+          <p:cNvSpPr txBox="1">
+            <a:spLocks noGrp="1"/>
+          </p:cNvSpPr>
           <p:nvPr>
             <p:ph type="title"/>
           </p:nvPr>
@@ -9405,12 +9697,12 @@
           </a:prstGeom>
         </p:spPr>
         <p:txBody>
-          <a:bodyPr anchorCtr="0" anchor="t" bIns="91425" lIns="91425" spcFirstLastPara="1" rIns="91425" wrap="square" tIns="91425">
+          <a:bodyPr spcFirstLastPara="1" wrap="square" lIns="91425" tIns="91425" rIns="91425" bIns="91425" anchor="t" anchorCtr="0">
             <a:normAutofit fontScale="90000"/>
           </a:bodyPr>
           <a:lstStyle/>
           <a:p>
-            <a:pPr indent="0" lvl="0" marL="0" rtl="0" algn="l">
+            <a:pPr marL="0" lvl="0" indent="0" algn="l" rtl="0">
               <a:spcBef>
                 <a:spcPts val="0"/>
               </a:spcBef>
@@ -9420,7 +9712,7 @@
               <a:buNone/>
             </a:pPr>
             <a:r>
-              <a:rPr b="1" lang="en">
+              <a:rPr lang="en" b="1">
                 <a:solidFill>
                   <a:srgbClr val="0000FF"/>
                 </a:solidFill>
@@ -9444,11 +9736,11 @@
 </file>
 
 <file path=ppt/slides/slide18.xml><?xml version="1.0" encoding="utf-8"?>
-<p:sld xmlns:a="http://schemas.openxmlformats.org/drawingml/2006/main" xmlns:r="http://schemas.openxmlformats.org/officeDocument/2006/relationships" xmlns:mc="http://schemas.openxmlformats.org/markup-compatibility/2006" xmlns:mv="urn:schemas-microsoft-com:mac:vml" xmlns:p="http://schemas.openxmlformats.org/presentationml/2006/main" xmlns:c="http://schemas.openxmlformats.org/drawingml/2006/chart" xmlns:dgm="http://schemas.openxmlformats.org/drawingml/2006/diagram" xmlns:o="urn:schemas-microsoft-com:office:office" xmlns:v="urn:schemas-microsoft-com:vml" xmlns:pvml="urn:schemas-microsoft-com:office:powerpoint" xmlns:com="http://schemas.openxmlformats.org/drawingml/2006/compatibility" xmlns:p14="http://schemas.microsoft.com/office/powerpoint/2010/main" xmlns:p15="http://schemas.microsoft.com/office/powerpoint/2012/main" xmlns:ahyp="http://schemas.microsoft.com/office/drawing/2018/hyperlinkcolor">
+<p:sld xmlns:a="http://schemas.openxmlformats.org/drawingml/2006/main" xmlns:r="http://schemas.openxmlformats.org/officeDocument/2006/relationships" xmlns:p="http://schemas.openxmlformats.org/presentationml/2006/main">
   <p:cSld>
     <p:spTree>
       <p:nvGrpSpPr>
-        <p:cNvPr id="177" name="Shape 177"/>
+        <p:cNvPr id="1" name="Shape 177"/>
         <p:cNvGrpSpPr/>
         <p:nvPr/>
       </p:nvGrpSpPr>
@@ -9581,11 +9873,11 @@
 </file>
 
 <file path=ppt/slides/slide19.xml><?xml version="1.0" encoding="utf-8"?>
-<p:sld xmlns:a="http://schemas.openxmlformats.org/drawingml/2006/main" xmlns:r="http://schemas.openxmlformats.org/officeDocument/2006/relationships" xmlns:mc="http://schemas.openxmlformats.org/markup-compatibility/2006" xmlns:mv="urn:schemas-microsoft-com:mac:vml" xmlns:p="http://schemas.openxmlformats.org/presentationml/2006/main" xmlns:c="http://schemas.openxmlformats.org/drawingml/2006/chart" xmlns:dgm="http://schemas.openxmlformats.org/drawingml/2006/diagram" xmlns:o="urn:schemas-microsoft-com:office:office" xmlns:v="urn:schemas-microsoft-com:vml" xmlns:pvml="urn:schemas-microsoft-com:office:powerpoint" xmlns:com="http://schemas.openxmlformats.org/drawingml/2006/compatibility" xmlns:p14="http://schemas.microsoft.com/office/powerpoint/2010/main" xmlns:p15="http://schemas.microsoft.com/office/powerpoint/2012/main" xmlns:ahyp="http://schemas.microsoft.com/office/drawing/2018/hyperlinkcolor">
+<p:sld xmlns:a="http://schemas.openxmlformats.org/drawingml/2006/main" xmlns:r="http://schemas.openxmlformats.org/officeDocument/2006/relationships" xmlns:p="http://schemas.openxmlformats.org/presentationml/2006/main">
   <p:cSld>
     <p:spTree>
       <p:nvGrpSpPr>
-        <p:cNvPr id="185" name="Shape 185"/>
+        <p:cNvPr id="1" name="Shape 185"/>
         <p:cNvGrpSpPr/>
         <p:nvPr/>
       </p:nvGrpSpPr>
@@ -9600,7 +9892,9 @@
       <p:sp>
         <p:nvSpPr>
           <p:cNvPr id="186" name="Google Shape;186;p31"/>
-          <p:cNvSpPr txBox="1"/>
+          <p:cNvSpPr txBox="1">
+            <a:spLocks noGrp="1"/>
+          </p:cNvSpPr>
           <p:nvPr>
             <p:ph type="title"/>
           </p:nvPr>
@@ -9615,12 +9909,12 @@
           </a:prstGeom>
         </p:spPr>
         <p:txBody>
-          <a:bodyPr anchorCtr="0" anchor="t" bIns="91425" lIns="91425" spcFirstLastPara="1" rIns="91425" wrap="square" tIns="91425">
+          <a:bodyPr spcFirstLastPara="1" wrap="square" lIns="91425" tIns="91425" rIns="91425" bIns="91425" anchor="t" anchorCtr="0">
             <a:normAutofit fontScale="90000"/>
           </a:bodyPr>
           <a:lstStyle/>
           <a:p>
-            <a:pPr indent="0" lvl="0" marL="0" rtl="0" algn="l">
+            <a:pPr marL="0" lvl="0" indent="0" algn="l" rtl="0">
               <a:spcBef>
                 <a:spcPts val="0"/>
               </a:spcBef>
@@ -9630,7 +9924,7 @@
               <a:buNone/>
             </a:pPr>
             <a:r>
-              <a:rPr b="1" lang="en">
+              <a:rPr lang="en" b="1">
                 <a:solidFill>
                   <a:srgbClr val="0000FF"/>
                 </a:solidFill>
@@ -9682,11 +9976,11 @@
 </file>
 
 <file path=ppt/slides/slide2.xml><?xml version="1.0" encoding="utf-8"?>
-<p:sld xmlns:a="http://schemas.openxmlformats.org/drawingml/2006/main" xmlns:r="http://schemas.openxmlformats.org/officeDocument/2006/relationships" xmlns:mc="http://schemas.openxmlformats.org/markup-compatibility/2006" xmlns:mv="urn:schemas-microsoft-com:mac:vml" xmlns:p="http://schemas.openxmlformats.org/presentationml/2006/main" xmlns:c="http://schemas.openxmlformats.org/drawingml/2006/chart" xmlns:dgm="http://schemas.openxmlformats.org/drawingml/2006/diagram" xmlns:o="urn:schemas-microsoft-com:office:office" xmlns:v="urn:schemas-microsoft-com:vml" xmlns:pvml="urn:schemas-microsoft-com:office:powerpoint" xmlns:com="http://schemas.openxmlformats.org/drawingml/2006/compatibility" xmlns:p14="http://schemas.microsoft.com/office/powerpoint/2010/main" xmlns:p15="http://schemas.microsoft.com/office/powerpoint/2012/main" xmlns:ahyp="http://schemas.microsoft.com/office/drawing/2018/hyperlinkcolor">
+<p:sld xmlns:a="http://schemas.openxmlformats.org/drawingml/2006/main" xmlns:r="http://schemas.openxmlformats.org/officeDocument/2006/relationships" xmlns:p="http://schemas.openxmlformats.org/presentationml/2006/main">
   <p:cSld>
     <p:spTree>
       <p:nvGrpSpPr>
-        <p:cNvPr id="60" name="Shape 60"/>
+        <p:cNvPr id="1" name="Shape 60"/>
         <p:cNvGrpSpPr/>
         <p:nvPr/>
       </p:nvGrpSpPr>
@@ -9701,7 +9995,9 @@
       <p:sp>
         <p:nvSpPr>
           <p:cNvPr id="61" name="Google Shape;61;p14"/>
-          <p:cNvSpPr txBox="1"/>
+          <p:cNvSpPr txBox="1">
+            <a:spLocks noGrp="1"/>
+          </p:cNvSpPr>
           <p:nvPr>
             <p:ph type="title"/>
           </p:nvPr>
@@ -9716,12 +10012,12 @@
           </a:prstGeom>
         </p:spPr>
         <p:txBody>
-          <a:bodyPr anchorCtr="0" anchor="t" bIns="91425" lIns="91425" spcFirstLastPara="1" rIns="91425" wrap="square" tIns="91425">
+          <a:bodyPr spcFirstLastPara="1" wrap="square" lIns="91425" tIns="91425" rIns="91425" bIns="91425" anchor="t" anchorCtr="0">
             <a:normAutofit fontScale="90000"/>
           </a:bodyPr>
           <a:lstStyle/>
           <a:p>
-            <a:pPr indent="0" lvl="0" marL="0" rtl="0" algn="l">
+            <a:pPr marL="0" lvl="0" indent="0" algn="l" rtl="0">
               <a:spcBef>
                 <a:spcPts val="0"/>
               </a:spcBef>
@@ -9731,20 +10027,12 @@
               <a:buNone/>
             </a:pPr>
             <a:r>
-              <a:rPr b="1" lang="en">
+              <a:rPr lang="en" b="1">
                 <a:solidFill>
                   <a:srgbClr val="0000FF"/>
                 </a:solidFill>
               </a:rPr>
-              <a:t>Intro. </a:t>
-            </a:r>
-            <a:r>
-              <a:rPr b="1" lang="en">
-                <a:solidFill>
-                  <a:srgbClr val="0000FF"/>
-                </a:solidFill>
-              </a:rPr>
-              <a:t>Dataset of Sale car</a:t>
+              <a:t>Intro. Dataset of Sale car</a:t>
             </a:r>
             <a:endParaRPr b="1">
               <a:solidFill>
@@ -9764,7 +10052,7 @@
           <a:blip r:embed="rId3">
             <a:alphaModFix/>
           </a:blip>
-          <a:srcRect b="-7526" l="0" r="0" t="0"/>
+          <a:srcRect b="-7526"/>
           <a:stretch/>
         </p:blipFill>
         <p:spPr>
@@ -9801,12 +10089,12 @@
           </a:ln>
         </p:spPr>
         <p:txBody>
-          <a:bodyPr anchorCtr="0" anchor="t" bIns="91425" lIns="91425" spcFirstLastPara="1" rIns="91425" wrap="square" tIns="91425">
+          <a:bodyPr spcFirstLastPara="1" wrap="square" lIns="91425" tIns="91425" rIns="91425" bIns="91425" anchor="t" anchorCtr="0">
             <a:noAutofit/>
           </a:bodyPr>
           <a:lstStyle/>
           <a:p>
-            <a:pPr indent="0" lvl="0" marL="0" rtl="0" algn="l">
+            <a:pPr marL="0" lvl="0" indent="0" algn="l" rtl="0">
               <a:lnSpc>
                 <a:spcPct val="150000"/>
               </a:lnSpc>
@@ -9843,11 +10131,11 @@
 </file>
 
 <file path=ppt/slides/slide20.xml><?xml version="1.0" encoding="utf-8"?>
-<p:sld xmlns:a="http://schemas.openxmlformats.org/drawingml/2006/main" xmlns:r="http://schemas.openxmlformats.org/officeDocument/2006/relationships" xmlns:mc="http://schemas.openxmlformats.org/markup-compatibility/2006" xmlns:mv="urn:schemas-microsoft-com:mac:vml" xmlns:p="http://schemas.openxmlformats.org/presentationml/2006/main" xmlns:c="http://schemas.openxmlformats.org/drawingml/2006/chart" xmlns:dgm="http://schemas.openxmlformats.org/drawingml/2006/diagram" xmlns:o="urn:schemas-microsoft-com:office:office" xmlns:v="urn:schemas-microsoft-com:vml" xmlns:pvml="urn:schemas-microsoft-com:office:powerpoint" xmlns:com="http://schemas.openxmlformats.org/drawingml/2006/compatibility" xmlns:p14="http://schemas.microsoft.com/office/powerpoint/2010/main" xmlns:p15="http://schemas.microsoft.com/office/powerpoint/2012/main" xmlns:ahyp="http://schemas.microsoft.com/office/drawing/2018/hyperlinkcolor">
+<p:sld xmlns:a="http://schemas.openxmlformats.org/drawingml/2006/main" xmlns:r="http://schemas.openxmlformats.org/officeDocument/2006/relationships" xmlns:p="http://schemas.openxmlformats.org/presentationml/2006/main">
   <p:cSld>
     <p:spTree>
       <p:nvGrpSpPr>
-        <p:cNvPr id="191" name="Shape 191"/>
+        <p:cNvPr id="1" name="Shape 191"/>
         <p:cNvGrpSpPr/>
         <p:nvPr/>
       </p:nvGrpSpPr>
@@ -9862,7 +10150,9 @@
       <p:sp>
         <p:nvSpPr>
           <p:cNvPr id="192" name="Google Shape;192;p32"/>
-          <p:cNvSpPr txBox="1"/>
+          <p:cNvSpPr txBox="1">
+            <a:spLocks noGrp="1"/>
+          </p:cNvSpPr>
           <p:nvPr>
             <p:ph type="title"/>
           </p:nvPr>
@@ -9877,12 +10167,12 @@
           </a:prstGeom>
         </p:spPr>
         <p:txBody>
-          <a:bodyPr anchorCtr="0" anchor="t" bIns="91425" lIns="91425" spcFirstLastPara="1" rIns="91425" wrap="square" tIns="91425">
+          <a:bodyPr spcFirstLastPara="1" wrap="square" lIns="91425" tIns="91425" rIns="91425" bIns="91425" anchor="t" anchorCtr="0">
             <a:normAutofit fontScale="90000"/>
           </a:bodyPr>
           <a:lstStyle/>
           <a:p>
-            <a:pPr indent="0" lvl="0" marL="0" rtl="0" algn="l">
+            <a:pPr marL="0" lvl="0" indent="0" algn="l" rtl="0">
               <a:spcBef>
                 <a:spcPts val="0"/>
               </a:spcBef>
@@ -9892,20 +10182,12 @@
               <a:buNone/>
             </a:pPr>
             <a:r>
-              <a:rPr b="1" lang="en">
+              <a:rPr lang="en" b="1">
                 <a:solidFill>
                   <a:srgbClr val="0000FF"/>
                 </a:solidFill>
               </a:rPr>
-              <a:t>Find</a:t>
-            </a:r>
-            <a:r>
-              <a:rPr b="1" lang="en">
-                <a:solidFill>
-                  <a:srgbClr val="0000FF"/>
-                </a:solidFill>
-              </a:rPr>
-              <a:t> the year has drop revenue</a:t>
+              <a:t>Find the year has drop revenue</a:t>
             </a:r>
             <a:endParaRPr b="1">
               <a:solidFill>
@@ -9952,11 +10234,11 @@
 </file>
 
 <file path=ppt/slides/slide21.xml><?xml version="1.0" encoding="utf-8"?>
-<p:sld xmlns:a="http://schemas.openxmlformats.org/drawingml/2006/main" xmlns:r="http://schemas.openxmlformats.org/officeDocument/2006/relationships" xmlns:mc="http://schemas.openxmlformats.org/markup-compatibility/2006" xmlns:mv="urn:schemas-microsoft-com:mac:vml" xmlns:p="http://schemas.openxmlformats.org/presentationml/2006/main" xmlns:c="http://schemas.openxmlformats.org/drawingml/2006/chart" xmlns:dgm="http://schemas.openxmlformats.org/drawingml/2006/diagram" xmlns:o="urn:schemas-microsoft-com:office:office" xmlns:v="urn:schemas-microsoft-com:vml" xmlns:pvml="urn:schemas-microsoft-com:office:powerpoint" xmlns:com="http://schemas.openxmlformats.org/drawingml/2006/compatibility" xmlns:p14="http://schemas.microsoft.com/office/powerpoint/2010/main" xmlns:p15="http://schemas.microsoft.com/office/powerpoint/2012/main" xmlns:ahyp="http://schemas.microsoft.com/office/drawing/2018/hyperlinkcolor">
+<p:sld xmlns:a="http://schemas.openxmlformats.org/drawingml/2006/main" xmlns:r="http://schemas.openxmlformats.org/officeDocument/2006/relationships" xmlns:p="http://schemas.openxmlformats.org/presentationml/2006/main">
   <p:cSld>
     <p:spTree>
       <p:nvGrpSpPr>
-        <p:cNvPr id="197" name="Shape 197"/>
+        <p:cNvPr id="1" name="Shape 197"/>
         <p:cNvGrpSpPr/>
         <p:nvPr/>
       </p:nvGrpSpPr>
@@ -9971,7 +10253,9 @@
       <p:sp>
         <p:nvSpPr>
           <p:cNvPr id="198" name="Google Shape;198;p33"/>
-          <p:cNvSpPr txBox="1"/>
+          <p:cNvSpPr txBox="1">
+            <a:spLocks noGrp="1"/>
+          </p:cNvSpPr>
           <p:nvPr>
             <p:ph type="title"/>
           </p:nvPr>
@@ -9986,12 +10270,12 @@
           </a:prstGeom>
         </p:spPr>
         <p:txBody>
-          <a:bodyPr anchorCtr="0" anchor="t" bIns="91425" lIns="91425" spcFirstLastPara="1" rIns="91425" wrap="square" tIns="91425">
+          <a:bodyPr spcFirstLastPara="1" wrap="square" lIns="91425" tIns="91425" rIns="91425" bIns="91425" anchor="t" anchorCtr="0">
             <a:normAutofit fontScale="90000"/>
           </a:bodyPr>
           <a:lstStyle/>
           <a:p>
-            <a:pPr indent="0" lvl="0" marL="0" rtl="0" algn="l">
+            <a:pPr marL="0" lvl="0" indent="0" algn="l" rtl="0">
               <a:spcBef>
                 <a:spcPts val="0"/>
               </a:spcBef>
@@ -10006,20 +10290,12 @@
               <a:buNone/>
             </a:pPr>
             <a:r>
-              <a:rPr b="1" lang="en">
+              <a:rPr lang="en" b="1">
                 <a:solidFill>
                   <a:srgbClr val="0000FF"/>
                 </a:solidFill>
               </a:rPr>
-              <a:t>Find </a:t>
-            </a:r>
-            <a:r>
-              <a:rPr b="1" lang="en">
-                <a:solidFill>
-                  <a:srgbClr val="0000FF"/>
-                </a:solidFill>
-              </a:rPr>
-              <a:t>the year has increase revenue</a:t>
+              <a:t>Find the year has increase revenue</a:t>
             </a:r>
             <a:endParaRPr b="1">
               <a:solidFill>
@@ -10066,11 +10342,11 @@
 </file>
 
 <file path=ppt/slides/slide22.xml><?xml version="1.0" encoding="utf-8"?>
-<p:sld xmlns:a="http://schemas.openxmlformats.org/drawingml/2006/main" xmlns:r="http://schemas.openxmlformats.org/officeDocument/2006/relationships" xmlns:mc="http://schemas.openxmlformats.org/markup-compatibility/2006" xmlns:mv="urn:schemas-microsoft-com:mac:vml" xmlns:p="http://schemas.openxmlformats.org/presentationml/2006/main" xmlns:c="http://schemas.openxmlformats.org/drawingml/2006/chart" xmlns:dgm="http://schemas.openxmlformats.org/drawingml/2006/diagram" xmlns:o="urn:schemas-microsoft-com:office:office" xmlns:v="urn:schemas-microsoft-com:vml" xmlns:pvml="urn:schemas-microsoft-com:office:powerpoint" xmlns:com="http://schemas.openxmlformats.org/drawingml/2006/compatibility" xmlns:p14="http://schemas.microsoft.com/office/powerpoint/2010/main" xmlns:p15="http://schemas.microsoft.com/office/powerpoint/2012/main" xmlns:ahyp="http://schemas.microsoft.com/office/drawing/2018/hyperlinkcolor">
+<p:sld xmlns:a="http://schemas.openxmlformats.org/drawingml/2006/main" xmlns:r="http://schemas.openxmlformats.org/officeDocument/2006/relationships" xmlns:p="http://schemas.openxmlformats.org/presentationml/2006/main">
   <p:cSld>
     <p:spTree>
       <p:nvGrpSpPr>
-        <p:cNvPr id="203" name="Shape 203"/>
+        <p:cNvPr id="1" name="Shape 203"/>
         <p:cNvGrpSpPr/>
         <p:nvPr/>
       </p:nvGrpSpPr>
@@ -10085,7 +10361,9 @@
       <p:sp>
         <p:nvSpPr>
           <p:cNvPr id="204" name="Google Shape;204;p34"/>
-          <p:cNvSpPr txBox="1"/>
+          <p:cNvSpPr txBox="1">
+            <a:spLocks noGrp="1"/>
+          </p:cNvSpPr>
           <p:nvPr>
             <p:ph type="title"/>
           </p:nvPr>
@@ -10100,12 +10378,12 @@
           </a:prstGeom>
         </p:spPr>
         <p:txBody>
-          <a:bodyPr anchorCtr="0" anchor="t" bIns="91425" lIns="91425" spcFirstLastPara="1" rIns="91425" wrap="square" tIns="91425">
+          <a:bodyPr spcFirstLastPara="1" wrap="square" lIns="91425" tIns="91425" rIns="91425" bIns="91425" anchor="t" anchorCtr="0">
             <a:normAutofit fontScale="90000"/>
           </a:bodyPr>
           <a:lstStyle/>
           <a:p>
-            <a:pPr indent="0" lvl="0" marL="0" rtl="0" algn="l">
+            <a:pPr marL="0" lvl="0" indent="0" algn="l" rtl="0">
               <a:spcBef>
                 <a:spcPts val="0"/>
               </a:spcBef>
@@ -10115,7 +10393,7 @@
               <a:buNone/>
             </a:pPr>
             <a:r>
-              <a:rPr b="1" lang="en">
+              <a:rPr lang="en" b="1">
                 <a:solidFill>
                   <a:srgbClr val="0000FF"/>
                 </a:solidFill>
@@ -10178,12 +10456,12 @@
           </a:ln>
         </p:spPr>
         <p:txBody>
-          <a:bodyPr anchorCtr="0" anchor="t" bIns="91425" lIns="91425" spcFirstLastPara="1" rIns="91425" wrap="square" tIns="91425">
+          <a:bodyPr spcFirstLastPara="1" wrap="square" lIns="91425" tIns="91425" rIns="91425" bIns="91425" anchor="t" anchorCtr="0">
             <a:noAutofit/>
           </a:bodyPr>
           <a:lstStyle/>
           <a:p>
-            <a:pPr indent="0" lvl="0" marL="0" rtl="0" algn="l">
+            <a:pPr marL="0" lvl="0" indent="0" algn="l" rtl="0">
               <a:spcBef>
                 <a:spcPts val="0"/>
               </a:spcBef>
@@ -10193,30 +10471,14 @@
               <a:buNone/>
             </a:pPr>
             <a:r>
-              <a:rPr b="1" lang="en" sz="1800">
+              <a:rPr lang="en" sz="1800" b="1">
                 <a:solidFill>
                   <a:srgbClr val="9900FF"/>
                 </a:solidFill>
               </a:rPr>
-              <a:t>The Highest cars sold Month is </a:t>
+              <a:t>The Highest cars sold Month is August </a:t>
             </a:r>
-            <a:r>
-              <a:rPr b="1" lang="en" sz="1800">
-                <a:solidFill>
-                  <a:srgbClr val="9900FF"/>
-                </a:solidFill>
-              </a:rPr>
-              <a:t>August</a:t>
-            </a:r>
-            <a:r>
-              <a:rPr b="1" lang="en" sz="1800">
-                <a:solidFill>
-                  <a:srgbClr val="9900FF"/>
-                </a:solidFill>
-              </a:rPr>
-              <a:t> </a:t>
-            </a:r>
-            <a:endParaRPr b="1" sz="1800">
+            <a:endParaRPr sz="1800" b="1">
               <a:solidFill>
                 <a:srgbClr val="9900FF"/>
               </a:solidFill>
@@ -10233,11 +10495,11 @@
 </file>
 
 <file path=ppt/slides/slide23.xml><?xml version="1.0" encoding="utf-8"?>
-<p:sld xmlns:a="http://schemas.openxmlformats.org/drawingml/2006/main" xmlns:r="http://schemas.openxmlformats.org/officeDocument/2006/relationships" xmlns:mc="http://schemas.openxmlformats.org/markup-compatibility/2006" xmlns:mv="urn:schemas-microsoft-com:mac:vml" xmlns:p="http://schemas.openxmlformats.org/presentationml/2006/main" xmlns:c="http://schemas.openxmlformats.org/drawingml/2006/chart" xmlns:dgm="http://schemas.openxmlformats.org/drawingml/2006/diagram" xmlns:o="urn:schemas-microsoft-com:office:office" xmlns:v="urn:schemas-microsoft-com:vml" xmlns:pvml="urn:schemas-microsoft-com:office:powerpoint" xmlns:com="http://schemas.openxmlformats.org/drawingml/2006/compatibility" xmlns:p14="http://schemas.microsoft.com/office/powerpoint/2010/main" xmlns:p15="http://schemas.microsoft.com/office/powerpoint/2012/main" xmlns:ahyp="http://schemas.microsoft.com/office/drawing/2018/hyperlinkcolor">
+<p:sld xmlns:a="http://schemas.openxmlformats.org/drawingml/2006/main" xmlns:r="http://schemas.openxmlformats.org/officeDocument/2006/relationships" xmlns:p="http://schemas.openxmlformats.org/presentationml/2006/main">
   <p:cSld>
     <p:spTree>
       <p:nvGrpSpPr>
-        <p:cNvPr id="210" name="Shape 210"/>
+        <p:cNvPr id="1" name="Shape 210"/>
         <p:cNvGrpSpPr/>
         <p:nvPr/>
       </p:nvGrpSpPr>
@@ -10280,7 +10542,9 @@
       <p:sp>
         <p:nvSpPr>
           <p:cNvPr id="212" name="Google Shape;212;p35"/>
-          <p:cNvSpPr txBox="1"/>
+          <p:cNvSpPr txBox="1">
+            <a:spLocks noGrp="1"/>
+          </p:cNvSpPr>
           <p:nvPr>
             <p:ph type="title"/>
           </p:nvPr>
@@ -10295,12 +10559,12 @@
           </a:prstGeom>
         </p:spPr>
         <p:txBody>
-          <a:bodyPr anchorCtr="0" anchor="t" bIns="91425" lIns="91425" spcFirstLastPara="1" rIns="91425" wrap="square" tIns="91425">
+          <a:bodyPr spcFirstLastPara="1" wrap="square" lIns="91425" tIns="91425" rIns="91425" bIns="91425" anchor="t" anchorCtr="0">
             <a:normAutofit fontScale="90000"/>
           </a:bodyPr>
           <a:lstStyle/>
           <a:p>
-            <a:pPr indent="0" lvl="0" marL="0" rtl="0" algn="l">
+            <a:pPr marL="0" lvl="0" indent="0" algn="l" rtl="0">
               <a:spcBef>
                 <a:spcPts val="0"/>
               </a:spcBef>
@@ -10310,7 +10574,7 @@
               <a:buNone/>
             </a:pPr>
             <a:r>
-              <a:rPr b="1" lang="en">
+              <a:rPr lang="en" b="1">
                 <a:solidFill>
                   <a:srgbClr val="0000FF"/>
                 </a:solidFill>
@@ -10345,12 +10609,12 @@
           </a:ln>
         </p:spPr>
         <p:txBody>
-          <a:bodyPr anchorCtr="0" anchor="t" bIns="91425" lIns="91425" spcFirstLastPara="1" rIns="91425" wrap="square" tIns="91425">
+          <a:bodyPr spcFirstLastPara="1" wrap="square" lIns="91425" tIns="91425" rIns="91425" bIns="91425" anchor="t" anchorCtr="0">
             <a:noAutofit/>
           </a:bodyPr>
           <a:lstStyle/>
           <a:p>
-            <a:pPr indent="0" lvl="0" marL="0" rtl="0" algn="l">
+            <a:pPr marL="0" lvl="0" indent="0" algn="l" rtl="0">
               <a:spcBef>
                 <a:spcPts val="0"/>
               </a:spcBef>
@@ -10360,14 +10624,14 @@
               <a:buNone/>
             </a:pPr>
             <a:r>
-              <a:rPr b="1" lang="en" sz="1800">
+              <a:rPr lang="en" sz="1800" b="1">
                 <a:solidFill>
                   <a:srgbClr val="9900FF"/>
                 </a:solidFill>
               </a:rPr>
               <a:t>The highest cars sold Year is: 2009</a:t>
             </a:r>
-            <a:endParaRPr b="1" sz="1800">
+            <a:endParaRPr sz="1800" b="1">
               <a:solidFill>
                 <a:srgbClr val="9900FF"/>
               </a:solidFill>
@@ -10384,11 +10648,11 @@
 </file>
 
 <file path=ppt/slides/slide24.xml><?xml version="1.0" encoding="utf-8"?>
-<p:sld xmlns:a="http://schemas.openxmlformats.org/drawingml/2006/main" xmlns:r="http://schemas.openxmlformats.org/officeDocument/2006/relationships" xmlns:mc="http://schemas.openxmlformats.org/markup-compatibility/2006" xmlns:mv="urn:schemas-microsoft-com:mac:vml" xmlns:p="http://schemas.openxmlformats.org/presentationml/2006/main" xmlns:c="http://schemas.openxmlformats.org/drawingml/2006/chart" xmlns:dgm="http://schemas.openxmlformats.org/drawingml/2006/diagram" xmlns:o="urn:schemas-microsoft-com:office:office" xmlns:v="urn:schemas-microsoft-com:vml" xmlns:pvml="urn:schemas-microsoft-com:office:powerpoint" xmlns:com="http://schemas.openxmlformats.org/drawingml/2006/compatibility" xmlns:p14="http://schemas.microsoft.com/office/powerpoint/2010/main" xmlns:p15="http://schemas.microsoft.com/office/powerpoint/2012/main" xmlns:ahyp="http://schemas.microsoft.com/office/drawing/2018/hyperlinkcolor">
+<p:sld xmlns:a="http://schemas.openxmlformats.org/drawingml/2006/main" xmlns:r="http://schemas.openxmlformats.org/officeDocument/2006/relationships" xmlns:p="http://schemas.openxmlformats.org/presentationml/2006/main">
   <p:cSld>
     <p:spTree>
       <p:nvGrpSpPr>
-        <p:cNvPr id="217" name="Shape 217"/>
+        <p:cNvPr id="1" name="Shape 217"/>
         <p:cNvGrpSpPr/>
         <p:nvPr/>
       </p:nvGrpSpPr>
@@ -10403,7 +10667,9 @@
       <p:sp>
         <p:nvSpPr>
           <p:cNvPr id="218" name="Google Shape;218;p36"/>
-          <p:cNvSpPr txBox="1"/>
+          <p:cNvSpPr txBox="1">
+            <a:spLocks noGrp="1"/>
+          </p:cNvSpPr>
           <p:nvPr>
             <p:ph type="title"/>
           </p:nvPr>
@@ -10418,12 +10684,12 @@
           </a:prstGeom>
         </p:spPr>
         <p:txBody>
-          <a:bodyPr anchorCtr="0" anchor="t" bIns="91425" lIns="91425" spcFirstLastPara="1" rIns="91425" wrap="square" tIns="91425">
+          <a:bodyPr spcFirstLastPara="1" wrap="square" lIns="91425" tIns="91425" rIns="91425" bIns="91425" anchor="t" anchorCtr="0">
             <a:normAutofit/>
           </a:bodyPr>
           <a:lstStyle/>
           <a:p>
-            <a:pPr indent="0" lvl="0" marL="0" rtl="0" algn="l">
+            <a:pPr marL="0" lvl="0" indent="0" algn="l" rtl="0">
               <a:spcBef>
                 <a:spcPts val="0"/>
               </a:spcBef>
@@ -10434,14 +10700,14 @@
               <a:buNone/>
             </a:pPr>
             <a:r>
-              <a:rPr b="1" lang="en" sz="1320">
+              <a:rPr lang="en" sz="1320" b="1">
                 <a:solidFill>
                   <a:srgbClr val="0000FF"/>
                 </a:solidFill>
               </a:rPr>
               <a:t>Currently, we have average sold out car 651 per year with salesperson 30 people.</a:t>
             </a:r>
-            <a:endParaRPr b="1" sz="1320">
+            <a:endParaRPr sz="1320" b="1">
               <a:solidFill>
                 <a:srgbClr val="0000FF"/>
               </a:solidFill>
@@ -10452,9 +10718,11 @@
       <p:sp>
         <p:nvSpPr>
           <p:cNvPr id="219" name="Google Shape;219;p36"/>
-          <p:cNvSpPr txBox="1"/>
+          <p:cNvSpPr txBox="1">
+            <a:spLocks noGrp="1"/>
+          </p:cNvSpPr>
           <p:nvPr>
-            <p:ph idx="1" type="body"/>
+            <p:ph type="body" idx="1"/>
           </p:nvPr>
         </p:nvSpPr>
         <p:spPr>
@@ -10467,12 +10735,12 @@
           </a:prstGeom>
         </p:spPr>
         <p:txBody>
-          <a:bodyPr anchorCtr="0" anchor="t" bIns="91425" lIns="91425" spcFirstLastPara="1" rIns="91425" wrap="square" tIns="91425">
+          <a:bodyPr spcFirstLastPara="1" wrap="square" lIns="91425" tIns="91425" rIns="91425" bIns="91425" anchor="t" anchorCtr="0">
             <a:noAutofit/>
           </a:bodyPr>
           <a:lstStyle/>
           <a:p>
-            <a:pPr indent="0" lvl="0" marL="0" rtl="0" algn="l">
+            <a:pPr marL="0" lvl="0" indent="0" algn="l" rtl="0">
               <a:lnSpc>
                 <a:spcPct val="100000"/>
               </a:lnSpc>
@@ -10485,21 +10753,21 @@
               <a:buNone/>
             </a:pPr>
             <a:r>
-              <a:rPr b="1" lang="en" sz="1400">
+              <a:rPr lang="en" sz="1400" b="1">
                 <a:solidFill>
                   <a:srgbClr val="9900FF"/>
                 </a:solidFill>
               </a:rPr>
               <a:t>Recommandation to recruit to increase salesperson from 30 to 131 to reach sale car 2851</a:t>
             </a:r>
-            <a:endParaRPr b="1" sz="1400">
+            <a:endParaRPr sz="1400" b="1">
               <a:solidFill>
                 <a:srgbClr val="9900FF"/>
               </a:solidFill>
             </a:endParaRPr>
           </a:p>
           <a:p>
-            <a:pPr indent="0" lvl="0" marL="0" rtl="0" algn="l">
+            <a:pPr marL="0" lvl="0" indent="0" algn="l" rtl="0">
               <a:spcBef>
                 <a:spcPts val="0"/>
               </a:spcBef>
@@ -10508,9 +10776,6 @@
               </a:spcAft>
               <a:buNone/>
             </a:pPr>
-            <a:r>
-              <a:t/>
-            </a:r>
             <a:endParaRPr sz="1400">
               <a:solidFill>
                 <a:srgbClr val="9900FF"/>
@@ -10550,7 +10815,9 @@
       <p:sp>
         <p:nvSpPr>
           <p:cNvPr id="221" name="Google Shape;221;p36"/>
-          <p:cNvSpPr txBox="1"/>
+          <p:cNvSpPr txBox="1">
+            <a:spLocks noGrp="1"/>
+          </p:cNvSpPr>
           <p:nvPr>
             <p:ph type="title"/>
           </p:nvPr>
@@ -10565,12 +10832,12 @@
           </a:prstGeom>
         </p:spPr>
         <p:txBody>
-          <a:bodyPr anchorCtr="0" anchor="t" bIns="91425" lIns="91425" spcFirstLastPara="1" rIns="91425" wrap="square" tIns="91425">
+          <a:bodyPr spcFirstLastPara="1" wrap="square" lIns="91425" tIns="91425" rIns="91425" bIns="91425" anchor="t" anchorCtr="0">
             <a:normAutofit fontScale="90000"/>
           </a:bodyPr>
           <a:lstStyle/>
           <a:p>
-            <a:pPr indent="0" lvl="0" marL="0" rtl="0" algn="l">
+            <a:pPr marL="0" lvl="0" indent="0" algn="l" rtl="0">
               <a:spcBef>
                 <a:spcPts val="0"/>
               </a:spcBef>
@@ -10580,7 +10847,7 @@
               <a:buNone/>
             </a:pPr>
             <a:r>
-              <a:rPr b="1" lang="en">
+              <a:rPr lang="en" b="1">
                 <a:solidFill>
                   <a:srgbClr val="0000FF"/>
                 </a:solidFill>
@@ -10604,11 +10871,11 @@
 </file>
 
 <file path=ppt/slides/slide25.xml><?xml version="1.0" encoding="utf-8"?>
-<p:sld xmlns:a="http://schemas.openxmlformats.org/drawingml/2006/main" xmlns:r="http://schemas.openxmlformats.org/officeDocument/2006/relationships" xmlns:mc="http://schemas.openxmlformats.org/markup-compatibility/2006" xmlns:mv="urn:schemas-microsoft-com:mac:vml" xmlns:p="http://schemas.openxmlformats.org/presentationml/2006/main" xmlns:c="http://schemas.openxmlformats.org/drawingml/2006/chart" xmlns:dgm="http://schemas.openxmlformats.org/drawingml/2006/diagram" xmlns:o="urn:schemas-microsoft-com:office:office" xmlns:v="urn:schemas-microsoft-com:vml" xmlns:pvml="urn:schemas-microsoft-com:office:powerpoint" xmlns:com="http://schemas.openxmlformats.org/drawingml/2006/compatibility" xmlns:p14="http://schemas.microsoft.com/office/powerpoint/2010/main" xmlns:p15="http://schemas.microsoft.com/office/powerpoint/2012/main" xmlns:ahyp="http://schemas.microsoft.com/office/drawing/2018/hyperlinkcolor">
+<p:sld xmlns:a="http://schemas.openxmlformats.org/drawingml/2006/main" xmlns:r="http://schemas.openxmlformats.org/officeDocument/2006/relationships" xmlns:p="http://schemas.openxmlformats.org/presentationml/2006/main">
   <p:cSld>
     <p:spTree>
       <p:nvGrpSpPr>
-        <p:cNvPr id="225" name="Shape 225"/>
+        <p:cNvPr id="1" name="Shape 225"/>
         <p:cNvGrpSpPr/>
         <p:nvPr/>
       </p:nvGrpSpPr>
@@ -10623,7 +10890,9 @@
       <p:sp>
         <p:nvSpPr>
           <p:cNvPr id="226" name="Google Shape;226;p37"/>
-          <p:cNvSpPr txBox="1"/>
+          <p:cNvSpPr txBox="1">
+            <a:spLocks noGrp="1"/>
+          </p:cNvSpPr>
           <p:nvPr>
             <p:ph type="title"/>
           </p:nvPr>
@@ -10638,12 +10907,12 @@
           </a:prstGeom>
         </p:spPr>
         <p:txBody>
-          <a:bodyPr anchorCtr="0" anchor="t" bIns="91425" lIns="91425" spcFirstLastPara="1" rIns="91425" wrap="square" tIns="91425">
+          <a:bodyPr spcFirstLastPara="1" wrap="square" lIns="91425" tIns="91425" rIns="91425" bIns="91425" anchor="t" anchorCtr="0">
             <a:normAutofit fontScale="90000"/>
           </a:bodyPr>
           <a:lstStyle/>
           <a:p>
-            <a:pPr indent="0" lvl="0" marL="0" rtl="0" algn="l">
+            <a:pPr marL="0" lvl="0" indent="0" algn="l" rtl="0">
               <a:spcBef>
                 <a:spcPts val="0"/>
               </a:spcBef>
@@ -10653,7 +10922,7 @@
               <a:buNone/>
             </a:pPr>
             <a:r>
-              <a:rPr b="1" lang="en">
+              <a:rPr lang="en" b="1">
                 <a:solidFill>
                   <a:srgbClr val="0000FF"/>
                 </a:solidFill>
@@ -10716,12 +10985,12 @@
           </a:ln>
         </p:spPr>
         <p:txBody>
-          <a:bodyPr anchorCtr="0" anchor="t" bIns="91425" lIns="91425" spcFirstLastPara="1" rIns="91425" wrap="square" tIns="91425">
+          <a:bodyPr spcFirstLastPara="1" wrap="square" lIns="91425" tIns="91425" rIns="91425" bIns="91425" anchor="t" anchorCtr="0">
             <a:noAutofit/>
           </a:bodyPr>
           <a:lstStyle/>
           <a:p>
-            <a:pPr indent="0" lvl="0" marL="0" rtl="0" algn="l">
+            <a:pPr marL="0" lvl="0" indent="0" algn="l" rtl="0">
               <a:spcBef>
                 <a:spcPts val="0"/>
               </a:spcBef>
@@ -10731,14 +11000,14 @@
               <a:buNone/>
             </a:pPr>
             <a:r>
-              <a:rPr b="1" lang="en" sz="1800">
+              <a:rPr lang="en" sz="1800" b="1">
                 <a:solidFill>
                   <a:srgbClr val="9900FF"/>
                 </a:solidFill>
               </a:rPr>
               <a:t>Revenue Growth rate 15.3% (1.1M) every year from 2024 to 2045</a:t>
             </a:r>
-            <a:endParaRPr b="1" sz="1800">
+            <a:endParaRPr sz="1800" b="1">
               <a:solidFill>
                 <a:srgbClr val="9900FF"/>
               </a:solidFill>
@@ -10755,11 +11024,11 @@
 </file>
 
 <file path=ppt/slides/slide26.xml><?xml version="1.0" encoding="utf-8"?>
-<p:sld xmlns:a="http://schemas.openxmlformats.org/drawingml/2006/main" xmlns:r="http://schemas.openxmlformats.org/officeDocument/2006/relationships" xmlns:mc="http://schemas.openxmlformats.org/markup-compatibility/2006" xmlns:mv="urn:schemas-microsoft-com:mac:vml" xmlns:p="http://schemas.openxmlformats.org/presentationml/2006/main" xmlns:c="http://schemas.openxmlformats.org/drawingml/2006/chart" xmlns:dgm="http://schemas.openxmlformats.org/drawingml/2006/diagram" xmlns:o="urn:schemas-microsoft-com:office:office" xmlns:v="urn:schemas-microsoft-com:vml" xmlns:pvml="urn:schemas-microsoft-com:office:powerpoint" xmlns:com="http://schemas.openxmlformats.org/drawingml/2006/compatibility" xmlns:p14="http://schemas.microsoft.com/office/powerpoint/2010/main" xmlns:p15="http://schemas.microsoft.com/office/powerpoint/2012/main" xmlns:ahyp="http://schemas.microsoft.com/office/drawing/2018/hyperlinkcolor">
+<p:sld xmlns:a="http://schemas.openxmlformats.org/drawingml/2006/main" xmlns:r="http://schemas.openxmlformats.org/officeDocument/2006/relationships" xmlns:p="http://schemas.openxmlformats.org/presentationml/2006/main">
   <p:cSld>
     <p:spTree>
       <p:nvGrpSpPr>
-        <p:cNvPr id="232" name="Shape 232"/>
+        <p:cNvPr id="1" name="Shape 232"/>
         <p:cNvGrpSpPr/>
         <p:nvPr/>
       </p:nvGrpSpPr>
@@ -10802,7 +11071,9 @@
       <p:sp>
         <p:nvSpPr>
           <p:cNvPr id="234" name="Google Shape;234;p38"/>
-          <p:cNvSpPr txBox="1"/>
+          <p:cNvSpPr txBox="1">
+            <a:spLocks noGrp="1"/>
+          </p:cNvSpPr>
           <p:nvPr>
             <p:ph type="title"/>
           </p:nvPr>
@@ -10817,12 +11088,12 @@
           </a:prstGeom>
         </p:spPr>
         <p:txBody>
-          <a:bodyPr anchorCtr="0" anchor="t" bIns="91425" lIns="91425" spcFirstLastPara="1" rIns="91425" wrap="square" tIns="91425">
+          <a:bodyPr spcFirstLastPara="1" wrap="square" lIns="91425" tIns="91425" rIns="91425" bIns="91425" anchor="t" anchorCtr="0">
             <a:normAutofit fontScale="90000"/>
           </a:bodyPr>
           <a:lstStyle/>
           <a:p>
-            <a:pPr indent="0" lvl="0" marL="0" rtl="0" algn="l">
+            <a:pPr marL="0" lvl="0" indent="0" algn="l" rtl="0">
               <a:spcBef>
                 <a:spcPts val="0"/>
               </a:spcBef>
@@ -10832,7 +11103,7 @@
               <a:buNone/>
             </a:pPr>
             <a:r>
-              <a:rPr b="1" lang="en">
+              <a:rPr lang="en" b="1">
                 <a:solidFill>
                   <a:srgbClr val="0000FF"/>
                 </a:solidFill>
@@ -10867,12 +11138,12 @@
           </a:ln>
         </p:spPr>
         <p:txBody>
-          <a:bodyPr anchorCtr="0" anchor="t" bIns="91425" lIns="91425" spcFirstLastPara="1" rIns="91425" wrap="square" tIns="91425">
+          <a:bodyPr spcFirstLastPara="1" wrap="square" lIns="91425" tIns="91425" rIns="91425" bIns="91425" anchor="t" anchorCtr="0">
             <a:noAutofit/>
           </a:bodyPr>
           <a:lstStyle/>
           <a:p>
-            <a:pPr indent="0" lvl="0" marL="0" rtl="0" algn="l">
+            <a:pPr marL="0" lvl="0" indent="0" algn="l" rtl="0">
               <a:spcBef>
                 <a:spcPts val="0"/>
               </a:spcBef>
@@ -10881,10 +11152,7 @@
               </a:spcAft>
               <a:buNone/>
             </a:pPr>
-            <a:r>
-              <a:t/>
-            </a:r>
-            <a:endParaRPr b="1" sz="1800">
+            <a:endParaRPr sz="1800" b="1">
               <a:solidFill>
                 <a:srgbClr val="9900FF"/>
               </a:solidFill>
@@ -10901,11 +11169,11 @@
 </file>
 
 <file path=ppt/slides/slide27.xml><?xml version="1.0" encoding="utf-8"?>
-<p:sld xmlns:a="http://schemas.openxmlformats.org/drawingml/2006/main" xmlns:r="http://schemas.openxmlformats.org/officeDocument/2006/relationships" xmlns:mc="http://schemas.openxmlformats.org/markup-compatibility/2006" xmlns:mv="urn:schemas-microsoft-com:mac:vml" xmlns:p="http://schemas.openxmlformats.org/presentationml/2006/main" xmlns:c="http://schemas.openxmlformats.org/drawingml/2006/chart" xmlns:dgm="http://schemas.openxmlformats.org/drawingml/2006/diagram" xmlns:o="urn:schemas-microsoft-com:office:office" xmlns:v="urn:schemas-microsoft-com:vml" xmlns:pvml="urn:schemas-microsoft-com:office:powerpoint" xmlns:com="http://schemas.openxmlformats.org/drawingml/2006/compatibility" xmlns:p14="http://schemas.microsoft.com/office/powerpoint/2010/main" xmlns:p15="http://schemas.microsoft.com/office/powerpoint/2012/main" xmlns:ahyp="http://schemas.microsoft.com/office/drawing/2018/hyperlinkcolor">
+<p:sld xmlns:a="http://schemas.openxmlformats.org/drawingml/2006/main" xmlns:r="http://schemas.openxmlformats.org/officeDocument/2006/relationships" xmlns:p="http://schemas.openxmlformats.org/presentationml/2006/main">
   <p:cSld>
     <p:spTree>
       <p:nvGrpSpPr>
-        <p:cNvPr id="239" name="Shape 239"/>
+        <p:cNvPr id="1" name="Shape 239"/>
         <p:cNvGrpSpPr/>
         <p:nvPr/>
       </p:nvGrpSpPr>
@@ -10948,7 +11216,9 @@
       <p:sp>
         <p:nvSpPr>
           <p:cNvPr id="241" name="Google Shape;241;p39"/>
-          <p:cNvSpPr txBox="1"/>
+          <p:cNvSpPr txBox="1">
+            <a:spLocks noGrp="1"/>
+          </p:cNvSpPr>
           <p:nvPr>
             <p:ph type="title"/>
           </p:nvPr>
@@ -10963,12 +11233,12 @@
           </a:prstGeom>
         </p:spPr>
         <p:txBody>
-          <a:bodyPr anchorCtr="0" anchor="t" bIns="91425" lIns="91425" spcFirstLastPara="1" rIns="91425" wrap="square" tIns="91425">
+          <a:bodyPr spcFirstLastPara="1" wrap="square" lIns="91425" tIns="91425" rIns="91425" bIns="91425" anchor="t" anchorCtr="0">
             <a:normAutofit fontScale="90000"/>
           </a:bodyPr>
           <a:lstStyle/>
           <a:p>
-            <a:pPr indent="0" lvl="0" marL="0" rtl="0" algn="l">
+            <a:pPr marL="0" lvl="0" indent="0" algn="l" rtl="0">
               <a:spcBef>
                 <a:spcPts val="0"/>
               </a:spcBef>
@@ -10978,7 +11248,7 @@
               <a:buNone/>
             </a:pPr>
             <a:r>
-              <a:rPr b="1" lang="en">
+              <a:rPr lang="en" b="1">
                 <a:solidFill>
                   <a:srgbClr val="0000FF"/>
                 </a:solidFill>
@@ -11013,12 +11283,12 @@
           </a:ln>
         </p:spPr>
         <p:txBody>
-          <a:bodyPr anchorCtr="0" anchor="t" bIns="91425" lIns="91425" spcFirstLastPara="1" rIns="91425" wrap="square" tIns="91425">
+          <a:bodyPr spcFirstLastPara="1" wrap="square" lIns="91425" tIns="91425" rIns="91425" bIns="91425" anchor="t" anchorCtr="0">
             <a:noAutofit/>
           </a:bodyPr>
           <a:lstStyle/>
           <a:p>
-            <a:pPr indent="0" lvl="0" marL="0" rtl="0" algn="l">
+            <a:pPr marL="0" lvl="0" indent="0" algn="l" rtl="0">
               <a:spcBef>
                 <a:spcPts val="0"/>
               </a:spcBef>
@@ -11033,23 +11303,7 @@
                   <a:srgbClr val="9900FF"/>
                 </a:solidFill>
               </a:rPr>
-              <a:t>Car with </a:t>
-            </a:r>
-            <a:r>
-              <a:rPr lang="en" sz="1800">
-                <a:solidFill>
-                  <a:srgbClr val="9900FF"/>
-                </a:solidFill>
-              </a:rPr>
-              <a:t>highest</a:t>
-            </a:r>
-            <a:r>
-              <a:rPr lang="en" sz="1800">
-                <a:solidFill>
-                  <a:srgbClr val="9900FF"/>
-                </a:solidFill>
-              </a:rPr>
-              <a:t> Demand is Toyota</a:t>
+              <a:t>Car with highest Demand is Toyota</a:t>
             </a:r>
             <a:endParaRPr sz="1800">
               <a:solidFill>
@@ -11068,11 +11322,11 @@
 </file>
 
 <file path=ppt/slides/slide28.xml><?xml version="1.0" encoding="utf-8"?>
-<p:sld xmlns:a="http://schemas.openxmlformats.org/drawingml/2006/main" xmlns:r="http://schemas.openxmlformats.org/officeDocument/2006/relationships" xmlns:mc="http://schemas.openxmlformats.org/markup-compatibility/2006" xmlns:mv="urn:schemas-microsoft-com:mac:vml" xmlns:p="http://schemas.openxmlformats.org/presentationml/2006/main" xmlns:c="http://schemas.openxmlformats.org/drawingml/2006/chart" xmlns:dgm="http://schemas.openxmlformats.org/drawingml/2006/diagram" xmlns:o="urn:schemas-microsoft-com:office:office" xmlns:v="urn:schemas-microsoft-com:vml" xmlns:pvml="urn:schemas-microsoft-com:office:powerpoint" xmlns:com="http://schemas.openxmlformats.org/drawingml/2006/compatibility" xmlns:p14="http://schemas.microsoft.com/office/powerpoint/2010/main" xmlns:p15="http://schemas.microsoft.com/office/powerpoint/2012/main" xmlns:ahyp="http://schemas.microsoft.com/office/drawing/2018/hyperlinkcolor">
+<p:sld xmlns:a="http://schemas.openxmlformats.org/drawingml/2006/main" xmlns:r="http://schemas.openxmlformats.org/officeDocument/2006/relationships" xmlns:p="http://schemas.openxmlformats.org/presentationml/2006/main">
   <p:cSld>
     <p:spTree>
       <p:nvGrpSpPr>
-        <p:cNvPr id="246" name="Shape 246"/>
+        <p:cNvPr id="1" name="Shape 246"/>
         <p:cNvGrpSpPr/>
         <p:nvPr/>
       </p:nvGrpSpPr>
@@ -11087,7 +11341,9 @@
       <p:sp>
         <p:nvSpPr>
           <p:cNvPr id="247" name="Google Shape;247;p40"/>
-          <p:cNvSpPr txBox="1"/>
+          <p:cNvSpPr txBox="1">
+            <a:spLocks noGrp="1"/>
+          </p:cNvSpPr>
           <p:nvPr>
             <p:ph type="title"/>
           </p:nvPr>
@@ -11102,12 +11358,12 @@
           </a:prstGeom>
         </p:spPr>
         <p:txBody>
-          <a:bodyPr anchorCtr="0" anchor="t" bIns="91425" lIns="91425" spcFirstLastPara="1" rIns="91425" wrap="square" tIns="91425">
+          <a:bodyPr spcFirstLastPara="1" wrap="square" lIns="91425" tIns="91425" rIns="91425" bIns="91425" anchor="t" anchorCtr="0">
             <a:normAutofit fontScale="90000"/>
           </a:bodyPr>
           <a:lstStyle/>
           <a:p>
-            <a:pPr indent="0" lvl="0" marL="0" rtl="0" algn="l">
+            <a:pPr marL="0" lvl="0" indent="0" algn="l" rtl="0">
               <a:spcBef>
                 <a:spcPts val="0"/>
               </a:spcBef>
@@ -11117,7 +11373,7 @@
               <a:buNone/>
             </a:pPr>
             <a:r>
-              <a:rPr b="1" lang="en">
+              <a:rPr lang="en" b="1">
                 <a:solidFill>
                   <a:srgbClr val="0000FF"/>
                 </a:solidFill>
@@ -11135,9 +11391,11 @@
       <p:sp>
         <p:nvSpPr>
           <p:cNvPr id="248" name="Google Shape;248;p40"/>
-          <p:cNvSpPr txBox="1"/>
+          <p:cNvSpPr txBox="1">
+            <a:spLocks noGrp="1"/>
+          </p:cNvSpPr>
           <p:nvPr>
-            <p:ph idx="1" type="body"/>
+            <p:ph type="body" idx="1"/>
           </p:nvPr>
         </p:nvSpPr>
         <p:spPr>
@@ -11150,12 +11408,12 @@
           </a:prstGeom>
         </p:spPr>
         <p:txBody>
-          <a:bodyPr anchorCtr="0" anchor="t" bIns="91425" lIns="91425" spcFirstLastPara="1" rIns="91425" wrap="square" tIns="91425">
+          <a:bodyPr spcFirstLastPara="1" wrap="square" lIns="91425" tIns="91425" rIns="91425" bIns="91425" anchor="t" anchorCtr="0">
             <a:normAutofit/>
           </a:bodyPr>
           <a:lstStyle/>
           <a:p>
-            <a:pPr indent="-342900" lvl="0" marL="457200" rtl="0" algn="l">
+            <a:pPr marL="457200" lvl="0" indent="-342900" algn="l" rtl="0">
               <a:spcBef>
                 <a:spcPts val="0"/>
               </a:spcBef>
@@ -11183,7 +11441,7 @@
             </a:endParaRPr>
           </a:p>
           <a:p>
-            <a:pPr indent="-342900" lvl="0" marL="457200" rtl="0" algn="l">
+            <a:pPr marL="457200" lvl="0" indent="-342900" algn="l" rtl="0">
               <a:spcBef>
                 <a:spcPts val="0"/>
               </a:spcBef>
@@ -11211,7 +11469,7 @@
             </a:endParaRPr>
           </a:p>
           <a:p>
-            <a:pPr indent="-342900" lvl="0" marL="457200" rtl="0" algn="l">
+            <a:pPr marL="457200" lvl="0" indent="-342900" algn="l" rtl="0">
               <a:spcBef>
                 <a:spcPts val="0"/>
               </a:spcBef>
@@ -11239,7 +11497,7 @@
             </a:endParaRPr>
           </a:p>
           <a:p>
-            <a:pPr indent="-342900" lvl="0" marL="457200" rtl="0" algn="l">
+            <a:pPr marL="457200" lvl="0" indent="-342900" algn="l" rtl="0">
               <a:spcBef>
                 <a:spcPts val="0"/>
               </a:spcBef>
@@ -11267,7 +11525,7 @@
             </a:endParaRPr>
           </a:p>
           <a:p>
-            <a:pPr indent="-342900" lvl="0" marL="457200" rtl="0" algn="l">
+            <a:pPr marL="457200" lvl="0" indent="-342900" algn="l" rtl="0">
               <a:spcBef>
                 <a:spcPts val="0"/>
               </a:spcBef>
@@ -11295,7 +11553,7 @@
             </a:endParaRPr>
           </a:p>
           <a:p>
-            <a:pPr indent="-342900" lvl="0" marL="457200" rtl="0" algn="l">
+            <a:pPr marL="457200" lvl="0" indent="-342900" algn="l" rtl="0">
               <a:spcBef>
                 <a:spcPts val="0"/>
               </a:spcBef>
@@ -11333,11 +11591,11 @@
 </file>
 
 <file path=ppt/slides/slide29.xml><?xml version="1.0" encoding="utf-8"?>
-<p:sld xmlns:a="http://schemas.openxmlformats.org/drawingml/2006/main" xmlns:r="http://schemas.openxmlformats.org/officeDocument/2006/relationships" xmlns:mc="http://schemas.openxmlformats.org/markup-compatibility/2006" xmlns:mv="urn:schemas-microsoft-com:mac:vml" xmlns:p="http://schemas.openxmlformats.org/presentationml/2006/main" xmlns:c="http://schemas.openxmlformats.org/drawingml/2006/chart" xmlns:dgm="http://schemas.openxmlformats.org/drawingml/2006/diagram" xmlns:o="urn:schemas-microsoft-com:office:office" xmlns:v="urn:schemas-microsoft-com:vml" xmlns:pvml="urn:schemas-microsoft-com:office:powerpoint" xmlns:com="http://schemas.openxmlformats.org/drawingml/2006/compatibility" xmlns:p14="http://schemas.microsoft.com/office/powerpoint/2010/main" xmlns:p15="http://schemas.microsoft.com/office/powerpoint/2012/main" xmlns:ahyp="http://schemas.microsoft.com/office/drawing/2018/hyperlinkcolor">
+<p:sld xmlns:a="http://schemas.openxmlformats.org/drawingml/2006/main" xmlns:r="http://schemas.openxmlformats.org/officeDocument/2006/relationships" xmlns:p="http://schemas.openxmlformats.org/presentationml/2006/main">
   <p:cSld>
     <p:spTree>
       <p:nvGrpSpPr>
-        <p:cNvPr id="252" name="Shape 252"/>
+        <p:cNvPr id="1" name="Shape 252"/>
         <p:cNvGrpSpPr/>
         <p:nvPr/>
       </p:nvGrpSpPr>
@@ -11352,7 +11610,9 @@
       <p:sp>
         <p:nvSpPr>
           <p:cNvPr id="253" name="Google Shape;253;p41"/>
-          <p:cNvSpPr txBox="1"/>
+          <p:cNvSpPr txBox="1">
+            <a:spLocks noGrp="1"/>
+          </p:cNvSpPr>
           <p:nvPr>
             <p:ph type="title"/>
           </p:nvPr>
@@ -11367,12 +11627,12 @@
           </a:prstGeom>
         </p:spPr>
         <p:txBody>
-          <a:bodyPr anchorCtr="0" anchor="t" bIns="91425" lIns="91425" spcFirstLastPara="1" rIns="91425" wrap="square" tIns="91425">
+          <a:bodyPr spcFirstLastPara="1" wrap="square" lIns="91425" tIns="91425" rIns="91425" bIns="91425" anchor="t" anchorCtr="0">
             <a:normAutofit fontScale="90000"/>
           </a:bodyPr>
           <a:lstStyle/>
           <a:p>
-            <a:pPr indent="0" lvl="0" marL="0" rtl="0" algn="l">
+            <a:pPr marL="0" lvl="0" indent="0" algn="l" rtl="0">
               <a:spcBef>
                 <a:spcPts val="0"/>
               </a:spcBef>
@@ -11392,9 +11652,11 @@
       <p:sp>
         <p:nvSpPr>
           <p:cNvPr id="254" name="Google Shape;254;p41"/>
-          <p:cNvSpPr txBox="1"/>
+          <p:cNvSpPr txBox="1">
+            <a:spLocks noGrp="1"/>
+          </p:cNvSpPr>
           <p:nvPr>
-            <p:ph idx="1" type="body"/>
+            <p:ph type="body" idx="1"/>
           </p:nvPr>
         </p:nvSpPr>
         <p:spPr>
@@ -11407,12 +11669,12 @@
           </a:prstGeom>
         </p:spPr>
         <p:txBody>
-          <a:bodyPr anchorCtr="0" anchor="t" bIns="91425" lIns="91425" spcFirstLastPara="1" rIns="91425" wrap="square" tIns="91425">
+          <a:bodyPr spcFirstLastPara="1" wrap="square" lIns="91425" tIns="91425" rIns="91425" bIns="91425" anchor="t" anchorCtr="0">
             <a:normAutofit/>
           </a:bodyPr>
           <a:lstStyle/>
           <a:p>
-            <a:pPr indent="0" lvl="0" marL="0" rtl="0" algn="l">
+            <a:pPr marL="0" lvl="0" indent="0" algn="l" rtl="0">
               <a:spcBef>
                 <a:spcPts val="0"/>
               </a:spcBef>
@@ -11446,11 +11708,11 @@
 </file>
 
 <file path=ppt/slides/slide3.xml><?xml version="1.0" encoding="utf-8"?>
-<p:sld xmlns:a="http://schemas.openxmlformats.org/drawingml/2006/main" xmlns:r="http://schemas.openxmlformats.org/officeDocument/2006/relationships" xmlns:mc="http://schemas.openxmlformats.org/markup-compatibility/2006" xmlns:mv="urn:schemas-microsoft-com:mac:vml" xmlns:p="http://schemas.openxmlformats.org/presentationml/2006/main" xmlns:c="http://schemas.openxmlformats.org/drawingml/2006/chart" xmlns:dgm="http://schemas.openxmlformats.org/drawingml/2006/diagram" xmlns:o="urn:schemas-microsoft-com:office:office" xmlns:v="urn:schemas-microsoft-com:vml" xmlns:pvml="urn:schemas-microsoft-com:office:powerpoint" xmlns:com="http://schemas.openxmlformats.org/drawingml/2006/compatibility" xmlns:p14="http://schemas.microsoft.com/office/powerpoint/2010/main" xmlns:p15="http://schemas.microsoft.com/office/powerpoint/2012/main" xmlns:ahyp="http://schemas.microsoft.com/office/drawing/2018/hyperlinkcolor">
+<p:sld xmlns:a="http://schemas.openxmlformats.org/drawingml/2006/main" xmlns:r="http://schemas.openxmlformats.org/officeDocument/2006/relationships" xmlns:p="http://schemas.openxmlformats.org/presentationml/2006/main">
   <p:cSld>
     <p:spTree>
       <p:nvGrpSpPr>
-        <p:cNvPr id="67" name="Shape 67"/>
+        <p:cNvPr id="1" name="Shape 67"/>
         <p:cNvGrpSpPr/>
         <p:nvPr/>
       </p:nvGrpSpPr>
@@ -11465,9 +11727,11 @@
       <p:sp>
         <p:nvSpPr>
           <p:cNvPr id="68" name="Google Shape;68;p15"/>
-          <p:cNvSpPr txBox="1"/>
+          <p:cNvSpPr txBox="1">
+            <a:spLocks noGrp="1"/>
+          </p:cNvSpPr>
           <p:nvPr>
-            <p:ph idx="1" type="body"/>
+            <p:ph type="body" idx="1"/>
           </p:nvPr>
         </p:nvSpPr>
         <p:spPr>
@@ -11480,12 +11744,12 @@
           </a:prstGeom>
         </p:spPr>
         <p:txBody>
-          <a:bodyPr anchorCtr="0" anchor="t" bIns="91425" lIns="91425" spcFirstLastPara="1" rIns="91425" wrap="square" tIns="91425">
+          <a:bodyPr spcFirstLastPara="1" wrap="square" lIns="91425" tIns="91425" rIns="91425" bIns="91425" anchor="t" anchorCtr="0">
             <a:normAutofit/>
           </a:bodyPr>
           <a:lstStyle/>
           <a:p>
-            <a:pPr indent="-342900" lvl="0" marL="457200" rtl="0" algn="l">
+            <a:pPr marL="457200" lvl="0" indent="-342900" algn="l" rtl="0">
               <a:spcBef>
                 <a:spcPts val="0"/>
               </a:spcBef>
@@ -11513,7 +11777,7 @@
             </a:endParaRPr>
           </a:p>
           <a:p>
-            <a:pPr indent="-342900" lvl="0" marL="457200" rtl="0" algn="l">
+            <a:pPr marL="457200" lvl="0" indent="-342900" algn="l" rtl="0">
               <a:spcBef>
                 <a:spcPts val="0"/>
               </a:spcBef>
@@ -11541,7 +11805,7 @@
             </a:endParaRPr>
           </a:p>
           <a:p>
-            <a:pPr indent="-342900" lvl="0" marL="457200" rtl="0" algn="l">
+            <a:pPr marL="457200" lvl="0" indent="-342900" algn="l" rtl="0">
               <a:spcBef>
                 <a:spcPts val="0"/>
               </a:spcBef>
@@ -11569,7 +11833,7 @@
             </a:endParaRPr>
           </a:p>
           <a:p>
-            <a:pPr indent="-342900" lvl="0" marL="457200" rtl="0" algn="l">
+            <a:pPr marL="457200" lvl="0" indent="-342900" algn="l" rtl="0">
               <a:spcBef>
                 <a:spcPts val="0"/>
               </a:spcBef>
@@ -11597,7 +11861,7 @@
             </a:endParaRPr>
           </a:p>
           <a:p>
-            <a:pPr indent="-342900" lvl="0" marL="457200" rtl="0" algn="l">
+            <a:pPr marL="457200" lvl="0" indent="-342900" algn="l" rtl="0">
               <a:spcBef>
                 <a:spcPts val="0"/>
               </a:spcBef>
@@ -11625,7 +11889,7 @@
             </a:endParaRPr>
           </a:p>
           <a:p>
-            <a:pPr indent="-342900" lvl="0" marL="457200" rtl="0" algn="l">
+            <a:pPr marL="457200" lvl="0" indent="-342900" algn="l" rtl="0">
               <a:spcBef>
                 <a:spcPts val="0"/>
               </a:spcBef>
@@ -11657,7 +11921,9 @@
       <p:sp>
         <p:nvSpPr>
           <p:cNvPr id="69" name="Google Shape;69;p15"/>
-          <p:cNvSpPr txBox="1"/>
+          <p:cNvSpPr txBox="1">
+            <a:spLocks noGrp="1"/>
+          </p:cNvSpPr>
           <p:nvPr>
             <p:ph type="title"/>
           </p:nvPr>
@@ -11672,12 +11938,12 @@
           </a:prstGeom>
         </p:spPr>
         <p:txBody>
-          <a:bodyPr anchorCtr="0" anchor="t" bIns="91425" lIns="91425" spcFirstLastPara="1" rIns="91425" wrap="square" tIns="91425">
+          <a:bodyPr spcFirstLastPara="1" wrap="square" lIns="91425" tIns="91425" rIns="91425" bIns="91425" anchor="t" anchorCtr="0">
             <a:normAutofit fontScale="90000"/>
           </a:bodyPr>
           <a:lstStyle/>
           <a:p>
-            <a:pPr indent="0" lvl="0" marL="0" rtl="0" algn="l">
+            <a:pPr marL="0" lvl="0" indent="0" algn="l" rtl="0">
               <a:spcBef>
                 <a:spcPts val="0"/>
               </a:spcBef>
@@ -11687,7 +11953,7 @@
               <a:buNone/>
             </a:pPr>
             <a:r>
-              <a:rPr b="1" lang="en">
+              <a:rPr lang="en" b="1">
                 <a:solidFill>
                   <a:srgbClr val="0000FF"/>
                 </a:solidFill>
@@ -11711,11 +11977,11 @@
 </file>
 
 <file path=ppt/slides/slide30.xml><?xml version="1.0" encoding="utf-8"?>
-<p:sld xmlns:a="http://schemas.openxmlformats.org/drawingml/2006/main" xmlns:r="http://schemas.openxmlformats.org/officeDocument/2006/relationships" xmlns:mc="http://schemas.openxmlformats.org/markup-compatibility/2006" xmlns:mv="urn:schemas-microsoft-com:mac:vml" xmlns:p="http://schemas.openxmlformats.org/presentationml/2006/main" xmlns:c="http://schemas.openxmlformats.org/drawingml/2006/chart" xmlns:dgm="http://schemas.openxmlformats.org/drawingml/2006/diagram" xmlns:o="urn:schemas-microsoft-com:office:office" xmlns:v="urn:schemas-microsoft-com:vml" xmlns:pvml="urn:schemas-microsoft-com:office:powerpoint" xmlns:com="http://schemas.openxmlformats.org/drawingml/2006/compatibility" xmlns:p14="http://schemas.microsoft.com/office/powerpoint/2010/main" xmlns:p15="http://schemas.microsoft.com/office/powerpoint/2012/main" xmlns:ahyp="http://schemas.microsoft.com/office/drawing/2018/hyperlinkcolor">
+<p:sld xmlns:a="http://schemas.openxmlformats.org/drawingml/2006/main" xmlns:r="http://schemas.openxmlformats.org/officeDocument/2006/relationships" xmlns:p="http://schemas.openxmlformats.org/presentationml/2006/main">
   <p:cSld>
     <p:spTree>
       <p:nvGrpSpPr>
-        <p:cNvPr id="258" name="Shape 258"/>
+        <p:cNvPr id="1" name="Shape 258"/>
         <p:cNvGrpSpPr/>
         <p:nvPr/>
       </p:nvGrpSpPr>
@@ -11764,11 +12030,11 @@
 </file>
 
 <file path=ppt/slides/slide4.xml><?xml version="1.0" encoding="utf-8"?>
-<p:sld xmlns:a="http://schemas.openxmlformats.org/drawingml/2006/main" xmlns:r="http://schemas.openxmlformats.org/officeDocument/2006/relationships" xmlns:mc="http://schemas.openxmlformats.org/markup-compatibility/2006" xmlns:mv="urn:schemas-microsoft-com:mac:vml" xmlns:p="http://schemas.openxmlformats.org/presentationml/2006/main" xmlns:c="http://schemas.openxmlformats.org/drawingml/2006/chart" xmlns:dgm="http://schemas.openxmlformats.org/drawingml/2006/diagram" xmlns:o="urn:schemas-microsoft-com:office:office" xmlns:v="urn:schemas-microsoft-com:vml" xmlns:pvml="urn:schemas-microsoft-com:office:powerpoint" xmlns:com="http://schemas.openxmlformats.org/drawingml/2006/compatibility" xmlns:p14="http://schemas.microsoft.com/office/powerpoint/2010/main" xmlns:p15="http://schemas.microsoft.com/office/powerpoint/2012/main" xmlns:ahyp="http://schemas.microsoft.com/office/drawing/2018/hyperlinkcolor">
+<p:sld xmlns:a="http://schemas.openxmlformats.org/drawingml/2006/main" xmlns:r="http://schemas.openxmlformats.org/officeDocument/2006/relationships" xmlns:p="http://schemas.openxmlformats.org/presentationml/2006/main">
   <p:cSld>
     <p:spTree>
       <p:nvGrpSpPr>
-        <p:cNvPr id="73" name="Shape 73"/>
+        <p:cNvPr id="1" name="Shape 73"/>
         <p:cNvGrpSpPr/>
         <p:nvPr/>
       </p:nvGrpSpPr>
@@ -11783,7 +12049,9 @@
       <p:sp>
         <p:nvSpPr>
           <p:cNvPr id="74" name="Google Shape;74;p16"/>
-          <p:cNvSpPr txBox="1"/>
+          <p:cNvSpPr txBox="1">
+            <a:spLocks noGrp="1"/>
+          </p:cNvSpPr>
           <p:nvPr>
             <p:ph type="title"/>
           </p:nvPr>
@@ -11798,12 +12066,12 @@
           </a:prstGeom>
         </p:spPr>
         <p:txBody>
-          <a:bodyPr anchorCtr="0" anchor="t" bIns="91425" lIns="91425" spcFirstLastPara="1" rIns="91425" wrap="square" tIns="91425">
+          <a:bodyPr spcFirstLastPara="1" wrap="square" lIns="91425" tIns="91425" rIns="91425" bIns="91425" anchor="t" anchorCtr="0">
             <a:normAutofit fontScale="90000"/>
           </a:bodyPr>
           <a:lstStyle/>
           <a:p>
-            <a:pPr indent="0" lvl="0" marL="0" rtl="0" algn="l">
+            <a:pPr marL="0" lvl="0" indent="0" algn="l" rtl="0">
               <a:spcBef>
                 <a:spcPts val="0"/>
               </a:spcBef>
@@ -11813,7 +12081,7 @@
               <a:buNone/>
             </a:pPr>
             <a:r>
-              <a:rPr b="1" lang="en">
+              <a:rPr lang="en" b="1">
                 <a:solidFill>
                   <a:srgbClr val="0000FF"/>
                 </a:solidFill>
@@ -11831,9 +12099,11 @@
       <p:sp>
         <p:nvSpPr>
           <p:cNvPr id="75" name="Google Shape;75;p16"/>
-          <p:cNvSpPr txBox="1"/>
+          <p:cNvSpPr txBox="1">
+            <a:spLocks noGrp="1"/>
+          </p:cNvSpPr>
           <p:nvPr>
-            <p:ph idx="1" type="body"/>
+            <p:ph type="body" idx="1"/>
           </p:nvPr>
         </p:nvSpPr>
         <p:spPr>
@@ -11846,12 +12116,12 @@
           </a:prstGeom>
         </p:spPr>
         <p:txBody>
-          <a:bodyPr anchorCtr="0" anchor="t" bIns="91425" lIns="91425" spcFirstLastPara="1" rIns="91425" wrap="square" tIns="91425">
-            <a:normAutofit fontScale="92500"/>
+          <a:bodyPr spcFirstLastPara="1" wrap="square" lIns="91425" tIns="91425" rIns="91425" bIns="91425" anchor="t" anchorCtr="0">
+            <a:normAutofit fontScale="92500" lnSpcReduction="20000"/>
           </a:bodyPr>
           <a:lstStyle/>
           <a:p>
-            <a:pPr indent="0" lvl="0" marL="0" rtl="0" algn="l">
+            <a:pPr marL="0" lvl="0" indent="0" algn="l" rtl="0">
               <a:spcBef>
                 <a:spcPts val="0"/>
               </a:spcBef>
@@ -11866,39 +12136,7 @@
                   <a:schemeClr val="dk1"/>
                 </a:solidFill>
               </a:rPr>
-              <a:t>The product from </a:t>
-            </a:r>
-            <a:r>
-              <a:rPr lang="en">
-                <a:solidFill>
-                  <a:schemeClr val="dk1"/>
-                </a:solidFill>
-              </a:rPr>
-              <a:t>manufacturers sale price</a:t>
-            </a:r>
-            <a:r>
-              <a:rPr lang="en">
-                <a:solidFill>
-                  <a:schemeClr val="dk1"/>
-                </a:solidFill>
-              </a:rPr>
-              <a:t> to final sale are </a:t>
-            </a:r>
-            <a:r>
-              <a:rPr lang="en">
-                <a:solidFill>
-                  <a:schemeClr val="dk1"/>
-                </a:solidFill>
-              </a:rPr>
-              <a:t>difference</a:t>
-            </a:r>
-            <a:r>
-              <a:rPr lang="en">
-                <a:solidFill>
-                  <a:schemeClr val="dk1"/>
-                </a:solidFill>
-              </a:rPr>
-              <a:t>. In this dataset was shown that</a:t>
+              <a:t>The product from manufacturers sale price to final sale are difference. In this dataset was shown that</a:t>
             </a:r>
             <a:endParaRPr>
               <a:solidFill>
@@ -11930,12 +12168,12 @@
           </a:ln>
         </p:spPr>
         <p:txBody>
-          <a:bodyPr anchorCtr="0" anchor="ctr" bIns="91425" lIns="91425" spcFirstLastPara="1" rIns="91425" wrap="square" tIns="91425">
+          <a:bodyPr spcFirstLastPara="1" wrap="square" lIns="91425" tIns="91425" rIns="91425" bIns="91425" anchor="ctr" anchorCtr="0">
             <a:noAutofit/>
           </a:bodyPr>
           <a:lstStyle/>
           <a:p>
-            <a:pPr indent="0" lvl="0" marL="0" rtl="0" algn="ctr">
+            <a:pPr marL="0" lvl="0" indent="0" algn="ctr" rtl="0">
               <a:spcBef>
                 <a:spcPts val="0"/>
               </a:spcBef>
@@ -11982,12 +12220,12 @@
           </a:ln>
         </p:spPr>
         <p:txBody>
-          <a:bodyPr anchorCtr="0" anchor="ctr" bIns="91425" lIns="91425" spcFirstLastPara="1" rIns="91425" wrap="square" tIns="91425">
+          <a:bodyPr spcFirstLastPara="1" wrap="square" lIns="91425" tIns="91425" rIns="91425" bIns="91425" anchor="ctr" anchorCtr="0">
             <a:noAutofit/>
           </a:bodyPr>
           <a:lstStyle/>
           <a:p>
-            <a:pPr indent="0" lvl="0" marL="0" rtl="0" algn="ctr">
+            <a:pPr marL="0" lvl="0" indent="0" algn="ctr" rtl="0">
               <a:spcBef>
                 <a:spcPts val="0"/>
               </a:spcBef>
@@ -12034,12 +12272,12 @@
           </a:ln>
         </p:spPr>
         <p:txBody>
-          <a:bodyPr anchorCtr="0" anchor="ctr" bIns="91425" lIns="91425" spcFirstLastPara="1" rIns="91425" wrap="square" tIns="91425">
+          <a:bodyPr spcFirstLastPara="1" wrap="square" lIns="91425" tIns="91425" rIns="91425" bIns="91425" anchor="ctr" anchorCtr="0">
             <a:noAutofit/>
           </a:bodyPr>
           <a:lstStyle/>
           <a:p>
-            <a:pPr indent="0" lvl="0" marL="0" rtl="0" algn="ctr">
+            <a:pPr marL="0" lvl="0" indent="0" algn="ctr" rtl="0">
               <a:spcBef>
                 <a:spcPts val="0"/>
               </a:spcBef>
@@ -12054,15 +12292,7 @@
                   <a:schemeClr val="dk1"/>
                 </a:solidFill>
               </a:rPr>
-              <a:t>Original</a:t>
-            </a:r>
-            <a:r>
-              <a:rPr lang="en" sz="1800">
-                <a:solidFill>
-                  <a:schemeClr val="dk1"/>
-                </a:solidFill>
-              </a:rPr>
-              <a:t> Car price </a:t>
+              <a:t>Original Car price </a:t>
             </a:r>
             <a:endParaRPr sz="1800">
               <a:solidFill>
@@ -12094,12 +12324,12 @@
           </a:ln>
         </p:spPr>
         <p:txBody>
-          <a:bodyPr anchorCtr="0" anchor="ctr" bIns="91425" lIns="91425" spcFirstLastPara="1" rIns="91425" wrap="square" tIns="91425">
+          <a:bodyPr spcFirstLastPara="1" wrap="square" lIns="91425" tIns="91425" rIns="91425" bIns="91425" anchor="ctr" anchorCtr="0">
             <a:noAutofit/>
           </a:bodyPr>
           <a:lstStyle/>
           <a:p>
-            <a:pPr indent="0" lvl="0" marL="0" rtl="0" algn="ctr">
+            <a:pPr marL="0" lvl="0" indent="0" algn="ctr" rtl="0">
               <a:spcBef>
                 <a:spcPts val="0"/>
               </a:spcBef>
@@ -12146,12 +12376,12 @@
           </a:ln>
         </p:spPr>
         <p:txBody>
-          <a:bodyPr anchorCtr="0" anchor="ctr" bIns="91425" lIns="91425" spcFirstLastPara="1" rIns="91425" wrap="square" tIns="91425">
+          <a:bodyPr spcFirstLastPara="1" wrap="square" lIns="91425" tIns="91425" rIns="91425" bIns="91425" anchor="ctr" anchorCtr="0">
             <a:noAutofit/>
           </a:bodyPr>
           <a:lstStyle/>
           <a:p>
-            <a:pPr indent="0" lvl="0" marL="0" rtl="0" algn="ctr">
+            <a:pPr marL="0" lvl="0" indent="0" algn="ctr" rtl="0">
               <a:spcBef>
                 <a:spcPts val="0"/>
               </a:spcBef>
@@ -12166,15 +12396,7 @@
                   <a:schemeClr val="dk1"/>
                 </a:solidFill>
               </a:rPr>
-              <a:t>Exclude </a:t>
-            </a:r>
-            <a:r>
-              <a:rPr lang="en" sz="1800">
-                <a:solidFill>
-                  <a:schemeClr val="dk1"/>
-                </a:solidFill>
-              </a:rPr>
-              <a:t>commission</a:t>
+              <a:t>Exclude commission</a:t>
             </a:r>
             <a:endParaRPr sz="1800">
               <a:solidFill>
@@ -12206,12 +12428,12 @@
           </a:ln>
         </p:spPr>
         <p:txBody>
-          <a:bodyPr anchorCtr="0" anchor="ctr" bIns="91425" lIns="91425" spcFirstLastPara="1" rIns="91425" wrap="square" tIns="91425">
+          <a:bodyPr spcFirstLastPara="1" wrap="square" lIns="91425" tIns="91425" rIns="91425" bIns="91425" anchor="ctr" anchorCtr="0">
             <a:noAutofit/>
           </a:bodyPr>
           <a:lstStyle/>
           <a:p>
-            <a:pPr indent="0" lvl="0" marL="0" rtl="0" algn="ctr">
+            <a:pPr marL="0" lvl="0" indent="0" algn="ctr" rtl="0">
               <a:spcBef>
                 <a:spcPts val="0"/>
               </a:spcBef>
@@ -12253,14 +12475,14 @@
             <a:avLst/>
           </a:prstGeom>
           <a:noFill/>
-          <a:ln cap="flat" cmpd="sng" w="19050">
+          <a:ln w="19050" cap="flat" cmpd="sng">
             <a:solidFill>
               <a:srgbClr val="0000FF"/>
             </a:solidFill>
             <a:prstDash val="solid"/>
             <a:round/>
-            <a:headEnd len="med" w="med" type="none"/>
-            <a:tailEnd len="med" w="med" type="triangle"/>
+            <a:headEnd type="none" w="med" len="med"/>
+            <a:tailEnd type="triangle" w="med" len="med"/>
           </a:ln>
         </p:spPr>
       </p:cxnSp>
@@ -12279,14 +12501,14 @@
             <a:avLst/>
           </a:prstGeom>
           <a:noFill/>
-          <a:ln cap="flat" cmpd="sng" w="19050">
+          <a:ln w="19050" cap="flat" cmpd="sng">
             <a:solidFill>
               <a:srgbClr val="0000FF"/>
             </a:solidFill>
             <a:prstDash val="solid"/>
             <a:round/>
-            <a:headEnd len="med" w="med" type="none"/>
-            <a:tailEnd len="med" w="med" type="triangle"/>
+            <a:headEnd type="none" w="med" len="med"/>
+            <a:tailEnd type="triangle" w="med" len="med"/>
           </a:ln>
         </p:spPr>
       </p:cxnSp>
@@ -12305,14 +12527,14 @@
             <a:avLst/>
           </a:prstGeom>
           <a:noFill/>
-          <a:ln cap="flat" cmpd="sng" w="19050">
+          <a:ln w="19050" cap="flat" cmpd="sng">
             <a:solidFill>
               <a:srgbClr val="0000FF"/>
             </a:solidFill>
             <a:prstDash val="solid"/>
             <a:round/>
-            <a:headEnd len="med" w="med" type="none"/>
-            <a:tailEnd len="med" w="med" type="triangle"/>
+            <a:headEnd type="none" w="med" len="med"/>
+            <a:tailEnd type="triangle" w="med" len="med"/>
           </a:ln>
         </p:spPr>
       </p:cxnSp>
@@ -12331,14 +12553,14 @@
             <a:avLst/>
           </a:prstGeom>
           <a:noFill/>
-          <a:ln cap="flat" cmpd="sng" w="19050">
+          <a:ln w="19050" cap="flat" cmpd="sng">
             <a:solidFill>
               <a:srgbClr val="0000FF"/>
             </a:solidFill>
             <a:prstDash val="solid"/>
             <a:round/>
-            <a:headEnd len="med" w="med" type="none"/>
-            <a:tailEnd len="med" w="med" type="triangle"/>
+            <a:headEnd type="none" w="med" len="med"/>
+            <a:tailEnd type="triangle" w="med" len="med"/>
           </a:ln>
         </p:spPr>
       </p:cxnSp>
@@ -12357,14 +12579,14 @@
             <a:avLst/>
           </a:prstGeom>
           <a:noFill/>
-          <a:ln cap="flat" cmpd="sng" w="19050">
+          <a:ln w="19050" cap="flat" cmpd="sng">
             <a:solidFill>
               <a:srgbClr val="0000FF"/>
             </a:solidFill>
             <a:prstDash val="solid"/>
             <a:round/>
-            <a:headEnd len="med" w="med" type="none"/>
-            <a:tailEnd len="med" w="med" type="triangle"/>
+            <a:headEnd type="none" w="med" len="med"/>
+            <a:tailEnd type="triangle" w="med" len="med"/>
           </a:ln>
         </p:spPr>
       </p:cxnSp>
@@ -12388,12 +12610,12 @@
           </a:ln>
         </p:spPr>
         <p:txBody>
-          <a:bodyPr anchorCtr="0" anchor="t" bIns="91425" lIns="91425" spcFirstLastPara="1" rIns="91425" wrap="square" tIns="91425">
+          <a:bodyPr spcFirstLastPara="1" wrap="square" lIns="91425" tIns="91425" rIns="91425" bIns="91425" anchor="t" anchorCtr="0">
             <a:noAutofit/>
           </a:bodyPr>
           <a:lstStyle/>
           <a:p>
-            <a:pPr indent="0" lvl="0" marL="0" rtl="0" algn="l">
+            <a:pPr marL="0" lvl="0" indent="0" algn="l" rtl="0">
               <a:lnSpc>
                 <a:spcPct val="150000"/>
               </a:lnSpc>
@@ -12406,7 +12628,7 @@
               <a:buNone/>
             </a:pPr>
             <a:r>
-              <a:rPr b="1" lang="en">
+              <a:rPr lang="en" b="1">
                 <a:solidFill>
                   <a:schemeClr val="dk1"/>
                 </a:solidFill>
@@ -12420,7 +12642,7 @@
             </a:endParaRPr>
           </a:p>
           <a:p>
-            <a:pPr indent="0" lvl="0" marL="0" rtl="0" algn="l">
+            <a:pPr marL="0" lvl="0" indent="0" algn="l" rtl="0">
               <a:lnSpc>
                 <a:spcPct val="150000"/>
               </a:lnSpc>
@@ -12447,7 +12669,7 @@
             </a:endParaRPr>
           </a:p>
           <a:p>
-            <a:pPr indent="0" lvl="0" marL="0" rtl="0" algn="l">
+            <a:pPr marL="0" lvl="0" indent="0" algn="l" rtl="0">
               <a:lnSpc>
                 <a:spcPct val="150000"/>
               </a:lnSpc>
@@ -12474,7 +12696,7 @@
             </a:endParaRPr>
           </a:p>
           <a:p>
-            <a:pPr indent="0" lvl="0" marL="0" rtl="0" algn="l">
+            <a:pPr marL="0" lvl="0" indent="0" algn="l" rtl="0">
               <a:lnSpc>
                 <a:spcPct val="150000"/>
               </a:lnSpc>
@@ -12501,7 +12723,7 @@
             </a:endParaRPr>
           </a:p>
           <a:p>
-            <a:pPr indent="0" lvl="0" marL="0" rtl="0" algn="l">
+            <a:pPr marL="0" lvl="0" indent="0" algn="l" rtl="0">
               <a:lnSpc>
                 <a:spcPct val="150000"/>
               </a:lnSpc>
@@ -12528,7 +12750,7 @@
             </a:endParaRPr>
           </a:p>
           <a:p>
-            <a:pPr indent="0" lvl="0" marL="0" rtl="0" algn="l">
+            <a:pPr marL="0" lvl="0" indent="0" algn="l" rtl="0">
               <a:lnSpc>
                 <a:spcPct val="150000"/>
               </a:lnSpc>
@@ -12555,7 +12777,7 @@
             </a:endParaRPr>
           </a:p>
           <a:p>
-            <a:pPr indent="0" lvl="0" marL="0" rtl="0" algn="l">
+            <a:pPr marL="0" lvl="0" indent="0" algn="l" rtl="0">
               <a:lnSpc>
                 <a:spcPct val="150000"/>
               </a:lnSpc>
@@ -12573,15 +12795,7 @@
                   <a:schemeClr val="dk1"/>
                 </a:solidFill>
               </a:rPr>
-              <a:t>Commission</a:t>
-            </a:r>
-            <a:r>
-              <a:rPr lang="en">
-                <a:solidFill>
-                  <a:schemeClr val="dk1"/>
-                </a:solidFill>
-              </a:rPr>
-              <a:t> rate(ex: 5%) = 14375 x 0.05 = 719$</a:t>
+              <a:t>Commission rate(ex: 5%) = 14375 x 0.05 = 719$</a:t>
             </a:r>
             <a:endParaRPr>
               <a:solidFill>
@@ -12590,7 +12804,7 @@
             </a:endParaRPr>
           </a:p>
           <a:p>
-            <a:pPr indent="0" lvl="0" marL="0" rtl="0" algn="l">
+            <a:pPr marL="0" lvl="0" indent="0" algn="l" rtl="0">
               <a:lnSpc>
                 <a:spcPct val="150000"/>
               </a:lnSpc>
@@ -12608,26 +12822,10 @@
                   <a:schemeClr val="dk1"/>
                 </a:solidFill>
               </a:rPr>
-              <a:t>Company Revenue = 14375 - 10000 </a:t>
+              <a:t>Company Revenue = 14375 - 10000 - 719 = </a:t>
             </a:r>
             <a:r>
-              <a:rPr lang="en">
-                <a:solidFill>
-                  <a:schemeClr val="dk1"/>
-                </a:solidFill>
-              </a:rPr>
-              <a:t>- 719</a:t>
-            </a:r>
-            <a:r>
-              <a:rPr lang="en">
-                <a:solidFill>
-                  <a:schemeClr val="dk1"/>
-                </a:solidFill>
-              </a:rPr>
-              <a:t> = </a:t>
-            </a:r>
-            <a:r>
-              <a:rPr b="1" lang="en">
+              <a:rPr lang="en" b="1">
                 <a:solidFill>
                   <a:schemeClr val="dk1"/>
                 </a:solidFill>
@@ -12641,7 +12839,7 @@
             </a:endParaRPr>
           </a:p>
           <a:p>
-            <a:pPr indent="0" lvl="0" marL="0" rtl="0" algn="l">
+            <a:pPr marL="0" lvl="0" indent="0" algn="l" rtl="0">
               <a:lnSpc>
                 <a:spcPct val="150000"/>
               </a:lnSpc>
@@ -12653,9 +12851,6 @@
               </a:spcAft>
               <a:buNone/>
             </a:pPr>
-            <a:r>
-              <a:t/>
-            </a:r>
             <a:endParaRPr>
               <a:solidFill>
                 <a:schemeClr val="dk1"/>
@@ -12672,32 +12867,32 @@
   <p:timing>
     <p:tnLst>
       <p:par>
-        <p:cTn dur="indefinite" nodeType="tmRoot" restart="never">
+        <p:cTn id="1" dur="indefinite" restart="never" nodeType="tmRoot">
           <p:childTnLst>
             <p:seq concurrent="1" nextAc="seek">
-              <p:cTn dur="indefinite" id="2" nodeType="mainSeq">
+              <p:cTn id="2" dur="indefinite" nodeType="mainSeq">
                 <p:childTnLst>
                   <p:par>
-                    <p:cTn fill="hold">
+                    <p:cTn id="3" fill="hold">
                       <p:stCondLst>
                         <p:cond delay="indefinite"/>
                       </p:stCondLst>
                       <p:childTnLst>
                         <p:par>
-                          <p:cTn fill="hold">
+                          <p:cTn id="4" fill="hold">
                             <p:stCondLst>
                               <p:cond delay="0"/>
                             </p:stCondLst>
                             <p:childTnLst>
                               <p:par>
-                                <p:cTn fill="hold" nodeType="clickEffect" presetClass="entr" presetID="1" presetSubtype="0">
+                                <p:cTn id="5" presetID="1" presetClass="entr" presetSubtype="0" fill="hold" nodeType="clickEffect">
                                   <p:stCondLst>
                                     <p:cond delay="0"/>
                                   </p:stCondLst>
                                   <p:childTnLst>
                                     <p:set>
                                       <p:cBhvr>
-                                        <p:cTn dur="1" fill="hold">
+                                        <p:cTn id="6" dur="1" fill="hold">
                                           <p:stCondLst>
                                             <p:cond delay="0"/>
                                           </p:stCondLst>
@@ -12725,14 +12920,14 @@
                 </p:childTnLst>
               </p:cTn>
               <p:prevCondLst>
-                <p:cond evt="onPrev">
+                <p:cond evt="onPrev" delay="0">
                   <p:tgtEl>
                     <p:sldTgt/>
                   </p:tgtEl>
                 </p:cond>
               </p:prevCondLst>
               <p:nextCondLst>
-                <p:cond evt="onNext">
+                <p:cond evt="onNext" delay="0">
                   <p:tgtEl>
                     <p:sldTgt/>
                   </p:tgtEl>
@@ -12748,11 +12943,11 @@
 </file>
 
 <file path=ppt/slides/slide5.xml><?xml version="1.0" encoding="utf-8"?>
-<p:sld xmlns:a="http://schemas.openxmlformats.org/drawingml/2006/main" xmlns:r="http://schemas.openxmlformats.org/officeDocument/2006/relationships" xmlns:mc="http://schemas.openxmlformats.org/markup-compatibility/2006" xmlns:mv="urn:schemas-microsoft-com:mac:vml" xmlns:p="http://schemas.openxmlformats.org/presentationml/2006/main" xmlns:c="http://schemas.openxmlformats.org/drawingml/2006/chart" xmlns:dgm="http://schemas.openxmlformats.org/drawingml/2006/diagram" xmlns:o="urn:schemas-microsoft-com:office:office" xmlns:v="urn:schemas-microsoft-com:vml" xmlns:pvml="urn:schemas-microsoft-com:office:powerpoint" xmlns:com="http://schemas.openxmlformats.org/drawingml/2006/compatibility" xmlns:p14="http://schemas.microsoft.com/office/powerpoint/2010/main" xmlns:p15="http://schemas.microsoft.com/office/powerpoint/2012/main" xmlns:ahyp="http://schemas.microsoft.com/office/drawing/2018/hyperlinkcolor">
+<p:sld xmlns:a="http://schemas.openxmlformats.org/drawingml/2006/main" xmlns:r="http://schemas.openxmlformats.org/officeDocument/2006/relationships" xmlns:p="http://schemas.openxmlformats.org/presentationml/2006/main">
   <p:cSld>
     <p:spTree>
       <p:nvGrpSpPr>
-        <p:cNvPr id="91" name="Shape 91"/>
+        <p:cNvPr id="1" name="Shape 91"/>
         <p:cNvGrpSpPr/>
         <p:nvPr/>
       </p:nvGrpSpPr>
@@ -12767,7 +12962,9 @@
       <p:sp>
         <p:nvSpPr>
           <p:cNvPr id="92" name="Google Shape;92;p17"/>
-          <p:cNvSpPr txBox="1"/>
+          <p:cNvSpPr txBox="1">
+            <a:spLocks noGrp="1"/>
+          </p:cNvSpPr>
           <p:nvPr>
             <p:ph type="title"/>
           </p:nvPr>
@@ -12782,12 +12979,12 @@
           </a:prstGeom>
         </p:spPr>
         <p:txBody>
-          <a:bodyPr anchorCtr="0" anchor="t" bIns="91425" lIns="91425" spcFirstLastPara="1" rIns="91425" wrap="square" tIns="91425">
+          <a:bodyPr spcFirstLastPara="1" wrap="square" lIns="91425" tIns="91425" rIns="91425" bIns="91425" anchor="t" anchorCtr="0">
             <a:normAutofit fontScale="90000"/>
           </a:bodyPr>
           <a:lstStyle/>
           <a:p>
-            <a:pPr indent="0" lvl="0" marL="0" rtl="0" algn="l">
+            <a:pPr marL="0" lvl="0" indent="0" algn="l" rtl="0">
               <a:spcBef>
                 <a:spcPts val="0"/>
               </a:spcBef>
@@ -12797,7 +12994,7 @@
               <a:buNone/>
             </a:pPr>
             <a:r>
-              <a:rPr b="1" lang="en">
+              <a:rPr lang="en" b="1">
                 <a:solidFill>
                   <a:srgbClr val="0000FF"/>
                 </a:solidFill>
@@ -12815,9 +13012,11 @@
       <p:sp>
         <p:nvSpPr>
           <p:cNvPr id="93" name="Google Shape;93;p17"/>
-          <p:cNvSpPr txBox="1"/>
+          <p:cNvSpPr txBox="1">
+            <a:spLocks noGrp="1"/>
+          </p:cNvSpPr>
           <p:nvPr>
-            <p:ph idx="1" type="body"/>
+            <p:ph type="body" idx="1"/>
           </p:nvPr>
         </p:nvSpPr>
         <p:spPr>
@@ -12830,12 +13029,12 @@
           </a:prstGeom>
         </p:spPr>
         <p:txBody>
-          <a:bodyPr anchorCtr="0" anchor="t" bIns="91425" lIns="91425" spcFirstLastPara="1" rIns="91425" wrap="square" tIns="91425">
+          <a:bodyPr spcFirstLastPara="1" wrap="square" lIns="91425" tIns="91425" rIns="91425" bIns="91425" anchor="t" anchorCtr="0">
             <a:normAutofit/>
           </a:bodyPr>
           <a:lstStyle/>
           <a:p>
-            <a:pPr indent="0" lvl="0" marL="0" rtl="0" algn="l">
+            <a:pPr marL="0" lvl="0" indent="0" algn="l" rtl="0">
               <a:spcBef>
                 <a:spcPts val="0"/>
               </a:spcBef>
@@ -12859,7 +13058,7 @@
             </a:endParaRPr>
           </a:p>
           <a:p>
-            <a:pPr indent="-342900" lvl="0" marL="457200" rtl="0" algn="l">
+            <a:pPr marL="457200" lvl="0" indent="-342900" algn="l" rtl="0">
               <a:spcBef>
                 <a:spcPts val="1200"/>
               </a:spcBef>
@@ -12887,7 +13086,7 @@
             </a:endParaRPr>
           </a:p>
           <a:p>
-            <a:pPr indent="-342900" lvl="0" marL="457200" rtl="0" algn="l">
+            <a:pPr marL="457200" lvl="0" indent="-342900" algn="l" rtl="0">
               <a:spcBef>
                 <a:spcPts val="0"/>
               </a:spcBef>
@@ -12915,7 +13114,7 @@
             </a:endParaRPr>
           </a:p>
           <a:p>
-            <a:pPr indent="-342900" lvl="0" marL="457200" rtl="0" algn="l">
+            <a:pPr marL="457200" lvl="0" indent="-342900" algn="l" rtl="0">
               <a:spcBef>
                 <a:spcPts val="0"/>
               </a:spcBef>
@@ -12943,7 +13142,7 @@
             </a:endParaRPr>
           </a:p>
           <a:p>
-            <a:pPr indent="-342900" lvl="0" marL="457200" rtl="0" algn="l">
+            <a:pPr marL="457200" lvl="0" indent="-342900" algn="l" rtl="0">
               <a:spcBef>
                 <a:spcPts val="0"/>
               </a:spcBef>
@@ -12981,11 +13180,11 @@
 </file>
 
 <file path=ppt/slides/slide6.xml><?xml version="1.0" encoding="utf-8"?>
-<p:sld xmlns:a="http://schemas.openxmlformats.org/drawingml/2006/main" xmlns:r="http://schemas.openxmlformats.org/officeDocument/2006/relationships" xmlns:mc="http://schemas.openxmlformats.org/markup-compatibility/2006" xmlns:mv="urn:schemas-microsoft-com:mac:vml" xmlns:p="http://schemas.openxmlformats.org/presentationml/2006/main" xmlns:c="http://schemas.openxmlformats.org/drawingml/2006/chart" xmlns:dgm="http://schemas.openxmlformats.org/drawingml/2006/diagram" xmlns:o="urn:schemas-microsoft-com:office:office" xmlns:v="urn:schemas-microsoft-com:vml" xmlns:pvml="urn:schemas-microsoft-com:office:powerpoint" xmlns:com="http://schemas.openxmlformats.org/drawingml/2006/compatibility" xmlns:p14="http://schemas.microsoft.com/office/powerpoint/2010/main" xmlns:p15="http://schemas.microsoft.com/office/powerpoint/2012/main" xmlns:ahyp="http://schemas.microsoft.com/office/drawing/2018/hyperlinkcolor">
+<p:sld xmlns:a="http://schemas.openxmlformats.org/drawingml/2006/main" xmlns:r="http://schemas.openxmlformats.org/officeDocument/2006/relationships" xmlns:p="http://schemas.openxmlformats.org/presentationml/2006/main">
   <p:cSld>
     <p:spTree>
       <p:nvGrpSpPr>
-        <p:cNvPr id="97" name="Shape 97"/>
+        <p:cNvPr id="1" name="Shape 97"/>
         <p:cNvGrpSpPr/>
         <p:nvPr/>
       </p:nvGrpSpPr>
@@ -13000,7 +13199,9 @@
       <p:sp>
         <p:nvSpPr>
           <p:cNvPr id="98" name="Google Shape;98;p18"/>
-          <p:cNvSpPr txBox="1"/>
+          <p:cNvSpPr txBox="1">
+            <a:spLocks noGrp="1"/>
+          </p:cNvSpPr>
           <p:nvPr>
             <p:ph type="title"/>
           </p:nvPr>
@@ -13015,12 +13216,12 @@
           </a:prstGeom>
         </p:spPr>
         <p:txBody>
-          <a:bodyPr anchorCtr="0" anchor="t" bIns="91425" lIns="91425" spcFirstLastPara="1" rIns="91425" wrap="square" tIns="91425">
+          <a:bodyPr spcFirstLastPara="1" wrap="square" lIns="91425" tIns="91425" rIns="91425" bIns="91425" anchor="t" anchorCtr="0">
             <a:normAutofit fontScale="90000"/>
           </a:bodyPr>
           <a:lstStyle/>
           <a:p>
-            <a:pPr indent="0" lvl="0" marL="0" rtl="0" algn="l">
+            <a:pPr marL="0" lvl="0" indent="0" algn="l" rtl="0">
               <a:spcBef>
                 <a:spcPts val="0"/>
               </a:spcBef>
@@ -13030,7 +13231,7 @@
               <a:buNone/>
             </a:pPr>
             <a:r>
-              <a:rPr b="1" lang="en">
+              <a:rPr lang="en" b="1">
                 <a:solidFill>
                   <a:srgbClr val="0000FF"/>
                 </a:solidFill>
@@ -13048,9 +13249,11 @@
       <p:sp>
         <p:nvSpPr>
           <p:cNvPr id="99" name="Google Shape;99;p18"/>
-          <p:cNvSpPr txBox="1"/>
+          <p:cNvSpPr txBox="1">
+            <a:spLocks noGrp="1"/>
+          </p:cNvSpPr>
           <p:nvPr>
-            <p:ph idx="1" type="body"/>
+            <p:ph type="body" idx="1"/>
           </p:nvPr>
         </p:nvSpPr>
         <p:spPr>
@@ -13063,12 +13266,12 @@
           </a:prstGeom>
         </p:spPr>
         <p:txBody>
-          <a:bodyPr anchorCtr="0" anchor="t" bIns="91425" lIns="91425" spcFirstLastPara="1" rIns="91425" wrap="square" tIns="91425">
+          <a:bodyPr spcFirstLastPara="1" wrap="square" lIns="91425" tIns="91425" rIns="91425" bIns="91425" anchor="t" anchorCtr="0">
             <a:normAutofit/>
           </a:bodyPr>
           <a:lstStyle/>
           <a:p>
-            <a:pPr indent="0" lvl="0" marL="0" rtl="0" algn="l">
+            <a:pPr marL="0" lvl="0" indent="0" algn="l" rtl="0">
               <a:spcBef>
                 <a:spcPts val="0"/>
               </a:spcBef>
@@ -13092,7 +13295,7 @@
             </a:endParaRPr>
           </a:p>
           <a:p>
-            <a:pPr indent="-342900" lvl="0" marL="457200" rtl="0" algn="l">
+            <a:pPr marL="457200" lvl="0" indent="-342900" algn="l" rtl="0">
               <a:spcBef>
                 <a:spcPts val="1200"/>
               </a:spcBef>
@@ -13120,7 +13323,7 @@
             </a:endParaRPr>
           </a:p>
           <a:p>
-            <a:pPr indent="-342900" lvl="0" marL="457200" rtl="0" algn="l">
+            <a:pPr marL="457200" lvl="0" indent="-342900" algn="l" rtl="0">
               <a:spcBef>
                 <a:spcPts val="0"/>
               </a:spcBef>
@@ -13148,7 +13351,7 @@
             </a:endParaRPr>
           </a:p>
           <a:p>
-            <a:pPr indent="-342900" lvl="0" marL="457200" rtl="0" algn="l">
+            <a:pPr marL="457200" lvl="0" indent="-342900" algn="l" rtl="0">
               <a:spcBef>
                 <a:spcPts val="0"/>
               </a:spcBef>
@@ -13176,7 +13379,7 @@
             </a:endParaRPr>
           </a:p>
           <a:p>
-            <a:pPr indent="-342900" lvl="0" marL="457200" rtl="0" algn="l">
+            <a:pPr marL="457200" lvl="0" indent="-342900" algn="l" rtl="0">
               <a:spcBef>
                 <a:spcPts val="0"/>
               </a:spcBef>
@@ -13214,11 +13417,11 @@
 </file>
 
 <file path=ppt/slides/slide7.xml><?xml version="1.0" encoding="utf-8"?>
-<p:sld xmlns:a="http://schemas.openxmlformats.org/drawingml/2006/main" xmlns:r="http://schemas.openxmlformats.org/officeDocument/2006/relationships" xmlns:mc="http://schemas.openxmlformats.org/markup-compatibility/2006" xmlns:mv="urn:schemas-microsoft-com:mac:vml" xmlns:p="http://schemas.openxmlformats.org/presentationml/2006/main" xmlns:c="http://schemas.openxmlformats.org/drawingml/2006/chart" xmlns:dgm="http://schemas.openxmlformats.org/drawingml/2006/diagram" xmlns:o="urn:schemas-microsoft-com:office:office" xmlns:v="urn:schemas-microsoft-com:vml" xmlns:pvml="urn:schemas-microsoft-com:office:powerpoint" xmlns:com="http://schemas.openxmlformats.org/drawingml/2006/compatibility" xmlns:p14="http://schemas.microsoft.com/office/powerpoint/2010/main" xmlns:p15="http://schemas.microsoft.com/office/powerpoint/2012/main" xmlns:ahyp="http://schemas.microsoft.com/office/drawing/2018/hyperlinkcolor">
+<p:sld xmlns:a="http://schemas.openxmlformats.org/drawingml/2006/main" xmlns:r="http://schemas.openxmlformats.org/officeDocument/2006/relationships" xmlns:p="http://schemas.openxmlformats.org/presentationml/2006/main">
   <p:cSld>
     <p:spTree>
       <p:nvGrpSpPr>
-        <p:cNvPr id="103" name="Shape 103"/>
+        <p:cNvPr id="1" name="Shape 103"/>
         <p:cNvGrpSpPr/>
         <p:nvPr/>
       </p:nvGrpSpPr>
@@ -13233,7 +13436,9 @@
       <p:sp>
         <p:nvSpPr>
           <p:cNvPr id="104" name="Google Shape;104;p19"/>
-          <p:cNvSpPr txBox="1"/>
+          <p:cNvSpPr txBox="1">
+            <a:spLocks noGrp="1"/>
+          </p:cNvSpPr>
           <p:nvPr>
             <p:ph type="title"/>
           </p:nvPr>
@@ -13248,12 +13453,12 @@
           </a:prstGeom>
         </p:spPr>
         <p:txBody>
-          <a:bodyPr anchorCtr="0" anchor="t" bIns="91425" lIns="91425" spcFirstLastPara="1" rIns="91425" wrap="square" tIns="91425">
+          <a:bodyPr spcFirstLastPara="1" wrap="square" lIns="91425" tIns="91425" rIns="91425" bIns="91425" anchor="t" anchorCtr="0">
             <a:normAutofit fontScale="90000"/>
           </a:bodyPr>
           <a:lstStyle/>
           <a:p>
-            <a:pPr indent="0" lvl="0" marL="0" rtl="0" algn="l">
+            <a:pPr marL="0" lvl="0" indent="0" algn="l" rtl="0">
               <a:spcBef>
                 <a:spcPts val="0"/>
               </a:spcBef>
@@ -13263,7 +13468,7 @@
               <a:buNone/>
             </a:pPr>
             <a:r>
-              <a:rPr b="1" lang="en">
+              <a:rPr lang="en" b="1">
                 <a:solidFill>
                   <a:srgbClr val="0000FF"/>
                 </a:solidFill>
@@ -13281,9 +13486,11 @@
       <p:sp>
         <p:nvSpPr>
           <p:cNvPr id="105" name="Google Shape;105;p19"/>
-          <p:cNvSpPr txBox="1"/>
+          <p:cNvSpPr txBox="1">
+            <a:spLocks noGrp="1"/>
+          </p:cNvSpPr>
           <p:nvPr>
-            <p:ph idx="1" type="body"/>
+            <p:ph type="body" idx="1"/>
           </p:nvPr>
         </p:nvSpPr>
         <p:spPr>
@@ -13296,12 +13503,12 @@
           </a:prstGeom>
         </p:spPr>
         <p:txBody>
-          <a:bodyPr anchorCtr="0" anchor="t" bIns="91425" lIns="91425" spcFirstLastPara="1" rIns="91425" wrap="square" tIns="91425">
-            <a:normAutofit/>
+          <a:bodyPr spcFirstLastPara="1" wrap="square" lIns="91425" tIns="91425" rIns="91425" bIns="91425" anchor="t" anchorCtr="0">
+            <a:normAutofit lnSpcReduction="10000"/>
           </a:bodyPr>
           <a:lstStyle/>
           <a:p>
-            <a:pPr indent="0" lvl="0" marL="0" rtl="0" algn="l">
+            <a:pPr marL="0" lvl="0" indent="0" algn="l" rtl="0">
               <a:lnSpc>
                 <a:spcPct val="150000"/>
               </a:lnSpc>
@@ -13319,20 +13526,12 @@
               <a:buNone/>
             </a:pPr>
             <a:r>
-              <a:rPr b="1" lang="en">
+              <a:rPr lang="en" b="1">
                 <a:solidFill>
                   <a:schemeClr val="accent1"/>
                 </a:solidFill>
               </a:rPr>
-              <a:t>Q: </a:t>
-            </a:r>
-            <a:r>
-              <a:rPr b="1" lang="en">
-                <a:solidFill>
-                  <a:schemeClr val="accent1"/>
-                </a:solidFill>
-              </a:rPr>
-              <a:t>who sale a lot of car?</a:t>
+              <a:t>Q: who sale a lot of car?</a:t>
             </a:r>
             <a:endParaRPr b="1">
               <a:solidFill>
@@ -13341,7 +13540,7 @@
             </a:endParaRPr>
           </a:p>
           <a:p>
-            <a:pPr indent="0" lvl="0" marL="0" rtl="0" algn="l">
+            <a:pPr marL="0" lvl="0" indent="0" algn="l" rtl="0">
               <a:lnSpc>
                 <a:spcPct val="150000"/>
               </a:lnSpc>
@@ -13359,15 +13558,7 @@
                   <a:schemeClr val="dk1"/>
                 </a:solidFill>
               </a:rPr>
-              <a:t>A: </a:t>
-            </a:r>
-            <a:r>
-              <a:rPr lang="en">
-                <a:solidFill>
-                  <a:schemeClr val="dk1"/>
-                </a:solidFill>
-              </a:rPr>
-              <a:t>The salesperson who sold the most cars is David Williams with 455 cars sold.</a:t>
+              <a:t>A: The salesperson who sold the most cars is David Williams with 455 cars sold.</a:t>
             </a:r>
             <a:endParaRPr>
               <a:solidFill>
@@ -13376,7 +13567,7 @@
             </a:endParaRPr>
           </a:p>
           <a:p>
-            <a:pPr indent="0" lvl="0" marL="0" rtl="0" algn="l">
+            <a:pPr marL="0" lvl="0" indent="0" algn="l" rtl="0">
               <a:lnSpc>
                 <a:spcPct val="150000"/>
               </a:lnSpc>
@@ -13389,20 +13580,12 @@
               <a:buNone/>
             </a:pPr>
             <a:r>
-              <a:rPr b="1" lang="en">
+              <a:rPr lang="en" b="1">
                 <a:solidFill>
                   <a:schemeClr val="accent1"/>
                 </a:solidFill>
               </a:rPr>
-              <a:t>Q: </a:t>
-            </a:r>
-            <a:r>
-              <a:rPr b="1" lang="en">
-                <a:solidFill>
-                  <a:schemeClr val="accent1"/>
-                </a:solidFill>
-              </a:rPr>
-              <a:t>who earn a lot of commission?</a:t>
+              <a:t>Q: who earn a lot of commission?</a:t>
             </a:r>
             <a:endParaRPr b="1">
               <a:solidFill>
@@ -13411,7 +13594,7 @@
             </a:endParaRPr>
           </a:p>
           <a:p>
-            <a:pPr indent="0" lvl="0" marL="0" rtl="0" algn="l">
+            <a:pPr marL="0" lvl="0" indent="0" algn="l" rtl="0">
               <a:lnSpc>
                 <a:spcPct val="150000"/>
               </a:lnSpc>
@@ -13434,7 +13617,7 @@
             </a:endParaRPr>
           </a:p>
           <a:p>
-            <a:pPr indent="0" lvl="0" marL="0" rtl="0" algn="l">
+            <a:pPr marL="0" lvl="0" indent="0" algn="l" rtl="0">
               <a:lnSpc>
                 <a:spcPct val="150000"/>
               </a:lnSpc>
@@ -13447,7 +13630,7 @@
               <a:buNone/>
             </a:pPr>
             <a:r>
-              <a:rPr b="1" lang="en">
+              <a:rPr lang="en" b="1">
                 <a:solidFill>
                   <a:schemeClr val="accent1"/>
                 </a:solidFill>
@@ -13461,7 +13644,7 @@
             </a:endParaRPr>
           </a:p>
           <a:p>
-            <a:pPr indent="0" lvl="0" marL="0" rtl="0" algn="l">
+            <a:pPr marL="0" lvl="0" indent="0" algn="l" rtl="0">
               <a:lnSpc>
                 <a:spcPct val="150000"/>
               </a:lnSpc>
@@ -13503,11 +13686,11 @@
 </file>
 
 <file path=ppt/slides/slide8.xml><?xml version="1.0" encoding="utf-8"?>
-<p:sld xmlns:a="http://schemas.openxmlformats.org/drawingml/2006/main" xmlns:r="http://schemas.openxmlformats.org/officeDocument/2006/relationships" xmlns:mc="http://schemas.openxmlformats.org/markup-compatibility/2006" xmlns:mv="urn:schemas-microsoft-com:mac:vml" xmlns:p="http://schemas.openxmlformats.org/presentationml/2006/main" xmlns:c="http://schemas.openxmlformats.org/drawingml/2006/chart" xmlns:dgm="http://schemas.openxmlformats.org/drawingml/2006/diagram" xmlns:o="urn:schemas-microsoft-com:office:office" xmlns:v="urn:schemas-microsoft-com:vml" xmlns:pvml="urn:schemas-microsoft-com:office:powerpoint" xmlns:com="http://schemas.openxmlformats.org/drawingml/2006/compatibility" xmlns:p14="http://schemas.microsoft.com/office/powerpoint/2010/main" xmlns:p15="http://schemas.microsoft.com/office/powerpoint/2012/main" xmlns:ahyp="http://schemas.microsoft.com/office/drawing/2018/hyperlinkcolor">
+<p:sld xmlns:a="http://schemas.openxmlformats.org/drawingml/2006/main" xmlns:r="http://schemas.openxmlformats.org/officeDocument/2006/relationships" xmlns:p="http://schemas.openxmlformats.org/presentationml/2006/main">
   <p:cSld>
     <p:spTree>
       <p:nvGrpSpPr>
-        <p:cNvPr id="109" name="Shape 109"/>
+        <p:cNvPr id="1" name="Shape 109"/>
         <p:cNvGrpSpPr/>
         <p:nvPr/>
       </p:nvGrpSpPr>
@@ -13567,12 +13750,12 @@
           </a:ln>
         </p:spPr>
         <p:txBody>
-          <a:bodyPr anchorCtr="0" anchor="t" bIns="91425" lIns="91425" spcFirstLastPara="1" rIns="91425" wrap="square" tIns="91425">
+          <a:bodyPr spcFirstLastPara="1" wrap="square" lIns="91425" tIns="91425" rIns="91425" bIns="91425" anchor="t" anchorCtr="0">
             <a:noAutofit/>
           </a:bodyPr>
           <a:lstStyle/>
           <a:p>
-            <a:pPr indent="0" lvl="0" marL="0" rtl="0" algn="l">
+            <a:pPr marL="0" lvl="0" indent="0" algn="l" rtl="0">
               <a:spcBef>
                 <a:spcPts val="0"/>
               </a:spcBef>
@@ -13587,15 +13770,7 @@
                   <a:schemeClr val="dk1"/>
                 </a:solidFill>
               </a:rPr>
-              <a:t>The uniques salesperson has 30 people. And </a:t>
-            </a:r>
-            <a:r>
-              <a:rPr lang="en" sz="1800">
-                <a:solidFill>
-                  <a:schemeClr val="dk1"/>
-                </a:solidFill>
-              </a:rPr>
-              <a:t>David Williams with 455 cars sold</a:t>
+              <a:t>The uniques salesperson has 30 people. And David Williams with 455 cars sold</a:t>
             </a:r>
             <a:endParaRPr sz="1800">
               <a:solidFill>
@@ -13608,7 +13783,9 @@
       <p:sp>
         <p:nvSpPr>
           <p:cNvPr id="112" name="Google Shape;112;p20"/>
-          <p:cNvSpPr txBox="1"/>
+          <p:cNvSpPr txBox="1">
+            <a:spLocks noGrp="1"/>
+          </p:cNvSpPr>
           <p:nvPr>
             <p:ph type="title"/>
           </p:nvPr>
@@ -13623,12 +13800,12 @@
           </a:prstGeom>
         </p:spPr>
         <p:txBody>
-          <a:bodyPr anchorCtr="0" anchor="t" bIns="91425" lIns="91425" spcFirstLastPara="1" rIns="91425" wrap="square" tIns="91425">
+          <a:bodyPr spcFirstLastPara="1" wrap="square" lIns="91425" tIns="91425" rIns="91425" bIns="91425" anchor="t" anchorCtr="0">
             <a:normAutofit fontScale="90000"/>
           </a:bodyPr>
           <a:lstStyle/>
           <a:p>
-            <a:pPr indent="0" lvl="0" marL="0" rtl="0" algn="l">
+            <a:pPr marL="0" lvl="0" indent="0" algn="l" rtl="0">
               <a:spcBef>
                 <a:spcPts val="0"/>
               </a:spcBef>
@@ -13638,7 +13815,7 @@
               <a:buNone/>
             </a:pPr>
             <a:r>
-              <a:rPr b="1" lang="en">
+              <a:rPr lang="en" b="1">
                 <a:solidFill>
                   <a:srgbClr val="0000FF"/>
                 </a:solidFill>
@@ -13662,11 +13839,11 @@
 </file>
 
 <file path=ppt/slides/slide9.xml><?xml version="1.0" encoding="utf-8"?>
-<p:sld xmlns:a="http://schemas.openxmlformats.org/drawingml/2006/main" xmlns:r="http://schemas.openxmlformats.org/officeDocument/2006/relationships" xmlns:mc="http://schemas.openxmlformats.org/markup-compatibility/2006" xmlns:mv="urn:schemas-microsoft-com:mac:vml" xmlns:p="http://schemas.openxmlformats.org/presentationml/2006/main" xmlns:c="http://schemas.openxmlformats.org/drawingml/2006/chart" xmlns:dgm="http://schemas.openxmlformats.org/drawingml/2006/diagram" xmlns:o="urn:schemas-microsoft-com:office:office" xmlns:v="urn:schemas-microsoft-com:vml" xmlns:pvml="urn:schemas-microsoft-com:office:powerpoint" xmlns:com="http://schemas.openxmlformats.org/drawingml/2006/compatibility" xmlns:p14="http://schemas.microsoft.com/office/powerpoint/2010/main" xmlns:p15="http://schemas.microsoft.com/office/powerpoint/2012/main" xmlns:ahyp="http://schemas.microsoft.com/office/drawing/2018/hyperlinkcolor">
+<p:sld xmlns:a="http://schemas.openxmlformats.org/drawingml/2006/main" xmlns:r="http://schemas.openxmlformats.org/officeDocument/2006/relationships" xmlns:p="http://schemas.openxmlformats.org/presentationml/2006/main">
   <p:cSld>
     <p:spTree>
       <p:nvGrpSpPr>
-        <p:cNvPr id="116" name="Shape 116"/>
+        <p:cNvPr id="1" name="Shape 116"/>
         <p:cNvGrpSpPr/>
         <p:nvPr/>
       </p:nvGrpSpPr>
@@ -13681,7 +13858,9 @@
       <p:sp>
         <p:nvSpPr>
           <p:cNvPr id="117" name="Google Shape;117;p21"/>
-          <p:cNvSpPr txBox="1"/>
+          <p:cNvSpPr txBox="1">
+            <a:spLocks noGrp="1"/>
+          </p:cNvSpPr>
           <p:nvPr>
             <p:ph type="title"/>
           </p:nvPr>
@@ -13696,12 +13875,12 @@
           </a:prstGeom>
         </p:spPr>
         <p:txBody>
-          <a:bodyPr anchorCtr="0" anchor="t" bIns="91425" lIns="91425" spcFirstLastPara="1" rIns="91425" wrap="square" tIns="91425">
+          <a:bodyPr spcFirstLastPara="1" wrap="square" lIns="91425" tIns="91425" rIns="91425" bIns="91425" anchor="t" anchorCtr="0">
             <a:normAutofit fontScale="90000"/>
           </a:bodyPr>
           <a:lstStyle/>
           <a:p>
-            <a:pPr indent="0" lvl="0" marL="0" rtl="0" algn="l">
+            <a:pPr marL="0" lvl="0" indent="0" algn="l" rtl="0">
               <a:spcBef>
                 <a:spcPts val="0"/>
               </a:spcBef>
@@ -13711,7 +13890,7 @@
               <a:buNone/>
             </a:pPr>
             <a:r>
-              <a:rPr b="1" lang="en">
+              <a:rPr lang="en" b="1">
                 <a:solidFill>
                   <a:srgbClr val="0000FF"/>
                 </a:solidFill>
@@ -13774,12 +13953,12 @@
           </a:ln>
         </p:spPr>
         <p:txBody>
-          <a:bodyPr anchorCtr="0" anchor="t" bIns="91425" lIns="91425" spcFirstLastPara="1" rIns="91425" wrap="square" tIns="91425">
+          <a:bodyPr spcFirstLastPara="1" wrap="square" lIns="91425" tIns="91425" rIns="91425" bIns="91425" anchor="t" anchorCtr="0">
             <a:noAutofit/>
           </a:bodyPr>
           <a:lstStyle/>
           <a:p>
-            <a:pPr indent="0" lvl="0" marL="0" rtl="0" algn="l">
+            <a:pPr marL="0" lvl="0" indent="0" algn="l" rtl="0">
               <a:spcBef>
                 <a:spcPts val="0"/>
               </a:spcBef>
@@ -13841,7 +14020,7 @@
 </file>
 
 <file path=ppt/theme/theme1.xml><?xml version="1.0" encoding="utf-8"?>
-<a:theme xmlns:a="http://schemas.openxmlformats.org/drawingml/2006/main" xmlns:r="http://schemas.openxmlformats.org/officeDocument/2006/relationships" name="Simple Light">
+<a:theme xmlns:a="http://schemas.openxmlformats.org/drawingml/2006/main" name="Simple Light">
   <a:themeElements>
     <a:clrScheme name="Simple Light">
       <a:dk1>
@@ -14116,11 +14295,13 @@
       </a:bgFillStyleLst>
     </a:fmtScheme>
   </a:themeElements>
+  <a:objectDefaults/>
+  <a:extraClrSchemeLst/>
 </a:theme>
 </file>
 
 <file path=ppt/theme/theme2.xml><?xml version="1.0" encoding="utf-8"?>
-<a:theme xmlns:a="http://schemas.openxmlformats.org/drawingml/2006/main" xmlns:r="http://schemas.openxmlformats.org/officeDocument/2006/relationships">
+<a:theme xmlns:a="http://schemas.openxmlformats.org/drawingml/2006/main">
   <a:themeElements>
     <a:clrScheme name="Default">
       <a:dk1>
@@ -14395,5 +14576,7 @@
       </a:bgFillStyleLst>
     </a:fmtScheme>
   </a:themeElements>
+  <a:objectDefaults/>
+  <a:extraClrSchemeLst/>
 </a:theme>
 </file>